--- a/Notes and Slides/CIS399Wk2Day5-Fragments.pptx
+++ b/Notes and Slides/CIS399Wk2Day5-Fragments.pptx
@@ -12,37 +12,37 @@
     <p:sldId id="268" r:id="rId3"/>
     <p:sldId id="283" r:id="rId4"/>
     <p:sldId id="270" r:id="rId5"/>
-    <p:sldId id="311" r:id="rId6"/>
-    <p:sldId id="312" r:id="rId7"/>
-    <p:sldId id="319" r:id="rId8"/>
-    <p:sldId id="320" r:id="rId9"/>
-    <p:sldId id="313" r:id="rId10"/>
-    <p:sldId id="314" r:id="rId11"/>
-    <p:sldId id="315" r:id="rId12"/>
-    <p:sldId id="317" r:id="rId13"/>
-    <p:sldId id="318" r:id="rId14"/>
-    <p:sldId id="316" r:id="rId15"/>
-    <p:sldId id="321" r:id="rId16"/>
-    <p:sldId id="322" r:id="rId17"/>
-    <p:sldId id="323" r:id="rId18"/>
-    <p:sldId id="324" r:id="rId19"/>
-    <p:sldId id="325" r:id="rId20"/>
-    <p:sldId id="326" r:id="rId21"/>
-    <p:sldId id="327" r:id="rId22"/>
-    <p:sldId id="328" r:id="rId23"/>
-    <p:sldId id="329" r:id="rId24"/>
-    <p:sldId id="330" r:id="rId25"/>
-    <p:sldId id="331" r:id="rId26"/>
-    <p:sldId id="332" r:id="rId27"/>
-    <p:sldId id="333" r:id="rId28"/>
-    <p:sldId id="334" r:id="rId29"/>
-    <p:sldId id="335" r:id="rId30"/>
-    <p:sldId id="336" r:id="rId31"/>
-    <p:sldId id="337" r:id="rId32"/>
-    <p:sldId id="338" r:id="rId33"/>
-    <p:sldId id="339" r:id="rId34"/>
-    <p:sldId id="340" r:id="rId35"/>
-    <p:sldId id="341" r:id="rId36"/>
+    <p:sldId id="343" r:id="rId6"/>
+    <p:sldId id="311" r:id="rId7"/>
+    <p:sldId id="312" r:id="rId8"/>
+    <p:sldId id="319" r:id="rId9"/>
+    <p:sldId id="320" r:id="rId10"/>
+    <p:sldId id="313" r:id="rId11"/>
+    <p:sldId id="314" r:id="rId12"/>
+    <p:sldId id="315" r:id="rId13"/>
+    <p:sldId id="317" r:id="rId14"/>
+    <p:sldId id="318" r:id="rId15"/>
+    <p:sldId id="344" r:id="rId16"/>
+    <p:sldId id="316" r:id="rId17"/>
+    <p:sldId id="321" r:id="rId18"/>
+    <p:sldId id="322" r:id="rId19"/>
+    <p:sldId id="323" r:id="rId20"/>
+    <p:sldId id="324" r:id="rId21"/>
+    <p:sldId id="325" r:id="rId22"/>
+    <p:sldId id="326" r:id="rId23"/>
+    <p:sldId id="327" r:id="rId24"/>
+    <p:sldId id="328" r:id="rId25"/>
+    <p:sldId id="329" r:id="rId26"/>
+    <p:sldId id="330" r:id="rId27"/>
+    <p:sldId id="331" r:id="rId28"/>
+    <p:sldId id="333" r:id="rId29"/>
+    <p:sldId id="334" r:id="rId30"/>
+    <p:sldId id="345" r:id="rId31"/>
+    <p:sldId id="335" r:id="rId32"/>
+    <p:sldId id="337" r:id="rId33"/>
+    <p:sldId id="338" r:id="rId34"/>
+    <p:sldId id="339" r:id="rId35"/>
+    <p:sldId id="340" r:id="rId36"/>
     <p:sldId id="342" r:id="rId37"/>
   </p:sldIdLst>
   <p:sldSz cx="9144000" cy="6858000" type="screen4x3"/>
@@ -144,7 +144,7 @@
   </p:defaultTextStyle>
   <p:extLst>
     <p:ext uri="{EFAFB233-063F-42B5-8137-9DF3F51BA10A}">
-      <p15:sldGuideLst xmlns="" xmlns:p15="http://schemas.microsoft.com/office/powerpoint/2012/main">
+      <p15:sldGuideLst xmlns:p15="http://schemas.microsoft.com/office/powerpoint/2012/main">
         <p15:guide id="1" orient="horz" pos="2160">
           <p15:clr>
             <a:srgbClr val="A4A3A4"/>
@@ -930,7 +930,7 @@
         <a:p>
           <a:r>
             <a:rPr lang="en-US" dirty="0" smtClean="0"/>
-            <a:t>Activity AXML layout: instantiates a Fragment object</a:t>
+            <a:t>Activity XML layout: instantiates a Fragment object</a:t>
           </a:r>
           <a:endParaRPr lang="en-US" dirty="0"/>
         </a:p>
@@ -973,7 +973,7 @@
         <a:p>
           <a:r>
             <a:rPr lang="en-US" dirty="0" smtClean="0"/>
-            <a:t>Fragment object: inflates fragment AXML UI layout</a:t>
+            <a:t>Fragment object: inflates fragment XML UI layout</a:t>
           </a:r>
           <a:endParaRPr lang="en-US" dirty="0"/>
         </a:p>
@@ -1016,7 +1016,7 @@
         <a:p>
           <a:r>
             <a:rPr lang="en-US" dirty="0" smtClean="0"/>
-            <a:t>Fragment AXML UI layout is displayed by the activity</a:t>
+            <a:t>Fragment XML UI layout is displayed by the activity</a:t>
           </a:r>
           <a:endParaRPr lang="en-US" dirty="0"/>
         </a:p>
@@ -1059,7 +1059,7 @@
         <a:p>
           <a:r>
             <a:rPr lang="en-US" dirty="0" smtClean="0"/>
-            <a:t>Activity: loads an AXML layout</a:t>
+            <a:t>Activity: loads an XML layout</a:t>
           </a:r>
           <a:endParaRPr lang="en-US" dirty="0"/>
         </a:p>
@@ -1233,8 +1233,8 @@
     <dgm:cxn modelId="{E3E2A7BC-0A1E-514A-84FC-C72310000B7A}" type="presOf" srcId="{2171B556-8616-4B42-A3E2-D633C856F111}" destId="{B46F7BD8-C3B8-8045-A05F-4396BDC0253F}" srcOrd="0" destOrd="0" presId="urn:microsoft.com/office/officeart/2005/8/layout/process2"/>
     <dgm:cxn modelId="{B160AE9A-254D-1F4A-B77F-CE42304FDEB1}" type="presOf" srcId="{65E8FAC2-393D-4E47-B85F-03905BCED5B8}" destId="{0B3BC8A6-F383-8147-A607-EB2356A6E6D2}" srcOrd="0" destOrd="0" presId="urn:microsoft.com/office/officeart/2005/8/layout/process2"/>
     <dgm:cxn modelId="{034B0CA4-3FE3-974C-B704-A29FB95ACE01}" type="presOf" srcId="{31D9515E-CD53-DC47-B5F6-7ACA25DC1715}" destId="{0F1A5BE7-A71F-8640-BF06-45FF71F56605}" srcOrd="0" destOrd="0" presId="urn:microsoft.com/office/officeart/2005/8/layout/process2"/>
+    <dgm:cxn modelId="{0EB5CB2B-095A-614F-886F-99451A2E1408}" type="presOf" srcId="{1D202CD0-3C23-B145-B8D0-B5A6B9949A75}" destId="{E09F8A1B-7DCE-DE4C-984F-F7DD98E5CE1B}" srcOrd="1" destOrd="0" presId="urn:microsoft.com/office/officeart/2005/8/layout/process2"/>
     <dgm:cxn modelId="{A5FD7CCB-EF6E-B045-8A30-0475E024C893}" srcId="{03ECD48F-D3FA-754C-894F-BBE707DCEFCC}" destId="{CC67F7D0-3191-B641-BF66-F48DF3519CDF}" srcOrd="1" destOrd="0" parTransId="{5F155BCE-71B4-DC46-9F39-B7FD180D8D87}" sibTransId="{65E8FAC2-393D-4E47-B85F-03905BCED5B8}"/>
-    <dgm:cxn modelId="{0EB5CB2B-095A-614F-886F-99451A2E1408}" type="presOf" srcId="{1D202CD0-3C23-B145-B8D0-B5A6B9949A75}" destId="{E09F8A1B-7DCE-DE4C-984F-F7DD98E5CE1B}" srcOrd="1" destOrd="0" presId="urn:microsoft.com/office/officeart/2005/8/layout/process2"/>
     <dgm:cxn modelId="{214B172E-00E0-D943-B66E-587C7942E5DA}" type="presOf" srcId="{CC67F7D0-3191-B641-BF66-F48DF3519CDF}" destId="{B1A08DAC-B0FD-414E-A1FD-8679092E8C3B}" srcOrd="0" destOrd="0" presId="urn:microsoft.com/office/officeart/2005/8/layout/process2"/>
     <dgm:cxn modelId="{56E703F0-BE79-4F44-8A3A-08C3C8407A22}" srcId="{03ECD48F-D3FA-754C-894F-BBE707DCEFCC}" destId="{AA1181C7-1C97-1843-B8B0-526235D0A15D}" srcOrd="0" destOrd="0" parTransId="{30D77C7C-24F2-6140-AE2F-AD132777E756}" sibTransId="{31D9515E-CD53-DC47-B5F6-7ACA25DC1715}"/>
     <dgm:cxn modelId="{6BD8085B-A093-134F-85B9-A483C6F7E831}" type="presOf" srcId="{03ECD48F-D3FA-754C-894F-BBE707DCEFCC}" destId="{B9AA4314-4148-6D4E-A5FD-4963495833CB}" srcOrd="0" destOrd="0" presId="urn:microsoft.com/office/officeart/2005/8/layout/process2"/>
@@ -1331,7 +1331,7 @@
           </a:pPr>
           <a:r>
             <a:rPr lang="en-US" sz="1800" kern="1200" dirty="0" smtClean="0"/>
-            <a:t>Activity: loads an AXML layout</a:t>
+            <a:t>Activity: loads an XML layout</a:t>
           </a:r>
           <a:endParaRPr lang="en-US" sz="1800" kern="1200" dirty="0"/>
         </a:p>
@@ -1500,7 +1500,7 @@
           </a:pPr>
           <a:r>
             <a:rPr lang="en-US" sz="1800" kern="1200" dirty="0" smtClean="0"/>
-            <a:t>Activity AXML layout: instantiates a Fragment object</a:t>
+            <a:t>Activity XML layout: instantiates a Fragment object</a:t>
           </a:r>
           <a:endParaRPr lang="en-US" sz="1800" kern="1200" dirty="0"/>
         </a:p>
@@ -1669,7 +1669,7 @@
           </a:pPr>
           <a:r>
             <a:rPr lang="en-US" sz="1800" kern="1200" dirty="0" smtClean="0"/>
-            <a:t>Fragment object: inflates fragment AXML UI layout</a:t>
+            <a:t>Fragment object: inflates fragment XML UI layout</a:t>
           </a:r>
           <a:endParaRPr lang="en-US" sz="1800" kern="1200" dirty="0"/>
         </a:p>
@@ -1838,7 +1838,7 @@
           </a:pPr>
           <a:r>
             <a:rPr lang="en-US" sz="1800" kern="1200" dirty="0" smtClean="0"/>
-            <a:t>Fragment AXML UI layout is displayed by the activity</a:t>
+            <a:t>Fragment XML UI layout is displayed by the activity</a:t>
           </a:r>
           <a:endParaRPr lang="en-US" sz="1800" kern="1200" dirty="0"/>
         </a:p>
@@ -3117,7 +3117,7 @@
           <a:p>
             <a:fld id="{1FC32AA1-1225-9048-80C3-2B6F58548154}" type="datetimeFigureOut">
               <a:rPr lang="en-US" smtClean="0"/>
-              <a:t>7/1/16</a:t>
+              <a:t>7/10/17</a:t>
             </a:fld>
             <a:endParaRPr lang="en-US"/>
           </a:p>
@@ -3586,11 +3586,7 @@
             </a:pPr>
             <a:r>
               <a:rPr lang="en-US" dirty="0" smtClean="0"/>
-              <a:t>Note:</a:t>
-            </a:r>
-            <a:r>
-              <a:rPr lang="en-US" dirty="0" smtClean="0"/>
-              <a:t> a fragment is not required to be a part of the activity layout; you may also use a fragment without its own UI as an invisible worker for the activity.</a:t>
+              <a:t>Note: a fragment is not required to be a part of the activity layout; you may also use a fragment without its own UI as an invisible worker for the activity.</a:t>
             </a:r>
           </a:p>
           <a:p>
@@ -3624,7 +3620,7 @@
     </p:spTree>
     <p:extLst>
       <p:ext uri="{BB962C8B-B14F-4D97-AF65-F5344CB8AC3E}">
-        <p14:creationId xmlns:p14="http://schemas.microsoft.com/office/powerpoint/2010/main" val="2866195319"/>
+        <p14:creationId xmlns:p14="http://schemas.microsoft.com/office/powerpoint/2010/main" val="2065438063"/>
       </p:ext>
     </p:extLst>
   </p:cSld>
@@ -3680,12 +3676,46 @@
           <a:p>
             <a:r>
               <a:rPr lang="en-US" dirty="0" smtClean="0"/>
-              <a:t>If you create</a:t>
-            </a:r>
-            <a:r>
-              <a:rPr lang="en-US" baseline="0" dirty="0" smtClean="0"/>
-              <a:t> a new activity using the New, Activity menu in Android studio, it will automatically create a layout xml file and add an &lt;Activity&gt; element to the manifest</a:t>
-            </a:r>
+              <a:t>https://</a:t>
+            </a:r>
+            <a:r>
+              <a:rPr lang="en-US" dirty="0" err="1" smtClean="0"/>
+              <a:t>developer.android.com</a:t>
+            </a:r>
+            <a:r>
+              <a:rPr lang="en-US" dirty="0" smtClean="0"/>
+              <a:t>/guide/components/</a:t>
+            </a:r>
+            <a:r>
+              <a:rPr lang="en-US" dirty="0" err="1" smtClean="0"/>
+              <a:t>fragments.html</a:t>
+            </a:r>
+            <a:endParaRPr lang="en-US" dirty="0" smtClean="0"/>
+          </a:p>
+          <a:p>
+            <a:pPr marL="0" marR="0" lvl="1" indent="0" algn="l" defTabSz="457200" rtl="0" eaLnBrk="1" fontAlgn="auto" latinLnBrk="0" hangingPunct="1">
+              <a:lnSpc>
+                <a:spcPct val="100000"/>
+              </a:lnSpc>
+              <a:spcBef>
+                <a:spcPts val="0"/>
+              </a:spcBef>
+              <a:spcAft>
+                <a:spcPts val="0"/>
+              </a:spcAft>
+              <a:buClrTx/>
+              <a:buSzTx/>
+              <a:buFontTx/>
+              <a:buNone/>
+              <a:tabLst/>
+              <a:defRPr/>
+            </a:pPr>
+            <a:r>
+              <a:rPr lang="en-US" dirty="0" smtClean="0"/>
+              <a:t>Note: a fragment is not required to be a part of the activity layout; you may also use a fragment without its own UI as an invisible worker for the activity.</a:t>
+            </a:r>
+          </a:p>
+          <a:p>
             <a:endParaRPr lang="en-US" dirty="0"/>
           </a:p>
         </p:txBody>
@@ -3705,9 +3735,243 @@
           <a:bodyPr/>
           <a:lstStyle/>
           <a:p>
+            <a:fld id="{44EB6C7D-DFD8-944D-93E3-D07F7EBDDEA8}" type="slidenum">
+              <a:rPr lang="en-US" smtClean="0"/>
+              <a:t>6</a:t>
+            </a:fld>
+            <a:endParaRPr lang="en-US"/>
+          </a:p>
+        </p:txBody>
+      </p:sp>
+    </p:spTree>
+    <p:extLst>
+      <p:ext uri="{BB962C8B-B14F-4D97-AF65-F5344CB8AC3E}">
+        <p14:creationId xmlns:p14="http://schemas.microsoft.com/office/powerpoint/2010/main" val="2866195319"/>
+      </p:ext>
+    </p:extLst>
+  </p:cSld>
+  <p:clrMapOvr>
+    <a:masterClrMapping/>
+  </p:clrMapOvr>
+</p:notes>
+</file>
+
+<file path=ppt/notesSlides/notesSlide4.xml><?xml version="1.0" encoding="utf-8"?>
+<p:notes xmlns:a="http://schemas.openxmlformats.org/drawingml/2006/main" xmlns:r="http://schemas.openxmlformats.org/officeDocument/2006/relationships" xmlns:p="http://schemas.openxmlformats.org/presentationml/2006/main">
+  <p:cSld>
+    <p:spTree>
+      <p:nvGrpSpPr>
+        <p:cNvPr id="1" name=""/>
+        <p:cNvGrpSpPr/>
+        <p:nvPr/>
+      </p:nvGrpSpPr>
+      <p:grpSpPr>
+        <a:xfrm>
+          <a:off x="0" y="0"/>
+          <a:ext cx="0" cy="0"/>
+          <a:chOff x="0" y="0"/>
+          <a:chExt cx="0" cy="0"/>
+        </a:xfrm>
+      </p:grpSpPr>
+      <p:sp>
+        <p:nvSpPr>
+          <p:cNvPr id="2" name="Slide Image Placeholder 1"/>
+          <p:cNvSpPr>
+            <a:spLocks noGrp="1" noRot="1" noChangeAspect="1"/>
+          </p:cNvSpPr>
+          <p:nvPr>
+            <p:ph type="sldImg"/>
+          </p:nvPr>
+        </p:nvSpPr>
+        <p:spPr/>
+      </p:sp>
+      <p:sp>
+        <p:nvSpPr>
+          <p:cNvPr id="3" name="Notes Placeholder 2"/>
+          <p:cNvSpPr>
+            <a:spLocks noGrp="1"/>
+          </p:cNvSpPr>
+          <p:nvPr>
+            <p:ph type="body" idx="1"/>
+          </p:nvPr>
+        </p:nvSpPr>
+        <p:spPr/>
+        <p:txBody>
+          <a:bodyPr/>
+          <a:lstStyle/>
+          <a:p>
+            <a:pPr marL="0" marR="0" indent="0" algn="l" defTabSz="457200" rtl="0" eaLnBrk="1" fontAlgn="auto" latinLnBrk="0" hangingPunct="1">
+              <a:lnSpc>
+                <a:spcPct val="100000"/>
+              </a:lnSpc>
+              <a:spcBef>
+                <a:spcPts val="0"/>
+              </a:spcBef>
+              <a:spcAft>
+                <a:spcPts val="0"/>
+              </a:spcAft>
+              <a:buClrTx/>
+              <a:buSzTx/>
+              <a:buFontTx/>
+              <a:buNone/>
+              <a:tabLst/>
+              <a:defRPr/>
+            </a:pPr>
+            <a:r>
+              <a:rPr lang="en-US" dirty="0" smtClean="0">
+                <a:hlinkClick r:id="rId3"/>
+              </a:rPr>
+              <a:t>https://developer.android.com/guide/practices/screens_support.html#NewQualifiers</a:t>
+            </a:r>
+            <a:endParaRPr lang="en-US" dirty="0" smtClean="0"/>
+          </a:p>
+          <a:p>
+            <a:pPr marL="0" marR="0" indent="0" algn="l" defTabSz="457200" rtl="0" eaLnBrk="1" fontAlgn="auto" latinLnBrk="0" hangingPunct="1">
+              <a:lnSpc>
+                <a:spcPct val="100000"/>
+              </a:lnSpc>
+              <a:spcBef>
+                <a:spcPts val="0"/>
+              </a:spcBef>
+              <a:spcAft>
+                <a:spcPts val="0"/>
+              </a:spcAft>
+              <a:buClrTx/>
+              <a:buSzTx/>
+              <a:buFontTx/>
+              <a:buNone/>
+              <a:tabLst/>
+              <a:defRPr/>
+            </a:pPr>
+            <a:r>
+              <a:rPr lang="en-US" dirty="0" err="1" smtClean="0"/>
+              <a:t>ppi</a:t>
+            </a:r>
+            <a:r>
+              <a:rPr lang="en-US" dirty="0" smtClean="0"/>
+              <a:t> = Pixels</a:t>
+            </a:r>
+            <a:r>
+              <a:rPr lang="en-US" baseline="0" dirty="0" smtClean="0"/>
+              <a:t> Per Inch</a:t>
+            </a:r>
+            <a:endParaRPr lang="en-US" dirty="0" smtClean="0"/>
+          </a:p>
+          <a:p>
+            <a:endParaRPr lang="en-US" dirty="0"/>
+          </a:p>
+        </p:txBody>
+      </p:sp>
+      <p:sp>
+        <p:nvSpPr>
+          <p:cNvPr id="4" name="Slide Number Placeholder 3"/>
+          <p:cNvSpPr>
+            <a:spLocks noGrp="1"/>
+          </p:cNvSpPr>
+          <p:nvPr>
+            <p:ph type="sldNum" sz="quarter" idx="10"/>
+          </p:nvPr>
+        </p:nvSpPr>
+        <p:spPr/>
+        <p:txBody>
+          <a:bodyPr/>
+          <a:lstStyle/>
+          <a:p>
+            <a:fld id="{44EB6C7D-DFD8-944D-93E3-D07F7EBDDEA8}" type="slidenum">
+              <a:rPr lang="en-US" smtClean="0"/>
+              <a:t>15</a:t>
+            </a:fld>
+            <a:endParaRPr lang="en-US"/>
+          </a:p>
+        </p:txBody>
+      </p:sp>
+    </p:spTree>
+    <p:extLst>
+      <p:ext uri="{BB962C8B-B14F-4D97-AF65-F5344CB8AC3E}">
+        <p14:creationId xmlns:p14="http://schemas.microsoft.com/office/powerpoint/2010/main" val="768627639"/>
+      </p:ext>
+    </p:extLst>
+  </p:cSld>
+  <p:clrMapOvr>
+    <a:masterClrMapping/>
+  </p:clrMapOvr>
+</p:notes>
+</file>
+
+<file path=ppt/notesSlides/notesSlide5.xml><?xml version="1.0" encoding="utf-8"?>
+<p:notes xmlns:a="http://schemas.openxmlformats.org/drawingml/2006/main" xmlns:r="http://schemas.openxmlformats.org/officeDocument/2006/relationships" xmlns:p="http://schemas.openxmlformats.org/presentationml/2006/main">
+  <p:cSld>
+    <p:spTree>
+      <p:nvGrpSpPr>
+        <p:cNvPr id="1" name=""/>
+        <p:cNvGrpSpPr/>
+        <p:nvPr/>
+      </p:nvGrpSpPr>
+      <p:grpSpPr>
+        <a:xfrm>
+          <a:off x="0" y="0"/>
+          <a:ext cx="0" cy="0"/>
+          <a:chOff x="0" y="0"/>
+          <a:chExt cx="0" cy="0"/>
+        </a:xfrm>
+      </p:grpSpPr>
+      <p:sp>
+        <p:nvSpPr>
+          <p:cNvPr id="2" name="Slide Image Placeholder 1"/>
+          <p:cNvSpPr>
+            <a:spLocks noGrp="1" noRot="1" noChangeAspect="1"/>
+          </p:cNvSpPr>
+          <p:nvPr>
+            <p:ph type="sldImg"/>
+          </p:nvPr>
+        </p:nvSpPr>
+        <p:spPr/>
+      </p:sp>
+      <p:sp>
+        <p:nvSpPr>
+          <p:cNvPr id="3" name="Notes Placeholder 2"/>
+          <p:cNvSpPr>
+            <a:spLocks noGrp="1"/>
+          </p:cNvSpPr>
+          <p:nvPr>
+            <p:ph type="body" idx="1"/>
+          </p:nvPr>
+        </p:nvSpPr>
+        <p:spPr/>
+        <p:txBody>
+          <a:bodyPr/>
+          <a:lstStyle/>
+          <a:p>
+            <a:r>
+              <a:rPr lang="en-US" dirty="0" smtClean="0"/>
+              <a:t>If you create</a:t>
+            </a:r>
+            <a:r>
+              <a:rPr lang="en-US" baseline="0" dirty="0" smtClean="0"/>
+              <a:t> a new activity using the New, Activity menu in Android studio, it will automatically create a layout xml file and add an &lt;Activity&gt; element to the manifest</a:t>
+            </a:r>
+            <a:endParaRPr lang="en-US" dirty="0"/>
+          </a:p>
+        </p:txBody>
+      </p:sp>
+      <p:sp>
+        <p:nvSpPr>
+          <p:cNvPr id="4" name="Slide Number Placeholder 3"/>
+          <p:cNvSpPr>
+            <a:spLocks noGrp="1"/>
+          </p:cNvSpPr>
+          <p:nvPr>
+            <p:ph type="sldNum" sz="quarter" idx="10"/>
+          </p:nvPr>
+        </p:nvSpPr>
+        <p:spPr/>
+        <p:txBody>
+          <a:bodyPr/>
+          <a:lstStyle/>
+          <a:p>
             <a:fld id="{4F19B2DC-6028-984C-BB86-B1BC8206CBDD}" type="slidenum">
               <a:rPr lang="en-US" smtClean="0"/>
-              <a:t>21</a:t>
+              <a:t>23</a:t>
             </a:fld>
             <a:endParaRPr lang="en-US"/>
           </a:p>
@@ -3907,7 +4171,7 @@
           <a:p>
             <a:fld id="{12110144-19AD-4D4E-902D-E18AF93089D3}" type="datetimeFigureOut">
               <a:rPr lang="en-US" smtClean="0"/>
-              <a:t>7/1/16</a:t>
+              <a:t>7/10/17</a:t>
             </a:fld>
             <a:endParaRPr lang="en-US"/>
           </a:p>
@@ -4077,7 +4341,7 @@
           <a:p>
             <a:fld id="{12110144-19AD-4D4E-902D-E18AF93089D3}" type="datetimeFigureOut">
               <a:rPr lang="en-US" smtClean="0"/>
-              <a:t>7/1/16</a:t>
+              <a:t>7/10/17</a:t>
             </a:fld>
             <a:endParaRPr lang="en-US"/>
           </a:p>
@@ -4257,7 +4521,7 @@
           <a:p>
             <a:fld id="{12110144-19AD-4D4E-902D-E18AF93089D3}" type="datetimeFigureOut">
               <a:rPr lang="en-US" smtClean="0"/>
-              <a:t>7/1/16</a:t>
+              <a:t>7/10/17</a:t>
             </a:fld>
             <a:endParaRPr lang="en-US"/>
           </a:p>
@@ -4427,7 +4691,7 @@
           <a:p>
             <a:fld id="{12110144-19AD-4D4E-902D-E18AF93089D3}" type="datetimeFigureOut">
               <a:rPr lang="en-US" smtClean="0"/>
-              <a:t>7/1/16</a:t>
+              <a:t>7/10/17</a:t>
             </a:fld>
             <a:endParaRPr lang="en-US"/>
           </a:p>
@@ -4673,7 +4937,7 @@
           <a:p>
             <a:fld id="{12110144-19AD-4D4E-902D-E18AF93089D3}" type="datetimeFigureOut">
               <a:rPr lang="en-US" smtClean="0"/>
-              <a:t>7/1/16</a:t>
+              <a:t>7/10/17</a:t>
             </a:fld>
             <a:endParaRPr lang="en-US"/>
           </a:p>
@@ -4961,7 +5225,7 @@
           <a:p>
             <a:fld id="{12110144-19AD-4D4E-902D-E18AF93089D3}" type="datetimeFigureOut">
               <a:rPr lang="en-US" smtClean="0"/>
-              <a:t>7/1/16</a:t>
+              <a:t>7/10/17</a:t>
             </a:fld>
             <a:endParaRPr lang="en-US"/>
           </a:p>
@@ -5383,7 +5647,7 @@
           <a:p>
             <a:fld id="{12110144-19AD-4D4E-902D-E18AF93089D3}" type="datetimeFigureOut">
               <a:rPr lang="en-US" smtClean="0"/>
-              <a:t>7/1/16</a:t>
+              <a:t>7/10/17</a:t>
             </a:fld>
             <a:endParaRPr lang="en-US"/>
           </a:p>
@@ -5501,7 +5765,7 @@
           <a:p>
             <a:fld id="{12110144-19AD-4D4E-902D-E18AF93089D3}" type="datetimeFigureOut">
               <a:rPr lang="en-US" smtClean="0"/>
-              <a:t>7/1/16</a:t>
+              <a:t>7/10/17</a:t>
             </a:fld>
             <a:endParaRPr lang="en-US"/>
           </a:p>
@@ -5596,7 +5860,7 @@
           <a:p>
             <a:fld id="{12110144-19AD-4D4E-902D-E18AF93089D3}" type="datetimeFigureOut">
               <a:rPr lang="en-US" smtClean="0"/>
-              <a:t>7/1/16</a:t>
+              <a:t>7/10/17</a:t>
             </a:fld>
             <a:endParaRPr lang="en-US"/>
           </a:p>
@@ -5873,7 +6137,7 @@
           <a:p>
             <a:fld id="{12110144-19AD-4D4E-902D-E18AF93089D3}" type="datetimeFigureOut">
               <a:rPr lang="en-US" smtClean="0"/>
-              <a:t>7/1/16</a:t>
+              <a:t>7/10/17</a:t>
             </a:fld>
             <a:endParaRPr lang="en-US"/>
           </a:p>
@@ -6126,7 +6390,7 @@
           <a:p>
             <a:fld id="{12110144-19AD-4D4E-902D-E18AF93089D3}" type="datetimeFigureOut">
               <a:rPr lang="en-US" smtClean="0"/>
-              <a:t>7/1/16</a:t>
+              <a:t>7/10/17</a:t>
             </a:fld>
             <a:endParaRPr lang="en-US"/>
           </a:p>
@@ -6357,7 +6621,7 @@
           <a:p>
             <a:fld id="{12110144-19AD-4D4E-902D-E18AF93089D3}" type="datetimeFigureOut">
               <a:rPr lang="en-US" smtClean="0"/>
-              <a:t>7/1/16</a:t>
+              <a:t>7/10/17</a:t>
             </a:fld>
             <a:endParaRPr lang="en-US"/>
           </a:p>
@@ -6828,10 +7092,160 @@
   <p:clrMapOvr>
     <a:masterClrMapping/>
   </p:clrMapOvr>
+  <p:timing>
+    <p:tnLst>
+      <p:par>
+        <p:cTn id="1" dur="indefinite" restart="never" nodeType="tmRoot"/>
+      </p:par>
+    </p:tnLst>
+  </p:timing>
 </p:sld>
 </file>
 
 <file path=ppt/slides/slide10.xml><?xml version="1.0" encoding="utf-8"?>
+<p:sld xmlns:a="http://schemas.openxmlformats.org/drawingml/2006/main" xmlns:r="http://schemas.openxmlformats.org/officeDocument/2006/relationships" xmlns:p="http://schemas.openxmlformats.org/presentationml/2006/main">
+  <p:cSld>
+    <p:spTree>
+      <p:nvGrpSpPr>
+        <p:cNvPr id="1" name=""/>
+        <p:cNvGrpSpPr/>
+        <p:nvPr/>
+      </p:nvGrpSpPr>
+      <p:grpSpPr>
+        <a:xfrm>
+          <a:off x="0" y="0"/>
+          <a:ext cx="0" cy="0"/>
+          <a:chOff x="0" y="0"/>
+          <a:chExt cx="0" cy="0"/>
+        </a:xfrm>
+      </p:grpSpPr>
+      <p:sp>
+        <p:nvSpPr>
+          <p:cNvPr id="2" name="Title 1"/>
+          <p:cNvSpPr txBox="1">
+            <a:spLocks/>
+          </p:cNvSpPr>
+          <p:nvPr/>
+        </p:nvSpPr>
+        <p:spPr>
+          <a:xfrm>
+            <a:off x="457200" y="457200"/>
+            <a:ext cx="8229600" cy="1143000"/>
+          </a:xfrm>
+          <a:prstGeom prst="rect">
+            <a:avLst/>
+          </a:prstGeom>
+        </p:spPr>
+        <p:txBody>
+          <a:bodyPr/>
+          <a:lstStyle>
+            <a:lvl1pPr algn="ctr" defTabSz="457200" rtl="0" eaLnBrk="1" latinLnBrk="0" hangingPunct="1">
+              <a:spcBef>
+                <a:spcPct val="0"/>
+              </a:spcBef>
+              <a:buNone/>
+              <a:defRPr sz="4400" kern="1200">
+                <a:solidFill>
+                  <a:schemeClr val="tx1"/>
+                </a:solidFill>
+                <a:latin typeface="+mj-lt"/>
+                <a:ea typeface="+mj-ea"/>
+                <a:cs typeface="+mj-cs"/>
+              </a:defRPr>
+            </a:lvl1pPr>
+          </a:lstStyle>
+          <a:p>
+            <a:r>
+              <a:rPr lang="en-US" smtClean="0">
+                <a:solidFill>
+                  <a:srgbClr val="0000FF"/>
+                </a:solidFill>
+              </a:rPr>
+              <a:t>Small Screen</a:t>
+            </a:r>
+            <a:endParaRPr lang="en-US" dirty="0">
+              <a:solidFill>
+                <a:srgbClr val="0000FF"/>
+              </a:solidFill>
+            </a:endParaRPr>
+          </a:p>
+        </p:txBody>
+      </p:sp>
+      <p:sp>
+        <p:nvSpPr>
+          <p:cNvPr id="3" name="TextBox 2"/>
+          <p:cNvSpPr txBox="1"/>
+          <p:nvPr/>
+        </p:nvSpPr>
+        <p:spPr>
+          <a:xfrm>
+            <a:off x="1364074" y="1460794"/>
+            <a:ext cx="7322726" cy="523220"/>
+          </a:xfrm>
+          <a:prstGeom prst="rect">
+            <a:avLst/>
+          </a:prstGeom>
+          <a:noFill/>
+        </p:spPr>
+        <p:txBody>
+          <a:bodyPr wrap="square" rtlCol="0">
+            <a:spAutoFit/>
+          </a:bodyPr>
+          <a:lstStyle/>
+          <a:p>
+            <a:r>
+              <a:rPr lang="en-US" sz="2800" dirty="0" smtClean="0"/>
+              <a:t>Each activity loads a single fragment</a:t>
+            </a:r>
+            <a:endParaRPr lang="en-US" sz="2800" dirty="0"/>
+          </a:p>
+        </p:txBody>
+      </p:sp>
+      <p:graphicFrame>
+        <p:nvGraphicFramePr>
+          <p:cNvPr id="4" name="Content Placeholder 3"/>
+          <p:cNvGraphicFramePr>
+            <a:graphicFrameLocks/>
+          </p:cNvGraphicFramePr>
+          <p:nvPr>
+            <p:extLst>
+              <p:ext uri="{D42A27DB-BD31-4B8C-83A1-F6EECF244321}">
+                <p14:modId xmlns:p14="http://schemas.microsoft.com/office/powerpoint/2010/main" val="459738608"/>
+              </p:ext>
+            </p:extLst>
+          </p:nvPr>
+        </p:nvGraphicFramePr>
+        <p:xfrm>
+          <a:off x="457200" y="2128196"/>
+          <a:ext cx="8229600" cy="4299969"/>
+        </p:xfrm>
+        <a:graphic>
+          <a:graphicData uri="http://schemas.openxmlformats.org/drawingml/2006/diagram">
+            <dgm:relIds xmlns:dgm="http://schemas.openxmlformats.org/drawingml/2006/diagram" xmlns:r="http://schemas.openxmlformats.org/officeDocument/2006/relationships" r:dm="rId2" r:lo="rId3" r:qs="rId4" r:cs="rId5"/>
+          </a:graphicData>
+        </a:graphic>
+      </p:graphicFrame>
+    </p:spTree>
+    <p:extLst>
+      <p:ext uri="{BB962C8B-B14F-4D97-AF65-F5344CB8AC3E}">
+        <p14:creationId xmlns:p14="http://schemas.microsoft.com/office/powerpoint/2010/main" val="998109054"/>
+      </p:ext>
+    </p:extLst>
+  </p:cSld>
+  <p:clrMapOvr>
+    <a:masterClrMapping/>
+  </p:clrMapOvr>
+  <p:timing>
+    <p:tnLst>
+      <p:par>
+        <p:cTn id="1" dur="indefinite" restart="never" nodeType="tmRoot"/>
+      </p:par>
+    </p:tnLst>
+  </p:timing>
+</p:sld>
+</file>
+
+<file path=ppt/slides/slide11.xml><?xml version="1.0" encoding="utf-8"?>
 <p:sld xmlns:a="http://schemas.openxmlformats.org/drawingml/2006/main" xmlns:r="http://schemas.openxmlformats.org/officeDocument/2006/relationships" xmlns:p="http://schemas.openxmlformats.org/presentationml/2006/main">
   <p:cSld>
     <p:spTree>
@@ -6941,7 +7355,15 @@
             <a:pPr lvl="0" algn="ctr"/>
             <a:r>
               <a:rPr lang="en-US" sz="2400" dirty="0"/>
-              <a:t>Activity: loads an AXML layout</a:t>
+              <a:t>Activity: loads an </a:t>
+            </a:r>
+            <a:r>
+              <a:rPr lang="en-US" sz="2400" dirty="0" smtClean="0"/>
+              <a:t>XML </a:t>
+            </a:r>
+            <a:r>
+              <a:rPr lang="en-US" sz="2400" dirty="0"/>
+              <a:t>layout</a:t>
             </a:r>
           </a:p>
         </p:txBody>
@@ -6987,7 +7409,7 @@
             <a:pPr lvl="0" algn="ctr"/>
             <a:r>
               <a:rPr lang="en-US" sz="2400" dirty="0" smtClean="0"/>
-              <a:t>AXML </a:t>
+              <a:t>XML </a:t>
             </a:r>
             <a:r>
               <a:rPr lang="en-US" sz="2400" dirty="0"/>
@@ -7061,7 +7483,7 @@
             </a:br>
             <a:r>
               <a:rPr lang="en-US" sz="2400" dirty="0" smtClean="0"/>
-              <a:t>inflates AXML </a:t>
+              <a:t>inflates XML </a:t>
             </a:r>
             <a:r>
               <a:rPr lang="en-US" sz="2400" dirty="0"/>
@@ -7111,7 +7533,7 @@
             <a:pPr lvl="0" algn="ctr"/>
             <a:r>
               <a:rPr lang="en-US" sz="2400" dirty="0" smtClean="0"/>
-              <a:t>AXML </a:t>
+              <a:t>XML </a:t>
             </a:r>
             <a:r>
               <a:rPr lang="en-US" sz="2400" dirty="0"/>
@@ -7344,7 +7766,7 @@
             </a:br>
             <a:r>
               <a:rPr lang="en-US" sz="2400" dirty="0" smtClean="0"/>
-              <a:t>inflates AXML </a:t>
+              <a:t>inflates XML </a:t>
             </a:r>
             <a:r>
               <a:rPr lang="en-US" sz="2400" dirty="0"/>
@@ -7394,7 +7816,7 @@
             <a:pPr lvl="0" algn="ctr"/>
             <a:r>
               <a:rPr lang="en-US" sz="2400" dirty="0" smtClean="0"/>
-              <a:t>AXML </a:t>
+              <a:t>XML </a:t>
             </a:r>
             <a:r>
               <a:rPr lang="en-US" sz="2400" dirty="0"/>
@@ -7456,10 +7878,17 @@
   <p:clrMapOvr>
     <a:masterClrMapping/>
   </p:clrMapOvr>
+  <p:timing>
+    <p:tnLst>
+      <p:par>
+        <p:cTn id="1" dur="indefinite" restart="never" nodeType="tmRoot"/>
+      </p:par>
+    </p:tnLst>
+  </p:timing>
 </p:sld>
 </file>
 
-<file path=ppt/slides/slide11.xml><?xml version="1.0" encoding="utf-8"?>
+<file path=ppt/slides/slide12.xml><?xml version="1.0" encoding="utf-8"?>
 <p:sld xmlns:a="http://schemas.openxmlformats.org/drawingml/2006/main" xmlns:r="http://schemas.openxmlformats.org/officeDocument/2006/relationships" xmlns:p="http://schemas.openxmlformats.org/presentationml/2006/main">
   <p:cSld>
     <p:spTree>
@@ -7565,10 +7994,17 @@
   <p:clrMapOvr>
     <a:masterClrMapping/>
   </p:clrMapOvr>
+  <p:timing>
+    <p:tnLst>
+      <p:par>
+        <p:cTn id="1" dur="indefinite" restart="never" nodeType="tmRoot"/>
+      </p:par>
+    </p:tnLst>
+  </p:timing>
 </p:sld>
 </file>
 
-<file path=ppt/slides/slide12.xml><?xml version="1.0" encoding="utf-8"?>
+<file path=ppt/slides/slide13.xml><?xml version="1.0" encoding="utf-8"?>
 <p:sld xmlns:a="http://schemas.openxmlformats.org/drawingml/2006/main" xmlns:r="http://schemas.openxmlformats.org/officeDocument/2006/relationships" xmlns:p="http://schemas.openxmlformats.org/presentationml/2006/main">
   <p:cSld>
     <p:spTree>
@@ -7689,7 +8125,7 @@
               <a:pPr algn="r">
                 <a:defRPr/>
               </a:pPr>
-              <a:t>12</a:t>
+              <a:t>13</a:t>
             </a:fld>
             <a:endParaRPr lang="en-US" sz="900">
               <a:latin typeface="Arial Narrow" pitchFamily="34" charset="0"/>
@@ -7719,7 +8155,7 @@
           <a:graphicData uri="http://schemas.openxmlformats.org/presentationml/2006/ole">
             <mc:AlternateContent xmlns:mc="http://schemas.openxmlformats.org/markup-compatibility/2006">
               <mc:Choice xmlns:v="urn:schemas-microsoft-com:vml" Requires="v">
-                <p:oleObj spid="_x0000_s2050" name="Document" r:id="rId3" imgW="7235249" imgH="5561017" progId="Word.Document.12">
+                <p:oleObj spid="_x0000_s2073" name="Document" r:id="rId3" imgW="7235249" imgH="5561017" progId="Word.Document.12">
                   <p:embed/>
                 </p:oleObj>
               </mc:Choice>
@@ -7764,10 +8200,17 @@
   <p:clrMapOvr>
     <a:masterClrMapping/>
   </p:clrMapOvr>
+  <p:timing>
+    <p:tnLst>
+      <p:par>
+        <p:cTn id="1" dur="indefinite" restart="never" nodeType="tmRoot"/>
+      </p:par>
+    </p:tnLst>
+  </p:timing>
 </p:sld>
 </file>
 
-<file path=ppt/slides/slide13.xml><?xml version="1.0" encoding="utf-8"?>
+<file path=ppt/slides/slide14.xml><?xml version="1.0" encoding="utf-8"?>
 <p:sld xmlns:a="http://schemas.openxmlformats.org/drawingml/2006/main" xmlns:r="http://schemas.openxmlformats.org/officeDocument/2006/relationships" xmlns:p="http://schemas.openxmlformats.org/presentationml/2006/main">
   <p:cSld>
     <p:spTree>
@@ -7888,7 +8331,7 @@
               <a:pPr algn="r">
                 <a:defRPr/>
               </a:pPr>
-              <a:t>13</a:t>
+              <a:t>14</a:t>
             </a:fld>
             <a:endParaRPr lang="en-US" sz="900">
               <a:latin typeface="Arial Narrow" pitchFamily="34" charset="0"/>
@@ -7918,7 +8361,7 @@
           <a:graphicData uri="http://schemas.openxmlformats.org/presentationml/2006/ole">
             <mc:AlternateContent xmlns:mc="http://schemas.openxmlformats.org/markup-compatibility/2006">
               <mc:Choice xmlns:v="urn:schemas-microsoft-com:vml" Requires="v">
-                <p:oleObj spid="_x0000_s3074" name="Document" r:id="rId3" imgW="7359921" imgH="5434032" progId="Word.Document.12">
+                <p:oleObj spid="_x0000_s3097" name="Document" r:id="rId3" imgW="7359921" imgH="5434032" progId="Word.Document.12">
                   <p:embed/>
                 </p:oleObj>
               </mc:Choice>
@@ -7963,10 +8406,374 @@
   <p:clrMapOvr>
     <a:masterClrMapping/>
   </p:clrMapOvr>
+  <p:timing>
+    <p:tnLst>
+      <p:par>
+        <p:cTn id="1" dur="indefinite" restart="never" nodeType="tmRoot"/>
+      </p:par>
+    </p:tnLst>
+  </p:timing>
 </p:sld>
 </file>
 
-<file path=ppt/slides/slide14.xml><?xml version="1.0" encoding="utf-8"?>
+<file path=ppt/slides/slide15.xml><?xml version="1.0" encoding="utf-8"?>
+<p:sld xmlns:a="http://schemas.openxmlformats.org/drawingml/2006/main" xmlns:r="http://schemas.openxmlformats.org/officeDocument/2006/relationships" xmlns:p="http://schemas.openxmlformats.org/presentationml/2006/main">
+  <p:cSld>
+    <p:spTree>
+      <p:nvGrpSpPr>
+        <p:cNvPr id="1" name=""/>
+        <p:cNvGrpSpPr/>
+        <p:nvPr/>
+      </p:nvGrpSpPr>
+      <p:grpSpPr>
+        <a:xfrm>
+          <a:off x="0" y="0"/>
+          <a:ext cx="0" cy="0"/>
+          <a:chOff x="0" y="0"/>
+          <a:chExt cx="0" cy="0"/>
+        </a:xfrm>
+      </p:grpSpPr>
+      <p:sp>
+        <p:nvSpPr>
+          <p:cNvPr id="2" name="Title 1"/>
+          <p:cNvSpPr>
+            <a:spLocks noGrp="1"/>
+          </p:cNvSpPr>
+          <p:nvPr>
+            <p:ph type="title"/>
+          </p:nvPr>
+        </p:nvSpPr>
+        <p:spPr>
+          <a:xfrm>
+            <a:off x="628650" y="365127"/>
+            <a:ext cx="7886700" cy="656850"/>
+          </a:xfrm>
+        </p:spPr>
+        <p:txBody>
+          <a:bodyPr>
+            <a:normAutofit fontScale="90000"/>
+          </a:bodyPr>
+          <a:lstStyle/>
+          <a:p>
+            <a:r>
+              <a:rPr lang="en-US" dirty="0" smtClean="0"/>
+              <a:t>Calculating Size Qualifiers</a:t>
+            </a:r>
+            <a:endParaRPr lang="en-US" dirty="0"/>
+          </a:p>
+        </p:txBody>
+      </p:sp>
+      <p:sp>
+        <p:nvSpPr>
+          <p:cNvPr id="3" name="Content Placeholder 2"/>
+          <p:cNvSpPr>
+            <a:spLocks noGrp="1"/>
+          </p:cNvSpPr>
+          <p:nvPr>
+            <p:ph idx="1"/>
+          </p:nvPr>
+        </p:nvSpPr>
+        <p:spPr>
+          <a:xfrm>
+            <a:off x="457200" y="1222962"/>
+            <a:ext cx="8229600" cy="5048745"/>
+          </a:xfrm>
+        </p:spPr>
+        <p:txBody>
+          <a:bodyPr>
+            <a:normAutofit fontScale="92500" lnSpcReduction="20000"/>
+          </a:bodyPr>
+          <a:lstStyle/>
+          <a:p>
+            <a:r>
+              <a:rPr lang="en-US" dirty="0" smtClean="0"/>
+              <a:t>Size qualifiers are in </a:t>
+            </a:r>
+            <a:r>
+              <a:rPr lang="en-US" dirty="0" err="1" smtClean="0"/>
+              <a:t>dp</a:t>
+            </a:r>
+            <a:r>
+              <a:rPr lang="en-US" dirty="0" smtClean="0"/>
+              <a:t> </a:t>
+            </a:r>
+            <a:r>
+              <a:rPr lang="en-US" dirty="0" smtClean="0"/>
+              <a:t/>
+            </a:r>
+            <a:br>
+              <a:rPr lang="en-US" dirty="0" smtClean="0"/>
+            </a:br>
+            <a:r>
+              <a:rPr lang="en-US" dirty="0" smtClean="0"/>
+              <a:t>(</a:t>
+            </a:r>
+            <a:r>
+              <a:rPr lang="en-US" dirty="0" err="1" smtClean="0"/>
+              <a:t>dp</a:t>
+            </a:r>
+            <a:r>
+              <a:rPr lang="en-US" dirty="0" smtClean="0"/>
+              <a:t> = Density-independent </a:t>
+            </a:r>
+            <a:r>
+              <a:rPr lang="en-US" dirty="0" smtClean="0"/>
+              <a:t>Pixels)</a:t>
+            </a:r>
+          </a:p>
+          <a:p>
+            <a:pPr lvl="1"/>
+            <a:r>
+              <a:rPr lang="en-US" dirty="0" err="1" smtClean="0"/>
+              <a:t>dp</a:t>
+            </a:r>
+            <a:r>
+              <a:rPr lang="en-US" dirty="0" smtClean="0"/>
+              <a:t> = screen </a:t>
+            </a:r>
+            <a:r>
+              <a:rPr lang="en-US" dirty="0" err="1" smtClean="0"/>
+              <a:t>ppi</a:t>
+            </a:r>
+            <a:r>
+              <a:rPr lang="en-US" dirty="0" smtClean="0"/>
+              <a:t> / 160 </a:t>
+            </a:r>
+            <a:r>
+              <a:rPr lang="en-US" dirty="0" err="1" smtClean="0"/>
+              <a:t>ppi</a:t>
+            </a:r>
+            <a:r>
+              <a:rPr lang="en-US" dirty="0" smtClean="0"/>
+              <a:t> </a:t>
+            </a:r>
+          </a:p>
+          <a:p>
+            <a:pPr lvl="1"/>
+            <a:r>
+              <a:rPr lang="en-US" dirty="0" smtClean="0"/>
+              <a:t>Example: If the screen density is 320 pixels per inch, then pixels per </a:t>
+            </a:r>
+            <a:r>
+              <a:rPr lang="en-US" dirty="0" err="1" smtClean="0"/>
+              <a:t>dp</a:t>
+            </a:r>
+            <a:r>
+              <a:rPr lang="en-US" dirty="0" smtClean="0"/>
+              <a:t> = 320 / 160 which is 0.5</a:t>
+            </a:r>
+          </a:p>
+          <a:p>
+            <a:r>
+              <a:rPr lang="en-US" dirty="0" smtClean="0"/>
+              <a:t>The size qualifier is the width or height in </a:t>
+            </a:r>
+            <a:r>
+              <a:rPr lang="en-US" dirty="0" err="1" smtClean="0"/>
+              <a:t>dp</a:t>
+            </a:r>
+            <a:r>
+              <a:rPr lang="en-US" dirty="0" smtClean="0"/>
+              <a:t>.</a:t>
+            </a:r>
+            <a:br>
+              <a:rPr lang="en-US" dirty="0" smtClean="0"/>
+            </a:br>
+            <a:r>
+              <a:rPr lang="en-US" dirty="0" smtClean="0"/>
+              <a:t>Examples:</a:t>
+            </a:r>
+            <a:endParaRPr lang="en-US" dirty="0" smtClean="0"/>
+          </a:p>
+          <a:p>
+            <a:pPr lvl="1"/>
+            <a:r>
+              <a:rPr lang="en-US" dirty="0" smtClean="0"/>
+              <a:t>Nexus 7 (2012): 1200 x 800 pixels, 216 </a:t>
+            </a:r>
+            <a:r>
+              <a:rPr lang="en-US" dirty="0" err="1" smtClean="0"/>
+              <a:t>ppi</a:t>
+            </a:r>
+            <a:endParaRPr lang="en-US" dirty="0" smtClean="0"/>
+          </a:p>
+          <a:p>
+            <a:pPr lvl="2"/>
+            <a:r>
+              <a:rPr lang="pl-PL" dirty="0"/>
+              <a:t> </a:t>
+            </a:r>
+            <a:r>
+              <a:rPr lang="pl-PL" dirty="0" err="1"/>
+              <a:t>W</a:t>
+            </a:r>
+            <a:r>
+              <a:rPr lang="pl-PL" dirty="0" err="1" smtClean="0"/>
+              <a:t>idth</a:t>
+            </a:r>
+            <a:r>
+              <a:rPr lang="pl-PL" dirty="0" smtClean="0"/>
+              <a:t> in </a:t>
+            </a:r>
+            <a:r>
+              <a:rPr lang="pl-PL" dirty="0" err="1" smtClean="0"/>
+              <a:t>dp</a:t>
+            </a:r>
+            <a:r>
+              <a:rPr lang="pl-PL" dirty="0"/>
+              <a:t>:</a:t>
+            </a:r>
+            <a:r>
+              <a:rPr lang="pl-PL" dirty="0" smtClean="0"/>
+              <a:t> 800 * </a:t>
+            </a:r>
+            <a:r>
+              <a:rPr lang="pl-PL" dirty="0" smtClean="0"/>
+              <a:t>160/216</a:t>
+            </a:r>
+            <a:r>
+              <a:rPr lang="pl-PL" dirty="0" smtClean="0"/>
+              <a:t>= 593 </a:t>
+            </a:r>
+            <a:r>
+              <a:rPr lang="pl-PL" dirty="0" err="1" smtClean="0"/>
+              <a:t>dp</a:t>
+            </a:r>
+            <a:endParaRPr lang="pl-PL" dirty="0" smtClean="0"/>
+          </a:p>
+          <a:p>
+            <a:pPr lvl="1"/>
+            <a:r>
+              <a:rPr lang="pl-PL" dirty="0" err="1" smtClean="0"/>
+              <a:t>Nexus</a:t>
+            </a:r>
+            <a:r>
+              <a:rPr lang="pl-PL" dirty="0" smtClean="0"/>
+              <a:t> 7 (2013): 1920 x 1200 </a:t>
+            </a:r>
+            <a:r>
+              <a:rPr lang="pl-PL" dirty="0" err="1" smtClean="0"/>
+              <a:t>pixels</a:t>
+            </a:r>
+            <a:r>
+              <a:rPr lang="pl-PL" dirty="0" smtClean="0"/>
+              <a:t>, 323 </a:t>
+            </a:r>
+            <a:r>
+              <a:rPr lang="pl-PL" dirty="0" err="1" smtClean="0"/>
+              <a:t>ppi</a:t>
+            </a:r>
+            <a:endParaRPr lang="pl-PL" dirty="0" smtClean="0"/>
+          </a:p>
+          <a:p>
+            <a:pPr lvl="2"/>
+            <a:r>
+              <a:rPr lang="pl-PL" dirty="0" err="1" smtClean="0"/>
+              <a:t>Width</a:t>
+            </a:r>
+            <a:r>
+              <a:rPr lang="pl-PL" dirty="0" smtClean="0"/>
+              <a:t> in </a:t>
+            </a:r>
+            <a:r>
+              <a:rPr lang="pl-PL" dirty="0" err="1" smtClean="0"/>
+              <a:t>dp</a:t>
+            </a:r>
+            <a:r>
+              <a:rPr lang="pl-PL" dirty="0" smtClean="0"/>
+              <a:t>: 1200 * </a:t>
+            </a:r>
+            <a:r>
+              <a:rPr lang="pl-PL" dirty="0" smtClean="0"/>
+              <a:t>160/323</a:t>
+            </a:r>
+            <a:r>
+              <a:rPr lang="pl-PL" dirty="0" smtClean="0"/>
+              <a:t>= 594 </a:t>
+            </a:r>
+            <a:r>
+              <a:rPr lang="pl-PL" dirty="0" err="1" smtClean="0"/>
+              <a:t>dp</a:t>
+            </a:r>
+            <a:endParaRPr lang="pl-PL" dirty="0" smtClean="0"/>
+          </a:p>
+          <a:p>
+            <a:pPr lvl="1"/>
+            <a:r>
+              <a:rPr lang="pl-PL" dirty="0" err="1" smtClean="0"/>
+              <a:t>Nexus</a:t>
+            </a:r>
+            <a:r>
+              <a:rPr lang="pl-PL" dirty="0" smtClean="0"/>
+              <a:t> 5X: 1920 x 1080, 423 </a:t>
+            </a:r>
+            <a:r>
+              <a:rPr lang="pl-PL" dirty="0" err="1" smtClean="0"/>
+              <a:t>ppi</a:t>
+            </a:r>
+            <a:endParaRPr lang="pl-PL" dirty="0" smtClean="0"/>
+          </a:p>
+          <a:p>
+            <a:pPr lvl="2"/>
+            <a:r>
+              <a:rPr lang="pl-PL" dirty="0" err="1" smtClean="0"/>
+              <a:t>Width</a:t>
+            </a:r>
+            <a:r>
+              <a:rPr lang="pl-PL" dirty="0" smtClean="0"/>
+              <a:t> i </a:t>
+            </a:r>
+            <a:r>
+              <a:rPr lang="pl-PL" dirty="0" err="1" smtClean="0"/>
+              <a:t>dp</a:t>
+            </a:r>
+            <a:r>
+              <a:rPr lang="pl-PL" dirty="0" smtClean="0"/>
+              <a:t>: 1080 * 160/423 = 409 </a:t>
+            </a:r>
+            <a:r>
+              <a:rPr lang="pl-PL" dirty="0" err="1" smtClean="0"/>
+              <a:t>dp</a:t>
+            </a:r>
+            <a:endParaRPr lang="en-US" dirty="0" smtClean="0"/>
+          </a:p>
+          <a:p>
+            <a:pPr marL="0" indent="0">
+              <a:buNone/>
+            </a:pPr>
+            <a:endParaRPr lang="en-US" dirty="0" smtClean="0"/>
+          </a:p>
+        </p:txBody>
+      </p:sp>
+    </p:spTree>
+    <p:extLst>
+      <p:ext uri="{BB962C8B-B14F-4D97-AF65-F5344CB8AC3E}">
+        <p14:creationId xmlns:p14="http://schemas.microsoft.com/office/powerpoint/2010/main" val="252899379"/>
+      </p:ext>
+    </p:extLst>
+  </p:cSld>
+  <p:clrMapOvr>
+    <a:masterClrMapping/>
+  </p:clrMapOvr>
+  <mc:AlternateContent xmlns:mc="http://schemas.openxmlformats.org/markup-compatibility/2006" xmlns:p14="http://schemas.microsoft.com/office/powerpoint/2010/main">
+    <mc:Choice Requires="p14">
+      <p:transition spd="slow" p14:dur="2000"/>
+    </mc:Choice>
+    <mc:Fallback xmlns="">
+      <p:transition spd="slow"/>
+    </mc:Fallback>
+  </mc:AlternateContent>
+  <p:timing>
+    <p:tnLst>
+      <p:par>
+        <p:cTn id="1" dur="indefinite" restart="never" nodeType="tmRoot"/>
+      </p:par>
+    </p:tnLst>
+  </p:timing>
+</p:sld>
+</file>
+
+<file path=ppt/slides/slide16.xml><?xml version="1.0" encoding="utf-8"?>
 <p:sld xmlns:a="http://schemas.openxmlformats.org/drawingml/2006/main" xmlns:r="http://schemas.openxmlformats.org/officeDocument/2006/relationships" xmlns:p="http://schemas.openxmlformats.org/presentationml/2006/main">
   <p:cSld>
     <p:bg>
@@ -8014,7 +8821,7 @@
         <p:spPr>
           <a:xfrm>
             <a:off x="0" y="443592"/>
-            <a:ext cx="9144000" cy="1785104"/>
+            <a:ext cx="9144000" cy="2462213"/>
           </a:xfrm>
           <a:prstGeom prst="rect">
             <a:avLst/>
@@ -8061,7 +8868,23 @@
                   <a:srgbClr val="2D2DB9"/>
                 </a:solidFill>
               </a:rPr>
-              <a:t>Using the Rock, Paper, Scissors Game</a:t>
+              <a:t>Refactoring</a:t>
+            </a:r>
+            <a:r>
+              <a:rPr lang="en-US" sz="4400" dirty="0" smtClean="0">
+                <a:solidFill>
+                  <a:srgbClr val="2D2DB9"/>
+                </a:solidFill>
+              </a:rPr>
+              <a:t> </a:t>
+            </a:r>
+            <a:r>
+              <a:rPr lang="en-US" sz="4400" dirty="0" smtClean="0">
+                <a:solidFill>
+                  <a:srgbClr val="2D2DB9"/>
+                </a:solidFill>
+              </a:rPr>
+              <a:t>the Rock, Paper, Scissors Game</a:t>
             </a:r>
             <a:endParaRPr lang="en-US" sz="4400" dirty="0">
               <a:solidFill>
@@ -8123,7 +8946,7 @@
         </p:blipFill>
         <p:spPr>
           <a:xfrm>
-            <a:off x="820262" y="2634041"/>
+            <a:off x="831020" y="2905805"/>
             <a:ext cx="2381250" cy="1428750"/>
           </a:xfrm>
           <a:prstGeom prst="rect">
@@ -8153,7 +8976,7 @@
         </p:blipFill>
         <p:spPr>
           <a:xfrm>
-            <a:off x="5707966" y="2634041"/>
+            <a:off x="5707966" y="2905805"/>
             <a:ext cx="2381250" cy="1428750"/>
           </a:xfrm>
           <a:prstGeom prst="rect">
@@ -8171,10 +8994,17 @@
   <p:clrMapOvr>
     <a:masterClrMapping/>
   </p:clrMapOvr>
+  <p:timing>
+    <p:tnLst>
+      <p:par>
+        <p:cTn id="1" dur="indefinite" restart="never" nodeType="tmRoot"/>
+      </p:par>
+    </p:tnLst>
+  </p:timing>
 </p:sld>
 </file>
 
-<file path=ppt/slides/slide15.xml><?xml version="1.0" encoding="utf-8"?>
+<file path=ppt/slides/slide17.xml><?xml version="1.0" encoding="utf-8"?>
 <p:sld xmlns:a="http://schemas.openxmlformats.org/drawingml/2006/main" xmlns:r="http://schemas.openxmlformats.org/officeDocument/2006/relationships" xmlns:p="http://schemas.openxmlformats.org/presentationml/2006/main">
   <p:cSld>
     <p:spTree>
@@ -8286,14 +9116,14 @@
   <p:timing>
     <p:tnLst>
       <p:par>
-        <p:cTn xmlns:p14="http://schemas.microsoft.com/office/powerpoint/2010/main" id="1" dur="indefinite" restart="never" nodeType="tmRoot"/>
+        <p:cTn id="1" dur="indefinite" restart="never" nodeType="tmRoot"/>
       </p:par>
     </p:tnLst>
   </p:timing>
 </p:sld>
 </file>
 
-<file path=ppt/slides/slide16.xml><?xml version="1.0" encoding="utf-8"?>
+<file path=ppt/slides/slide18.xml><?xml version="1.0" encoding="utf-8"?>
 <p:sld xmlns:a="http://schemas.openxmlformats.org/drawingml/2006/main" xmlns:r="http://schemas.openxmlformats.org/officeDocument/2006/relationships" xmlns:p="http://schemas.openxmlformats.org/presentationml/2006/main">
   <p:cSld>
     <p:spTree>
@@ -8360,13 +9190,8 @@
             </a:pPr>
             <a:r>
               <a:rPr lang="en-US" dirty="0" smtClean="0"/>
-              <a:t>The files we are interested in are the ones that will be modified when we refactor our app to use </a:t>
-            </a:r>
-            <a:r>
-              <a:rPr lang="en-US" dirty="0" smtClean="0"/>
-              <a:t>fragments:</a:t>
-            </a:r>
-            <a:endParaRPr lang="en-US" dirty="0" smtClean="0"/>
+              <a:t>The files we are interested in are the ones that will be modified when we refactor our app to use fragments:</a:t>
+            </a:r>
           </a:p>
           <a:p>
             <a:r>
@@ -8385,13 +9210,6 @@
               <a:rPr lang="en-US" dirty="0" smtClean="0"/>
               <a:t>activity_main.xml (land)</a:t>
             </a:r>
-          </a:p>
-          <a:p>
-            <a:r>
-              <a:rPr lang="en-US" dirty="0" smtClean="0"/>
-              <a:t>preferences.xml</a:t>
-            </a:r>
-            <a:endParaRPr lang="en-US" dirty="0"/>
           </a:p>
         </p:txBody>
       </p:sp>
@@ -8408,14 +9226,14 @@
   <p:timing>
     <p:tnLst>
       <p:par>
-        <p:cTn xmlns:p14="http://schemas.microsoft.com/office/powerpoint/2010/main" id="1" dur="indefinite" restart="never" nodeType="tmRoot"/>
+        <p:cTn id="1" dur="indefinite" restart="never" nodeType="tmRoot"/>
       </p:par>
     </p:tnLst>
   </p:timing>
 </p:sld>
 </file>
 
-<file path=ppt/slides/slide17.xml><?xml version="1.0" encoding="utf-8"?>
+<file path=ppt/slides/slide19.xml><?xml version="1.0" encoding="utf-8"?>
 <p:sld xmlns:a="http://schemas.openxmlformats.org/drawingml/2006/main" xmlns:r="http://schemas.openxmlformats.org/officeDocument/2006/relationships" xmlns:p="http://schemas.openxmlformats.org/presentationml/2006/main">
   <p:cSld>
     <p:spTree>
@@ -8559,7 +9377,7 @@
         </p:nvSpPr>
         <p:spPr>
           <a:xfrm>
-            <a:off x="4766311" y="5093008"/>
+            <a:off x="4755553" y="5150305"/>
             <a:ext cx="2072525" cy="461665"/>
           </a:xfrm>
           <a:prstGeom prst="rect">
@@ -8594,486 +9412,7 @@
   <p:timing>
     <p:tnLst>
       <p:par>
-        <p:cTn xmlns:p14="http://schemas.microsoft.com/office/powerpoint/2010/main" id="1" dur="indefinite" restart="never" nodeType="tmRoot"/>
-      </p:par>
-    </p:tnLst>
-  </p:timing>
-</p:sld>
-</file>
-
-<file path=ppt/slides/slide18.xml><?xml version="1.0" encoding="utf-8"?>
-<p:sld xmlns:a="http://schemas.openxmlformats.org/drawingml/2006/main" xmlns:r="http://schemas.openxmlformats.org/officeDocument/2006/relationships" xmlns:p="http://schemas.openxmlformats.org/presentationml/2006/main">
-  <p:cSld>
-    <p:spTree>
-      <p:nvGrpSpPr>
-        <p:cNvPr id="1" name=""/>
-        <p:cNvGrpSpPr/>
-        <p:nvPr/>
-      </p:nvGrpSpPr>
-      <p:grpSpPr>
-        <a:xfrm>
-          <a:off x="0" y="0"/>
-          <a:ext cx="0" cy="0"/>
-          <a:chOff x="0" y="0"/>
-          <a:chExt cx="0" cy="0"/>
-        </a:xfrm>
-      </p:grpSpPr>
-      <p:sp>
-        <p:nvSpPr>
-          <p:cNvPr id="2" name="Title 1"/>
-          <p:cNvSpPr>
-            <a:spLocks noGrp="1"/>
-          </p:cNvSpPr>
-          <p:nvPr>
-            <p:ph type="title"/>
-          </p:nvPr>
-        </p:nvSpPr>
-        <p:spPr/>
-        <p:txBody>
-          <a:bodyPr>
-            <a:normAutofit fontScale="90000"/>
-          </a:bodyPr>
-          <a:lstStyle/>
-          <a:p>
-            <a:r>
-              <a:rPr lang="en-US" dirty="0" smtClean="0"/>
-              <a:t>Planned Layout: Large Screen with fragments</a:t>
-            </a:r>
-            <a:endParaRPr lang="en-US" dirty="0"/>
-          </a:p>
-        </p:txBody>
-      </p:sp>
-      <p:pic>
-        <p:nvPicPr>
-          <p:cNvPr id="9" name="Content Placeholder 8"/>
-          <p:cNvPicPr>
-            <a:picLocks noGrp="1" noChangeAspect="1"/>
-          </p:cNvPicPr>
-          <p:nvPr>
-            <p:ph idx="1"/>
-          </p:nvPr>
-        </p:nvPicPr>
-        <p:blipFill>
-          <a:blip r:embed="rId2">
-            <a:extLst>
-              <a:ext uri="{28A0092B-C50C-407E-A947-70E740481C1C}">
-                <a14:useLocalDpi xmlns:a14="http://schemas.microsoft.com/office/drawing/2010/main" val="0"/>
-              </a:ext>
-            </a:extLst>
-          </a:blip>
-          <a:stretch>
-            <a:fillRect/>
-          </a:stretch>
-        </p:blipFill>
-        <p:spPr>
-          <a:xfrm>
-            <a:off x="3678539" y="2667255"/>
-            <a:ext cx="3973531" cy="2668078"/>
-          </a:xfrm>
-        </p:spPr>
-      </p:pic>
-      <p:sp>
-        <p:nvSpPr>
-          <p:cNvPr id="6" name="TextBox 5"/>
-          <p:cNvSpPr txBox="1"/>
-          <p:nvPr/>
-        </p:nvSpPr>
-        <p:spPr>
-          <a:xfrm>
-            <a:off x="5246371" y="5680084"/>
-            <a:ext cx="2072525" cy="461665"/>
-          </a:xfrm>
-          <a:prstGeom prst="rect">
-            <a:avLst/>
-          </a:prstGeom>
-          <a:noFill/>
-        </p:spPr>
-        <p:txBody>
-          <a:bodyPr wrap="square" rtlCol="0">
-            <a:spAutoFit/>
-          </a:bodyPr>
-          <a:lstStyle/>
-          <a:p>
-            <a:r>
-              <a:rPr lang="en-US" sz="2400" dirty="0" smtClean="0"/>
-              <a:t>Landscape</a:t>
-            </a:r>
-            <a:endParaRPr lang="en-US" sz="2400" dirty="0"/>
-          </a:p>
-        </p:txBody>
-      </p:sp>
-      <p:sp>
-        <p:nvSpPr>
-          <p:cNvPr id="7" name="TextBox 6"/>
-          <p:cNvSpPr txBox="1"/>
-          <p:nvPr/>
-        </p:nvSpPr>
-        <p:spPr>
-          <a:xfrm>
-            <a:off x="1688342" y="6021894"/>
-            <a:ext cx="2072525" cy="461665"/>
-          </a:xfrm>
-          <a:prstGeom prst="rect">
-            <a:avLst/>
-          </a:prstGeom>
-          <a:noFill/>
-        </p:spPr>
-        <p:txBody>
-          <a:bodyPr wrap="square" rtlCol="0">
-            <a:spAutoFit/>
-          </a:bodyPr>
-          <a:lstStyle/>
-          <a:p>
-            <a:r>
-              <a:rPr lang="en-US" sz="2400" dirty="0" smtClean="0"/>
-              <a:t>Portrait</a:t>
-            </a:r>
-            <a:endParaRPr lang="en-US" sz="2400" dirty="0"/>
-          </a:p>
-        </p:txBody>
-      </p:sp>
-      <p:pic>
-        <p:nvPicPr>
-          <p:cNvPr id="10" name="Picture 9"/>
-          <p:cNvPicPr>
-            <a:picLocks noChangeAspect="1"/>
-          </p:cNvPicPr>
-          <p:nvPr/>
-        </p:nvPicPr>
-        <p:blipFill>
-          <a:blip r:embed="rId3">
-            <a:extLst>
-              <a:ext uri="{28A0092B-C50C-407E-A947-70E740481C1C}">
-                <a14:useLocalDpi xmlns:a14="http://schemas.microsoft.com/office/drawing/2010/main" val="0"/>
-              </a:ext>
-            </a:extLst>
-          </a:blip>
-          <a:stretch>
-            <a:fillRect/>
-          </a:stretch>
-        </p:blipFill>
-        <p:spPr>
-          <a:xfrm>
-            <a:off x="1282106" y="1810545"/>
-            <a:ext cx="1632743" cy="4211349"/>
-          </a:xfrm>
-          <a:prstGeom prst="rect">
-            <a:avLst/>
-          </a:prstGeom>
-        </p:spPr>
-      </p:pic>
-    </p:spTree>
-    <p:extLst>
-      <p:ext uri="{BB962C8B-B14F-4D97-AF65-F5344CB8AC3E}">
-        <p14:creationId xmlns:p14="http://schemas.microsoft.com/office/powerpoint/2010/main" val="1749490295"/>
-      </p:ext>
-    </p:extLst>
-  </p:cSld>
-  <p:clrMapOvr>
-    <a:masterClrMapping/>
-  </p:clrMapOvr>
-  <p:timing>
-    <p:tnLst>
-      <p:par>
-        <p:cTn xmlns:p14="http://schemas.microsoft.com/office/powerpoint/2010/main" id="1" dur="indefinite" restart="never" nodeType="tmRoot"/>
-      </p:par>
-    </p:tnLst>
-  </p:timing>
-</p:sld>
-</file>
-
-<file path=ppt/slides/slide19.xml><?xml version="1.0" encoding="utf-8"?>
-<p:sld xmlns:a="http://schemas.openxmlformats.org/drawingml/2006/main" xmlns:r="http://schemas.openxmlformats.org/officeDocument/2006/relationships" xmlns:p="http://schemas.openxmlformats.org/presentationml/2006/main">
-  <p:cSld>
-    <p:spTree>
-      <p:nvGrpSpPr>
-        <p:cNvPr id="1" name=""/>
-        <p:cNvGrpSpPr/>
-        <p:nvPr/>
-      </p:nvGrpSpPr>
-      <p:grpSpPr>
-        <a:xfrm>
-          <a:off x="0" y="0"/>
-          <a:ext cx="0" cy="0"/>
-          <a:chOff x="0" y="0"/>
-          <a:chExt cx="0" cy="0"/>
-        </a:xfrm>
-      </p:grpSpPr>
-      <p:sp>
-        <p:nvSpPr>
-          <p:cNvPr id="2" name="Title 1"/>
-          <p:cNvSpPr>
-            <a:spLocks noGrp="1"/>
-          </p:cNvSpPr>
-          <p:nvPr>
-            <p:ph type="title"/>
-          </p:nvPr>
-        </p:nvSpPr>
-        <p:spPr>
-          <a:xfrm>
-            <a:off x="628650" y="365126"/>
-            <a:ext cx="7886700" cy="857837"/>
-          </a:xfrm>
-        </p:spPr>
-        <p:txBody>
-          <a:bodyPr>
-            <a:normAutofit fontScale="90000"/>
-          </a:bodyPr>
-          <a:lstStyle/>
-          <a:p>
-            <a:r>
-              <a:rPr lang="en-US" dirty="0" smtClean="0"/>
-              <a:t>New Files for the Fragment </a:t>
-            </a:r>
-            <a:r>
-              <a:rPr lang="en-US" dirty="0" smtClean="0"/>
-              <a:t>Version</a:t>
-            </a:r>
-            <a:endParaRPr lang="en-US" dirty="0"/>
-          </a:p>
-        </p:txBody>
-      </p:sp>
-      <p:sp>
-        <p:nvSpPr>
-          <p:cNvPr id="3" name="Content Placeholder 2"/>
-          <p:cNvSpPr>
-            <a:spLocks noGrp="1"/>
-          </p:cNvSpPr>
-          <p:nvPr>
-            <p:ph idx="1"/>
-          </p:nvPr>
-        </p:nvSpPr>
-        <p:spPr>
-          <a:xfrm>
-            <a:off x="457200" y="1222963"/>
-            <a:ext cx="8229600" cy="4525963"/>
-          </a:xfrm>
-        </p:spPr>
-        <p:txBody>
-          <a:bodyPr>
-            <a:normAutofit/>
-          </a:bodyPr>
-          <a:lstStyle/>
-          <a:p>
-            <a:pPr marL="0" indent="0">
-              <a:buNone/>
-            </a:pPr>
-            <a:r>
-              <a:rPr lang="en-US" dirty="0" smtClean="0"/>
-              <a:t>These are the new files for the game UI that will be added to the </a:t>
-            </a:r>
-            <a:r>
-              <a:rPr lang="en-US" dirty="0" smtClean="0"/>
-              <a:t>project</a:t>
-            </a:r>
-            <a:r>
-              <a:rPr lang="en-US" dirty="0"/>
-              <a:t> </a:t>
-            </a:r>
-            <a:r>
-              <a:rPr lang="en-US" dirty="0" smtClean="0"/>
-              <a:t>to implement fragments</a:t>
-            </a:r>
-            <a:endParaRPr lang="en-US" dirty="0" smtClean="0"/>
-          </a:p>
-          <a:p>
-            <a:pPr marL="0" indent="0">
-              <a:buNone/>
-            </a:pPr>
-            <a:endParaRPr lang="en-US" dirty="0" smtClean="0"/>
-          </a:p>
-          <a:p>
-            <a:pPr marL="0" indent="0">
-              <a:buNone/>
-            </a:pPr>
-            <a:endParaRPr lang="en-US" dirty="0" smtClean="0"/>
-          </a:p>
-        </p:txBody>
-      </p:sp>
-      <p:graphicFrame>
-        <p:nvGraphicFramePr>
-          <p:cNvPr id="4" name="Table 3"/>
-          <p:cNvGraphicFramePr>
-            <a:graphicFrameLocks noGrp="1"/>
-          </p:cNvGraphicFramePr>
-          <p:nvPr>
-            <p:extLst>
-              <p:ext uri="{D42A27DB-BD31-4B8C-83A1-F6EECF244321}">
-                <p14:modId xmlns:p14="http://schemas.microsoft.com/office/powerpoint/2010/main" val="2635289577"/>
-              </p:ext>
-            </p:extLst>
-          </p:nvPr>
-        </p:nvGraphicFramePr>
-        <p:xfrm>
-          <a:off x="929687" y="2498796"/>
-          <a:ext cx="7098030" cy="3870960"/>
-        </p:xfrm>
-        <a:graphic>
-          <a:graphicData uri="http://schemas.openxmlformats.org/drawingml/2006/table">
-            <a:tbl>
-              <a:tblPr>
-                <a:tableStyleId>{073A0DAA-6AF3-43AB-8588-CEC1D06C72B9}</a:tableStyleId>
-              </a:tblPr>
-              <a:tblGrid>
-                <a:gridCol w="3549015"/>
-                <a:gridCol w="3549015"/>
-              </a:tblGrid>
-              <a:tr h="3154197">
-                <a:tc>
-                  <a:txBody>
-                    <a:bodyPr/>
-                    <a:lstStyle/>
-                    <a:p>
-                      <a:r>
-                        <a:rPr lang="en-US" sz="2800" dirty="0" smtClean="0"/>
-                        <a:t>Java classes: </a:t>
-                      </a:r>
-                    </a:p>
-                    <a:p>
-                      <a:pPr marL="800100" lvl="1" indent="-342900">
-                        <a:buFont typeface="Arial" panose="020B0604020202020204" pitchFamily="34" charset="0"/>
-                        <a:buChar char="•"/>
-                      </a:pPr>
-                      <a:r>
-                        <a:rPr lang="en-US" sz="2800" dirty="0" err="1" smtClean="0"/>
-                        <a:t>FirstActivity</a:t>
-                      </a:r>
-                      <a:endParaRPr lang="en-US" sz="2800" dirty="0" smtClean="0"/>
-                    </a:p>
-                    <a:p>
-                      <a:pPr marL="800100" lvl="1" indent="-342900">
-                        <a:buFont typeface="Arial" panose="020B0604020202020204" pitchFamily="34" charset="0"/>
-                        <a:buChar char="•"/>
-                      </a:pPr>
-                      <a:r>
-                        <a:rPr lang="en-US" sz="2800" dirty="0" err="1" smtClean="0"/>
-                        <a:t>SecondActivity</a:t>
-                      </a:r>
-                      <a:endParaRPr lang="en-US" sz="2800" dirty="0" smtClean="0"/>
-                    </a:p>
-                    <a:p>
-                      <a:pPr marL="800100" lvl="1" indent="-342900">
-                        <a:buFont typeface="Arial" panose="020B0604020202020204" pitchFamily="34" charset="0"/>
-                        <a:buChar char="•"/>
-                      </a:pPr>
-                      <a:r>
-                        <a:rPr lang="en-US" sz="2800" dirty="0" err="1" smtClean="0"/>
-                        <a:t>FirstFragment</a:t>
-                      </a:r>
-                      <a:endParaRPr lang="en-US" sz="2800" dirty="0" smtClean="0"/>
-                    </a:p>
-                    <a:p>
-                      <a:pPr marL="800100" lvl="1" indent="-342900">
-                        <a:buFont typeface="Arial" panose="020B0604020202020204" pitchFamily="34" charset="0"/>
-                        <a:buChar char="•"/>
-                      </a:pPr>
-                      <a:r>
-                        <a:rPr lang="en-US" sz="2800" dirty="0" err="1" smtClean="0"/>
-                        <a:t>SecondFragment</a:t>
-                      </a:r>
-                      <a:endParaRPr lang="en-US" sz="2800" dirty="0" smtClean="0"/>
-                    </a:p>
-                    <a:p>
-                      <a:endParaRPr lang="en-US" dirty="0"/>
-                    </a:p>
-                  </a:txBody>
-                  <a:tcPr marL="68580" marR="68580"/>
-                </a:tc>
-                <a:tc>
-                  <a:txBody>
-                    <a:bodyPr/>
-                    <a:lstStyle/>
-                    <a:p>
-                      <a:r>
-                        <a:rPr lang="en-US" sz="2400" dirty="0" smtClean="0"/>
-                        <a:t>XML Layout Files:</a:t>
-                      </a:r>
-                    </a:p>
-                    <a:p>
-                      <a:pPr marL="342900" indent="-342900">
-                        <a:buFont typeface="Arial" panose="020B0604020202020204" pitchFamily="34" charset="0"/>
-                        <a:buChar char="•"/>
-                      </a:pPr>
-                      <a:r>
-                        <a:rPr lang="en-US" sz="2800" dirty="0" smtClean="0"/>
-                        <a:t>first_activity</a:t>
-                      </a:r>
-                    </a:p>
-                    <a:p>
-                      <a:pPr marL="342900" indent="-342900">
-                        <a:buFont typeface="Arial" panose="020B0604020202020204" pitchFamily="34" charset="0"/>
-                        <a:buChar char="•"/>
-                      </a:pPr>
-                      <a:r>
-                        <a:rPr lang="en-US" sz="2800" dirty="0" err="1" smtClean="0"/>
-                        <a:t>second_activity</a:t>
-                      </a:r>
-                      <a:endParaRPr lang="en-US" sz="2800" dirty="0" smtClean="0"/>
-                    </a:p>
-                    <a:p>
-                      <a:pPr marL="342900" indent="-342900">
-                        <a:buFont typeface="Arial" panose="020B0604020202020204" pitchFamily="34" charset="0"/>
-                        <a:buChar char="•"/>
-                      </a:pPr>
-                      <a:r>
-                        <a:rPr lang="en-US" sz="2800" dirty="0" smtClean="0"/>
-                        <a:t>first_activity (large-port)</a:t>
-                      </a:r>
-                    </a:p>
-                    <a:p>
-                      <a:pPr marL="342900" indent="-342900">
-                        <a:buFont typeface="Arial" panose="020B0604020202020204" pitchFamily="34" charset="0"/>
-                        <a:buChar char="•"/>
-                      </a:pPr>
-                      <a:r>
-                        <a:rPr lang="en-US" sz="2800" dirty="0" smtClean="0"/>
-                        <a:t>first_activity (large-land)</a:t>
-                      </a:r>
-                    </a:p>
-                    <a:p>
-                      <a:pPr marL="342900" indent="-342900">
-                        <a:buFont typeface="Arial" panose="020B0604020202020204" pitchFamily="34" charset="0"/>
-                        <a:buChar char="•"/>
-                      </a:pPr>
-                      <a:r>
-                        <a:rPr lang="en-US" sz="2800" dirty="0" err="1" smtClean="0"/>
-                        <a:t>First_fragment</a:t>
-                      </a:r>
-                      <a:endParaRPr lang="en-US" sz="2800" dirty="0" smtClean="0"/>
-                    </a:p>
-                    <a:p>
-                      <a:pPr marL="342900" indent="-342900">
-                        <a:buFont typeface="Arial" panose="020B0604020202020204" pitchFamily="34" charset="0"/>
-                        <a:buChar char="•"/>
-                      </a:pPr>
-                      <a:r>
-                        <a:rPr lang="en-US" sz="2800" dirty="0" err="1" smtClean="0"/>
-                        <a:t>Second_fragment</a:t>
-                      </a:r>
-                      <a:endParaRPr lang="en-US" sz="2800" dirty="0"/>
-                    </a:p>
-                  </a:txBody>
-                  <a:tcPr marL="68580" marR="68580"/>
-                </a:tc>
-              </a:tr>
-            </a:tbl>
-          </a:graphicData>
-        </a:graphic>
-      </p:graphicFrame>
-    </p:spTree>
-    <p:extLst>
-      <p:ext uri="{BB962C8B-B14F-4D97-AF65-F5344CB8AC3E}">
-        <p14:creationId xmlns:p14="http://schemas.microsoft.com/office/powerpoint/2010/main" val="3478917240"/>
-      </p:ext>
-    </p:extLst>
-  </p:cSld>
-  <p:clrMapOvr>
-    <a:masterClrMapping/>
-  </p:clrMapOvr>
-  <p:timing>
-    <p:tnLst>
-      <p:par>
-        <p:cTn xmlns:p14="http://schemas.microsoft.com/office/powerpoint/2010/main" id="1" dur="indefinite" restart="never" nodeType="tmRoot"/>
+        <p:cTn id="1" dur="indefinite" restart="never" nodeType="tmRoot"/>
       </p:par>
     </p:tnLst>
   </p:timing>
@@ -9138,14 +9477,14 @@
             <p:ph sz="half" idx="1"/>
             <p:extLst>
               <p:ext uri="{D42A27DB-BD31-4B8C-83A1-F6EECF244321}">
-                <p14:modId xmlns:p14="http://schemas.microsoft.com/office/powerpoint/2010/main" val="1492728065"/>
+                <p14:modId xmlns:p14="http://schemas.microsoft.com/office/powerpoint/2010/main" val="1455267008"/>
               </p:ext>
             </p:extLst>
           </p:nvPr>
         </p:nvGraphicFramePr>
         <p:xfrm>
           <a:off x="457200" y="1600200"/>
-          <a:ext cx="3811200" cy="5152683"/>
+          <a:ext cx="3811200" cy="4725964"/>
         </p:xfrm>
         <a:graphic>
           <a:graphicData uri="http://schemas.openxmlformats.org/drawingml/2006/table">
@@ -9470,7 +9809,10 @@
                   </a:txBody>
                   <a:tcPr>
                     <a:solidFill>
-                      <a:srgbClr val="FFFF00"/>
+                      <a:schemeClr val="accent1">
+                        <a:lumMod val="40000"/>
+                        <a:lumOff val="60000"/>
+                      </a:schemeClr>
                     </a:solidFill>
                   </a:tcPr>
                 </a:tc>
@@ -9502,15 +9844,7 @@
                       </a:r>
                       <a:r>
                         <a:rPr lang="en-US" sz="2800" baseline="0" dirty="0" smtClean="0"/>
-                        <a:t> apps, </a:t>
-                      </a:r>
-                      <a:r>
-                        <a:rPr lang="en-US" sz="2800" u="sng" baseline="0" dirty="0" smtClean="0">
-                          <a:solidFill>
-                            <a:schemeClr val="tx1"/>
-                          </a:solidFill>
-                        </a:rPr>
-                        <a:t>Fragments</a:t>
+                        <a:t> apps</a:t>
                       </a:r>
                       <a:endParaRPr lang="en-US" sz="2800" u="sng" dirty="0" smtClean="0">
                         <a:solidFill>
@@ -9521,7 +9855,10 @@
                   </a:txBody>
                   <a:tcPr>
                     <a:solidFill>
-                      <a:srgbClr val="FFFF00"/>
+                      <a:schemeClr val="accent1">
+                        <a:lumMod val="40000"/>
+                        <a:lumOff val="60000"/>
+                      </a:schemeClr>
                     </a:solidFill>
                   </a:tcPr>
                 </a:tc>
@@ -9540,14 +9877,14 @@
             <p:ph sz="half" idx="2"/>
             <p:extLst>
               <p:ext uri="{D42A27DB-BD31-4B8C-83A1-F6EECF244321}">
-                <p14:modId xmlns:p14="http://schemas.microsoft.com/office/powerpoint/2010/main" val="3112258889"/>
+                <p14:modId xmlns:p14="http://schemas.microsoft.com/office/powerpoint/2010/main" val="1339977287"/>
               </p:ext>
             </p:extLst>
           </p:nvPr>
         </p:nvGraphicFramePr>
         <p:xfrm>
           <a:off x="4412426" y="1600200"/>
-          <a:ext cx="4274374" cy="3866745"/>
+          <a:ext cx="4274374" cy="4678584"/>
         </p:xfrm>
         <a:graphic>
           <a:graphicData uri="http://schemas.openxmlformats.org/drawingml/2006/table">
@@ -9559,7 +9896,7 @@
                 <a:gridCol w="589196"/>
                 <a:gridCol w="3685178"/>
               </a:tblGrid>
-              <a:tr h="375862">
+              <a:tr h="349095">
                 <a:tc>
                   <a:txBody>
                     <a:bodyPr/>
@@ -9589,7 +9926,61 @@
                   <a:tcPr/>
                 </a:tc>
               </a:tr>
-              <a:tr h="957676">
+              <a:tr h="494552">
+                <a:tc>
+                  <a:txBody>
+                    <a:bodyPr/>
+                    <a:lstStyle/>
+                    <a:p>
+                      <a:r>
+                        <a:rPr lang="en-US" sz="2800" dirty="0" smtClean="0"/>
+                        <a:t>3</a:t>
+                      </a:r>
+                      <a:endParaRPr lang="en-US" sz="2800" dirty="0"/>
+                    </a:p>
+                  </a:txBody>
+                  <a:tcPr>
+                    <a:solidFill>
+                      <a:srgbClr val="FFFF00"/>
+                    </a:solidFill>
+                  </a:tcPr>
+                </a:tc>
+                <a:tc>
+                  <a:txBody>
+                    <a:bodyPr/>
+                    <a:lstStyle/>
+                    <a:p>
+                      <a:pPr marL="0" marR="0" indent="0" algn="l" defTabSz="457200" rtl="0" eaLnBrk="1" fontAlgn="auto" latinLnBrk="0" hangingPunct="1">
+                        <a:lnSpc>
+                          <a:spcPct val="100000"/>
+                        </a:lnSpc>
+                        <a:spcBef>
+                          <a:spcPts val="0"/>
+                        </a:spcBef>
+                        <a:spcAft>
+                          <a:spcPts val="0"/>
+                        </a:spcAft>
+                        <a:buClrTx/>
+                        <a:buSzTx/>
+                        <a:buFontTx/>
+                        <a:buNone/>
+                        <a:tabLst/>
+                        <a:defRPr/>
+                      </a:pPr>
+                      <a:r>
+                        <a:rPr lang="en-US" sz="2800" dirty="0" smtClean="0"/>
+                        <a:t>Fragments</a:t>
+                      </a:r>
+                    </a:p>
+                  </a:txBody>
+                  <a:tcPr>
+                    <a:solidFill>
+                      <a:srgbClr val="FFFF00"/>
+                    </a:solidFill>
+                  </a:tcPr>
+                </a:tc>
+              </a:tr>
+              <a:tr h="1151965">
                 <a:tc>
                   <a:txBody>
                     <a:bodyPr/>
@@ -9659,53 +10050,7 @@
                   <a:tcPr/>
                 </a:tc>
               </a:tr>
-              <a:tr h="525177">
-                <a:tc>
-                  <a:txBody>
-                    <a:bodyPr/>
-                    <a:lstStyle/>
-                    <a:p>
-                      <a:r>
-                        <a:rPr lang="en-US" sz="2800" dirty="0" smtClean="0"/>
-                        <a:t>3</a:t>
-                      </a:r>
-                      <a:endParaRPr lang="en-US" sz="2800" dirty="0"/>
-                    </a:p>
-                  </a:txBody>
-                  <a:tcPr/>
-                </a:tc>
-                <a:tc>
-                  <a:txBody>
-                    <a:bodyPr/>
-                    <a:lstStyle/>
-                    <a:p>
-                      <a:pPr marL="0" marR="0" indent="0" algn="l" defTabSz="457200" rtl="0" eaLnBrk="1" fontAlgn="auto" latinLnBrk="0" hangingPunct="1">
-                        <a:lnSpc>
-                          <a:spcPct val="100000"/>
-                        </a:lnSpc>
-                        <a:spcBef>
-                          <a:spcPts val="0"/>
-                        </a:spcBef>
-                        <a:spcAft>
-                          <a:spcPts val="0"/>
-                        </a:spcAft>
-                        <a:buClrTx/>
-                        <a:buSzTx/>
-                        <a:buFontTx/>
-                        <a:buNone/>
-                        <a:tabLst/>
-                        <a:defRPr/>
-                      </a:pPr>
-                      <a:r>
-                        <a:rPr lang="en-US" sz="2800" dirty="0" smtClean="0"/>
-                        <a:t>List Views</a:t>
-                      </a:r>
-                    </a:p>
-                  </a:txBody>
-                  <a:tcPr/>
-                </a:tc>
-              </a:tr>
-              <a:tr h="525177">
+              <a:tr h="641268">
                 <a:tc>
                   <a:txBody>
                     <a:bodyPr/>
@@ -9756,7 +10101,7 @@
                   <a:tcPr/>
                 </a:tc>
               </a:tr>
-              <a:tr h="957676">
+              <a:tr h="1015409">
                 <a:tc>
                   <a:txBody>
                     <a:bodyPr/>
@@ -9802,7 +10147,7 @@
                   <a:tcPr/>
                 </a:tc>
               </a:tr>
-              <a:tr h="525177">
+              <a:tr h="986022">
                 <a:tc>
                   <a:txBody>
                     <a:bodyPr/>
@@ -9862,10 +10207,507 @@
   <p:clrMapOvr>
     <a:masterClrMapping/>
   </p:clrMapOvr>
+  <p:timing>
+    <p:tnLst>
+      <p:par>
+        <p:cTn id="1" dur="indefinite" restart="never" nodeType="tmRoot"/>
+      </p:par>
+    </p:tnLst>
+  </p:timing>
 </p:sld>
 </file>
 
 <file path=ppt/slides/slide20.xml><?xml version="1.0" encoding="utf-8"?>
+<p:sld xmlns:a="http://schemas.openxmlformats.org/drawingml/2006/main" xmlns:r="http://schemas.openxmlformats.org/officeDocument/2006/relationships" xmlns:p="http://schemas.openxmlformats.org/presentationml/2006/main">
+  <p:cSld>
+    <p:spTree>
+      <p:nvGrpSpPr>
+        <p:cNvPr id="1" name=""/>
+        <p:cNvGrpSpPr/>
+        <p:nvPr/>
+      </p:nvGrpSpPr>
+      <p:grpSpPr>
+        <a:xfrm>
+          <a:off x="0" y="0"/>
+          <a:ext cx="0" cy="0"/>
+          <a:chOff x="0" y="0"/>
+          <a:chExt cx="0" cy="0"/>
+        </a:xfrm>
+      </p:grpSpPr>
+      <p:sp>
+        <p:nvSpPr>
+          <p:cNvPr id="2" name="Title 1"/>
+          <p:cNvSpPr>
+            <a:spLocks noGrp="1"/>
+          </p:cNvSpPr>
+          <p:nvPr>
+            <p:ph type="title"/>
+          </p:nvPr>
+        </p:nvSpPr>
+        <p:spPr/>
+        <p:txBody>
+          <a:bodyPr>
+            <a:normAutofit fontScale="90000"/>
+          </a:bodyPr>
+          <a:lstStyle/>
+          <a:p>
+            <a:r>
+              <a:rPr lang="en-US" dirty="0" smtClean="0"/>
+              <a:t>Planned Layout: Large Screen with fragments</a:t>
+            </a:r>
+            <a:endParaRPr lang="en-US" dirty="0"/>
+          </a:p>
+        </p:txBody>
+      </p:sp>
+      <p:pic>
+        <p:nvPicPr>
+          <p:cNvPr id="9" name="Content Placeholder 8"/>
+          <p:cNvPicPr>
+            <a:picLocks noGrp="1" noChangeAspect="1"/>
+          </p:cNvPicPr>
+          <p:nvPr>
+            <p:ph idx="1"/>
+          </p:nvPr>
+        </p:nvPicPr>
+        <p:blipFill>
+          <a:blip r:embed="rId2">
+            <a:extLst>
+              <a:ext uri="{28A0092B-C50C-407E-A947-70E740481C1C}">
+                <a14:useLocalDpi xmlns:a14="http://schemas.microsoft.com/office/drawing/2010/main" val="0"/>
+              </a:ext>
+            </a:extLst>
+          </a:blip>
+          <a:stretch>
+            <a:fillRect/>
+          </a:stretch>
+        </p:blipFill>
+        <p:spPr>
+          <a:xfrm>
+            <a:off x="3678539" y="2667255"/>
+            <a:ext cx="3973531" cy="2668078"/>
+          </a:xfrm>
+        </p:spPr>
+      </p:pic>
+      <p:sp>
+        <p:nvSpPr>
+          <p:cNvPr id="6" name="TextBox 5"/>
+          <p:cNvSpPr txBox="1"/>
+          <p:nvPr/>
+        </p:nvSpPr>
+        <p:spPr>
+          <a:xfrm>
+            <a:off x="5246371" y="5680084"/>
+            <a:ext cx="2072525" cy="461665"/>
+          </a:xfrm>
+          <a:prstGeom prst="rect">
+            <a:avLst/>
+          </a:prstGeom>
+          <a:noFill/>
+        </p:spPr>
+        <p:txBody>
+          <a:bodyPr wrap="square" rtlCol="0">
+            <a:spAutoFit/>
+          </a:bodyPr>
+          <a:lstStyle/>
+          <a:p>
+            <a:r>
+              <a:rPr lang="en-US" sz="2400" dirty="0" smtClean="0"/>
+              <a:t>Landscape</a:t>
+            </a:r>
+            <a:endParaRPr lang="en-US" sz="2400" dirty="0"/>
+          </a:p>
+        </p:txBody>
+      </p:sp>
+      <p:sp>
+        <p:nvSpPr>
+          <p:cNvPr id="7" name="TextBox 6"/>
+          <p:cNvSpPr txBox="1"/>
+          <p:nvPr/>
+        </p:nvSpPr>
+        <p:spPr>
+          <a:xfrm>
+            <a:off x="1688342" y="6021894"/>
+            <a:ext cx="2072525" cy="461665"/>
+          </a:xfrm>
+          <a:prstGeom prst="rect">
+            <a:avLst/>
+          </a:prstGeom>
+          <a:noFill/>
+        </p:spPr>
+        <p:txBody>
+          <a:bodyPr wrap="square" rtlCol="0">
+            <a:spAutoFit/>
+          </a:bodyPr>
+          <a:lstStyle/>
+          <a:p>
+            <a:r>
+              <a:rPr lang="en-US" sz="2400" dirty="0" smtClean="0"/>
+              <a:t>Portrait</a:t>
+            </a:r>
+            <a:endParaRPr lang="en-US" sz="2400" dirty="0"/>
+          </a:p>
+        </p:txBody>
+      </p:sp>
+      <p:pic>
+        <p:nvPicPr>
+          <p:cNvPr id="10" name="Picture 9"/>
+          <p:cNvPicPr>
+            <a:picLocks noChangeAspect="1"/>
+          </p:cNvPicPr>
+          <p:nvPr/>
+        </p:nvPicPr>
+        <p:blipFill>
+          <a:blip r:embed="rId3">
+            <a:extLst>
+              <a:ext uri="{28A0092B-C50C-407E-A947-70E740481C1C}">
+                <a14:useLocalDpi xmlns:a14="http://schemas.microsoft.com/office/drawing/2010/main" val="0"/>
+              </a:ext>
+            </a:extLst>
+          </a:blip>
+          <a:stretch>
+            <a:fillRect/>
+          </a:stretch>
+        </p:blipFill>
+        <p:spPr>
+          <a:xfrm>
+            <a:off x="1282106" y="1810545"/>
+            <a:ext cx="1632743" cy="4211349"/>
+          </a:xfrm>
+          <a:prstGeom prst="rect">
+            <a:avLst/>
+          </a:prstGeom>
+        </p:spPr>
+      </p:pic>
+    </p:spTree>
+    <p:extLst>
+      <p:ext uri="{BB962C8B-B14F-4D97-AF65-F5344CB8AC3E}">
+        <p14:creationId xmlns:p14="http://schemas.microsoft.com/office/powerpoint/2010/main" val="1749490295"/>
+      </p:ext>
+    </p:extLst>
+  </p:cSld>
+  <p:clrMapOvr>
+    <a:masterClrMapping/>
+  </p:clrMapOvr>
+  <p:timing>
+    <p:tnLst>
+      <p:par>
+        <p:cTn id="1" dur="indefinite" restart="never" nodeType="tmRoot"/>
+      </p:par>
+    </p:tnLst>
+  </p:timing>
+</p:sld>
+</file>
+
+<file path=ppt/slides/slide21.xml><?xml version="1.0" encoding="utf-8"?>
+<p:sld xmlns:a="http://schemas.openxmlformats.org/drawingml/2006/main" xmlns:r="http://schemas.openxmlformats.org/officeDocument/2006/relationships" xmlns:p="http://schemas.openxmlformats.org/presentationml/2006/main">
+  <p:cSld>
+    <p:spTree>
+      <p:nvGrpSpPr>
+        <p:cNvPr id="1" name=""/>
+        <p:cNvGrpSpPr/>
+        <p:nvPr/>
+      </p:nvGrpSpPr>
+      <p:grpSpPr>
+        <a:xfrm>
+          <a:off x="0" y="0"/>
+          <a:ext cx="0" cy="0"/>
+          <a:chOff x="0" y="0"/>
+          <a:chExt cx="0" cy="0"/>
+        </a:xfrm>
+      </p:grpSpPr>
+      <p:sp>
+        <p:nvSpPr>
+          <p:cNvPr id="2" name="Title 1"/>
+          <p:cNvSpPr>
+            <a:spLocks noGrp="1"/>
+          </p:cNvSpPr>
+          <p:nvPr>
+            <p:ph type="title"/>
+          </p:nvPr>
+        </p:nvSpPr>
+        <p:spPr>
+          <a:xfrm>
+            <a:off x="628650" y="365126"/>
+            <a:ext cx="7886700" cy="857837"/>
+          </a:xfrm>
+        </p:spPr>
+        <p:txBody>
+          <a:bodyPr>
+            <a:normAutofit/>
+          </a:bodyPr>
+          <a:lstStyle/>
+          <a:p>
+            <a:r>
+              <a:rPr lang="en-US" dirty="0" smtClean="0"/>
+              <a:t>Files for the Fragment Version</a:t>
+            </a:r>
+            <a:endParaRPr lang="en-US" dirty="0"/>
+          </a:p>
+        </p:txBody>
+      </p:sp>
+      <p:sp>
+        <p:nvSpPr>
+          <p:cNvPr id="3" name="Content Placeholder 2"/>
+          <p:cNvSpPr>
+            <a:spLocks noGrp="1"/>
+          </p:cNvSpPr>
+          <p:nvPr>
+            <p:ph idx="1"/>
+          </p:nvPr>
+        </p:nvSpPr>
+        <p:spPr>
+          <a:xfrm>
+            <a:off x="457200" y="1222963"/>
+            <a:ext cx="8229600" cy="4525963"/>
+          </a:xfrm>
+        </p:spPr>
+        <p:txBody>
+          <a:bodyPr>
+            <a:normAutofit/>
+          </a:bodyPr>
+          <a:lstStyle/>
+          <a:p>
+            <a:pPr marL="0" indent="0">
+              <a:buNone/>
+            </a:pPr>
+            <a:r>
+              <a:rPr lang="en-US" dirty="0" smtClean="0"/>
+              <a:t>These are the files for the game UI that will be used in the fragment version of the project.</a:t>
+            </a:r>
+          </a:p>
+          <a:p>
+            <a:pPr marL="0" indent="0">
+              <a:buNone/>
+            </a:pPr>
+            <a:endParaRPr lang="en-US" dirty="0" smtClean="0"/>
+          </a:p>
+        </p:txBody>
+      </p:sp>
+      <p:graphicFrame>
+        <p:nvGraphicFramePr>
+          <p:cNvPr id="4" name="Table 3"/>
+          <p:cNvGraphicFramePr>
+            <a:graphicFrameLocks noGrp="1"/>
+          </p:cNvGraphicFramePr>
+          <p:nvPr>
+            <p:extLst>
+              <p:ext uri="{D42A27DB-BD31-4B8C-83A1-F6EECF244321}">
+                <p14:modId xmlns:p14="http://schemas.microsoft.com/office/powerpoint/2010/main" val="1012226920"/>
+              </p:ext>
+            </p:extLst>
+          </p:nvPr>
+        </p:nvGraphicFramePr>
+        <p:xfrm>
+          <a:off x="457200" y="2509554"/>
+          <a:ext cx="8229600" cy="3417910"/>
+        </p:xfrm>
+        <a:graphic>
+          <a:graphicData uri="http://schemas.openxmlformats.org/drawingml/2006/table">
+            <a:tbl>
+              <a:tblPr>
+                <a:tableStyleId>{073A0DAA-6AF3-43AB-8588-CEC1D06C72B9}</a:tableStyleId>
+              </a:tblPr>
+              <a:tblGrid>
+                <a:gridCol w="3603431"/>
+                <a:gridCol w="4626169"/>
+              </a:tblGrid>
+              <a:tr h="3417910">
+                <a:tc>
+                  <a:txBody>
+                    <a:bodyPr/>
+                    <a:lstStyle/>
+                    <a:p>
+                      <a:r>
+                        <a:rPr lang="en-US" sz="2800" dirty="0" smtClean="0"/>
+                        <a:t>Java classes: </a:t>
+                      </a:r>
+                    </a:p>
+                    <a:p>
+                      <a:pPr marL="800100" lvl="1" indent="-342900">
+                        <a:buFont typeface="Arial" panose="020B0604020202020204" pitchFamily="34" charset="0"/>
+                        <a:buChar char="•"/>
+                      </a:pPr>
+                      <a:r>
+                        <a:rPr lang="en-US" sz="2800" dirty="0" err="1" smtClean="0"/>
+                        <a:t>FirstActivity</a:t>
+                      </a:r>
+                      <a:endParaRPr lang="en-US" sz="2800" dirty="0" smtClean="0"/>
+                    </a:p>
+                    <a:p>
+                      <a:pPr marL="800100" marR="0" lvl="1" indent="-342900" algn="l" defTabSz="457200" rtl="0" eaLnBrk="1" fontAlgn="auto" latinLnBrk="0" hangingPunct="1">
+                        <a:lnSpc>
+                          <a:spcPct val="100000"/>
+                        </a:lnSpc>
+                        <a:spcBef>
+                          <a:spcPts val="0"/>
+                        </a:spcBef>
+                        <a:spcAft>
+                          <a:spcPts val="0"/>
+                        </a:spcAft>
+                        <a:buClrTx/>
+                        <a:buSzTx/>
+                        <a:buFont typeface="Arial" panose="020B0604020202020204" pitchFamily="34" charset="0"/>
+                        <a:buChar char="•"/>
+                        <a:tabLst/>
+                        <a:defRPr/>
+                      </a:pPr>
+                      <a:r>
+                        <a:rPr lang="en-US" sz="2800" dirty="0" err="1" smtClean="0"/>
+                        <a:t>FirstFragment</a:t>
+                      </a:r>
+                      <a:endParaRPr lang="en-US" sz="2800" dirty="0" smtClean="0"/>
+                    </a:p>
+                    <a:p>
+                      <a:pPr marL="800100" lvl="1" indent="-342900">
+                        <a:buFont typeface="Arial" panose="020B0604020202020204" pitchFamily="34" charset="0"/>
+                        <a:buChar char="•"/>
+                      </a:pPr>
+                      <a:r>
+                        <a:rPr lang="en-US" sz="2800" dirty="0" err="1" smtClean="0"/>
+                        <a:t>SecondActivity</a:t>
+                      </a:r>
+                      <a:endParaRPr lang="en-US" sz="2800" dirty="0" smtClean="0"/>
+                    </a:p>
+                    <a:p>
+                      <a:pPr marL="800100" lvl="1" indent="-342900">
+                        <a:buFont typeface="Arial" panose="020B0604020202020204" pitchFamily="34" charset="0"/>
+                        <a:buChar char="•"/>
+                      </a:pPr>
+                      <a:r>
+                        <a:rPr lang="en-US" sz="2800" dirty="0" err="1" smtClean="0"/>
+                        <a:t>SecondFragment</a:t>
+                      </a:r>
+                      <a:endParaRPr lang="en-US" sz="2800" dirty="0" smtClean="0"/>
+                    </a:p>
+                    <a:p>
+                      <a:endParaRPr lang="en-US" dirty="0"/>
+                    </a:p>
+                  </a:txBody>
+                  <a:tcPr marL="68580" marR="68580"/>
+                </a:tc>
+                <a:tc>
+                  <a:txBody>
+                    <a:bodyPr/>
+                    <a:lstStyle/>
+                    <a:p>
+                      <a:r>
+                        <a:rPr lang="en-US" sz="2400" dirty="0" smtClean="0"/>
+                        <a:t>XML Layout Files:</a:t>
+                      </a:r>
+                    </a:p>
+                    <a:p>
+                      <a:pPr marL="342900" indent="-342900">
+                        <a:buFont typeface="Arial" panose="020B0604020202020204" pitchFamily="34" charset="0"/>
+                        <a:buChar char="•"/>
+                      </a:pPr>
+                      <a:r>
+                        <a:rPr lang="en-US" sz="2800" dirty="0" smtClean="0"/>
+                        <a:t>first_activity</a:t>
+                      </a:r>
+                    </a:p>
+                    <a:p>
+                      <a:pPr marL="342900" indent="-342900">
+                        <a:buFont typeface="Arial" panose="020B0604020202020204" pitchFamily="34" charset="0"/>
+                        <a:buChar char="•"/>
+                      </a:pPr>
+                      <a:r>
+                        <a:rPr lang="en-US" sz="2800" dirty="0" err="1" smtClean="0"/>
+                        <a:t>first_activity</a:t>
+                      </a:r>
+                      <a:r>
+                        <a:rPr lang="en-US" sz="2800" dirty="0" smtClean="0"/>
+                        <a:t> (sw600dp-port)</a:t>
+                      </a:r>
+                    </a:p>
+                    <a:p>
+                      <a:pPr marL="342900" indent="-342900">
+                        <a:buFont typeface="Arial" panose="020B0604020202020204" pitchFamily="34" charset="0"/>
+                        <a:buChar char="•"/>
+                      </a:pPr>
+                      <a:r>
+                        <a:rPr lang="en-US" sz="2800" dirty="0" err="1" smtClean="0"/>
+                        <a:t>first_activity</a:t>
+                      </a:r>
+                      <a:r>
+                        <a:rPr lang="en-US" sz="2800" dirty="0" smtClean="0"/>
+                        <a:t> (sw600dp-land)</a:t>
+                      </a:r>
+                    </a:p>
+                    <a:p>
+                      <a:pPr marL="342900" indent="-342900">
+                        <a:buFont typeface="Arial" panose="020B0604020202020204" pitchFamily="34" charset="0"/>
+                        <a:buChar char="•"/>
+                      </a:pPr>
+                      <a:r>
+                        <a:rPr lang="en-US" sz="2800" dirty="0" err="1" smtClean="0"/>
+                        <a:t>first_fragment</a:t>
+                      </a:r>
+                      <a:endParaRPr lang="en-US" sz="2800" dirty="0" smtClean="0"/>
+                    </a:p>
+                    <a:p>
+                      <a:pPr marL="342900" marR="0" indent="-342900" algn="l" defTabSz="457200" rtl="0" eaLnBrk="1" fontAlgn="auto" latinLnBrk="0" hangingPunct="1">
+                        <a:lnSpc>
+                          <a:spcPct val="100000"/>
+                        </a:lnSpc>
+                        <a:spcBef>
+                          <a:spcPts val="0"/>
+                        </a:spcBef>
+                        <a:spcAft>
+                          <a:spcPts val="0"/>
+                        </a:spcAft>
+                        <a:buClrTx/>
+                        <a:buSzTx/>
+                        <a:buFont typeface="Arial" panose="020B0604020202020204" pitchFamily="34" charset="0"/>
+                        <a:buChar char="•"/>
+                        <a:tabLst/>
+                        <a:defRPr/>
+                      </a:pPr>
+                      <a:r>
+                        <a:rPr lang="en-US" sz="2800" dirty="0" err="1" smtClean="0"/>
+                        <a:t>second_activity</a:t>
+                      </a:r>
+                      <a:endParaRPr lang="en-US" sz="2800" dirty="0" smtClean="0"/>
+                    </a:p>
+                    <a:p>
+                      <a:pPr marL="342900" indent="-342900">
+                        <a:buFont typeface="Arial" panose="020B0604020202020204" pitchFamily="34" charset="0"/>
+                        <a:buChar char="•"/>
+                      </a:pPr>
+                      <a:r>
+                        <a:rPr lang="en-US" sz="2800" dirty="0" err="1" smtClean="0"/>
+                        <a:t>second_fragment</a:t>
+                      </a:r>
+                      <a:endParaRPr lang="en-US" sz="2800" dirty="0"/>
+                    </a:p>
+                  </a:txBody>
+                  <a:tcPr marL="68580" marR="68580"/>
+                </a:tc>
+              </a:tr>
+            </a:tbl>
+          </a:graphicData>
+        </a:graphic>
+      </p:graphicFrame>
+    </p:spTree>
+    <p:extLst>
+      <p:ext uri="{BB962C8B-B14F-4D97-AF65-F5344CB8AC3E}">
+        <p14:creationId xmlns:p14="http://schemas.microsoft.com/office/powerpoint/2010/main" val="3478917240"/>
+      </p:ext>
+    </p:extLst>
+  </p:cSld>
+  <p:clrMapOvr>
+    <a:masterClrMapping/>
+  </p:clrMapOvr>
+  <p:timing>
+    <p:tnLst>
+      <p:par>
+        <p:cTn id="1" dur="indefinite" restart="never" nodeType="tmRoot"/>
+      </p:par>
+    </p:tnLst>
+  </p:timing>
+</p:sld>
+</file>
+
+<file path=ppt/slides/slide22.xml><?xml version="1.0" encoding="utf-8"?>
 <p:sld xmlns:a="http://schemas.openxmlformats.org/drawingml/2006/main" xmlns:r="http://schemas.openxmlformats.org/officeDocument/2006/relationships" xmlns:p="http://schemas.openxmlformats.org/presentationml/2006/main">
   <p:cSld>
     <p:bg>
@@ -10028,14 +10870,14 @@
   <p:timing>
     <p:tnLst>
       <p:par>
-        <p:cTn xmlns:p14="http://schemas.microsoft.com/office/powerpoint/2010/main" id="1" dur="indefinite" restart="never" nodeType="tmRoot"/>
+        <p:cTn id="1" dur="indefinite" restart="never" nodeType="tmRoot"/>
       </p:par>
     </p:tnLst>
   </p:timing>
 </p:sld>
 </file>
 
-<file path=ppt/slides/slide21.xml><?xml version="1.0" encoding="utf-8"?>
+<file path=ppt/slides/slide23.xml><?xml version="1.0" encoding="utf-8"?>
 <p:sld xmlns:a="http://schemas.openxmlformats.org/drawingml/2006/main" xmlns:r="http://schemas.openxmlformats.org/officeDocument/2006/relationships" xmlns:p="http://schemas.openxmlformats.org/presentationml/2006/main">
   <p:cSld>
     <p:spTree>
@@ -10090,7 +10932,7 @@
         <p:spPr/>
         <p:txBody>
           <a:bodyPr>
-            <a:normAutofit fontScale="92500" lnSpcReduction="10000"/>
+            <a:normAutofit/>
           </a:bodyPr>
           <a:lstStyle/>
           <a:p>
@@ -10111,11 +10953,11 @@
             </a:r>
             <a:r>
               <a:rPr lang="en-US" sz="2400" i="1" dirty="0" smtClean="0"/>
-              <a:t>="</a:t>
+              <a:t>=".</a:t>
             </a:r>
             <a:r>
               <a:rPr lang="en-US" sz="2400" i="1" dirty="0" err="1" smtClean="0"/>
-              <a:t>edu.uoregon.bbird.rps.FirstActivity</a:t>
+              <a:t>FirstActivity</a:t>
             </a:r>
             <a:r>
               <a:rPr lang="en-US" sz="2400" i="1" dirty="0" smtClean="0"/>
@@ -10125,24 +10967,6 @@
               <a:rPr lang="en-US" sz="2400" i="1" dirty="0" smtClean="0"/>
             </a:br>
             <a:r>
-              <a:rPr lang="en-US" sz="2400" i="1" dirty="0" err="1" smtClean="0"/>
-              <a:t>android:launchMode</a:t>
-            </a:r>
-            <a:r>
-              <a:rPr lang="en-US" sz="2400" i="1" dirty="0" smtClean="0"/>
-              <a:t>="</a:t>
-            </a:r>
-            <a:r>
-              <a:rPr lang="en-US" sz="2400" i="1" dirty="0" err="1" smtClean="0"/>
-              <a:t>singleInstance</a:t>
-            </a:r>
-            <a:r>
-              <a:rPr lang="en-US" sz="2400" i="1" dirty="0" smtClean="0"/>
-              <a:t>"</a:t>
-            </a:r>
-          </a:p>
-          <a:p>
-            <a:r>
               <a:rPr lang="en-US" dirty="0" smtClean="0"/>
               <a:t>Add the second activity:</a:t>
             </a:r>
@@ -10166,11 +10990,11 @@
             </a:r>
             <a:r>
               <a:rPr lang="en-US" sz="2400" i="1" dirty="0" smtClean="0"/>
-              <a:t>="</a:t>
+              <a:t>=".</a:t>
             </a:r>
             <a:r>
               <a:rPr lang="en-US" sz="2400" i="1" dirty="0" err="1" smtClean="0"/>
-              <a:t>edu.uoregon.bbird.rps.SecondActivity</a:t>
+              <a:t>SecondActivity</a:t>
             </a:r>
             <a:r>
               <a:rPr lang="en-US" sz="2400" i="1" dirty="0" smtClean="0"/>
@@ -10200,38 +11024,15 @@
             </a:r>
             <a:r>
               <a:rPr lang="en-US" sz="2400" i="1" dirty="0" err="1" smtClean="0"/>
-              <a:t>android:launchMode</a:t>
+              <a:t>android:parentActivityName</a:t>
             </a:r>
             <a:r>
               <a:rPr lang="en-US" sz="2400" i="1" dirty="0" smtClean="0"/>
-              <a:t>="</a:t>
+              <a:t>=".</a:t>
             </a:r>
             <a:r>
               <a:rPr lang="en-US" sz="2400" i="1" dirty="0" err="1" smtClean="0"/>
-              <a:t>singleInstance</a:t>
-            </a:r>
-            <a:r>
-              <a:rPr lang="en-US" sz="2400" i="1" dirty="0" smtClean="0"/>
-              <a:t>"</a:t>
-            </a:r>
-            <a:br>
-              <a:rPr lang="en-US" sz="2400" i="1" dirty="0" smtClean="0"/>
-            </a:br>
-            <a:r>
-              <a:rPr lang="en-US" sz="2400" i="1" dirty="0" smtClean="0"/>
-              <a:t>	</a:t>
-            </a:r>
-            <a:r>
-              <a:rPr lang="en-US" sz="2400" i="1" dirty="0" err="1" smtClean="0"/>
-              <a:t>android:parentActivityName</a:t>
-            </a:r>
-            <a:r>
-              <a:rPr lang="en-US" sz="2400" i="1" dirty="0" smtClean="0"/>
-              <a:t>="</a:t>
-            </a:r>
-            <a:r>
-              <a:rPr lang="en-US" sz="2400" i="1" dirty="0" err="1" smtClean="0"/>
-              <a:t>edu.uoregon.bbird.rps.FirstActivity</a:t>
+              <a:t>FirstActivity</a:t>
             </a:r>
             <a:r>
               <a:rPr lang="en-US" sz="2400" i="1" dirty="0" smtClean="0"/>
@@ -10261,14 +11062,14 @@
   <p:timing>
     <p:tnLst>
       <p:par>
-        <p:cTn xmlns:p14="http://schemas.microsoft.com/office/powerpoint/2010/main" id="1" dur="indefinite" restart="never" nodeType="tmRoot"/>
+        <p:cTn id="1" dur="indefinite" restart="never" nodeType="tmRoot"/>
       </p:par>
     </p:tnLst>
   </p:timing>
 </p:sld>
 </file>
 
-<file path=ppt/slides/slide22.xml><?xml version="1.0" encoding="utf-8"?>
+<file path=ppt/slides/slide24.xml><?xml version="1.0" encoding="utf-8"?>
 <p:sld xmlns:a="http://schemas.openxmlformats.org/drawingml/2006/main" xmlns:r="http://schemas.openxmlformats.org/officeDocument/2006/relationships" xmlns:p="http://schemas.openxmlformats.org/presentationml/2006/main">
   <p:cSld>
     <p:spTree>
@@ -10325,7 +11126,7 @@
         <p:spPr/>
         <p:txBody>
           <a:bodyPr>
-            <a:normAutofit fontScale="92500"/>
+            <a:normAutofit lnSpcReduction="10000"/>
           </a:bodyPr>
           <a:lstStyle/>
           <a:p>
@@ -10399,11 +11200,11 @@
             </a:r>
             <a:r>
               <a:rPr lang="en-US" sz="2400" i="1" dirty="0" smtClean="0"/>
-              <a:t>="</a:t>
+              <a:t>=".</a:t>
             </a:r>
             <a:r>
               <a:rPr lang="en-US" sz="2400" i="1" dirty="0" err="1" smtClean="0"/>
-              <a:t>edu.uoregon.bbird.rps.FirstFragment</a:t>
+              <a:t>FirstFragment</a:t>
             </a:r>
             <a:r>
               <a:rPr lang="en-US" sz="2400" i="1" dirty="0" smtClean="0"/>
@@ -10494,14 +11295,14 @@
   <p:timing>
     <p:tnLst>
       <p:par>
-        <p:cTn xmlns:p14="http://schemas.microsoft.com/office/powerpoint/2010/main" id="1" dur="indefinite" restart="never" nodeType="tmRoot"/>
+        <p:cTn id="1" dur="indefinite" restart="never" nodeType="tmRoot"/>
       </p:par>
     </p:tnLst>
   </p:timing>
 </p:sld>
 </file>
 
-<file path=ppt/slides/slide23.xml><?xml version="1.0" encoding="utf-8"?>
+<file path=ppt/slides/slide25.xml><?xml version="1.0" encoding="utf-8"?>
 <p:sld xmlns:a="http://schemas.openxmlformats.org/drawingml/2006/main" xmlns:r="http://schemas.openxmlformats.org/officeDocument/2006/relationships" xmlns:p="http://schemas.openxmlformats.org/presentationml/2006/main">
   <p:cSld>
     <p:spTree>
@@ -10604,680 +11405,10 @@
   <p:timing>
     <p:tnLst>
       <p:par>
-        <p:cTn xmlns:p14="http://schemas.microsoft.com/office/powerpoint/2010/main" id="1" dur="indefinite" restart="never" nodeType="tmRoot"/>
+        <p:cTn id="1" dur="indefinite" restart="never" nodeType="tmRoot"/>
       </p:par>
     </p:tnLst>
   </p:timing>
-</p:sld>
-</file>
-
-<file path=ppt/slides/slide24.xml><?xml version="1.0" encoding="utf-8"?>
-<p:sld xmlns:a="http://schemas.openxmlformats.org/drawingml/2006/main" xmlns:r="http://schemas.openxmlformats.org/officeDocument/2006/relationships" xmlns:p="http://schemas.openxmlformats.org/presentationml/2006/main">
-  <p:cSld>
-    <p:spTree>
-      <p:nvGrpSpPr>
-        <p:cNvPr id="1" name=""/>
-        <p:cNvGrpSpPr/>
-        <p:nvPr/>
-      </p:nvGrpSpPr>
-      <p:grpSpPr>
-        <a:xfrm>
-          <a:off x="0" y="0"/>
-          <a:ext cx="0" cy="0"/>
-          <a:chOff x="0" y="0"/>
-          <a:chExt cx="0" cy="0"/>
-        </a:xfrm>
-      </p:grpSpPr>
-      <p:sp>
-        <p:nvSpPr>
-          <p:cNvPr id="2" name="Title 1"/>
-          <p:cNvSpPr>
-            <a:spLocks noGrp="1"/>
-          </p:cNvSpPr>
-          <p:nvPr>
-            <p:ph type="title"/>
-          </p:nvPr>
-        </p:nvSpPr>
-        <p:spPr/>
-        <p:txBody>
-          <a:bodyPr>
-            <a:normAutofit fontScale="90000"/>
-          </a:bodyPr>
-          <a:lstStyle/>
-          <a:p>
-            <a:r>
-              <a:rPr lang="en-US" dirty="0" smtClean="0"/>
-              <a:t>Launching the Second Activity- Small Screen</a:t>
-            </a:r>
-            <a:endParaRPr lang="en-US" dirty="0"/>
-          </a:p>
-        </p:txBody>
-      </p:sp>
-      <p:sp>
-        <p:nvSpPr>
-          <p:cNvPr id="3" name="Content Placeholder 2"/>
-          <p:cNvSpPr>
-            <a:spLocks noGrp="1"/>
-          </p:cNvSpPr>
-          <p:nvPr>
-            <p:ph idx="1"/>
-          </p:nvPr>
-        </p:nvSpPr>
-        <p:spPr>
-          <a:xfrm>
-            <a:off x="628650" y="1825625"/>
-            <a:ext cx="8335736" cy="4351338"/>
-          </a:xfrm>
-        </p:spPr>
-        <p:txBody>
-          <a:bodyPr>
-            <a:normAutofit fontScale="85000" lnSpcReduction="10000"/>
-          </a:bodyPr>
-          <a:lstStyle/>
-          <a:p>
-            <a:pPr marL="514350" indent="-514350">
-              <a:buFont typeface="+mj-lt"/>
-              <a:buAutoNum type="arabicPeriod"/>
-            </a:pPr>
-            <a:r>
-              <a:rPr lang="en-US" dirty="0" smtClean="0"/>
-              <a:t>Clicking the Play button starts the </a:t>
-            </a:r>
-            <a:r>
-              <a:rPr lang="en-US" dirty="0" err="1" smtClean="0"/>
-              <a:t>SecondActivity</a:t>
-            </a:r>
-            <a:r>
-              <a:rPr lang="en-US" dirty="0" smtClean="0"/>
-              <a:t/>
-            </a:r>
-            <a:br>
-              <a:rPr lang="en-US" dirty="0" smtClean="0"/>
-            </a:br>
-            <a:r>
-              <a:rPr lang="en-US" dirty="0" smtClean="0"/>
-              <a:t> </a:t>
-            </a:r>
-            <a:r>
-              <a:rPr lang="en-US" sz="2400" i="1" dirty="0" err="1" smtClean="0"/>
-              <a:t>startActivity</a:t>
-            </a:r>
-            <a:r>
-              <a:rPr lang="en-US" sz="2400" i="1" dirty="0" smtClean="0"/>
-              <a:t>(new Intent(</a:t>
-            </a:r>
-            <a:r>
-              <a:rPr lang="en-US" sz="2400" i="1" dirty="0" err="1" smtClean="0"/>
-              <a:t>getActivity</a:t>
-            </a:r>
-            <a:r>
-              <a:rPr lang="en-US" sz="2400" i="1" dirty="0" smtClean="0"/>
-              <a:t>(), </a:t>
-            </a:r>
-            <a:r>
-              <a:rPr lang="en-US" sz="2400" i="1" dirty="0" err="1" smtClean="0"/>
-              <a:t>SecondActivity.class</a:t>
-            </a:r>
-            <a:r>
-              <a:rPr lang="en-US" sz="2400" i="1" dirty="0" smtClean="0"/>
-              <a:t>));</a:t>
-            </a:r>
-            <a:endParaRPr lang="en-US" sz="2400" dirty="0" smtClean="0"/>
-          </a:p>
-          <a:p>
-            <a:pPr marL="514350" lvl="0" indent="-514350">
-              <a:buFont typeface="+mj-lt"/>
-              <a:buAutoNum type="arabicPeriod"/>
-            </a:pPr>
-            <a:r>
-              <a:rPr lang="en-US" dirty="0" err="1" smtClean="0">
-                <a:solidFill>
-                  <a:prstClr val="black"/>
-                </a:solidFill>
-              </a:rPr>
-              <a:t>SecondActivity</a:t>
-            </a:r>
-            <a:r>
-              <a:rPr lang="en-US" dirty="0">
-                <a:solidFill>
-                  <a:prstClr val="black"/>
-                </a:solidFill>
-              </a:rPr>
-              <a:t>, </a:t>
-            </a:r>
-            <a:r>
-              <a:rPr lang="en-US" dirty="0" err="1">
-                <a:solidFill>
-                  <a:prstClr val="black"/>
-                </a:solidFill>
-              </a:rPr>
-              <a:t>onCreate</a:t>
-            </a:r>
-            <a:r>
-              <a:rPr lang="en-US" dirty="0">
-                <a:solidFill>
-                  <a:prstClr val="black"/>
-                </a:solidFill>
-              </a:rPr>
-              <a:t>, loads </a:t>
-            </a:r>
-            <a:r>
-              <a:rPr lang="en-US" dirty="0" smtClean="0">
-                <a:solidFill>
-                  <a:prstClr val="black"/>
-                </a:solidFill>
-              </a:rPr>
-              <a:t>second_activity.xml (</a:t>
-            </a:r>
-            <a:r>
-              <a:rPr lang="en-US" dirty="0">
-                <a:solidFill>
-                  <a:prstClr val="black"/>
-                </a:solidFill>
-              </a:rPr>
-              <a:t>single pane layout)</a:t>
-            </a:r>
-            <a:br>
-              <a:rPr lang="en-US" dirty="0">
-                <a:solidFill>
-                  <a:prstClr val="black"/>
-                </a:solidFill>
-              </a:rPr>
-            </a:br>
-            <a:r>
-              <a:rPr lang="en-US" sz="2400" i="1" dirty="0" err="1" smtClean="0">
-                <a:solidFill>
-                  <a:prstClr val="black"/>
-                </a:solidFill>
-              </a:rPr>
-              <a:t>setContentView</a:t>
-            </a:r>
-            <a:r>
-              <a:rPr lang="en-US" sz="2400" i="1" dirty="0" smtClean="0">
-                <a:solidFill>
-                  <a:prstClr val="black"/>
-                </a:solidFill>
-              </a:rPr>
-              <a:t>(</a:t>
-            </a:r>
-            <a:r>
-              <a:rPr lang="en-US" sz="2400" i="1" dirty="0" err="1" smtClean="0">
-                <a:solidFill>
-                  <a:prstClr val="black"/>
-                </a:solidFill>
-              </a:rPr>
-              <a:t>R.layout.second_activity</a:t>
-            </a:r>
-            <a:r>
-              <a:rPr lang="en-US" sz="2400" i="1" dirty="0" smtClean="0">
-                <a:solidFill>
-                  <a:prstClr val="black"/>
-                </a:solidFill>
-              </a:rPr>
-              <a:t>);</a:t>
-            </a:r>
-          </a:p>
-          <a:p>
-            <a:pPr marL="514350" indent="-514350">
-              <a:buFont typeface="+mj-lt"/>
-              <a:buAutoNum type="arabicPeriod"/>
-            </a:pPr>
-            <a:r>
-              <a:rPr lang="en-US" dirty="0" err="1" smtClean="0"/>
-              <a:t>second_activity</a:t>
-            </a:r>
-            <a:r>
-              <a:rPr lang="en-US" dirty="0" smtClean="0"/>
-              <a:t>, triggers automatic calls to </a:t>
-            </a:r>
-            <a:r>
-              <a:rPr lang="en-US" dirty="0" err="1" smtClean="0"/>
-              <a:t>SecondFragment</a:t>
-            </a:r>
-            <a:r>
-              <a:rPr lang="en-US" dirty="0" smtClean="0"/>
-              <a:t> methods</a:t>
-            </a:r>
-            <a:r>
-              <a:rPr lang="en-US" sz="2400" dirty="0" smtClean="0"/>
-              <a:t/>
-            </a:r>
-            <a:br>
-              <a:rPr lang="en-US" sz="2400" dirty="0" smtClean="0"/>
-            </a:br>
-            <a:r>
-              <a:rPr lang="en-US" sz="2400" i="1" dirty="0" smtClean="0"/>
-              <a:t>&lt;fragment </a:t>
-            </a:r>
-            <a:r>
-              <a:rPr lang="en-US" sz="2400" i="1" dirty="0" err="1" smtClean="0"/>
-              <a:t>android:name</a:t>
-            </a:r>
-            <a:r>
-              <a:rPr lang="en-US" sz="2400" i="1" dirty="0" smtClean="0"/>
-              <a:t>="</a:t>
-            </a:r>
-            <a:r>
-              <a:rPr lang="en-US" sz="2400" i="1" dirty="0" err="1" smtClean="0"/>
-              <a:t>edu.uoregon.bbird.rps.SecondFragment</a:t>
-            </a:r>
-            <a:r>
-              <a:rPr lang="en-US" sz="2400" i="1" dirty="0" smtClean="0"/>
-              <a:t>"</a:t>
-            </a:r>
-          </a:p>
-          <a:p>
-            <a:pPr marL="514350" indent="-514350">
-              <a:buFont typeface="+mj-lt"/>
-              <a:buAutoNum type="arabicPeriod"/>
-            </a:pPr>
-            <a:r>
-              <a:rPr lang="en-US" dirty="0" err="1" smtClean="0"/>
-              <a:t>SecondFragment</a:t>
-            </a:r>
-            <a:r>
-              <a:rPr lang="en-US" dirty="0" smtClean="0"/>
-              <a:t>, </a:t>
-            </a:r>
-            <a:r>
-              <a:rPr lang="en-US" dirty="0" err="1" smtClean="0"/>
-              <a:t>onCreateView</a:t>
-            </a:r>
-            <a:r>
-              <a:rPr lang="en-US" dirty="0" smtClean="0"/>
-              <a:t>, loads second_fragment.xml</a:t>
-            </a:r>
-            <a:br>
-              <a:rPr lang="en-US" dirty="0" smtClean="0"/>
-            </a:br>
-            <a:r>
-              <a:rPr lang="en-US" sz="2400" i="1" dirty="0" smtClean="0"/>
-              <a:t>View </a:t>
-            </a:r>
-            <a:r>
-              <a:rPr lang="en-US" sz="2400" i="1" dirty="0" err="1" smtClean="0"/>
-              <a:t>view</a:t>
-            </a:r>
-            <a:r>
-              <a:rPr lang="en-US" sz="2400" i="1" dirty="0" smtClean="0"/>
-              <a:t> = </a:t>
-            </a:r>
-            <a:r>
-              <a:rPr lang="en-US" sz="2400" i="1" dirty="0" err="1" smtClean="0"/>
-              <a:t>inflater.inflate</a:t>
-            </a:r>
-            <a:r>
-              <a:rPr lang="en-US" sz="2400" i="1" dirty="0" smtClean="0"/>
-              <a:t>(</a:t>
-            </a:r>
-            <a:r>
-              <a:rPr lang="en-US" sz="2400" i="1" dirty="0" err="1" smtClean="0"/>
-              <a:t>R.layout.second_fragment</a:t>
-            </a:r>
-            <a:r>
-              <a:rPr lang="en-US" sz="2400" i="1" dirty="0" smtClean="0"/>
-              <a:t>, container, false);</a:t>
-            </a:r>
-          </a:p>
-          <a:p>
-            <a:pPr marL="514350" lvl="0" indent="-514350">
-              <a:buFont typeface="+mj-lt"/>
-              <a:buAutoNum type="arabicPeriod"/>
-            </a:pPr>
-            <a:endParaRPr lang="en-US" sz="2400" i="1" dirty="0">
-              <a:solidFill>
-                <a:prstClr val="black"/>
-              </a:solidFill>
-            </a:endParaRPr>
-          </a:p>
-        </p:txBody>
-      </p:sp>
-    </p:spTree>
-    <p:extLst>
-      <p:ext uri="{BB962C8B-B14F-4D97-AF65-F5344CB8AC3E}">
-        <p14:creationId xmlns:p14="http://schemas.microsoft.com/office/powerpoint/2010/main" val="2939152542"/>
-      </p:ext>
-    </p:extLst>
-  </p:cSld>
-  <p:clrMapOvr>
-    <a:masterClrMapping/>
-  </p:clrMapOvr>
-  <p:timing>
-    <p:tnLst>
-      <p:par>
-        <p:cTn xmlns:p14="http://schemas.microsoft.com/office/powerpoint/2010/main" id="1" dur="indefinite" restart="never" nodeType="tmRoot"/>
-      </p:par>
-    </p:tnLst>
-  </p:timing>
-</p:sld>
-</file>
-
-<file path=ppt/slides/slide25.xml><?xml version="1.0" encoding="utf-8"?>
-<p:sld xmlns:a="http://schemas.openxmlformats.org/drawingml/2006/main" xmlns:r="http://schemas.openxmlformats.org/officeDocument/2006/relationships" xmlns:p="http://schemas.openxmlformats.org/presentationml/2006/main">
-  <p:cSld>
-    <p:spTree>
-      <p:nvGrpSpPr>
-        <p:cNvPr id="1" name=""/>
-        <p:cNvGrpSpPr/>
-        <p:nvPr/>
-      </p:nvGrpSpPr>
-      <p:grpSpPr>
-        <a:xfrm>
-          <a:off x="0" y="0"/>
-          <a:ext cx="0" cy="0"/>
-          <a:chOff x="0" y="0"/>
-          <a:chExt cx="0" cy="0"/>
-        </a:xfrm>
-      </p:grpSpPr>
-      <p:sp>
-        <p:nvSpPr>
-          <p:cNvPr id="2" name="Title 1"/>
-          <p:cNvSpPr>
-            <a:spLocks noGrp="1"/>
-          </p:cNvSpPr>
-          <p:nvPr>
-            <p:ph type="title"/>
-          </p:nvPr>
-        </p:nvSpPr>
-        <p:spPr/>
-        <p:txBody>
-          <a:bodyPr/>
-          <a:lstStyle/>
-          <a:p>
-            <a:r>
-              <a:rPr lang="en-US" dirty="0" smtClean="0"/>
-              <a:t>Event Handler for the Play Button</a:t>
-            </a:r>
-            <a:endParaRPr lang="en-US" dirty="0"/>
-          </a:p>
-        </p:txBody>
-      </p:sp>
-      <p:sp>
-        <p:nvSpPr>
-          <p:cNvPr id="3" name="Content Placeholder 2"/>
-          <p:cNvSpPr>
-            <a:spLocks noGrp="1"/>
-          </p:cNvSpPr>
-          <p:nvPr>
-            <p:ph idx="1"/>
-          </p:nvPr>
-        </p:nvSpPr>
-        <p:spPr/>
-        <p:txBody>
-          <a:bodyPr>
-            <a:noAutofit/>
-          </a:bodyPr>
-          <a:lstStyle/>
-          <a:p>
-            <a:pPr marL="0" indent="0">
-              <a:buNone/>
-            </a:pPr>
-            <a:r>
-              <a:rPr lang="en-US" sz="1600" dirty="0" smtClean="0"/>
-              <a:t>In the </a:t>
-            </a:r>
-            <a:r>
-              <a:rPr lang="en-US" sz="1600" dirty="0" err="1" smtClean="0"/>
-              <a:t>FirstFragment</a:t>
-            </a:r>
-            <a:r>
-              <a:rPr lang="en-US" sz="1600" dirty="0" smtClean="0"/>
-              <a:t> class:</a:t>
-            </a:r>
-          </a:p>
-          <a:p>
-            <a:pPr marL="0" indent="0">
-              <a:lnSpc>
-                <a:spcPct val="120000"/>
-              </a:lnSpc>
-              <a:buNone/>
-            </a:pPr>
-            <a:r>
-              <a:rPr lang="en-US" sz="1600" i="1" dirty="0" smtClean="0"/>
-              <a:t>@Override</a:t>
-            </a:r>
-            <a:br>
-              <a:rPr lang="en-US" sz="1600" i="1" dirty="0" smtClean="0"/>
-            </a:br>
-            <a:r>
-              <a:rPr lang="en-US" sz="1600" i="1" dirty="0" smtClean="0"/>
-              <a:t>public View </a:t>
-            </a:r>
-            <a:r>
-              <a:rPr lang="en-US" sz="1600" i="1" dirty="0" err="1" smtClean="0"/>
-              <a:t>onCreateView</a:t>
-            </a:r>
-            <a:r>
-              <a:rPr lang="en-US" sz="1600" i="1" dirty="0" smtClean="0"/>
-              <a:t>(</a:t>
-            </a:r>
-            <a:r>
-              <a:rPr lang="en-US" sz="1600" i="1" dirty="0" err="1" smtClean="0"/>
-              <a:t>LayoutInflater</a:t>
-            </a:r>
-            <a:r>
-              <a:rPr lang="en-US" sz="1600" i="1" dirty="0" smtClean="0"/>
-              <a:t> </a:t>
-            </a:r>
-            <a:r>
-              <a:rPr lang="en-US" sz="1600" i="1" dirty="0" err="1" smtClean="0"/>
-              <a:t>inflater</a:t>
-            </a:r>
-            <a:r>
-              <a:rPr lang="en-US" sz="1600" i="1" dirty="0" smtClean="0"/>
-              <a:t>, </a:t>
-            </a:r>
-            <a:r>
-              <a:rPr lang="en-US" sz="1600" i="1" dirty="0" err="1" smtClean="0"/>
-              <a:t>ViewGroup</a:t>
-            </a:r>
-            <a:r>
-              <a:rPr lang="en-US" sz="1600" i="1" dirty="0" smtClean="0"/>
-              <a:t> container, Bundle </a:t>
-            </a:r>
-            <a:r>
-              <a:rPr lang="en-US" sz="1600" i="1" dirty="0" err="1" smtClean="0"/>
-              <a:t>savedInstanceState</a:t>
-            </a:r>
-            <a:r>
-              <a:rPr lang="en-US" sz="1600" i="1" dirty="0" smtClean="0"/>
-              <a:t>)  {</a:t>
-            </a:r>
-            <a:br>
-              <a:rPr lang="en-US" sz="1600" i="1" dirty="0" smtClean="0"/>
-            </a:br>
-            <a:r>
-              <a:rPr lang="en-US" sz="1600" i="1" dirty="0" smtClean="0"/>
-              <a:t>     View </a:t>
-            </a:r>
-            <a:r>
-              <a:rPr lang="en-US" sz="1600" i="1" dirty="0" err="1" smtClean="0"/>
-              <a:t>view</a:t>
-            </a:r>
-            <a:r>
-              <a:rPr lang="en-US" sz="1600" i="1" dirty="0" smtClean="0"/>
-              <a:t> = </a:t>
-            </a:r>
-            <a:r>
-              <a:rPr lang="en-US" sz="1600" i="1" dirty="0" err="1" smtClean="0"/>
-              <a:t>inflater.inflate</a:t>
-            </a:r>
-            <a:r>
-              <a:rPr lang="en-US" sz="1600" i="1" dirty="0" smtClean="0"/>
-              <a:t>(</a:t>
-            </a:r>
-            <a:r>
-              <a:rPr lang="en-US" sz="1600" i="1" dirty="0" err="1" smtClean="0"/>
-              <a:t>R.layout.first_fragment</a:t>
-            </a:r>
-            <a:r>
-              <a:rPr lang="en-US" sz="1600" i="1" dirty="0" smtClean="0"/>
-              <a:t>, container, false);</a:t>
-            </a:r>
-            <a:br>
-              <a:rPr lang="en-US" sz="1600" i="1" dirty="0" smtClean="0"/>
-            </a:br>
-            <a:r>
-              <a:rPr lang="en-US" sz="1600" i="1" dirty="0" smtClean="0"/>
-              <a:t/>
-            </a:r>
-            <a:br>
-              <a:rPr lang="en-US" sz="1600" i="1" dirty="0" smtClean="0"/>
-            </a:br>
-            <a:r>
-              <a:rPr lang="en-US" sz="1600" i="1" dirty="0" smtClean="0"/>
-              <a:t>     // Set this fragment to listen for the Play button's click event</a:t>
-            </a:r>
-            <a:br>
-              <a:rPr lang="en-US" sz="1600" i="1" dirty="0" smtClean="0"/>
-            </a:br>
-            <a:r>
-              <a:rPr lang="en-US" sz="1600" i="1" dirty="0" smtClean="0"/>
-              <a:t>     Button b = (Button) </a:t>
-            </a:r>
-            <a:r>
-              <a:rPr lang="en-US" sz="1600" i="1" dirty="0" err="1" smtClean="0"/>
-              <a:t>view.findViewById</a:t>
-            </a:r>
-            <a:r>
-              <a:rPr lang="en-US" sz="1600" i="1" dirty="0" smtClean="0"/>
-              <a:t>(</a:t>
-            </a:r>
-            <a:r>
-              <a:rPr lang="en-US" sz="1600" i="1" dirty="0" err="1" smtClean="0"/>
-              <a:t>R.id.playButton</a:t>
-            </a:r>
-            <a:r>
-              <a:rPr lang="en-US" sz="1600" i="1" dirty="0" smtClean="0"/>
-              <a:t>);</a:t>
-            </a:r>
-            <a:br>
-              <a:rPr lang="en-US" sz="1600" i="1" dirty="0" smtClean="0"/>
-            </a:br>
-            <a:r>
-              <a:rPr lang="en-US" sz="1600" i="1" dirty="0" smtClean="0"/>
-              <a:t>      </a:t>
-            </a:r>
-            <a:r>
-              <a:rPr lang="en-US" sz="1600" i="1" dirty="0" err="1" smtClean="0"/>
-              <a:t>b.setOnClickListener</a:t>
-            </a:r>
-            <a:r>
-              <a:rPr lang="en-US" sz="1600" i="1" dirty="0" smtClean="0"/>
-              <a:t>(this);</a:t>
-            </a:r>
-            <a:br>
-              <a:rPr lang="en-US" sz="1600" i="1" dirty="0" smtClean="0"/>
-            </a:br>
-            <a:r>
-              <a:rPr lang="en-US" sz="1600" i="1" dirty="0" smtClean="0"/>
-              <a:t>      return view;</a:t>
-            </a:r>
-            <a:br>
-              <a:rPr lang="en-US" sz="1600" i="1" dirty="0" smtClean="0"/>
-            </a:br>
-            <a:r>
-              <a:rPr lang="en-US" sz="1600" i="1" dirty="0" smtClean="0"/>
-              <a:t>}</a:t>
-            </a:r>
-            <a:br>
-              <a:rPr lang="en-US" sz="1600" i="1" dirty="0" smtClean="0"/>
-            </a:br>
-            <a:r>
-              <a:rPr lang="en-US" sz="1600" i="1" dirty="0" smtClean="0"/>
-              <a:t/>
-            </a:r>
-            <a:br>
-              <a:rPr lang="en-US" sz="1600" i="1" dirty="0" smtClean="0"/>
-            </a:br>
-            <a:r>
-              <a:rPr lang="en-US" sz="1600" i="1" dirty="0" smtClean="0"/>
-              <a:t>@Override</a:t>
-            </a:r>
-            <a:br>
-              <a:rPr lang="en-US" sz="1600" i="1" dirty="0" smtClean="0"/>
-            </a:br>
-            <a:r>
-              <a:rPr lang="en-US" sz="1600" i="1" dirty="0" smtClean="0"/>
-              <a:t>public void </a:t>
-            </a:r>
-            <a:r>
-              <a:rPr lang="en-US" sz="1600" i="1" dirty="0" err="1" smtClean="0"/>
-              <a:t>onClick</a:t>
-            </a:r>
-            <a:r>
-              <a:rPr lang="en-US" sz="1600" i="1" dirty="0" smtClean="0"/>
-              <a:t>(View v) {</a:t>
-            </a:r>
-            <a:br>
-              <a:rPr lang="en-US" sz="1600" i="1" dirty="0" smtClean="0"/>
-            </a:br>
-            <a:r>
-              <a:rPr lang="en-US" sz="1600" i="1" dirty="0" smtClean="0"/>
-              <a:t>     </a:t>
-            </a:r>
-            <a:r>
-              <a:rPr lang="en-US" sz="1600" i="1" dirty="0" err="1" smtClean="0"/>
-              <a:t>startActivity</a:t>
-            </a:r>
-            <a:r>
-              <a:rPr lang="en-US" sz="1600" i="1" dirty="0" smtClean="0"/>
-              <a:t>(new Intent(</a:t>
-            </a:r>
-            <a:r>
-              <a:rPr lang="en-US" sz="1600" i="1" dirty="0" err="1" smtClean="0"/>
-              <a:t>getActivity</a:t>
-            </a:r>
-            <a:r>
-              <a:rPr lang="en-US" sz="1600" i="1" dirty="0" smtClean="0"/>
-              <a:t>(), </a:t>
-            </a:r>
-            <a:r>
-              <a:rPr lang="en-US" sz="1600" i="1" dirty="0" err="1" smtClean="0"/>
-              <a:t>SecondActivity.class</a:t>
-            </a:r>
-            <a:r>
-              <a:rPr lang="en-US" sz="1600" i="1" dirty="0" smtClean="0"/>
-              <a:t>));</a:t>
-            </a:r>
-          </a:p>
-          <a:p>
-            <a:pPr marL="0" indent="0">
-              <a:lnSpc>
-                <a:spcPct val="120000"/>
-              </a:lnSpc>
-              <a:buNone/>
-            </a:pPr>
-            <a:r>
-              <a:rPr lang="en-US" sz="1600" i="1" dirty="0" smtClean="0"/>
-              <a:t>}</a:t>
-            </a:r>
-          </a:p>
-          <a:p>
-            <a:pPr marL="0" indent="0">
-              <a:lnSpc>
-                <a:spcPct val="120000"/>
-              </a:lnSpc>
-              <a:buNone/>
-            </a:pPr>
-            <a:r>
-              <a:rPr lang="en-US" sz="1600" i="1" dirty="0" smtClean="0"/>
-              <a:t>    }</a:t>
-            </a:r>
-            <a:endParaRPr lang="en-US" sz="1600" i="1" dirty="0"/>
-          </a:p>
-        </p:txBody>
-      </p:sp>
-    </p:spTree>
-    <p:extLst>
-      <p:ext uri="{BB962C8B-B14F-4D97-AF65-F5344CB8AC3E}">
-        <p14:creationId xmlns:p14="http://schemas.microsoft.com/office/powerpoint/2010/main" val="3045189159"/>
-      </p:ext>
-    </p:extLst>
-  </p:cSld>
-  <p:clrMapOvr>
-    <a:masterClrMapping/>
-  </p:clrMapOvr>
 </p:sld>
 </file>
 
@@ -11316,10 +11447,10 @@
           <a:lstStyle/>
           <a:p>
             <a:r>
-              <a:rPr lang="en-US" strike="sngStrike" dirty="0" smtClean="0"/>
-              <a:t>Event Handler for the New Game Button</a:t>
-            </a:r>
-            <a:endParaRPr lang="en-US" strike="sngStrike" dirty="0"/>
+              <a:rPr lang="en-US" dirty="0" smtClean="0"/>
+              <a:t>Launching the Second Activity- Small Screen</a:t>
+            </a:r>
+            <a:endParaRPr lang="en-US" dirty="0"/>
           </a:p>
         </p:txBody>
       </p:sp>
@@ -11335,57 +11466,375 @@
         </p:nvSpPr>
         <p:spPr>
           <a:xfrm>
-            <a:off x="457200" y="1600201"/>
-            <a:ext cx="8229600" cy="4119504"/>
+            <a:off x="628650" y="1825625"/>
+            <a:ext cx="8335736" cy="4351338"/>
           </a:xfrm>
         </p:spPr>
         <p:txBody>
           <a:bodyPr>
-            <a:normAutofit fontScale="40000" lnSpcReduction="20000"/>
+            <a:normAutofit fontScale="85000" lnSpcReduction="10000"/>
+          </a:bodyPr>
+          <a:lstStyle/>
+          <a:p>
+            <a:pPr marL="514350" indent="-514350">
+              <a:buFont typeface="+mj-lt"/>
+              <a:buAutoNum type="arabicPeriod"/>
+            </a:pPr>
+            <a:r>
+              <a:rPr lang="en-US" dirty="0" smtClean="0"/>
+              <a:t>Clicking the Play button starts the </a:t>
+            </a:r>
+            <a:r>
+              <a:rPr lang="en-US" dirty="0" err="1" smtClean="0"/>
+              <a:t>SecondActivity</a:t>
+            </a:r>
+            <a:r>
+              <a:rPr lang="en-US" dirty="0" smtClean="0"/>
+              <a:t/>
+            </a:r>
+            <a:br>
+              <a:rPr lang="en-US" dirty="0" smtClean="0"/>
+            </a:br>
+            <a:r>
+              <a:rPr lang="en-US" dirty="0" smtClean="0"/>
+              <a:t> </a:t>
+            </a:r>
+            <a:r>
+              <a:rPr lang="en-US" sz="2400" i="1" dirty="0" err="1" smtClean="0"/>
+              <a:t>startActivity</a:t>
+            </a:r>
+            <a:r>
+              <a:rPr lang="en-US" sz="2400" i="1" dirty="0" smtClean="0"/>
+              <a:t>(new Intent(</a:t>
+            </a:r>
+            <a:r>
+              <a:rPr lang="en-US" sz="2400" i="1" dirty="0" err="1" smtClean="0"/>
+              <a:t>getActivity</a:t>
+            </a:r>
+            <a:r>
+              <a:rPr lang="en-US" sz="2400" i="1" dirty="0" smtClean="0"/>
+              <a:t>(), </a:t>
+            </a:r>
+            <a:r>
+              <a:rPr lang="en-US" sz="2400" i="1" dirty="0" err="1" smtClean="0"/>
+              <a:t>SecondActivity.class</a:t>
+            </a:r>
+            <a:r>
+              <a:rPr lang="en-US" sz="2400" i="1" dirty="0" smtClean="0"/>
+              <a:t>));</a:t>
+            </a:r>
+            <a:endParaRPr lang="en-US" sz="2400" dirty="0" smtClean="0"/>
+          </a:p>
+          <a:p>
+            <a:pPr marL="514350" lvl="0" indent="-514350">
+              <a:buFont typeface="+mj-lt"/>
+              <a:buAutoNum type="arabicPeriod"/>
+            </a:pPr>
+            <a:r>
+              <a:rPr lang="en-US" dirty="0" err="1" smtClean="0">
+                <a:solidFill>
+                  <a:prstClr val="black"/>
+                </a:solidFill>
+              </a:rPr>
+              <a:t>SecondActivity</a:t>
+            </a:r>
+            <a:r>
+              <a:rPr lang="en-US" dirty="0">
+                <a:solidFill>
+                  <a:prstClr val="black"/>
+                </a:solidFill>
+              </a:rPr>
+              <a:t>, </a:t>
+            </a:r>
+            <a:r>
+              <a:rPr lang="en-US" dirty="0" err="1">
+                <a:solidFill>
+                  <a:prstClr val="black"/>
+                </a:solidFill>
+              </a:rPr>
+              <a:t>onCreate</a:t>
+            </a:r>
+            <a:r>
+              <a:rPr lang="en-US" dirty="0">
+                <a:solidFill>
+                  <a:prstClr val="black"/>
+                </a:solidFill>
+              </a:rPr>
+              <a:t>, loads </a:t>
+            </a:r>
+            <a:r>
+              <a:rPr lang="en-US" dirty="0" smtClean="0">
+                <a:solidFill>
+                  <a:prstClr val="black"/>
+                </a:solidFill>
+              </a:rPr>
+              <a:t>second_activity.xml (</a:t>
+            </a:r>
+            <a:r>
+              <a:rPr lang="en-US" dirty="0">
+                <a:solidFill>
+                  <a:prstClr val="black"/>
+                </a:solidFill>
+              </a:rPr>
+              <a:t>single pane layout)</a:t>
+            </a:r>
+            <a:br>
+              <a:rPr lang="en-US" dirty="0">
+                <a:solidFill>
+                  <a:prstClr val="black"/>
+                </a:solidFill>
+              </a:rPr>
+            </a:br>
+            <a:r>
+              <a:rPr lang="en-US" sz="2400" i="1" dirty="0" err="1" smtClean="0">
+                <a:solidFill>
+                  <a:prstClr val="black"/>
+                </a:solidFill>
+              </a:rPr>
+              <a:t>setContentView</a:t>
+            </a:r>
+            <a:r>
+              <a:rPr lang="en-US" sz="2400" i="1" dirty="0" smtClean="0">
+                <a:solidFill>
+                  <a:prstClr val="black"/>
+                </a:solidFill>
+              </a:rPr>
+              <a:t>(</a:t>
+            </a:r>
+            <a:r>
+              <a:rPr lang="en-US" sz="2400" i="1" dirty="0" err="1" smtClean="0">
+                <a:solidFill>
+                  <a:prstClr val="black"/>
+                </a:solidFill>
+              </a:rPr>
+              <a:t>R.layout.second_activity</a:t>
+            </a:r>
+            <a:r>
+              <a:rPr lang="en-US" sz="2400" i="1" dirty="0" smtClean="0">
+                <a:solidFill>
+                  <a:prstClr val="black"/>
+                </a:solidFill>
+              </a:rPr>
+              <a:t>);</a:t>
+            </a:r>
+          </a:p>
+          <a:p>
+            <a:pPr marL="514350" indent="-514350">
+              <a:buFont typeface="+mj-lt"/>
+              <a:buAutoNum type="arabicPeriod"/>
+            </a:pPr>
+            <a:r>
+              <a:rPr lang="en-US" dirty="0" err="1" smtClean="0"/>
+              <a:t>second_activity</a:t>
+            </a:r>
+            <a:r>
+              <a:rPr lang="en-US" dirty="0" smtClean="0"/>
+              <a:t>, triggers automatic calls to </a:t>
+            </a:r>
+            <a:r>
+              <a:rPr lang="en-US" dirty="0" err="1" smtClean="0"/>
+              <a:t>SecondFragment</a:t>
+            </a:r>
+            <a:r>
+              <a:rPr lang="en-US" dirty="0" smtClean="0"/>
+              <a:t> methods</a:t>
+            </a:r>
+            <a:r>
+              <a:rPr lang="en-US" sz="2400" dirty="0" smtClean="0"/>
+              <a:t/>
+            </a:r>
+            <a:br>
+              <a:rPr lang="en-US" sz="2400" dirty="0" smtClean="0"/>
+            </a:br>
+            <a:r>
+              <a:rPr lang="en-US" sz="2400" i="1" dirty="0" smtClean="0"/>
+              <a:t>&lt;fragment </a:t>
+            </a:r>
+            <a:r>
+              <a:rPr lang="en-US" sz="2400" i="1" dirty="0" err="1" smtClean="0"/>
+              <a:t>android:name</a:t>
+            </a:r>
+            <a:r>
+              <a:rPr lang="en-US" sz="2400" i="1" dirty="0" smtClean="0"/>
+              <a:t>=".</a:t>
+            </a:r>
+            <a:r>
+              <a:rPr lang="en-US" sz="2400" i="1" dirty="0" err="1" smtClean="0"/>
+              <a:t>SecondFragment</a:t>
+            </a:r>
+            <a:r>
+              <a:rPr lang="en-US" sz="2400" i="1" dirty="0" smtClean="0"/>
+              <a:t>"</a:t>
+            </a:r>
+          </a:p>
+          <a:p>
+            <a:pPr marL="514350" indent="-514350">
+              <a:buFont typeface="+mj-lt"/>
+              <a:buAutoNum type="arabicPeriod"/>
+            </a:pPr>
+            <a:r>
+              <a:rPr lang="en-US" dirty="0" err="1" smtClean="0"/>
+              <a:t>SecondFragment</a:t>
+            </a:r>
+            <a:r>
+              <a:rPr lang="en-US" dirty="0" smtClean="0"/>
+              <a:t>, </a:t>
+            </a:r>
+            <a:r>
+              <a:rPr lang="en-US" dirty="0" err="1" smtClean="0"/>
+              <a:t>onCreateView</a:t>
+            </a:r>
+            <a:r>
+              <a:rPr lang="en-US" dirty="0" smtClean="0"/>
+              <a:t>, loads second_fragment.xml</a:t>
+            </a:r>
+            <a:br>
+              <a:rPr lang="en-US" dirty="0" smtClean="0"/>
+            </a:br>
+            <a:r>
+              <a:rPr lang="en-US" sz="2400" i="1" dirty="0" smtClean="0"/>
+              <a:t>View </a:t>
+            </a:r>
+            <a:r>
+              <a:rPr lang="en-US" sz="2400" i="1" dirty="0" err="1" smtClean="0"/>
+              <a:t>view</a:t>
+            </a:r>
+            <a:r>
+              <a:rPr lang="en-US" sz="2400" i="1" dirty="0" smtClean="0"/>
+              <a:t> = </a:t>
+            </a:r>
+            <a:r>
+              <a:rPr lang="en-US" sz="2400" i="1" dirty="0" err="1" smtClean="0"/>
+              <a:t>inflater.inflate</a:t>
+            </a:r>
+            <a:r>
+              <a:rPr lang="en-US" sz="2400" i="1" dirty="0" smtClean="0"/>
+              <a:t>(</a:t>
+            </a:r>
+            <a:r>
+              <a:rPr lang="en-US" sz="2400" i="1" dirty="0" err="1" smtClean="0"/>
+              <a:t>R.layout.second_fragment</a:t>
+            </a:r>
+            <a:r>
+              <a:rPr lang="en-US" sz="2400" i="1" dirty="0" smtClean="0"/>
+              <a:t>, container, false);</a:t>
+            </a:r>
+          </a:p>
+          <a:p>
+            <a:pPr marL="514350" lvl="0" indent="-514350">
+              <a:buFont typeface="+mj-lt"/>
+              <a:buAutoNum type="arabicPeriod"/>
+            </a:pPr>
+            <a:endParaRPr lang="en-US" sz="2400" i="1" dirty="0">
+              <a:solidFill>
+                <a:prstClr val="black"/>
+              </a:solidFill>
+            </a:endParaRPr>
+          </a:p>
+        </p:txBody>
+      </p:sp>
+    </p:spTree>
+    <p:extLst>
+      <p:ext uri="{BB962C8B-B14F-4D97-AF65-F5344CB8AC3E}">
+        <p14:creationId xmlns:p14="http://schemas.microsoft.com/office/powerpoint/2010/main" val="2939152542"/>
+      </p:ext>
+    </p:extLst>
+  </p:cSld>
+  <p:clrMapOvr>
+    <a:masterClrMapping/>
+  </p:clrMapOvr>
+  <p:timing>
+    <p:tnLst>
+      <p:par>
+        <p:cTn id="1" dur="indefinite" restart="never" nodeType="tmRoot"/>
+      </p:par>
+    </p:tnLst>
+  </p:timing>
+</p:sld>
+</file>
+
+<file path=ppt/slides/slide27.xml><?xml version="1.0" encoding="utf-8"?>
+<p:sld xmlns:a="http://schemas.openxmlformats.org/drawingml/2006/main" xmlns:r="http://schemas.openxmlformats.org/officeDocument/2006/relationships" xmlns:p="http://schemas.openxmlformats.org/presentationml/2006/main">
+  <p:cSld>
+    <p:spTree>
+      <p:nvGrpSpPr>
+        <p:cNvPr id="1" name=""/>
+        <p:cNvGrpSpPr/>
+        <p:nvPr/>
+      </p:nvGrpSpPr>
+      <p:grpSpPr>
+        <a:xfrm>
+          <a:off x="0" y="0"/>
+          <a:ext cx="0" cy="0"/>
+          <a:chOff x="0" y="0"/>
+          <a:chExt cx="0" cy="0"/>
+        </a:xfrm>
+      </p:grpSpPr>
+      <p:sp>
+        <p:nvSpPr>
+          <p:cNvPr id="2" name="Title 1"/>
+          <p:cNvSpPr>
+            <a:spLocks noGrp="1"/>
+          </p:cNvSpPr>
+          <p:nvPr>
+            <p:ph type="title"/>
+          </p:nvPr>
+        </p:nvSpPr>
+        <p:spPr>
+          <a:xfrm>
+            <a:off x="457200" y="274638"/>
+            <a:ext cx="8229600" cy="704308"/>
+          </a:xfrm>
+        </p:spPr>
+        <p:txBody>
+          <a:bodyPr>
+            <a:normAutofit fontScale="90000"/>
+          </a:bodyPr>
+          <a:lstStyle/>
+          <a:p>
+            <a:r>
+              <a:rPr lang="en-US" dirty="0" smtClean="0"/>
+              <a:t>Event Handler for the Play Button</a:t>
+            </a:r>
+            <a:endParaRPr lang="en-US" dirty="0"/>
+          </a:p>
+        </p:txBody>
+      </p:sp>
+      <p:sp>
+        <p:nvSpPr>
+          <p:cNvPr id="3" name="Content Placeholder 2"/>
+          <p:cNvSpPr>
+            <a:spLocks noGrp="1"/>
+          </p:cNvSpPr>
+          <p:nvPr>
+            <p:ph idx="1"/>
+          </p:nvPr>
+        </p:nvSpPr>
+        <p:spPr>
+          <a:xfrm>
+            <a:off x="457200" y="1215614"/>
+            <a:ext cx="8229600" cy="5368066"/>
+          </a:xfrm>
+        </p:spPr>
+        <p:txBody>
+          <a:bodyPr>
+            <a:noAutofit/>
           </a:bodyPr>
           <a:lstStyle/>
           <a:p>
             <a:pPr marL="0" indent="0">
               <a:buNone/>
             </a:pPr>
-            <a:endParaRPr lang="en-US" dirty="0" smtClean="0"/>
-          </a:p>
-          <a:p>
-            <a:pPr marL="0" indent="0">
-              <a:buNone/>
-            </a:pPr>
-            <a:r>
-              <a:rPr lang="en-US" sz="8000" dirty="0" smtClean="0">
-                <a:solidFill>
-                  <a:srgbClr val="FF0000"/>
-                </a:solidFill>
-              </a:rPr>
-              <a:t>Deprecated: Use an up button instead</a:t>
-            </a:r>
-            <a:endParaRPr lang="en-US" sz="8000" dirty="0">
-              <a:solidFill>
-                <a:srgbClr val="FF0000"/>
-              </a:solidFill>
-            </a:endParaRPr>
-          </a:p>
-          <a:p>
-            <a:pPr marL="0" indent="0">
-              <a:buNone/>
-            </a:pPr>
-            <a:r>
-              <a:rPr lang="en-US" dirty="0" smtClean="0"/>
-              <a:t>In </a:t>
-            </a:r>
-            <a:r>
-              <a:rPr lang="en-US" dirty="0" smtClean="0"/>
-              <a:t>the </a:t>
-            </a:r>
-            <a:r>
-              <a:rPr lang="en-US" dirty="0" err="1" smtClean="0"/>
-              <a:t>SecondFragment</a:t>
-            </a:r>
-            <a:r>
-              <a:rPr lang="en-US" dirty="0" smtClean="0"/>
+            <a:r>
+              <a:rPr lang="en-US" sz="1800" b="1" dirty="0" smtClean="0"/>
+              <a:t>In the </a:t>
+            </a:r>
+            <a:r>
+              <a:rPr lang="en-US" sz="1800" b="1" dirty="0" err="1" smtClean="0"/>
+              <a:t>FirstFragment</a:t>
+            </a:r>
+            <a:r>
+              <a:rPr lang="en-US" sz="1800" b="1" dirty="0" smtClean="0"/>
               <a:t> class:</a:t>
             </a:r>
           </a:p>
@@ -11397,211 +11846,239 @@
               <a:buNone/>
             </a:pPr>
             <a:r>
-              <a:rPr lang="en-US" i="1" dirty="0" smtClean="0"/>
+              <a:rPr lang="en-US" sz="1600" i="1" dirty="0" smtClean="0"/>
               <a:t>@Override</a:t>
             </a:r>
             <a:br>
-              <a:rPr lang="en-US" i="1" dirty="0" smtClean="0"/>
+              <a:rPr lang="en-US" sz="1600" i="1" dirty="0" smtClean="0"/>
             </a:br>
             <a:r>
-              <a:rPr lang="en-US" i="1" dirty="0" smtClean="0"/>
+              <a:rPr lang="en-US" sz="1600" i="1" dirty="0" smtClean="0"/>
               <a:t>public View </a:t>
             </a:r>
             <a:r>
-              <a:rPr lang="en-US" i="1" dirty="0" err="1" smtClean="0"/>
+              <a:rPr lang="en-US" sz="1600" i="1" dirty="0" err="1" smtClean="0"/>
               <a:t>onCreateView</a:t>
             </a:r>
             <a:r>
-              <a:rPr lang="en-US" i="1" dirty="0" smtClean="0"/>
+              <a:rPr lang="en-US" sz="1600" i="1" dirty="0" smtClean="0"/>
               <a:t>(</a:t>
             </a:r>
             <a:r>
-              <a:rPr lang="en-US" i="1" dirty="0" err="1" smtClean="0"/>
+              <a:rPr lang="en-US" sz="1600" i="1" dirty="0" err="1" smtClean="0"/>
               <a:t>LayoutInflater</a:t>
             </a:r>
             <a:r>
-              <a:rPr lang="en-US" i="1" dirty="0" smtClean="0"/>
+              <a:rPr lang="en-US" sz="1600" i="1" dirty="0" smtClean="0"/>
               <a:t> </a:t>
             </a:r>
             <a:r>
-              <a:rPr lang="en-US" i="1" dirty="0" err="1" smtClean="0"/>
+              <a:rPr lang="en-US" sz="1600" i="1" dirty="0" err="1" smtClean="0"/>
               <a:t>inflater</a:t>
             </a:r>
             <a:r>
-              <a:rPr lang="en-US" i="1" dirty="0" smtClean="0"/>
+              <a:rPr lang="en-US" sz="1600" i="1" dirty="0" smtClean="0"/>
               <a:t>, </a:t>
             </a:r>
             <a:r>
-              <a:rPr lang="en-US" i="1" dirty="0" err="1" smtClean="0"/>
+              <a:rPr lang="en-US" sz="1600" i="1" dirty="0" err="1" smtClean="0"/>
               <a:t>ViewGroup</a:t>
             </a:r>
             <a:r>
-              <a:rPr lang="en-US" i="1" dirty="0" smtClean="0"/>
+              <a:rPr lang="en-US" sz="1600" i="1" dirty="0" smtClean="0"/>
               <a:t> container, Bundle </a:t>
             </a:r>
             <a:r>
-              <a:rPr lang="en-US" i="1" dirty="0" err="1" smtClean="0"/>
+              <a:rPr lang="en-US" sz="1600" i="1" dirty="0" err="1" smtClean="0"/>
               <a:t>savedInstanceState</a:t>
             </a:r>
             <a:r>
-              <a:rPr lang="en-US" i="1" dirty="0" smtClean="0"/>
+              <a:rPr lang="en-US" sz="1600" i="1" dirty="0" smtClean="0"/>
               <a:t>)  {</a:t>
             </a:r>
             <a:br>
-              <a:rPr lang="en-US" i="1" dirty="0" smtClean="0"/>
+              <a:rPr lang="en-US" sz="1600" i="1" dirty="0" smtClean="0"/>
             </a:br>
             <a:r>
-              <a:rPr lang="en-US" i="1" dirty="0" smtClean="0"/>
-              <a:t>     View </a:t>
-            </a:r>
-            <a:r>
-              <a:rPr lang="en-US" i="1" dirty="0" err="1" smtClean="0"/>
-              <a:t>view</a:t>
-            </a:r>
-            <a:r>
-              <a:rPr lang="en-US" i="1" dirty="0" smtClean="0"/>
-              <a:t> = </a:t>
-            </a:r>
-            <a:r>
-              <a:rPr lang="en-US" i="1" dirty="0" err="1" smtClean="0"/>
+              <a:rPr lang="en-US" sz="1600" i="1" dirty="0" smtClean="0"/>
+              <a:t>     View view = </a:t>
+            </a:r>
+            <a:r>
+              <a:rPr lang="en-US" sz="1600" i="1" dirty="0" err="1" smtClean="0"/>
               <a:t>inflater.inflate</a:t>
             </a:r>
             <a:r>
-              <a:rPr lang="en-US" i="1" dirty="0" smtClean="0"/>
+              <a:rPr lang="en-US" sz="1600" i="1" dirty="0" smtClean="0"/>
               <a:t>(</a:t>
             </a:r>
             <a:r>
-              <a:rPr lang="en-US" i="1" dirty="0" err="1" smtClean="0"/>
-              <a:t>R.layout.second_fragment</a:t>
-            </a:r>
-            <a:r>
-              <a:rPr lang="en-US" i="1" dirty="0" smtClean="0"/>
+              <a:rPr lang="en-US" sz="1600" i="1" dirty="0" err="1" smtClean="0"/>
+              <a:t>R.layout.first_fragment</a:t>
+            </a:r>
+            <a:r>
+              <a:rPr lang="en-US" sz="1600" i="1" dirty="0" smtClean="0"/>
               <a:t>, container, false);</a:t>
             </a:r>
             <a:br>
-              <a:rPr lang="en-US" i="1" dirty="0" smtClean="0"/>
+              <a:rPr lang="en-US" sz="1600" i="1" dirty="0" smtClean="0"/>
             </a:br>
             <a:r>
-              <a:rPr lang="en-US" i="1" dirty="0" smtClean="0"/>
+              <a:rPr lang="en-US" sz="1600" i="1" dirty="0" smtClean="0"/>
               <a:t/>
             </a:r>
             <a:br>
-              <a:rPr lang="en-US" i="1" dirty="0" smtClean="0"/>
+              <a:rPr lang="en-US" sz="1600" i="1" dirty="0" smtClean="0"/>
             </a:br>
             <a:r>
-              <a:rPr lang="en-US" i="1" dirty="0" smtClean="0"/>
-              <a:t>     // Set this fragment to listen for the New Game button's click event</a:t>
+              <a:rPr lang="en-US" sz="1600" i="1" dirty="0" smtClean="0"/>
+              <a:t>     // Set this fragment to listen for the Play button's click event</a:t>
             </a:r>
             <a:br>
-              <a:rPr lang="en-US" i="1" dirty="0" smtClean="0"/>
+              <a:rPr lang="en-US" sz="1600" i="1" dirty="0" smtClean="0"/>
             </a:br>
             <a:r>
-              <a:rPr lang="en-US" i="1" dirty="0" smtClean="0"/>
+              <a:rPr lang="en-US" sz="1600" i="1" dirty="0" smtClean="0"/>
               <a:t>     Button b = (Button) </a:t>
             </a:r>
             <a:r>
-              <a:rPr lang="en-US" i="1" dirty="0" err="1" smtClean="0"/>
+              <a:rPr lang="en-US" sz="1600" i="1" dirty="0" err="1" smtClean="0"/>
               <a:t>view.findViewById</a:t>
             </a:r>
             <a:r>
-              <a:rPr lang="en-US" i="1" dirty="0" smtClean="0"/>
+              <a:rPr lang="en-US" sz="1600" i="1" dirty="0" smtClean="0"/>
               <a:t>(</a:t>
             </a:r>
             <a:r>
-              <a:rPr lang="en-US" i="1" dirty="0" err="1" smtClean="0"/>
-              <a:t>R.id.newGameButton</a:t>
-            </a:r>
-            <a:r>
-              <a:rPr lang="en-US" i="1" dirty="0" smtClean="0"/>
+              <a:rPr lang="en-US" sz="1600" i="1" dirty="0" err="1" smtClean="0"/>
+              <a:t>R.id.playButton</a:t>
+            </a:r>
+            <a:r>
+              <a:rPr lang="en-US" sz="1600" i="1" dirty="0" smtClean="0"/>
               <a:t>);</a:t>
             </a:r>
             <a:br>
-              <a:rPr lang="en-US" i="1" dirty="0" smtClean="0"/>
+              <a:rPr lang="en-US" sz="1600" i="1" dirty="0" smtClean="0"/>
             </a:br>
             <a:r>
-              <a:rPr lang="en-US" i="1" dirty="0" smtClean="0"/>
+              <a:rPr lang="en-US" sz="1600" i="1" dirty="0" smtClean="0"/>
               <a:t>      </a:t>
             </a:r>
             <a:r>
-              <a:rPr lang="en-US" i="1" dirty="0" err="1" smtClean="0"/>
+              <a:rPr lang="en-US" sz="1600" i="1" dirty="0" err="1" smtClean="0"/>
               <a:t>b.setOnClickListener</a:t>
             </a:r>
             <a:r>
-              <a:rPr lang="en-US" i="1" dirty="0" smtClean="0"/>
+              <a:rPr lang="en-US" sz="1600" i="1" dirty="0" smtClean="0"/>
               <a:t>(this);</a:t>
             </a:r>
             <a:br>
-              <a:rPr lang="en-US" i="1" dirty="0" smtClean="0"/>
+              <a:rPr lang="en-US" sz="1600" i="1" dirty="0" smtClean="0"/>
             </a:br>
             <a:r>
-              <a:rPr lang="en-US" i="1" dirty="0" smtClean="0"/>
+              <a:rPr lang="en-US" sz="1600" i="1" dirty="0" smtClean="0"/>
               <a:t>      return view;</a:t>
             </a:r>
             <a:br>
-              <a:rPr lang="en-US" i="1" dirty="0" smtClean="0"/>
+              <a:rPr lang="en-US" sz="1600" i="1" dirty="0" smtClean="0"/>
             </a:br>
             <a:r>
-              <a:rPr lang="en-US" i="1" dirty="0" smtClean="0"/>
+              <a:rPr lang="en-US" sz="1600" i="1" dirty="0" smtClean="0"/>
               <a:t>}</a:t>
             </a:r>
             <a:br>
-              <a:rPr lang="en-US" i="1" dirty="0" smtClean="0"/>
+              <a:rPr lang="en-US" sz="1600" i="1" dirty="0" smtClean="0"/>
             </a:br>
             <a:r>
-              <a:rPr lang="en-US" i="1" dirty="0" smtClean="0"/>
+              <a:rPr lang="en-US" sz="1600" i="1" dirty="0" smtClean="0"/>
               <a:t/>
             </a:r>
             <a:br>
-              <a:rPr lang="en-US" i="1" dirty="0" smtClean="0"/>
+              <a:rPr lang="en-US" sz="1600" i="1" dirty="0" smtClean="0"/>
             </a:br>
             <a:r>
-              <a:rPr lang="en-US" i="1" dirty="0" smtClean="0"/>
+              <a:rPr lang="en-US" sz="2000" i="1" dirty="0" smtClean="0"/>
               <a:t>@Override</a:t>
             </a:r>
             <a:br>
-              <a:rPr lang="en-US" i="1" dirty="0" smtClean="0"/>
+              <a:rPr lang="en-US" sz="2000" i="1" dirty="0" smtClean="0"/>
             </a:br>
             <a:r>
-              <a:rPr lang="en-US" i="1" dirty="0" smtClean="0"/>
+              <a:rPr lang="en-US" sz="2000" i="1" dirty="0" smtClean="0"/>
               <a:t>public void </a:t>
             </a:r>
             <a:r>
-              <a:rPr lang="en-US" i="1" dirty="0" err="1" smtClean="0"/>
+              <a:rPr lang="en-US" sz="2000" i="1" dirty="0" err="1" smtClean="0"/>
               <a:t>onClick</a:t>
             </a:r>
             <a:r>
-              <a:rPr lang="en-US" i="1" dirty="0" smtClean="0"/>
+              <a:rPr lang="en-US" sz="2000" i="1" dirty="0" smtClean="0"/>
               <a:t>(View v) {</a:t>
             </a:r>
             <a:br>
-              <a:rPr lang="en-US" i="1" dirty="0" smtClean="0"/>
+              <a:rPr lang="en-US" sz="2000" i="1" dirty="0" smtClean="0"/>
             </a:br>
             <a:r>
-              <a:rPr lang="en-US" i="1" dirty="0" smtClean="0"/>
+              <a:rPr lang="en-US" sz="2000" i="1" dirty="0" smtClean="0"/>
               <a:t>     </a:t>
             </a:r>
             <a:r>
-              <a:rPr lang="en-US" i="1" dirty="0" err="1" smtClean="0"/>
+              <a:rPr lang="en-US" sz="2000" i="1" dirty="0" err="1" smtClean="0">
+                <a:effectLst>
+                  <a:glow rad="127000">
+                    <a:srgbClr val="FFFF00"/>
+                  </a:glow>
+                </a:effectLst>
+              </a:rPr>
               <a:t>startActivity</a:t>
             </a:r>
             <a:r>
-              <a:rPr lang="en-US" i="1" dirty="0" smtClean="0"/>
+              <a:rPr lang="en-US" sz="2000" i="1" dirty="0" smtClean="0">
+                <a:effectLst>
+                  <a:glow rad="127000">
+                    <a:srgbClr val="FFFF00"/>
+                  </a:glow>
+                </a:effectLst>
+              </a:rPr>
               <a:t>(new Intent(</a:t>
             </a:r>
             <a:r>
-              <a:rPr lang="en-US" i="1" dirty="0" err="1" smtClean="0"/>
+              <a:rPr lang="en-US" sz="2000" i="1" dirty="0" err="1" smtClean="0">
+                <a:effectLst>
+                  <a:glow rad="127000">
+                    <a:srgbClr val="FFFF00"/>
+                  </a:glow>
+                </a:effectLst>
+              </a:rPr>
               <a:t>getActivity</a:t>
             </a:r>
             <a:r>
-              <a:rPr lang="en-US" i="1" dirty="0" smtClean="0"/>
+              <a:rPr lang="en-US" sz="2000" i="1" dirty="0" smtClean="0">
+                <a:effectLst>
+                  <a:glow rad="127000">
+                    <a:srgbClr val="FFFF00"/>
+                  </a:glow>
+                </a:effectLst>
+              </a:rPr>
               <a:t>(), </a:t>
             </a:r>
             <a:r>
-              <a:rPr lang="en-US" i="1" dirty="0" err="1" smtClean="0"/>
-              <a:t>FirstActivity.class</a:t>
-            </a:r>
-            <a:r>
-              <a:rPr lang="en-US" i="1" dirty="0" smtClean="0"/>
+              <a:rPr lang="en-US" sz="2000" i="1" dirty="0" err="1" smtClean="0">
+                <a:effectLst>
+                  <a:glow rad="127000">
+                    <a:srgbClr val="FFFF00"/>
+                  </a:glow>
+                </a:effectLst>
+              </a:rPr>
+              <a:t>SecondActivity.class</a:t>
+            </a:r>
+            <a:r>
+              <a:rPr lang="en-US" sz="2000" i="1" dirty="0" smtClean="0">
+                <a:effectLst>
+                  <a:glow rad="127000">
+                    <a:srgbClr val="FFFF00"/>
+                  </a:glow>
+                </a:effectLst>
+              </a:rPr>
               <a:t>));</a:t>
             </a:r>
           </a:p>
@@ -11613,39 +12090,33 @@
               <a:buNone/>
             </a:pPr>
             <a:r>
-              <a:rPr lang="en-US" i="1" dirty="0" smtClean="0"/>
+              <a:rPr lang="en-US" sz="2000" i="1" dirty="0" smtClean="0"/>
               <a:t>}</a:t>
             </a:r>
-          </a:p>
-          <a:p>
-            <a:pPr marL="0" indent="0">
-              <a:lnSpc>
-                <a:spcPct val="120000"/>
-              </a:lnSpc>
-              <a:buNone/>
-            </a:pPr>
-            <a:r>
-              <a:rPr lang="en-US" i="1" dirty="0" smtClean="0"/>
-              <a:t>    }</a:t>
-            </a:r>
-            <a:endParaRPr lang="en-US" i="1" dirty="0"/>
           </a:p>
         </p:txBody>
       </p:sp>
     </p:spTree>
     <p:extLst>
       <p:ext uri="{BB962C8B-B14F-4D97-AF65-F5344CB8AC3E}">
-        <p14:creationId xmlns:p14="http://schemas.microsoft.com/office/powerpoint/2010/main" val="2198055219"/>
+        <p14:creationId xmlns:p14="http://schemas.microsoft.com/office/powerpoint/2010/main" val="3045189159"/>
       </p:ext>
     </p:extLst>
   </p:cSld>
   <p:clrMapOvr>
     <a:masterClrMapping/>
   </p:clrMapOvr>
+  <p:timing>
+    <p:tnLst>
+      <p:par>
+        <p:cTn id="1" dur="indefinite" restart="never" nodeType="tmRoot"/>
+      </p:par>
+    </p:tnLst>
+  </p:timing>
 </p:sld>
 </file>
 
-<file path=ppt/slides/slide27.xml><?xml version="1.0" encoding="utf-8"?>
+<file path=ppt/slides/slide28.xml><?xml version="1.0" encoding="utf-8"?>
 <p:sld xmlns:a="http://schemas.openxmlformats.org/drawingml/2006/main" xmlns:r="http://schemas.openxmlformats.org/officeDocument/2006/relationships" xmlns:p="http://schemas.openxmlformats.org/presentationml/2006/main">
   <p:cSld>
     <p:spTree>
@@ -11799,14 +12270,14 @@
   <p:timing>
     <p:tnLst>
       <p:par>
-        <p:cTn xmlns:p14="http://schemas.microsoft.com/office/powerpoint/2010/main" id="1" dur="indefinite" restart="never" nodeType="tmRoot"/>
+        <p:cTn id="1" dur="indefinite" restart="never" nodeType="tmRoot"/>
       </p:par>
     </p:tnLst>
   </p:timing>
 </p:sld>
 </file>
 
-<file path=ppt/slides/slide28.xml><?xml version="1.0" encoding="utf-8"?>
+<file path=ppt/slides/slide29.xml><?xml version="1.0" encoding="utf-8"?>
 <p:sld xmlns:a="http://schemas.openxmlformats.org/drawingml/2006/main" xmlns:r="http://schemas.openxmlformats.org/officeDocument/2006/relationships" xmlns:p="http://schemas.openxmlformats.org/presentationml/2006/main">
   <p:cSld>
     <p:bg>
@@ -11853,15 +12324,7 @@
           <a:p>
             <a:r>
               <a:rPr lang="en-US" dirty="0" smtClean="0"/>
-              <a:t>Step 2: Instantiate a Game object and Connect it for use with </a:t>
-            </a:r>
-            <a:r>
-              <a:rPr lang="en-US" dirty="0" smtClean="0"/>
-              <a:t>a Small </a:t>
-            </a:r>
-            <a:r>
-              <a:rPr lang="en-US" dirty="0" smtClean="0"/>
-              <a:t>Screen.</a:t>
+              <a:t>Step 2: Instantiate a Game object and connect it for use with a Small Screen.</a:t>
             </a:r>
             <a:endParaRPr lang="en-US" dirty="0"/>
           </a:p>
@@ -11880,7 +12343,7 @@
         <p:spPr/>
         <p:txBody>
           <a:bodyPr>
-            <a:normAutofit fontScale="85000" lnSpcReduction="20000"/>
+            <a:normAutofit fontScale="92500" lnSpcReduction="20000"/>
           </a:bodyPr>
           <a:lstStyle/>
           <a:p>
@@ -11889,13 +12352,12 @@
             </a:pPr>
             <a:r>
               <a:rPr lang="en-US" dirty="0" smtClean="0"/>
-              <a:t>Our goal for this step is to implement the game-play logic:</a:t>
-            </a:r>
-          </a:p>
-          <a:p>
-            <a:pPr marL="0" indent="0">
-              <a:buNone/>
-            </a:pPr>
+              <a:t>Our goal for this step is to implement the game-play logic</a:t>
+            </a:r>
+            <a:r>
+              <a:rPr lang="en-US" dirty="0" smtClean="0"/>
+              <a:t>:</a:t>
+            </a:r>
             <a:endParaRPr lang="en-US" dirty="0"/>
           </a:p>
           <a:p>
@@ -11954,224 +12416,10 @@
   <p:timing>
     <p:tnLst>
       <p:par>
-        <p:cTn xmlns:p14="http://schemas.microsoft.com/office/powerpoint/2010/main" id="1" dur="indefinite" restart="never" nodeType="tmRoot"/>
+        <p:cTn id="1" dur="indefinite" restart="never" nodeType="tmRoot"/>
       </p:par>
     </p:tnLst>
   </p:timing>
-</p:sld>
-</file>
-
-<file path=ppt/slides/slide29.xml><?xml version="1.0" encoding="utf-8"?>
-<p:sld xmlns:a="http://schemas.openxmlformats.org/drawingml/2006/main" xmlns:r="http://schemas.openxmlformats.org/officeDocument/2006/relationships" xmlns:p="http://schemas.openxmlformats.org/presentationml/2006/main">
-  <p:cSld>
-    <p:spTree>
-      <p:nvGrpSpPr>
-        <p:cNvPr id="1" name=""/>
-        <p:cNvGrpSpPr/>
-        <p:nvPr/>
-      </p:nvGrpSpPr>
-      <p:grpSpPr>
-        <a:xfrm>
-          <a:off x="0" y="0"/>
-          <a:ext cx="0" cy="0"/>
-          <a:chOff x="0" y="0"/>
-          <a:chExt cx="0" cy="0"/>
-        </a:xfrm>
-      </p:grpSpPr>
-      <p:sp>
-        <p:nvSpPr>
-          <p:cNvPr id="2" name="Title 1"/>
-          <p:cNvSpPr>
-            <a:spLocks noGrp="1"/>
-          </p:cNvSpPr>
-          <p:nvPr>
-            <p:ph type="title"/>
-          </p:nvPr>
-        </p:nvSpPr>
-        <p:spPr/>
-        <p:txBody>
-          <a:bodyPr>
-            <a:normAutofit fontScale="90000"/>
-          </a:bodyPr>
-          <a:lstStyle/>
-          <a:p>
-            <a:r>
-              <a:rPr lang="en-US" dirty="0" smtClean="0"/>
-              <a:t>Overview of New Code Required</a:t>
-            </a:r>
-            <a:br>
-              <a:rPr lang="en-US" dirty="0" smtClean="0"/>
-            </a:br>
-            <a:r>
-              <a:rPr lang="en-US" sz="3100" dirty="0" smtClean="0"/>
-              <a:t>(Much of it isn’t “new”, we can copy it from the non-fragment version)</a:t>
-            </a:r>
-            <a:endParaRPr lang="en-US" sz="3100" dirty="0"/>
-          </a:p>
-        </p:txBody>
-      </p:sp>
-      <p:sp>
-        <p:nvSpPr>
-          <p:cNvPr id="3" name="Content Placeholder 2"/>
-          <p:cNvSpPr>
-            <a:spLocks noGrp="1"/>
-          </p:cNvSpPr>
-          <p:nvPr>
-            <p:ph idx="1"/>
-          </p:nvPr>
-        </p:nvSpPr>
-        <p:spPr>
-          <a:xfrm>
-            <a:off x="628650" y="1825625"/>
-            <a:ext cx="7886700" cy="4509861"/>
-          </a:xfrm>
-        </p:spPr>
-        <p:txBody>
-          <a:bodyPr>
-            <a:normAutofit fontScale="70000" lnSpcReduction="20000"/>
-          </a:bodyPr>
-          <a:lstStyle/>
-          <a:p>
-            <a:r>
-              <a:rPr lang="en-US" dirty="0" err="1" smtClean="0"/>
-              <a:t>FirstActivity</a:t>
-            </a:r>
-            <a:r>
-              <a:rPr lang="en-US" dirty="0" smtClean="0"/>
-              <a:t>: nothing new</a:t>
-            </a:r>
-          </a:p>
-          <a:p>
-            <a:r>
-              <a:rPr lang="en-US" dirty="0" err="1" smtClean="0"/>
-              <a:t>FirstFragment</a:t>
-            </a:r>
-            <a:r>
-              <a:rPr lang="en-US" dirty="0" smtClean="0"/>
-              <a:t>, in </a:t>
-            </a:r>
-            <a:r>
-              <a:rPr lang="en-US" dirty="0" err="1" smtClean="0"/>
-              <a:t>onClick</a:t>
-            </a:r>
-            <a:r>
-              <a:rPr lang="en-US" dirty="0" smtClean="0"/>
-              <a:t> for the “Play” button: </a:t>
-            </a:r>
-          </a:p>
-          <a:p>
-            <a:pPr lvl="1"/>
-            <a:r>
-              <a:rPr lang="en-US" dirty="0"/>
-              <a:t>G</a:t>
-            </a:r>
-            <a:r>
-              <a:rPr lang="en-US" dirty="0" smtClean="0"/>
-              <a:t>et the player’s choice (rock, paper, or scissors) from </a:t>
-            </a:r>
-            <a:r>
-              <a:rPr lang="en-US" dirty="0" err="1" smtClean="0"/>
-              <a:t>rpsEditText</a:t>
-            </a:r>
-            <a:r>
-              <a:rPr lang="en-US" dirty="0" smtClean="0"/>
-              <a:t>, add it to the intent that will be sent to the </a:t>
-            </a:r>
-            <a:r>
-              <a:rPr lang="en-US" dirty="0" err="1" smtClean="0"/>
-              <a:t>SecondActivity</a:t>
-            </a:r>
-            <a:r>
-              <a:rPr lang="en-US" dirty="0" smtClean="0"/>
-              <a:t>.</a:t>
-            </a:r>
-          </a:p>
-          <a:p>
-            <a:r>
-              <a:rPr lang="en-US" dirty="0" err="1" smtClean="0"/>
-              <a:t>SecondActivity</a:t>
-            </a:r>
-            <a:endParaRPr lang="en-US" dirty="0" smtClean="0"/>
-          </a:p>
-          <a:p>
-            <a:pPr lvl="1"/>
-            <a:r>
-              <a:rPr lang="en-US" dirty="0" err="1" smtClean="0"/>
-              <a:t>onResume</a:t>
-            </a:r>
-            <a:r>
-              <a:rPr lang="en-US" dirty="0" smtClean="0"/>
-              <a:t>: get the player’s choice out of the intent, put it in a </a:t>
-            </a:r>
-            <a:r>
-              <a:rPr lang="en-US" dirty="0" err="1" smtClean="0"/>
-              <a:t>RpsGame</a:t>
-            </a:r>
-            <a:r>
-              <a:rPr lang="en-US" dirty="0" smtClean="0"/>
-              <a:t> object, and pass it to the </a:t>
-            </a:r>
-            <a:r>
-              <a:rPr lang="en-US" dirty="0" err="1" smtClean="0"/>
-              <a:t>SecondFragment</a:t>
-            </a:r>
-            <a:r>
-              <a:rPr lang="en-US" dirty="0" smtClean="0"/>
-              <a:t> by calling </a:t>
-            </a:r>
-            <a:r>
-              <a:rPr lang="en-US" dirty="0" err="1" smtClean="0"/>
-              <a:t>ComputerMove</a:t>
-            </a:r>
-            <a:r>
-              <a:rPr lang="en-US" dirty="0" smtClean="0"/>
-              <a:t>(game).</a:t>
-            </a:r>
-          </a:p>
-          <a:p>
-            <a:pPr lvl="1"/>
-            <a:r>
-              <a:rPr lang="en-US" dirty="0" err="1" smtClean="0"/>
-              <a:t>onNewIntent</a:t>
-            </a:r>
-            <a:r>
-              <a:rPr lang="en-US" dirty="0" smtClean="0"/>
-              <a:t>: we need this to get new intents when our Activity is resumed.</a:t>
-            </a:r>
-          </a:p>
-          <a:p>
-            <a:r>
-              <a:rPr lang="en-US" dirty="0" err="1" smtClean="0"/>
-              <a:t>SecondFragment</a:t>
-            </a:r>
-            <a:endParaRPr lang="en-US" dirty="0" smtClean="0"/>
-          </a:p>
-          <a:p>
-            <a:pPr lvl="1"/>
-            <a:r>
-              <a:rPr lang="en-US" dirty="0" err="1" smtClean="0"/>
-              <a:t>ComputerMove</a:t>
-            </a:r>
-            <a:r>
-              <a:rPr lang="en-US" dirty="0" smtClean="0"/>
-              <a:t>: This new method contains essentially the same code that was in the Play method of the single Activity version of the game.</a:t>
-            </a:r>
-          </a:p>
-          <a:p>
-            <a:endParaRPr lang="en-US" dirty="0"/>
-          </a:p>
-        </p:txBody>
-      </p:sp>
-    </p:spTree>
-    <p:extLst>
-      <p:ext uri="{BB962C8B-B14F-4D97-AF65-F5344CB8AC3E}">
-        <p14:creationId xmlns:p14="http://schemas.microsoft.com/office/powerpoint/2010/main" val="4138320977"/>
-      </p:ext>
-    </p:extLst>
-  </p:cSld>
-  <p:clrMapOvr>
-    <a:masterClrMapping/>
-  </p:clrMapOvr>
 </p:sld>
 </file>
 
@@ -12287,6 +12535,13 @@
   <p:clrMapOvr>
     <a:masterClrMapping/>
   </p:clrMapOvr>
+  <p:timing>
+    <p:tnLst>
+      <p:par>
+        <p:cTn id="1" dur="indefinite" restart="never" nodeType="tmRoot"/>
+      </p:par>
+    </p:tnLst>
+  </p:timing>
 </p:sld>
 </file>
 
@@ -12337,7 +12592,7 @@
           <a:p>
             <a:r>
               <a:rPr lang="en-US" dirty="0" smtClean="0"/>
-              <a:t>Step 3: Implement Persistence and Settings for Devices with a Small Screen.</a:t>
+              <a:t>Creating and Accessing the Game Object with a Small Screen</a:t>
             </a:r>
             <a:endParaRPr lang="en-US" dirty="0"/>
           </a:p>
@@ -12345,98 +12600,853 @@
       </p:sp>
       <p:sp>
         <p:nvSpPr>
-          <p:cNvPr id="3" name="Content Placeholder 2"/>
-          <p:cNvSpPr>
-            <a:spLocks noGrp="1"/>
-          </p:cNvSpPr>
-          <p:nvPr>
-            <p:ph idx="1"/>
-          </p:nvPr>
-        </p:nvSpPr>
-        <p:spPr/>
+          <p:cNvPr id="6" name="Freeform 5"/>
+          <p:cNvSpPr/>
+          <p:nvPr/>
+        </p:nvSpPr>
+        <p:spPr>
+          <a:xfrm>
+            <a:off x="457200" y="4402789"/>
+            <a:ext cx="3454952" cy="1699708"/>
+          </a:xfrm>
+          <a:custGeom>
+            <a:avLst/>
+            <a:gdLst>
+              <a:gd name="connsiteX0" fmla="*/ 0 w 3117561"/>
+              <a:gd name="connsiteY0" fmla="*/ 138309 h 1383089"/>
+              <a:gd name="connsiteX1" fmla="*/ 138309 w 3117561"/>
+              <a:gd name="connsiteY1" fmla="*/ 0 h 1383089"/>
+              <a:gd name="connsiteX2" fmla="*/ 2979252 w 3117561"/>
+              <a:gd name="connsiteY2" fmla="*/ 0 h 1383089"/>
+              <a:gd name="connsiteX3" fmla="*/ 3117561 w 3117561"/>
+              <a:gd name="connsiteY3" fmla="*/ 138309 h 1383089"/>
+              <a:gd name="connsiteX4" fmla="*/ 3117561 w 3117561"/>
+              <a:gd name="connsiteY4" fmla="*/ 1244780 h 1383089"/>
+              <a:gd name="connsiteX5" fmla="*/ 2979252 w 3117561"/>
+              <a:gd name="connsiteY5" fmla="*/ 1383089 h 1383089"/>
+              <a:gd name="connsiteX6" fmla="*/ 138309 w 3117561"/>
+              <a:gd name="connsiteY6" fmla="*/ 1383089 h 1383089"/>
+              <a:gd name="connsiteX7" fmla="*/ 0 w 3117561"/>
+              <a:gd name="connsiteY7" fmla="*/ 1244780 h 1383089"/>
+              <a:gd name="connsiteX8" fmla="*/ 0 w 3117561"/>
+              <a:gd name="connsiteY8" fmla="*/ 138309 h 1383089"/>
+            </a:gdLst>
+            <a:ahLst/>
+            <a:cxnLst>
+              <a:cxn ang="0">
+                <a:pos x="connsiteX0" y="connsiteY0"/>
+              </a:cxn>
+              <a:cxn ang="0">
+                <a:pos x="connsiteX1" y="connsiteY1"/>
+              </a:cxn>
+              <a:cxn ang="0">
+                <a:pos x="connsiteX2" y="connsiteY2"/>
+              </a:cxn>
+              <a:cxn ang="0">
+                <a:pos x="connsiteX3" y="connsiteY3"/>
+              </a:cxn>
+              <a:cxn ang="0">
+                <a:pos x="connsiteX4" y="connsiteY4"/>
+              </a:cxn>
+              <a:cxn ang="0">
+                <a:pos x="connsiteX5" y="connsiteY5"/>
+              </a:cxn>
+              <a:cxn ang="0">
+                <a:pos x="connsiteX6" y="connsiteY6"/>
+              </a:cxn>
+              <a:cxn ang="0">
+                <a:pos x="connsiteX7" y="connsiteY7"/>
+              </a:cxn>
+              <a:cxn ang="0">
+                <a:pos x="connsiteX8" y="connsiteY8"/>
+              </a:cxn>
+            </a:cxnLst>
+            <a:rect l="l" t="t" r="r" b="b"/>
+            <a:pathLst>
+              <a:path w="3117561" h="1383089">
+                <a:moveTo>
+                  <a:pt x="0" y="138309"/>
+                </a:moveTo>
+                <a:cubicBezTo>
+                  <a:pt x="0" y="61923"/>
+                  <a:pt x="61923" y="0"/>
+                  <a:pt x="138309" y="0"/>
+                </a:cubicBezTo>
+                <a:lnTo>
+                  <a:pt x="2979252" y="0"/>
+                </a:lnTo>
+                <a:cubicBezTo>
+                  <a:pt x="3055638" y="0"/>
+                  <a:pt x="3117561" y="61923"/>
+                  <a:pt x="3117561" y="138309"/>
+                </a:cubicBezTo>
+                <a:lnTo>
+                  <a:pt x="3117561" y="1244780"/>
+                </a:lnTo>
+                <a:cubicBezTo>
+                  <a:pt x="3117561" y="1321166"/>
+                  <a:pt x="3055638" y="1383089"/>
+                  <a:pt x="2979252" y="1383089"/>
+                </a:cubicBezTo>
+                <a:lnTo>
+                  <a:pt x="138309" y="1383089"/>
+                </a:lnTo>
+                <a:cubicBezTo>
+                  <a:pt x="61923" y="1383089"/>
+                  <a:pt x="0" y="1321166"/>
+                  <a:pt x="0" y="1244780"/>
+                </a:cubicBezTo>
+                <a:lnTo>
+                  <a:pt x="0" y="138309"/>
+                </a:lnTo>
+                <a:close/>
+              </a:path>
+            </a:pathLst>
+          </a:custGeom>
+        </p:spPr>
+        <p:style>
+          <a:lnRef idx="0">
+            <a:schemeClr val="lt1">
+              <a:hueOff val="0"/>
+              <a:satOff val="0"/>
+              <a:lumOff val="0"/>
+              <a:alphaOff val="0"/>
+            </a:schemeClr>
+          </a:lnRef>
+          <a:fillRef idx="3">
+            <a:schemeClr val="accent1">
+              <a:hueOff val="0"/>
+              <a:satOff val="0"/>
+              <a:lumOff val="0"/>
+              <a:alphaOff val="0"/>
+            </a:schemeClr>
+          </a:fillRef>
+          <a:effectRef idx="2">
+            <a:schemeClr val="accent1">
+              <a:hueOff val="0"/>
+              <a:satOff val="0"/>
+              <a:lumOff val="0"/>
+              <a:alphaOff val="0"/>
+            </a:schemeClr>
+          </a:effectRef>
+          <a:fontRef idx="minor">
+            <a:schemeClr val="lt1"/>
+          </a:fontRef>
+        </p:style>
         <p:txBody>
-          <a:bodyPr>
-            <a:normAutofit fontScale="70000" lnSpcReduction="20000"/>
+          <a:bodyPr spcFirstLastPara="0" vert="horz" wrap="square" lIns="147189" tIns="147189" rIns="147189" bIns="147189" numCol="1" spcCol="1270" anchor="t" anchorCtr="0">
+            <a:noAutofit/>
           </a:bodyPr>
           <a:lstStyle/>
           <a:p>
-            <a:pPr marL="0" indent="0">
-              <a:buNone/>
+            <a:pPr lvl="0" algn="ctr" defTabSz="1244600">
+              <a:lnSpc>
+                <a:spcPct val="90000"/>
+              </a:lnSpc>
+              <a:spcBef>
+                <a:spcPct val="0"/>
+              </a:spcBef>
+              <a:spcAft>
+                <a:spcPct val="35000"/>
+              </a:spcAft>
             </a:pPr>
             <a:r>
-              <a:rPr lang="en-US" dirty="0" smtClean="0"/>
-              <a:t>Our goal for this step is to:</a:t>
-            </a:r>
-          </a:p>
-          <a:p>
-            <a:pPr marL="0" indent="0">
-              <a:buNone/>
+              <a:rPr lang="en-US" sz="2800" kern="1200" dirty="0" err="1" smtClean="0"/>
+              <a:t>FirstFragment</a:t>
+            </a:r>
+            <a:endParaRPr lang="en-US" sz="2800" kern="1200" dirty="0"/>
+          </a:p>
+          <a:p>
+            <a:pPr marL="171450" lvl="1" indent="-171450" defTabSz="800100">
+              <a:lnSpc>
+                <a:spcPct val="90000"/>
+              </a:lnSpc>
+              <a:spcBef>
+                <a:spcPct val="0"/>
+              </a:spcBef>
+              <a:spcAft>
+                <a:spcPct val="15000"/>
+              </a:spcAft>
+              <a:buChar char="••"/>
             </a:pPr>
-            <a:endParaRPr lang="en-US" dirty="0"/>
-          </a:p>
-          <a:p>
-            <a:r>
-              <a:rPr lang="en-US" dirty="0" smtClean="0"/>
-              <a:t>The state of the game, as shown by the </a:t>
-            </a:r>
-            <a:r>
-              <a:rPr lang="en-US" dirty="0" err="1" smtClean="0"/>
+            <a:r>
+              <a:rPr lang="en-US" sz="2000" kern="1200" dirty="0" smtClean="0"/>
+              <a:t>Creates the game object</a:t>
+            </a:r>
+            <a:endParaRPr lang="en-US" sz="2000" kern="1200" dirty="0"/>
+          </a:p>
+          <a:p>
+            <a:pPr marL="171450" lvl="1" indent="-171450" defTabSz="800100">
+              <a:lnSpc>
+                <a:spcPct val="90000"/>
+              </a:lnSpc>
+              <a:spcBef>
+                <a:spcPct val="0"/>
+              </a:spcBef>
+              <a:spcAft>
+                <a:spcPct val="15000"/>
+              </a:spcAft>
+              <a:buChar char="••"/>
+            </a:pPr>
+            <a:r>
+              <a:rPr lang="en-US" sz="2000" kern="1200" dirty="0" smtClean="0"/>
+              <a:t>Passes it to the host Activity</a:t>
+            </a:r>
+            <a:endParaRPr lang="en-US" sz="2000" kern="1200" dirty="0"/>
+          </a:p>
+        </p:txBody>
+      </p:sp>
+      <p:sp>
+        <p:nvSpPr>
+          <p:cNvPr id="8" name="Freeform 7"/>
+          <p:cNvSpPr/>
+          <p:nvPr/>
+        </p:nvSpPr>
+        <p:spPr>
+          <a:xfrm>
+            <a:off x="457200" y="1796527"/>
+            <a:ext cx="3454952" cy="1594462"/>
+          </a:xfrm>
+          <a:custGeom>
+            <a:avLst/>
+            <a:gdLst>
+              <a:gd name="connsiteX0" fmla="*/ 0 w 2622921"/>
+              <a:gd name="connsiteY0" fmla="*/ 22747 h 227466"/>
+              <a:gd name="connsiteX1" fmla="*/ 22747 w 2622921"/>
+              <a:gd name="connsiteY1" fmla="*/ 0 h 227466"/>
+              <a:gd name="connsiteX2" fmla="*/ 2600174 w 2622921"/>
+              <a:gd name="connsiteY2" fmla="*/ 0 h 227466"/>
+              <a:gd name="connsiteX3" fmla="*/ 2622921 w 2622921"/>
+              <a:gd name="connsiteY3" fmla="*/ 22747 h 227466"/>
+              <a:gd name="connsiteX4" fmla="*/ 2622921 w 2622921"/>
+              <a:gd name="connsiteY4" fmla="*/ 204719 h 227466"/>
+              <a:gd name="connsiteX5" fmla="*/ 2600174 w 2622921"/>
+              <a:gd name="connsiteY5" fmla="*/ 227466 h 227466"/>
+              <a:gd name="connsiteX6" fmla="*/ 22747 w 2622921"/>
+              <a:gd name="connsiteY6" fmla="*/ 227466 h 227466"/>
+              <a:gd name="connsiteX7" fmla="*/ 0 w 2622921"/>
+              <a:gd name="connsiteY7" fmla="*/ 204719 h 227466"/>
+              <a:gd name="connsiteX8" fmla="*/ 0 w 2622921"/>
+              <a:gd name="connsiteY8" fmla="*/ 22747 h 227466"/>
+            </a:gdLst>
+            <a:ahLst/>
+            <a:cxnLst>
+              <a:cxn ang="0">
+                <a:pos x="connsiteX0" y="connsiteY0"/>
+              </a:cxn>
+              <a:cxn ang="0">
+                <a:pos x="connsiteX1" y="connsiteY1"/>
+              </a:cxn>
+              <a:cxn ang="0">
+                <a:pos x="connsiteX2" y="connsiteY2"/>
+              </a:cxn>
+              <a:cxn ang="0">
+                <a:pos x="connsiteX3" y="connsiteY3"/>
+              </a:cxn>
+              <a:cxn ang="0">
+                <a:pos x="connsiteX4" y="connsiteY4"/>
+              </a:cxn>
+              <a:cxn ang="0">
+                <a:pos x="connsiteX5" y="connsiteY5"/>
+              </a:cxn>
+              <a:cxn ang="0">
+                <a:pos x="connsiteX6" y="connsiteY6"/>
+              </a:cxn>
+              <a:cxn ang="0">
+                <a:pos x="connsiteX7" y="connsiteY7"/>
+              </a:cxn>
+              <a:cxn ang="0">
+                <a:pos x="connsiteX8" y="connsiteY8"/>
+              </a:cxn>
+            </a:cxnLst>
+            <a:rect l="l" t="t" r="r" b="b"/>
+            <a:pathLst>
+              <a:path w="2622921" h="227466">
+                <a:moveTo>
+                  <a:pt x="0" y="22747"/>
+                </a:moveTo>
+                <a:cubicBezTo>
+                  <a:pt x="0" y="10184"/>
+                  <a:pt x="10184" y="0"/>
+                  <a:pt x="22747" y="0"/>
+                </a:cubicBezTo>
+                <a:lnTo>
+                  <a:pt x="2600174" y="0"/>
+                </a:lnTo>
+                <a:cubicBezTo>
+                  <a:pt x="2612737" y="0"/>
+                  <a:pt x="2622921" y="10184"/>
+                  <a:pt x="2622921" y="22747"/>
+                </a:cubicBezTo>
+                <a:lnTo>
+                  <a:pt x="2622921" y="204719"/>
+                </a:lnTo>
+                <a:cubicBezTo>
+                  <a:pt x="2622921" y="217282"/>
+                  <a:pt x="2612737" y="227466"/>
+                  <a:pt x="2600174" y="227466"/>
+                </a:cubicBezTo>
+                <a:lnTo>
+                  <a:pt x="22747" y="227466"/>
+                </a:lnTo>
+                <a:cubicBezTo>
+                  <a:pt x="10184" y="227466"/>
+                  <a:pt x="0" y="217282"/>
+                  <a:pt x="0" y="204719"/>
+                </a:cubicBezTo>
+                <a:lnTo>
+                  <a:pt x="0" y="22747"/>
+                </a:lnTo>
+                <a:close/>
+              </a:path>
+            </a:pathLst>
+          </a:custGeom>
+        </p:spPr>
+        <p:style>
+          <a:lnRef idx="0">
+            <a:schemeClr val="lt1">
+              <a:hueOff val="0"/>
+              <a:satOff val="0"/>
+              <a:lumOff val="0"/>
+              <a:alphaOff val="0"/>
+            </a:schemeClr>
+          </a:lnRef>
+          <a:fillRef idx="3">
+            <a:schemeClr val="accent1">
+              <a:hueOff val="0"/>
+              <a:satOff val="0"/>
+              <a:lumOff val="0"/>
+              <a:alphaOff val="0"/>
+            </a:schemeClr>
+          </a:fillRef>
+          <a:effectRef idx="2">
+            <a:schemeClr val="accent1">
+              <a:hueOff val="0"/>
+              <a:satOff val="0"/>
+              <a:lumOff val="0"/>
+              <a:alphaOff val="0"/>
+            </a:schemeClr>
+          </a:effectRef>
+          <a:fontRef idx="minor">
+            <a:schemeClr val="lt1"/>
+          </a:fontRef>
+        </p:style>
+        <p:txBody>
+          <a:bodyPr spcFirstLastPara="0" vert="horz" wrap="square" lIns="33332" tIns="33332" rIns="33332" bIns="33332" numCol="1" spcCol="1270" anchor="ctr" anchorCtr="0">
+            <a:noAutofit/>
+          </a:bodyPr>
+          <a:lstStyle/>
+          <a:p>
+            <a:pPr lvl="0" algn="ctr" defTabSz="311150">
+              <a:lnSpc>
+                <a:spcPct val="90000"/>
+              </a:lnSpc>
+              <a:spcBef>
+                <a:spcPct val="0"/>
+              </a:spcBef>
+              <a:spcAft>
+                <a:spcPct val="35000"/>
+              </a:spcAft>
+            </a:pPr>
+            <a:r>
+              <a:rPr lang="en-US" sz="2800" kern="1200" dirty="0" err="1" smtClean="0"/>
+              <a:t>FirstActivity</a:t>
+            </a:r>
+            <a:endParaRPr lang="en-US" sz="2000" kern="1200" dirty="0" smtClean="0"/>
+          </a:p>
+          <a:p>
+            <a:pPr marL="171450" lvl="0" indent="-171450" defTabSz="311150">
+              <a:lnSpc>
+                <a:spcPct val="90000"/>
+              </a:lnSpc>
+              <a:spcBef>
+                <a:spcPct val="0"/>
+              </a:spcBef>
+              <a:spcAft>
+                <a:spcPct val="35000"/>
+              </a:spcAft>
+              <a:buFont typeface="Arial" charset="0"/>
+              <a:buChar char="•"/>
+            </a:pPr>
+            <a:r>
+              <a:rPr lang="en-US" sz="2000" dirty="0" smtClean="0"/>
+              <a:t>Holds the game object</a:t>
+            </a:r>
+          </a:p>
+          <a:p>
+            <a:pPr marL="171450" lvl="0" indent="-171450" defTabSz="311150">
+              <a:lnSpc>
+                <a:spcPct val="90000"/>
+              </a:lnSpc>
+              <a:spcBef>
+                <a:spcPct val="0"/>
+              </a:spcBef>
+              <a:spcAft>
+                <a:spcPct val="35000"/>
+              </a:spcAft>
+              <a:buFont typeface="Arial" charset="0"/>
+              <a:buChar char="•"/>
+            </a:pPr>
+            <a:r>
+              <a:rPr lang="en-US" sz="2000" kern="1200" dirty="0" smtClean="0"/>
+              <a:t>Sends it to the </a:t>
+            </a:r>
+            <a:r>
+              <a:rPr lang="en-US" sz="2000" kern="1200" dirty="0" err="1" smtClean="0"/>
               <a:t>SecondActivity</a:t>
             </a:r>
             <a:r>
-              <a:rPr lang="en-US" dirty="0" smtClean="0"/>
-              <a:t>, will be preserved when the device is rotated or anything else happens to cause the Activity to be destroyed and recreated.</a:t>
-            </a:r>
-          </a:p>
-          <a:p>
-            <a:r>
-              <a:rPr lang="en-US" dirty="0" smtClean="0"/>
-              <a:t>The user can click on the menu on the </a:t>
-            </a:r>
-            <a:r>
-              <a:rPr lang="en-US" dirty="0" err="1" smtClean="0"/>
-              <a:t>FirstActivity</a:t>
-            </a:r>
-            <a:r>
-              <a:rPr lang="en-US" dirty="0" smtClean="0"/>
-              <a:t> to bring up the settings (preferences) screen and set any of the settings.</a:t>
-            </a:r>
-          </a:p>
-          <a:p>
-            <a:r>
-              <a:rPr lang="en-US" dirty="0" smtClean="0"/>
-              <a:t>Any settings that are changed will take effect as soon as the user uses the back button to navigate back to the first </a:t>
-            </a:r>
-            <a:r>
-              <a:rPr lang="en-US" dirty="0" err="1" smtClean="0"/>
-              <a:t>sceen</a:t>
-            </a:r>
-            <a:r>
-              <a:rPr lang="en-US" dirty="0" smtClean="0"/>
-              <a:t>.</a:t>
-            </a:r>
-          </a:p>
-          <a:p>
-            <a:pPr marL="0" indent="0">
-              <a:buNone/>
+              <a:rPr lang="en-US" sz="700" dirty="0" smtClean="0"/>
+              <a:t> in an intent</a:t>
+            </a:r>
+            <a:endParaRPr lang="en-US" sz="2000" kern="1200" dirty="0" smtClean="0"/>
+          </a:p>
+        </p:txBody>
+      </p:sp>
+      <p:sp>
+        <p:nvSpPr>
+          <p:cNvPr id="14" name="Right Arrow 13"/>
+          <p:cNvSpPr/>
+          <p:nvPr/>
+        </p:nvSpPr>
+        <p:spPr>
+          <a:xfrm>
+            <a:off x="4072878" y="2455172"/>
+            <a:ext cx="703517" cy="387276"/>
+          </a:xfrm>
+          <a:prstGeom prst="rightArrow">
+            <a:avLst/>
+          </a:prstGeom>
+        </p:spPr>
+        <p:style>
+          <a:lnRef idx="1">
+            <a:schemeClr val="accent1"/>
+          </a:lnRef>
+          <a:fillRef idx="3">
+            <a:schemeClr val="accent1"/>
+          </a:fillRef>
+          <a:effectRef idx="2">
+            <a:schemeClr val="accent1"/>
+          </a:effectRef>
+          <a:fontRef idx="minor">
+            <a:schemeClr val="lt1"/>
+          </a:fontRef>
+        </p:style>
+        <p:txBody>
+          <a:bodyPr rtlCol="0" anchor="ctr"/>
+          <a:lstStyle/>
+          <a:p>
+            <a:pPr algn="ctr"/>
+            <a:endParaRPr lang="en-US"/>
+          </a:p>
+        </p:txBody>
+      </p:sp>
+      <p:sp>
+        <p:nvSpPr>
+          <p:cNvPr id="15" name="Right Arrow 14"/>
+          <p:cNvSpPr/>
+          <p:nvPr/>
+        </p:nvSpPr>
+        <p:spPr>
+          <a:xfrm rot="16200000">
+            <a:off x="1861947" y="3703251"/>
+            <a:ext cx="645459" cy="387276"/>
+          </a:xfrm>
+          <a:prstGeom prst="rightArrow">
+            <a:avLst/>
+          </a:prstGeom>
+        </p:spPr>
+        <p:style>
+          <a:lnRef idx="1">
+            <a:schemeClr val="accent1"/>
+          </a:lnRef>
+          <a:fillRef idx="3">
+            <a:schemeClr val="accent1"/>
+          </a:fillRef>
+          <a:effectRef idx="2">
+            <a:schemeClr val="accent1"/>
+          </a:effectRef>
+          <a:fontRef idx="minor">
+            <a:schemeClr val="lt1"/>
+          </a:fontRef>
+        </p:style>
+        <p:txBody>
+          <a:bodyPr rtlCol="0" anchor="ctr"/>
+          <a:lstStyle/>
+          <a:p>
+            <a:pPr algn="ctr"/>
+            <a:endParaRPr lang="en-US"/>
+          </a:p>
+        </p:txBody>
+      </p:sp>
+      <p:sp>
+        <p:nvSpPr>
+          <p:cNvPr id="17" name="Freeform 16"/>
+          <p:cNvSpPr/>
+          <p:nvPr/>
+        </p:nvSpPr>
+        <p:spPr>
+          <a:xfrm>
+            <a:off x="4972639" y="2030823"/>
+            <a:ext cx="3714161" cy="1222014"/>
+          </a:xfrm>
+          <a:custGeom>
+            <a:avLst/>
+            <a:gdLst>
+              <a:gd name="connsiteX0" fmla="*/ 0 w 2622921"/>
+              <a:gd name="connsiteY0" fmla="*/ 22747 h 227466"/>
+              <a:gd name="connsiteX1" fmla="*/ 22747 w 2622921"/>
+              <a:gd name="connsiteY1" fmla="*/ 0 h 227466"/>
+              <a:gd name="connsiteX2" fmla="*/ 2600174 w 2622921"/>
+              <a:gd name="connsiteY2" fmla="*/ 0 h 227466"/>
+              <a:gd name="connsiteX3" fmla="*/ 2622921 w 2622921"/>
+              <a:gd name="connsiteY3" fmla="*/ 22747 h 227466"/>
+              <a:gd name="connsiteX4" fmla="*/ 2622921 w 2622921"/>
+              <a:gd name="connsiteY4" fmla="*/ 204719 h 227466"/>
+              <a:gd name="connsiteX5" fmla="*/ 2600174 w 2622921"/>
+              <a:gd name="connsiteY5" fmla="*/ 227466 h 227466"/>
+              <a:gd name="connsiteX6" fmla="*/ 22747 w 2622921"/>
+              <a:gd name="connsiteY6" fmla="*/ 227466 h 227466"/>
+              <a:gd name="connsiteX7" fmla="*/ 0 w 2622921"/>
+              <a:gd name="connsiteY7" fmla="*/ 204719 h 227466"/>
+              <a:gd name="connsiteX8" fmla="*/ 0 w 2622921"/>
+              <a:gd name="connsiteY8" fmla="*/ 22747 h 227466"/>
+            </a:gdLst>
+            <a:ahLst/>
+            <a:cxnLst>
+              <a:cxn ang="0">
+                <a:pos x="connsiteX0" y="connsiteY0"/>
+              </a:cxn>
+              <a:cxn ang="0">
+                <a:pos x="connsiteX1" y="connsiteY1"/>
+              </a:cxn>
+              <a:cxn ang="0">
+                <a:pos x="connsiteX2" y="connsiteY2"/>
+              </a:cxn>
+              <a:cxn ang="0">
+                <a:pos x="connsiteX3" y="connsiteY3"/>
+              </a:cxn>
+              <a:cxn ang="0">
+                <a:pos x="connsiteX4" y="connsiteY4"/>
+              </a:cxn>
+              <a:cxn ang="0">
+                <a:pos x="connsiteX5" y="connsiteY5"/>
+              </a:cxn>
+              <a:cxn ang="0">
+                <a:pos x="connsiteX6" y="connsiteY6"/>
+              </a:cxn>
+              <a:cxn ang="0">
+                <a:pos x="connsiteX7" y="connsiteY7"/>
+              </a:cxn>
+              <a:cxn ang="0">
+                <a:pos x="connsiteX8" y="connsiteY8"/>
+              </a:cxn>
+            </a:cxnLst>
+            <a:rect l="l" t="t" r="r" b="b"/>
+            <a:pathLst>
+              <a:path w="2622921" h="227466">
+                <a:moveTo>
+                  <a:pt x="0" y="22747"/>
+                </a:moveTo>
+                <a:cubicBezTo>
+                  <a:pt x="0" y="10184"/>
+                  <a:pt x="10184" y="0"/>
+                  <a:pt x="22747" y="0"/>
+                </a:cubicBezTo>
+                <a:lnTo>
+                  <a:pt x="2600174" y="0"/>
+                </a:lnTo>
+                <a:cubicBezTo>
+                  <a:pt x="2612737" y="0"/>
+                  <a:pt x="2622921" y="10184"/>
+                  <a:pt x="2622921" y="22747"/>
+                </a:cubicBezTo>
+                <a:lnTo>
+                  <a:pt x="2622921" y="204719"/>
+                </a:lnTo>
+                <a:cubicBezTo>
+                  <a:pt x="2622921" y="217282"/>
+                  <a:pt x="2612737" y="227466"/>
+                  <a:pt x="2600174" y="227466"/>
+                </a:cubicBezTo>
+                <a:lnTo>
+                  <a:pt x="22747" y="227466"/>
+                </a:lnTo>
+                <a:cubicBezTo>
+                  <a:pt x="10184" y="227466"/>
+                  <a:pt x="0" y="217282"/>
+                  <a:pt x="0" y="204719"/>
+                </a:cubicBezTo>
+                <a:lnTo>
+                  <a:pt x="0" y="22747"/>
+                </a:lnTo>
+                <a:close/>
+              </a:path>
+            </a:pathLst>
+          </a:custGeom>
+        </p:spPr>
+        <p:style>
+          <a:lnRef idx="0">
+            <a:schemeClr val="lt1">
+              <a:hueOff val="0"/>
+              <a:satOff val="0"/>
+              <a:lumOff val="0"/>
+              <a:alphaOff val="0"/>
+            </a:schemeClr>
+          </a:lnRef>
+          <a:fillRef idx="3">
+            <a:schemeClr val="accent1">
+              <a:hueOff val="0"/>
+              <a:satOff val="0"/>
+              <a:lumOff val="0"/>
+              <a:alphaOff val="0"/>
+            </a:schemeClr>
+          </a:fillRef>
+          <a:effectRef idx="2">
+            <a:schemeClr val="accent1">
+              <a:hueOff val="0"/>
+              <a:satOff val="0"/>
+              <a:lumOff val="0"/>
+              <a:alphaOff val="0"/>
+            </a:schemeClr>
+          </a:effectRef>
+          <a:fontRef idx="minor">
+            <a:schemeClr val="lt1"/>
+          </a:fontRef>
+        </p:style>
+        <p:txBody>
+          <a:bodyPr spcFirstLastPara="0" vert="horz" wrap="square" lIns="33332" tIns="33332" rIns="33332" bIns="33332" numCol="1" spcCol="1270" anchor="ctr" anchorCtr="0">
+            <a:noAutofit/>
+          </a:bodyPr>
+          <a:lstStyle/>
+          <a:p>
+            <a:pPr lvl="0" algn="ctr" defTabSz="311150">
+              <a:lnSpc>
+                <a:spcPct val="90000"/>
+              </a:lnSpc>
+              <a:spcBef>
+                <a:spcPct val="0"/>
+              </a:spcBef>
+              <a:spcAft>
+                <a:spcPct val="35000"/>
+              </a:spcAft>
             </a:pPr>
             <a:r>
-              <a:rPr lang="en-US" dirty="0" smtClean="0"/>
-              <a:t>Note: Settings will now work for both small and large screen devices.</a:t>
-            </a:r>
-          </a:p>
-          <a:p>
-            <a:pPr marL="0" indent="0">
-              <a:buNone/>
+              <a:rPr lang="en-US" sz="2800" dirty="0" err="1" smtClean="0"/>
+              <a:t>Second</a:t>
+            </a:r>
+            <a:r>
+              <a:rPr lang="en-US" sz="2800" kern="1200" dirty="0" err="1" smtClean="0"/>
+              <a:t>Activity</a:t>
+            </a:r>
+            <a:endParaRPr lang="en-US" sz="2000" kern="1200" dirty="0" smtClean="0"/>
+          </a:p>
+          <a:p>
+            <a:pPr marL="171450" lvl="0" indent="-171450" algn="ctr" defTabSz="311150">
+              <a:lnSpc>
+                <a:spcPct val="90000"/>
+              </a:lnSpc>
+              <a:spcBef>
+                <a:spcPct val="0"/>
+              </a:spcBef>
+              <a:spcAft>
+                <a:spcPct val="35000"/>
+              </a:spcAft>
+              <a:buFont typeface="Arial" charset="0"/>
+              <a:buChar char="•"/>
             </a:pPr>
-            <a:endParaRPr lang="en-US" dirty="0"/>
+            <a:r>
+              <a:rPr lang="en-US" sz="2000" dirty="0" smtClean="0"/>
+              <a:t>Holds the game object</a:t>
+            </a:r>
+            <a:endParaRPr lang="en-US" sz="700" kern="1200" dirty="0"/>
+          </a:p>
+        </p:txBody>
+      </p:sp>
+      <p:sp>
+        <p:nvSpPr>
+          <p:cNvPr id="18" name="Freeform 17"/>
+          <p:cNvSpPr/>
+          <p:nvPr/>
+        </p:nvSpPr>
+        <p:spPr>
+          <a:xfrm>
+            <a:off x="4972639" y="4244307"/>
+            <a:ext cx="3714161" cy="1699708"/>
+          </a:xfrm>
+          <a:custGeom>
+            <a:avLst/>
+            <a:gdLst>
+              <a:gd name="connsiteX0" fmla="*/ 0 w 2622921"/>
+              <a:gd name="connsiteY0" fmla="*/ 22747 h 227466"/>
+              <a:gd name="connsiteX1" fmla="*/ 22747 w 2622921"/>
+              <a:gd name="connsiteY1" fmla="*/ 0 h 227466"/>
+              <a:gd name="connsiteX2" fmla="*/ 2600174 w 2622921"/>
+              <a:gd name="connsiteY2" fmla="*/ 0 h 227466"/>
+              <a:gd name="connsiteX3" fmla="*/ 2622921 w 2622921"/>
+              <a:gd name="connsiteY3" fmla="*/ 22747 h 227466"/>
+              <a:gd name="connsiteX4" fmla="*/ 2622921 w 2622921"/>
+              <a:gd name="connsiteY4" fmla="*/ 204719 h 227466"/>
+              <a:gd name="connsiteX5" fmla="*/ 2600174 w 2622921"/>
+              <a:gd name="connsiteY5" fmla="*/ 227466 h 227466"/>
+              <a:gd name="connsiteX6" fmla="*/ 22747 w 2622921"/>
+              <a:gd name="connsiteY6" fmla="*/ 227466 h 227466"/>
+              <a:gd name="connsiteX7" fmla="*/ 0 w 2622921"/>
+              <a:gd name="connsiteY7" fmla="*/ 204719 h 227466"/>
+              <a:gd name="connsiteX8" fmla="*/ 0 w 2622921"/>
+              <a:gd name="connsiteY8" fmla="*/ 22747 h 227466"/>
+            </a:gdLst>
+            <a:ahLst/>
+            <a:cxnLst>
+              <a:cxn ang="0">
+                <a:pos x="connsiteX0" y="connsiteY0"/>
+              </a:cxn>
+              <a:cxn ang="0">
+                <a:pos x="connsiteX1" y="connsiteY1"/>
+              </a:cxn>
+              <a:cxn ang="0">
+                <a:pos x="connsiteX2" y="connsiteY2"/>
+              </a:cxn>
+              <a:cxn ang="0">
+                <a:pos x="connsiteX3" y="connsiteY3"/>
+              </a:cxn>
+              <a:cxn ang="0">
+                <a:pos x="connsiteX4" y="connsiteY4"/>
+              </a:cxn>
+              <a:cxn ang="0">
+                <a:pos x="connsiteX5" y="connsiteY5"/>
+              </a:cxn>
+              <a:cxn ang="0">
+                <a:pos x="connsiteX6" y="connsiteY6"/>
+              </a:cxn>
+              <a:cxn ang="0">
+                <a:pos x="connsiteX7" y="connsiteY7"/>
+              </a:cxn>
+              <a:cxn ang="0">
+                <a:pos x="connsiteX8" y="connsiteY8"/>
+              </a:cxn>
+            </a:cxnLst>
+            <a:rect l="l" t="t" r="r" b="b"/>
+            <a:pathLst>
+              <a:path w="2622921" h="227466">
+                <a:moveTo>
+                  <a:pt x="0" y="22747"/>
+                </a:moveTo>
+                <a:cubicBezTo>
+                  <a:pt x="0" y="10184"/>
+                  <a:pt x="10184" y="0"/>
+                  <a:pt x="22747" y="0"/>
+                </a:cubicBezTo>
+                <a:lnTo>
+                  <a:pt x="2600174" y="0"/>
+                </a:lnTo>
+                <a:cubicBezTo>
+                  <a:pt x="2612737" y="0"/>
+                  <a:pt x="2622921" y="10184"/>
+                  <a:pt x="2622921" y="22747"/>
+                </a:cubicBezTo>
+                <a:lnTo>
+                  <a:pt x="2622921" y="204719"/>
+                </a:lnTo>
+                <a:cubicBezTo>
+                  <a:pt x="2622921" y="217282"/>
+                  <a:pt x="2612737" y="227466"/>
+                  <a:pt x="2600174" y="227466"/>
+                </a:cubicBezTo>
+                <a:lnTo>
+                  <a:pt x="22747" y="227466"/>
+                </a:lnTo>
+                <a:cubicBezTo>
+                  <a:pt x="10184" y="227466"/>
+                  <a:pt x="0" y="217282"/>
+                  <a:pt x="0" y="204719"/>
+                </a:cubicBezTo>
+                <a:lnTo>
+                  <a:pt x="0" y="22747"/>
+                </a:lnTo>
+                <a:close/>
+              </a:path>
+            </a:pathLst>
+          </a:custGeom>
+        </p:spPr>
+        <p:style>
+          <a:lnRef idx="0">
+            <a:schemeClr val="lt1">
+              <a:hueOff val="0"/>
+              <a:satOff val="0"/>
+              <a:lumOff val="0"/>
+              <a:alphaOff val="0"/>
+            </a:schemeClr>
+          </a:lnRef>
+          <a:fillRef idx="3">
+            <a:schemeClr val="accent1">
+              <a:hueOff val="0"/>
+              <a:satOff val="0"/>
+              <a:lumOff val="0"/>
+              <a:alphaOff val="0"/>
+            </a:schemeClr>
+          </a:fillRef>
+          <a:effectRef idx="2">
+            <a:schemeClr val="accent1">
+              <a:hueOff val="0"/>
+              <a:satOff val="0"/>
+              <a:lumOff val="0"/>
+              <a:alphaOff val="0"/>
+            </a:schemeClr>
+          </a:effectRef>
+          <a:fontRef idx="minor">
+            <a:schemeClr val="lt1"/>
+          </a:fontRef>
+        </p:style>
+        <p:txBody>
+          <a:bodyPr spcFirstLastPara="0" vert="horz" wrap="square" lIns="33332" tIns="33332" rIns="33332" bIns="33332" numCol="1" spcCol="1270" anchor="ctr" anchorCtr="0">
+            <a:noAutofit/>
+          </a:bodyPr>
+          <a:lstStyle/>
+          <a:p>
+            <a:pPr lvl="0" algn="ctr" defTabSz="311150">
+              <a:lnSpc>
+                <a:spcPct val="90000"/>
+              </a:lnSpc>
+              <a:spcBef>
+                <a:spcPct val="0"/>
+              </a:spcBef>
+              <a:spcAft>
+                <a:spcPct val="35000"/>
+              </a:spcAft>
+            </a:pPr>
+            <a:r>
+              <a:rPr lang="en-US" sz="2800" dirty="0" err="1" smtClean="0"/>
+              <a:t>SecondFragment</a:t>
+            </a:r>
+            <a:endParaRPr lang="en-US" sz="2000" kern="1200" dirty="0" smtClean="0"/>
+          </a:p>
+          <a:p>
+            <a:pPr marL="171450" lvl="0" indent="-171450" algn="ctr" defTabSz="311150">
+              <a:lnSpc>
+                <a:spcPct val="90000"/>
+              </a:lnSpc>
+              <a:spcBef>
+                <a:spcPct val="0"/>
+              </a:spcBef>
+              <a:spcAft>
+                <a:spcPct val="35000"/>
+              </a:spcAft>
+              <a:buFont typeface="Arial" charset="0"/>
+              <a:buChar char="•"/>
+            </a:pPr>
+            <a:r>
+              <a:rPr lang="en-US" sz="2000" dirty="0" smtClean="0"/>
+              <a:t>Holds the game object</a:t>
+            </a:r>
+            <a:endParaRPr lang="en-US" sz="700" kern="1200" dirty="0"/>
           </a:p>
         </p:txBody>
       </p:sp>
     </p:spTree>
     <p:extLst>
       <p:ext uri="{BB962C8B-B14F-4D97-AF65-F5344CB8AC3E}">
-        <p14:creationId xmlns:p14="http://schemas.microsoft.com/office/powerpoint/2010/main" val="368340185"/>
+        <p14:creationId xmlns:p14="http://schemas.microsoft.com/office/powerpoint/2010/main" val="705365405"/>
       </p:ext>
     </p:extLst>
   </p:cSld>
@@ -12446,7 +13456,7 @@
   <p:timing>
     <p:tnLst>
       <p:par>
-        <p:cTn xmlns:p14="http://schemas.microsoft.com/office/powerpoint/2010/main" id="1" dur="indefinite" restart="never" nodeType="tmRoot"/>
+        <p:cTn id="1" dur="indefinite" restart="never" nodeType="tmRoot"/>
       </p:par>
     </p:tnLst>
   </p:timing>
@@ -12454,6 +13464,232 @@
 </file>
 
 <file path=ppt/slides/slide31.xml><?xml version="1.0" encoding="utf-8"?>
+<p:sld xmlns:a="http://schemas.openxmlformats.org/drawingml/2006/main" xmlns:r="http://schemas.openxmlformats.org/officeDocument/2006/relationships" xmlns:p="http://schemas.openxmlformats.org/presentationml/2006/main">
+  <p:cSld>
+    <p:spTree>
+      <p:nvGrpSpPr>
+        <p:cNvPr id="1" name=""/>
+        <p:cNvGrpSpPr/>
+        <p:nvPr/>
+      </p:nvGrpSpPr>
+      <p:grpSpPr>
+        <a:xfrm>
+          <a:off x="0" y="0"/>
+          <a:ext cx="0" cy="0"/>
+          <a:chOff x="0" y="0"/>
+          <a:chExt cx="0" cy="0"/>
+        </a:xfrm>
+      </p:grpSpPr>
+      <p:sp>
+        <p:nvSpPr>
+          <p:cNvPr id="2" name="Title 1"/>
+          <p:cNvSpPr>
+            <a:spLocks noGrp="1"/>
+          </p:cNvSpPr>
+          <p:nvPr>
+            <p:ph type="title"/>
+          </p:nvPr>
+        </p:nvSpPr>
+        <p:spPr/>
+        <p:txBody>
+          <a:bodyPr>
+            <a:normAutofit fontScale="90000"/>
+          </a:bodyPr>
+          <a:lstStyle/>
+          <a:p>
+            <a:r>
+              <a:rPr lang="en-US" dirty="0" smtClean="0"/>
+              <a:t>Overview of New Code Required</a:t>
+            </a:r>
+            <a:br>
+              <a:rPr lang="en-US" dirty="0" smtClean="0"/>
+            </a:br>
+            <a:r>
+              <a:rPr lang="en-US" sz="3100" dirty="0" smtClean="0"/>
+              <a:t>(Much of it isn’t “new”, we can copy it from the non-fragment version)</a:t>
+            </a:r>
+            <a:endParaRPr lang="en-US" sz="3100" dirty="0"/>
+          </a:p>
+        </p:txBody>
+      </p:sp>
+      <p:sp>
+        <p:nvSpPr>
+          <p:cNvPr id="3" name="Content Placeholder 2"/>
+          <p:cNvSpPr>
+            <a:spLocks noGrp="1"/>
+          </p:cNvSpPr>
+          <p:nvPr>
+            <p:ph idx="1"/>
+          </p:nvPr>
+        </p:nvSpPr>
+        <p:spPr>
+          <a:xfrm>
+            <a:off x="628650" y="1825625"/>
+            <a:ext cx="7886700" cy="4509861"/>
+          </a:xfrm>
+        </p:spPr>
+        <p:txBody>
+          <a:bodyPr>
+            <a:normAutofit fontScale="85000" lnSpcReduction="20000"/>
+          </a:bodyPr>
+          <a:lstStyle/>
+          <a:p>
+            <a:r>
+              <a:rPr lang="en-US" dirty="0" err="1" smtClean="0"/>
+              <a:t>FirstActivity</a:t>
+            </a:r>
+            <a:r>
+              <a:rPr lang="en-US" dirty="0" smtClean="0"/>
+              <a:t>: nothing new</a:t>
+            </a:r>
+          </a:p>
+          <a:p>
+            <a:r>
+              <a:rPr lang="en-US" dirty="0" err="1" smtClean="0"/>
+              <a:t>FirstFragment</a:t>
+            </a:r>
+            <a:r>
+              <a:rPr lang="en-US" dirty="0" smtClean="0"/>
+              <a:t>, in </a:t>
+            </a:r>
+            <a:r>
+              <a:rPr lang="en-US" dirty="0" err="1" smtClean="0"/>
+              <a:t>onClick</a:t>
+            </a:r>
+            <a:r>
+              <a:rPr lang="en-US" dirty="0" smtClean="0"/>
+              <a:t> for the “Play” button: </a:t>
+            </a:r>
+          </a:p>
+          <a:p>
+            <a:pPr lvl="1"/>
+            <a:r>
+              <a:rPr lang="en-US" dirty="0"/>
+              <a:t>G</a:t>
+            </a:r>
+            <a:r>
+              <a:rPr lang="en-US" dirty="0" smtClean="0"/>
+              <a:t>et the player’s choice (rock, paper, or scissors) from </a:t>
+            </a:r>
+            <a:r>
+              <a:rPr lang="en-US" dirty="0" err="1" smtClean="0"/>
+              <a:t>rpsEditText</a:t>
+            </a:r>
+            <a:r>
+              <a:rPr lang="en-US" dirty="0" smtClean="0"/>
+              <a:t>, add it to the intent that will be sent to the </a:t>
+            </a:r>
+            <a:r>
+              <a:rPr lang="en-US" dirty="0" err="1" smtClean="0"/>
+              <a:t>SecondActivity</a:t>
+            </a:r>
+            <a:r>
+              <a:rPr lang="en-US" dirty="0" smtClean="0"/>
+              <a:t>.</a:t>
+            </a:r>
+          </a:p>
+          <a:p>
+            <a:r>
+              <a:rPr lang="en-US" dirty="0" err="1" smtClean="0"/>
+              <a:t>SecondActivity</a:t>
+            </a:r>
+            <a:endParaRPr lang="en-US" dirty="0" smtClean="0"/>
+          </a:p>
+          <a:p>
+            <a:pPr lvl="1"/>
+            <a:r>
+              <a:rPr lang="en-US" dirty="0" err="1" smtClean="0"/>
+              <a:t>onCreate</a:t>
+            </a:r>
+            <a:r>
+              <a:rPr lang="en-US" dirty="0" smtClean="0"/>
+              <a:t>: get the player’s choice out of the intent, put it in a </a:t>
+            </a:r>
+            <a:r>
+              <a:rPr lang="en-US" dirty="0" err="1" smtClean="0"/>
+              <a:t>RpsGame</a:t>
+            </a:r>
+            <a:r>
+              <a:rPr lang="en-US" dirty="0" smtClean="0"/>
+              <a:t> object, and pass it to the </a:t>
+            </a:r>
+            <a:r>
+              <a:rPr lang="en-US" dirty="0" err="1" smtClean="0"/>
+              <a:t>SecondFragment</a:t>
+            </a:r>
+            <a:r>
+              <a:rPr lang="en-US" dirty="0" smtClean="0"/>
+              <a:t> by calling </a:t>
+            </a:r>
+            <a:r>
+              <a:rPr lang="en-US" i="1" dirty="0" err="1"/>
+              <a:t>c</a:t>
+            </a:r>
+            <a:r>
+              <a:rPr lang="en-US" i="1" dirty="0" err="1" smtClean="0"/>
+              <a:t>omputerMove</a:t>
+            </a:r>
+            <a:r>
+              <a:rPr lang="en-US" i="1" dirty="0" smtClean="0"/>
+              <a:t>(game).</a:t>
+            </a:r>
+          </a:p>
+          <a:p>
+            <a:r>
+              <a:rPr lang="en-US" dirty="0" err="1" smtClean="0"/>
+              <a:t>SecondFragment</a:t>
+            </a:r>
+            <a:endParaRPr lang="en-US" dirty="0" smtClean="0"/>
+          </a:p>
+          <a:p>
+            <a:pPr lvl="1"/>
+            <a:r>
+              <a:rPr lang="en-US" i="1" dirty="0" err="1"/>
+              <a:t>c</a:t>
+            </a:r>
+            <a:r>
+              <a:rPr lang="en-US" i="1" dirty="0" err="1" smtClean="0"/>
+              <a:t>omputerMove</a:t>
+            </a:r>
+            <a:r>
+              <a:rPr lang="en-US" dirty="0" smtClean="0"/>
+              <a:t>: This new method contains essentially the same code that was in the </a:t>
+            </a:r>
+            <a:r>
+              <a:rPr lang="en-US" i="1" dirty="0" smtClean="0"/>
+              <a:t>play</a:t>
+            </a:r>
+            <a:r>
+              <a:rPr lang="en-US" dirty="0" smtClean="0"/>
+              <a:t> method of the single activity version of the game.</a:t>
+            </a:r>
+          </a:p>
+          <a:p>
+            <a:endParaRPr lang="en-US" dirty="0"/>
+          </a:p>
+        </p:txBody>
+      </p:sp>
+    </p:spTree>
+    <p:extLst>
+      <p:ext uri="{BB962C8B-B14F-4D97-AF65-F5344CB8AC3E}">
+        <p14:creationId xmlns:p14="http://schemas.microsoft.com/office/powerpoint/2010/main" val="4138320977"/>
+      </p:ext>
+    </p:extLst>
+  </p:cSld>
+  <p:clrMapOvr>
+    <a:masterClrMapping/>
+  </p:clrMapOvr>
+  <p:timing>
+    <p:tnLst>
+      <p:par>
+        <p:cTn id="1" dur="indefinite" restart="never" nodeType="tmRoot"/>
+      </p:par>
+    </p:tnLst>
+  </p:timing>
+</p:sld>
+</file>
+
+<file path=ppt/slides/slide32.xml><?xml version="1.0" encoding="utf-8"?>
 <p:sld xmlns:a="http://schemas.openxmlformats.org/drawingml/2006/main" xmlns:r="http://schemas.openxmlformats.org/officeDocument/2006/relationships" xmlns:p="http://schemas.openxmlformats.org/presentationml/2006/main">
   <p:cSld>
     <p:bg>
@@ -12504,11 +13740,15 @@
             </a:r>
             <a:r>
               <a:rPr lang="en-US" dirty="0"/>
-              <a:t>4</a:t>
-            </a:r>
-            <a:r>
-              <a:rPr lang="en-US" dirty="0" smtClean="0"/>
-              <a:t>: Implement Activities &amp; Fragments for Large Screens</a:t>
+              <a:t>3</a:t>
+            </a:r>
+            <a:r>
+              <a:rPr lang="en-US" dirty="0" smtClean="0"/>
+              <a:t>: </a:t>
+            </a:r>
+            <a:r>
+              <a:rPr lang="en-US" dirty="0" smtClean="0"/>
+              <a:t>Implement Activities &amp; Fragments for Large Screens</a:t>
             </a:r>
             <a:endParaRPr lang="en-US" dirty="0"/>
           </a:p>
@@ -12527,7 +13767,7 @@
         <p:spPr/>
         <p:txBody>
           <a:bodyPr>
-            <a:normAutofit fontScale="92500" lnSpcReduction="20000"/>
+            <a:normAutofit fontScale="92500"/>
           </a:bodyPr>
           <a:lstStyle/>
           <a:p>
@@ -12585,20 +13825,6 @@
             <a:r>
               <a:rPr lang="en-US" dirty="0" smtClean="0"/>
               <a:t>ameplay logic is “hooked up” so the game can be played</a:t>
-            </a:r>
-          </a:p>
-          <a:p>
-            <a:r>
-              <a:rPr lang="en-US" dirty="0" smtClean="0"/>
-              <a:t>Persistence is implemented so the game state is restored when the </a:t>
-            </a:r>
-            <a:r>
-              <a:rPr lang="en-US" dirty="0" err="1" smtClean="0"/>
-              <a:t>FirstActivity</a:t>
-            </a:r>
-            <a:r>
-              <a:rPr lang="en-US" dirty="0" smtClean="0"/>
-              <a:t> is resumed.</a:t>
             </a:r>
           </a:p>
           <a:p>
@@ -12622,207 +13848,10 @@
   <p:timing>
     <p:tnLst>
       <p:par>
-        <p:cTn xmlns:p14="http://schemas.microsoft.com/office/powerpoint/2010/main" id="1" dur="indefinite" restart="never" nodeType="tmRoot"/>
+        <p:cTn id="1" dur="indefinite" restart="never" nodeType="tmRoot"/>
       </p:par>
     </p:tnLst>
   </p:timing>
-</p:sld>
-</file>
-
-<file path=ppt/slides/slide32.xml><?xml version="1.0" encoding="utf-8"?>
-<p:sld xmlns:a="http://schemas.openxmlformats.org/drawingml/2006/main" xmlns:r="http://schemas.openxmlformats.org/officeDocument/2006/relationships" xmlns:p="http://schemas.openxmlformats.org/presentationml/2006/main">
-  <p:cSld>
-    <p:spTree>
-      <p:nvGrpSpPr>
-        <p:cNvPr id="1" name=""/>
-        <p:cNvGrpSpPr/>
-        <p:nvPr/>
-      </p:nvGrpSpPr>
-      <p:grpSpPr>
-        <a:xfrm>
-          <a:off x="0" y="0"/>
-          <a:ext cx="0" cy="0"/>
-          <a:chOff x="0" y="0"/>
-          <a:chExt cx="0" cy="0"/>
-        </a:xfrm>
-      </p:grpSpPr>
-      <p:sp>
-        <p:nvSpPr>
-          <p:cNvPr id="2" name="Title 1"/>
-          <p:cNvSpPr>
-            <a:spLocks noGrp="1"/>
-          </p:cNvSpPr>
-          <p:nvPr>
-            <p:ph type="title"/>
-          </p:nvPr>
-        </p:nvSpPr>
-        <p:spPr/>
-        <p:txBody>
-          <a:bodyPr/>
-          <a:lstStyle/>
-          <a:p>
-            <a:r>
-              <a:rPr lang="en-US" dirty="0" smtClean="0"/>
-              <a:t>Loading the fragments</a:t>
-            </a:r>
-            <a:endParaRPr lang="en-US" dirty="0"/>
-          </a:p>
-        </p:txBody>
-      </p:sp>
-      <p:sp>
-        <p:nvSpPr>
-          <p:cNvPr id="3" name="Content Placeholder 2"/>
-          <p:cNvSpPr>
-            <a:spLocks noGrp="1"/>
-          </p:cNvSpPr>
-          <p:nvPr>
-            <p:ph idx="1"/>
-          </p:nvPr>
-        </p:nvSpPr>
-        <p:spPr/>
-        <p:txBody>
-          <a:bodyPr>
-            <a:normAutofit fontScale="77500" lnSpcReduction="20000"/>
-          </a:bodyPr>
-          <a:lstStyle/>
-          <a:p>
-            <a:r>
-              <a:rPr lang="en-US" dirty="0" smtClean="0"/>
-              <a:t>In first_activity.xml (large-port):</a:t>
-            </a:r>
-          </a:p>
-          <a:p>
-            <a:pPr marL="914400" lvl="1" indent="-457200">
-              <a:buFont typeface="+mj-lt"/>
-              <a:buAutoNum type="arabicPeriod"/>
-            </a:pPr>
-            <a:r>
-              <a:rPr lang="en-US" dirty="0" smtClean="0"/>
-              <a:t>a</a:t>
-            </a:r>
-          </a:p>
-          <a:p>
-            <a:pPr marL="914400" lvl="1" indent="-457200">
-              <a:buFont typeface="+mj-lt"/>
-              <a:buAutoNum type="arabicPeriod"/>
-            </a:pPr>
-            <a:r>
-              <a:rPr lang="en-US" dirty="0"/>
-              <a:t>A</a:t>
-            </a:r>
-            <a:r>
-              <a:rPr lang="en-US" dirty="0" smtClean="0"/>
-              <a:t>dd a vertical linear layout that contains two fragment elements with the names:</a:t>
-            </a:r>
-          </a:p>
-          <a:p>
-            <a:pPr lvl="2"/>
-            <a:r>
-              <a:rPr lang="en-US" dirty="0" err="1" smtClean="0"/>
-              <a:t>FirstFragment</a:t>
-            </a:r>
-            <a:endParaRPr lang="en-US" dirty="0"/>
-          </a:p>
-          <a:p>
-            <a:pPr lvl="2"/>
-            <a:r>
-              <a:rPr lang="en-US" dirty="0" err="1" smtClean="0"/>
-              <a:t>SecondFragment</a:t>
-            </a:r>
-            <a:endParaRPr lang="en-US" dirty="0" smtClean="0"/>
-          </a:p>
-          <a:p>
-            <a:pPr marL="914400" lvl="1" indent="-457200">
-              <a:buFont typeface="+mj-lt"/>
-              <a:buAutoNum type="arabicPeriod"/>
-            </a:pPr>
-            <a:r>
-              <a:rPr lang="en-US" dirty="0" smtClean="0"/>
-              <a:t>Give each fragment a weight=“1”, width=“0dp”, and height=“</a:t>
-            </a:r>
-            <a:r>
-              <a:rPr lang="en-US" dirty="0" err="1" smtClean="0"/>
-              <a:t>match_parent</a:t>
-            </a:r>
-            <a:r>
-              <a:rPr lang="en-US" dirty="0" smtClean="0"/>
-              <a:t>”</a:t>
-            </a:r>
-          </a:p>
-          <a:p>
-            <a:r>
-              <a:rPr lang="en-US" dirty="0" smtClean="0"/>
-              <a:t>In second_activity.xml (large-land):</a:t>
-            </a:r>
-          </a:p>
-          <a:p>
-            <a:pPr marL="971550" lvl="1" indent="-514350">
-              <a:buFont typeface="+mj-lt"/>
-              <a:buAutoNum type="arabicPeriod"/>
-            </a:pPr>
-            <a:r>
-              <a:rPr lang="en-US" dirty="0" smtClean="0"/>
-              <a:t>Add a horizontal linear layout that contains two fragment elements with the same names as the one’s above.</a:t>
-            </a:r>
-            <a:endParaRPr lang="en-US" dirty="0"/>
-          </a:p>
-          <a:p>
-            <a:pPr marL="914400" lvl="1" indent="-457200">
-              <a:buFont typeface="+mj-lt"/>
-              <a:buAutoNum type="arabicPeriod"/>
-            </a:pPr>
-            <a:r>
-              <a:rPr lang="en-US" dirty="0"/>
-              <a:t>Give each fragment a weight=“1”, width</a:t>
-            </a:r>
-            <a:r>
-              <a:rPr lang="en-US" dirty="0" smtClean="0"/>
-              <a:t>=“</a:t>
-            </a:r>
-            <a:r>
-              <a:rPr lang="en-US" dirty="0" err="1"/>
-              <a:t>match_parent</a:t>
-            </a:r>
-            <a:r>
-              <a:rPr lang="en-US" dirty="0" smtClean="0"/>
-              <a:t>”, </a:t>
-            </a:r>
-            <a:r>
-              <a:rPr lang="en-US" dirty="0"/>
-              <a:t>and height</a:t>
-            </a:r>
-            <a:r>
-              <a:rPr lang="en-US" dirty="0" smtClean="0"/>
-              <a:t>=“0dp”</a:t>
-            </a:r>
-            <a:endParaRPr lang="en-US" dirty="0"/>
-          </a:p>
-          <a:p>
-            <a:pPr marL="971550" lvl="1" indent="-514350">
-              <a:buFont typeface="+mj-lt"/>
-              <a:buAutoNum type="arabicPeriod"/>
-            </a:pPr>
-            <a:endParaRPr lang="en-US" dirty="0" smtClean="0"/>
-          </a:p>
-          <a:p>
-            <a:pPr marL="971550" lvl="1" indent="-514350">
-              <a:buFont typeface="+mj-lt"/>
-              <a:buAutoNum type="arabicPeriod"/>
-            </a:pPr>
-            <a:endParaRPr lang="en-US" dirty="0"/>
-          </a:p>
-        </p:txBody>
-      </p:sp>
-    </p:spTree>
-    <p:extLst>
-      <p:ext uri="{BB962C8B-B14F-4D97-AF65-F5344CB8AC3E}">
-        <p14:creationId xmlns:p14="http://schemas.microsoft.com/office/powerpoint/2010/main" val="2231057305"/>
-      </p:ext>
-    </p:extLst>
-  </p:cSld>
-  <p:clrMapOvr>
-    <a:masterClrMapping/>
-  </p:clrMapOvr>
 </p:sld>
 </file>
 
@@ -12855,14 +13884,12 @@
         </p:nvSpPr>
         <p:spPr/>
         <p:txBody>
-          <a:bodyPr>
-            <a:normAutofit fontScale="90000"/>
-          </a:bodyPr>
+          <a:bodyPr/>
           <a:lstStyle/>
           <a:p>
             <a:r>
               <a:rPr lang="en-US" dirty="0" smtClean="0"/>
-              <a:t>Instantiate a Game Object and Make it’s State Persistent</a:t>
+              <a:t>Loading the fragments</a:t>
             </a:r>
             <a:endParaRPr lang="en-US" dirty="0"/>
           </a:p>
@@ -12881,232 +13908,156 @@
         <p:spPr/>
         <p:txBody>
           <a:bodyPr>
-            <a:normAutofit fontScale="62500" lnSpcReduction="20000"/>
+            <a:normAutofit fontScale="85000" lnSpcReduction="10000"/>
           </a:bodyPr>
           <a:lstStyle/>
           <a:p>
             <a:r>
-              <a:rPr lang="en-US" sz="3100" dirty="0" smtClean="0"/>
+              <a:rPr lang="en-US" dirty="0" smtClean="0"/>
               <a:t>In </a:t>
             </a:r>
             <a:r>
-              <a:rPr lang="en-US" sz="3100" dirty="0" err="1" smtClean="0"/>
-              <a:t>FirstActivity</a:t>
-            </a:r>
-            <a:r>
-              <a:rPr lang="en-US" sz="3100" dirty="0" smtClean="0"/>
-              <a:t>:</a:t>
-            </a:r>
-          </a:p>
-          <a:p>
-            <a:pPr lvl="1"/>
-            <a:r>
-              <a:rPr lang="en-US" sz="3100" dirty="0" smtClean="0"/>
-              <a:t>Add an instance variable to hold a reference to a game object.</a:t>
-            </a:r>
-          </a:p>
-          <a:p>
-            <a:pPr lvl="1"/>
-            <a:r>
-              <a:rPr lang="en-US" sz="3100" dirty="0"/>
-              <a:t>W</a:t>
-            </a:r>
-            <a:r>
-              <a:rPr lang="en-US" sz="3100" dirty="0" smtClean="0"/>
-              <a:t>rite a setter for it. The setter will pass the game object to the </a:t>
-            </a:r>
-            <a:r>
-              <a:rPr lang="en-US" sz="3100" dirty="0" err="1" smtClean="0"/>
-              <a:t>SecondFragment</a:t>
-            </a:r>
-            <a:r>
-              <a:rPr lang="en-US" sz="3100" dirty="0" smtClean="0"/>
-              <a:t>.</a:t>
-            </a:r>
-          </a:p>
-          <a:p>
-            <a:r>
-              <a:rPr lang="en-US" sz="3100" dirty="0" smtClean="0"/>
-              <a:t>In </a:t>
-            </a:r>
-            <a:r>
-              <a:rPr lang="en-US" sz="3100" dirty="0" err="1" smtClean="0"/>
-              <a:t>FirstFragment</a:t>
-            </a:r>
-            <a:r>
-              <a:rPr lang="en-US" sz="3100" dirty="0" smtClean="0"/>
-              <a:t>:</a:t>
-            </a:r>
-          </a:p>
-          <a:p>
-            <a:pPr lvl="1"/>
-            <a:r>
-              <a:rPr lang="en-US" sz="3100" dirty="0"/>
-              <a:t>In </a:t>
-            </a:r>
-            <a:r>
-              <a:rPr lang="en-US" sz="3100" dirty="0" err="1"/>
-              <a:t>OnActivityCreated</a:t>
-            </a:r>
-            <a:r>
-              <a:rPr lang="en-US" sz="3100" dirty="0"/>
-              <a:t>:</a:t>
-            </a:r>
-          </a:p>
-          <a:p>
-            <a:pPr marL="1371600" lvl="2" indent="-457200">
+              <a:rPr lang="en-US" dirty="0" err="1" smtClean="0"/>
+              <a:t>first_activity.xml</a:t>
+            </a:r>
+            <a:r>
+              <a:rPr lang="en-US" dirty="0" smtClean="0"/>
+              <a:t> (sw600dp-port):</a:t>
+            </a:r>
+          </a:p>
+          <a:p>
+            <a:pPr marL="914400" lvl="1" indent="-457200">
               <a:buFont typeface="+mj-lt"/>
               <a:buAutoNum type="arabicPeriod"/>
             </a:pPr>
             <a:r>
-              <a:rPr lang="en-US" sz="3100" dirty="0"/>
-              <a:t> Create a new instance of the game object.</a:t>
-            </a:r>
-          </a:p>
-          <a:p>
-            <a:pPr lvl="3"/>
-            <a:r>
-              <a:rPr lang="en-US" sz="2300" dirty="0" smtClean="0"/>
-              <a:t>If the game’s state has been saved, create the object using values from </a:t>
-            </a:r>
-            <a:r>
-              <a:rPr lang="en-US" sz="2300" dirty="0" err="1" smtClean="0"/>
-              <a:t>SavedInstanceState</a:t>
-            </a:r>
-            <a:r>
-              <a:rPr lang="en-US" sz="2300" dirty="0" smtClean="0"/>
-              <a:t>.</a:t>
-            </a:r>
-          </a:p>
-          <a:p>
-            <a:pPr lvl="3"/>
-            <a:r>
-              <a:rPr lang="en-US" sz="2300" dirty="0" smtClean="0"/>
-              <a:t>Otherwise, just create an object with default values.</a:t>
-            </a:r>
-          </a:p>
-          <a:p>
-            <a:pPr marL="1371600" lvl="2" indent="-457200">
+              <a:rPr lang="en-US" dirty="0" smtClean="0"/>
+              <a:t>Add a vertical linear layout that contains two fragment elements with the names:</a:t>
+            </a:r>
+          </a:p>
+          <a:p>
+            <a:pPr lvl="2"/>
+            <a:r>
+              <a:rPr lang="en-US" dirty="0" err="1" smtClean="0"/>
+              <a:t>FirstFragment</a:t>
+            </a:r>
+            <a:endParaRPr lang="en-US" dirty="0"/>
+          </a:p>
+          <a:p>
+            <a:pPr lvl="2"/>
+            <a:r>
+              <a:rPr lang="en-US" dirty="0" err="1" smtClean="0"/>
+              <a:t>SecondFragment</a:t>
+            </a:r>
+            <a:endParaRPr lang="en-US" dirty="0" smtClean="0"/>
+          </a:p>
+          <a:p>
+            <a:pPr marL="914400" lvl="1" indent="-457200">
               <a:buFont typeface="+mj-lt"/>
               <a:buAutoNum type="arabicPeriod"/>
             </a:pPr>
             <a:r>
-              <a:rPr lang="en-US" sz="3100" dirty="0" smtClean="0"/>
-              <a:t>Call the setter on </a:t>
-            </a:r>
-            <a:r>
-              <a:rPr lang="en-US" sz="3100" dirty="0" err="1" smtClean="0"/>
-              <a:t>FirstActivity</a:t>
-            </a:r>
-            <a:r>
-              <a:rPr lang="en-US" sz="3100" dirty="0" smtClean="0"/>
-              <a:t> to pass it a reference to the game object.</a:t>
-            </a:r>
-          </a:p>
-          <a:p>
-            <a:pPr lvl="1"/>
-            <a:r>
-              <a:rPr lang="en-US" sz="3100" dirty="0"/>
+              <a:rPr lang="en-US" dirty="0" smtClean="0"/>
+              <a:t>Give each fragment a weight=“1”, width=“0dp”, and height=“</a:t>
+            </a:r>
+            <a:r>
+              <a:rPr lang="en-US" dirty="0" err="1" smtClean="0"/>
+              <a:t>match_parent</a:t>
+            </a:r>
+            <a:r>
+              <a:rPr lang="en-US" dirty="0" smtClean="0"/>
+              <a:t>”</a:t>
+            </a:r>
+          </a:p>
+          <a:p>
+            <a:r>
+              <a:rPr lang="en-US" dirty="0" smtClean="0"/>
               <a:t>In </a:t>
             </a:r>
             <a:r>
-              <a:rPr lang="en-US" sz="3100" dirty="0" err="1"/>
-              <a:t>OnSaveInstanceState</a:t>
-            </a:r>
-            <a:r>
-              <a:rPr lang="en-US" sz="3100" dirty="0"/>
-              <a:t>:</a:t>
-            </a:r>
-          </a:p>
-          <a:p>
-            <a:pPr marL="1371600" lvl="2" indent="-457200">
+              <a:rPr lang="en-US" dirty="0" err="1" smtClean="0"/>
+              <a:t>second_activity.xml</a:t>
+            </a:r>
+            <a:r>
+              <a:rPr lang="en-US" dirty="0" smtClean="0"/>
+              <a:t> (sw600dp-land):</a:t>
+            </a:r>
+          </a:p>
+          <a:p>
+            <a:pPr marL="971550" lvl="1" indent="-514350">
               <a:buFont typeface="+mj-lt"/>
               <a:buAutoNum type="arabicPeriod"/>
             </a:pPr>
             <a:r>
-              <a:rPr lang="en-US" sz="3100" dirty="0" smtClean="0"/>
-              <a:t>Save the value stored in the game object for the </a:t>
-            </a:r>
-            <a:r>
-              <a:rPr lang="en-US" sz="3100" dirty="0" err="1" smtClean="0"/>
-              <a:t>humanHand</a:t>
-            </a:r>
-            <a:r>
-              <a:rPr lang="en-US" sz="3100" dirty="0"/>
-              <a:t/>
-            </a:r>
-            <a:br>
-              <a:rPr lang="en-US" sz="3100" dirty="0"/>
-            </a:br>
-            <a:r>
-              <a:rPr lang="en-US" sz="3100" i="1" dirty="0" err="1"/>
-              <a:t>outState.putInt</a:t>
-            </a:r>
-            <a:r>
-              <a:rPr lang="en-US" sz="3100" i="1" dirty="0"/>
-              <a:t>("</a:t>
-            </a:r>
-            <a:r>
-              <a:rPr lang="en-US" sz="3100" i="1" dirty="0" err="1"/>
-              <a:t>humanHand</a:t>
-            </a:r>
-            <a:r>
-              <a:rPr lang="en-US" sz="3100" i="1" dirty="0"/>
-              <a:t>", </a:t>
-            </a:r>
-            <a:r>
-              <a:rPr lang="en-US" sz="3100" i="1" dirty="0" err="1" smtClean="0"/>
-              <a:t>game.getHumanHand</a:t>
-            </a:r>
-            <a:r>
-              <a:rPr lang="en-US" sz="3100" i="1" dirty="0"/>
-              <a:t>().ordinal());</a:t>
-            </a:r>
-            <a:endParaRPr lang="en-US" sz="3100" i="1" dirty="0" smtClean="0"/>
-          </a:p>
-          <a:p>
-            <a:pPr marL="1371600" lvl="2" indent="-457200">
+              <a:rPr lang="en-US" dirty="0" smtClean="0"/>
+              <a:t>Add a horizontal linear layout that contains two fragment elements with the same names as the one’s above.</a:t>
+            </a:r>
+            <a:endParaRPr lang="en-US" dirty="0"/>
+          </a:p>
+          <a:p>
+            <a:pPr marL="914400" lvl="1" indent="-457200">
               <a:buFont typeface="+mj-lt"/>
               <a:buAutoNum type="arabicPeriod"/>
             </a:pPr>
             <a:r>
-              <a:rPr lang="en-US" sz="3100" dirty="0" smtClean="0"/>
-              <a:t>Save the value stored in the game object for the </a:t>
-            </a:r>
-            <a:r>
-              <a:rPr lang="en-US" sz="3100" dirty="0" err="1" smtClean="0"/>
-              <a:t>ComptuerHand</a:t>
-            </a:r>
-            <a:r>
-              <a:rPr lang="en-US" sz="3100" dirty="0" smtClean="0"/>
-              <a:t/>
-            </a:r>
-            <a:br>
-              <a:rPr lang="en-US" sz="3100" dirty="0" smtClean="0"/>
-            </a:br>
-            <a:r>
-              <a:rPr lang="en-US" sz="3100" dirty="0" smtClean="0"/>
-              <a:t>(Nearly the same code as above)</a:t>
-            </a:r>
-          </a:p>
-          <a:p>
-            <a:pPr marL="0" indent="0">
-              <a:buNone/>
+              <a:rPr lang="en-US" dirty="0"/>
+              <a:t>Give each fragment a weight=“1”, width</a:t>
+            </a:r>
+            <a:r>
+              <a:rPr lang="en-US" dirty="0" smtClean="0"/>
+              <a:t>=“</a:t>
+            </a:r>
+            <a:r>
+              <a:rPr lang="en-US" dirty="0" err="1"/>
+              <a:t>match_parent</a:t>
+            </a:r>
+            <a:r>
+              <a:rPr lang="en-US" dirty="0" smtClean="0"/>
+              <a:t>”, </a:t>
+            </a:r>
+            <a:r>
+              <a:rPr lang="en-US" dirty="0"/>
+              <a:t>and height</a:t>
+            </a:r>
+            <a:r>
+              <a:rPr lang="en-US" dirty="0" smtClean="0"/>
+              <a:t>=“0dp”</a:t>
+            </a:r>
+            <a:endParaRPr lang="en-US" dirty="0"/>
+          </a:p>
+          <a:p>
+            <a:pPr marL="971550" lvl="1" indent="-514350">
+              <a:buFont typeface="+mj-lt"/>
+              <a:buAutoNum type="arabicPeriod"/>
             </a:pPr>
             <a:endParaRPr lang="en-US" dirty="0" smtClean="0"/>
+          </a:p>
+          <a:p>
+            <a:pPr marL="971550" lvl="1" indent="-514350">
+              <a:buFont typeface="+mj-lt"/>
+              <a:buAutoNum type="arabicPeriod"/>
+            </a:pPr>
+            <a:endParaRPr lang="en-US" dirty="0"/>
           </a:p>
         </p:txBody>
       </p:sp>
     </p:spTree>
     <p:extLst>
       <p:ext uri="{BB962C8B-B14F-4D97-AF65-F5344CB8AC3E}">
-        <p14:creationId xmlns:p14="http://schemas.microsoft.com/office/powerpoint/2010/main" val="3918153528"/>
+        <p14:creationId xmlns:p14="http://schemas.microsoft.com/office/powerpoint/2010/main" val="2231057305"/>
       </p:ext>
     </p:extLst>
   </p:cSld>
   <p:clrMapOvr>
     <a:masterClrMapping/>
   </p:clrMapOvr>
+  <p:timing>
+    <p:tnLst>
+      <p:par>
+        <p:cTn id="1" dur="indefinite" restart="never" nodeType="tmRoot"/>
+      </p:par>
+    </p:tnLst>
+  </p:timing>
 </p:sld>
 </file>
 
@@ -13139,12 +14090,14 @@
         </p:nvSpPr>
         <p:spPr/>
         <p:txBody>
-          <a:bodyPr/>
+          <a:bodyPr>
+            <a:normAutofit/>
+          </a:bodyPr>
           <a:lstStyle/>
           <a:p>
             <a:r>
               <a:rPr lang="en-US" dirty="0" smtClean="0"/>
-              <a:t>Hook up the Game Object</a:t>
+              <a:t>Instantiate a Game Object</a:t>
             </a:r>
             <a:endParaRPr lang="en-US" dirty="0"/>
           </a:p>
@@ -13163,193 +14116,131 @@
         <p:spPr/>
         <p:txBody>
           <a:bodyPr>
-            <a:normAutofit fontScale="85000" lnSpcReduction="20000"/>
+            <a:normAutofit fontScale="92500" lnSpcReduction="20000"/>
           </a:bodyPr>
           <a:lstStyle/>
           <a:p>
             <a:r>
-              <a:rPr lang="en-US" dirty="0" smtClean="0"/>
+              <a:rPr lang="en-US" sz="3100" dirty="0" smtClean="0"/>
               <a:t>In </a:t>
             </a:r>
             <a:r>
-              <a:rPr lang="en-US" dirty="0" err="1" smtClean="0"/>
+              <a:rPr lang="en-US" sz="3100" dirty="0" err="1" smtClean="0"/>
               <a:t>FirstActivity</a:t>
             </a:r>
             <a:r>
-              <a:rPr lang="en-US" dirty="0" smtClean="0"/>
-              <a:t>, add a method named </a:t>
-            </a:r>
-            <a:r>
-              <a:rPr lang="en-US" dirty="0" err="1" smtClean="0"/>
-              <a:t>makeComputerMove</a:t>
-            </a:r>
-            <a:r>
-              <a:rPr lang="en-US" dirty="0" smtClean="0"/>
-              <a:t> that calls </a:t>
-            </a:r>
-            <a:r>
-              <a:rPr lang="en-US" dirty="0" err="1" smtClean="0"/>
-              <a:t>game.computerMove</a:t>
-            </a:r>
-            <a:r>
-              <a:rPr lang="en-US" dirty="0" smtClean="0"/>
-              <a:t>().</a:t>
-            </a:r>
-          </a:p>
-          <a:p>
-            <a:r>
-              <a:rPr lang="en-US" dirty="0" smtClean="0"/>
+              <a:rPr lang="en-US" sz="3100" dirty="0" smtClean="0"/>
+              <a:t>:</a:t>
+            </a:r>
+          </a:p>
+          <a:p>
+            <a:pPr lvl="1"/>
+            <a:r>
+              <a:rPr lang="en-US" sz="3100" dirty="0" smtClean="0"/>
+              <a:t>Add an instance variable to hold a reference to a game object.</a:t>
+            </a:r>
+          </a:p>
+          <a:p>
+            <a:pPr lvl="1"/>
+            <a:r>
+              <a:rPr lang="en-US" sz="3100" dirty="0"/>
+              <a:t>W</a:t>
+            </a:r>
+            <a:r>
+              <a:rPr lang="en-US" sz="3100" dirty="0" smtClean="0"/>
+              <a:t>rite a setter for it. The setter will pass the game object to the </a:t>
+            </a:r>
+            <a:r>
+              <a:rPr lang="en-US" sz="3100" dirty="0" err="1" smtClean="0"/>
+              <a:t>SecondFragment</a:t>
+            </a:r>
+            <a:r>
+              <a:rPr lang="en-US" sz="3100" dirty="0" smtClean="0"/>
+              <a:t>.</a:t>
+            </a:r>
+          </a:p>
+          <a:p>
+            <a:r>
+              <a:rPr lang="en-US" sz="3100" dirty="0" smtClean="0"/>
               <a:t>In </a:t>
             </a:r>
             <a:r>
-              <a:rPr lang="en-US" dirty="0" err="1" smtClean="0"/>
+              <a:rPr lang="en-US" sz="3100" dirty="0" err="1" smtClean="0"/>
               <a:t>FirstFragment</a:t>
             </a:r>
             <a:r>
-              <a:rPr lang="en-US" dirty="0" smtClean="0"/>
+              <a:rPr lang="en-US" sz="3100" dirty="0" smtClean="0"/>
               <a:t>:</a:t>
             </a:r>
           </a:p>
           <a:p>
             <a:pPr lvl="1"/>
             <a:r>
-              <a:rPr lang="en-US" dirty="0" smtClean="0"/>
-              <a:t>Add an instance variable for keeping track of whether the single-pane or two-pane layout is loaded.</a:t>
-            </a:r>
-          </a:p>
-          <a:p>
-            <a:pPr lvl="1"/>
-            <a:r>
-              <a:rPr lang="en-US" dirty="0" smtClean="0"/>
+              <a:rPr lang="en-US" sz="3100" dirty="0"/>
               <a:t>In </a:t>
             </a:r>
             <a:r>
-              <a:rPr lang="en-US" dirty="0" err="1" smtClean="0"/>
+              <a:rPr lang="en-US" sz="3100" dirty="0" err="1"/>
               <a:t>OnActivityCreated</a:t>
             </a:r>
             <a:r>
-              <a:rPr lang="en-US" dirty="0" smtClean="0"/>
-              <a:t>: Add a line of code to detect which layout </a:t>
-            </a:r>
-            <a:r>
-              <a:rPr lang="en-US" dirty="0"/>
-              <a:t>was loaded</a:t>
-            </a:r>
-            <a:br>
-              <a:rPr lang="en-US" dirty="0"/>
-            </a:br>
-            <a:r>
-              <a:rPr lang="en-US" dirty="0"/>
-              <a:t> </a:t>
-            </a:r>
-            <a:r>
-              <a:rPr lang="en-US" i="1" dirty="0" err="1"/>
-              <a:t>twoPaneLayout</a:t>
-            </a:r>
-            <a:r>
-              <a:rPr lang="en-US" i="1" dirty="0"/>
-              <a:t> = </a:t>
-            </a:r>
-            <a:r>
-              <a:rPr lang="en-US" i="1" dirty="0" err="1"/>
-              <a:t>activity.findViewById</a:t>
-            </a:r>
-            <a:r>
-              <a:rPr lang="en-US" i="1" dirty="0"/>
-              <a:t>(</a:t>
-            </a:r>
-            <a:r>
-              <a:rPr lang="en-US" i="1" dirty="0" err="1"/>
-              <a:t>R.id.second_fragment</a:t>
-            </a:r>
-            <a:r>
-              <a:rPr lang="en-US" i="1" dirty="0"/>
-              <a:t>) != null;</a:t>
-            </a:r>
-          </a:p>
-          <a:p>
-            <a:pPr lvl="1"/>
-            <a:r>
-              <a:rPr lang="en-US" dirty="0" smtClean="0"/>
-              <a:t>In </a:t>
-            </a:r>
-            <a:r>
-              <a:rPr lang="en-US" dirty="0" err="1" smtClean="0"/>
-              <a:t>FirstFragment</a:t>
-            </a:r>
-            <a:r>
-              <a:rPr lang="en-US" dirty="0" smtClean="0"/>
-              <a:t>, </a:t>
-            </a:r>
-            <a:r>
-              <a:rPr lang="en-US" dirty="0" err="1" smtClean="0"/>
-              <a:t>OnClick</a:t>
-            </a:r>
-            <a:r>
-              <a:rPr lang="en-US" dirty="0" smtClean="0"/>
+              <a:rPr lang="en-US" sz="3100" dirty="0"/>
               <a:t>:</a:t>
             </a:r>
-            <a:endParaRPr lang="en-US" dirty="0"/>
-          </a:p>
-          <a:p>
-            <a:pPr lvl="2"/>
-            <a:r>
-              <a:rPr lang="en-US" dirty="0" smtClean="0"/>
-              <a:t>Get input from </a:t>
-            </a:r>
-            <a:r>
-              <a:rPr lang="en-US" dirty="0" err="1" smtClean="0"/>
-              <a:t>rpsEditText</a:t>
-            </a:r>
-            <a:r>
-              <a:rPr lang="en-US" dirty="0" smtClean="0"/>
-              <a:t> and use it to set </a:t>
-            </a:r>
-            <a:r>
-              <a:rPr lang="en-US" dirty="0" err="1" smtClean="0"/>
-              <a:t>humanHand</a:t>
-            </a:r>
-            <a:r>
-              <a:rPr lang="en-US" dirty="0" smtClean="0"/>
-              <a:t> on the game object.</a:t>
-            </a:r>
-          </a:p>
-          <a:p>
-            <a:pPr lvl="2"/>
-            <a:r>
-              <a:rPr lang="en-US" dirty="0" smtClean="0"/>
-              <a:t>Call </a:t>
-            </a:r>
-            <a:r>
-              <a:rPr lang="en-US" dirty="0" err="1" smtClean="0"/>
-              <a:t>makeComputerMove</a:t>
-            </a:r>
-            <a:r>
-              <a:rPr lang="en-US" dirty="0" smtClean="0"/>
-              <a:t> in the </a:t>
-            </a:r>
-            <a:r>
-              <a:rPr lang="en-US" dirty="0" err="1" smtClean="0"/>
+          </a:p>
+          <a:p>
+            <a:pPr marL="1371600" lvl="2" indent="-457200">
+              <a:buFont typeface="+mj-lt"/>
+              <a:buAutoNum type="arabicPeriod"/>
+            </a:pPr>
+            <a:r>
+              <a:rPr lang="en-US" sz="3100" dirty="0"/>
+              <a:t> Create a new instance of the game object.</a:t>
+            </a:r>
+          </a:p>
+          <a:p>
+            <a:pPr marL="1371600" lvl="2" indent="-457200">
+              <a:buFont typeface="+mj-lt"/>
+              <a:buAutoNum type="arabicPeriod"/>
+            </a:pPr>
+            <a:r>
+              <a:rPr lang="en-US" sz="3100" dirty="0" smtClean="0"/>
+              <a:t>Call the setter on </a:t>
+            </a:r>
+            <a:r>
+              <a:rPr lang="en-US" sz="3100" dirty="0" err="1" smtClean="0"/>
               <a:t>FirstActivity</a:t>
             </a:r>
+            <a:r>
+              <a:rPr lang="en-US" sz="3100" dirty="0" smtClean="0"/>
+              <a:t> to pass it a reference to the game object.</a:t>
+            </a:r>
+          </a:p>
+          <a:p>
+            <a:pPr marL="0" indent="0">
+              <a:buNone/>
+            </a:pPr>
             <a:endParaRPr lang="en-US" dirty="0" smtClean="0"/>
-          </a:p>
-          <a:p>
-            <a:pPr lvl="2"/>
-            <a:endParaRPr lang="en-US" dirty="0"/>
           </a:p>
         </p:txBody>
       </p:sp>
     </p:spTree>
     <p:extLst>
       <p:ext uri="{BB962C8B-B14F-4D97-AF65-F5344CB8AC3E}">
-        <p14:creationId xmlns:p14="http://schemas.microsoft.com/office/powerpoint/2010/main" val="3512483413"/>
+        <p14:creationId xmlns:p14="http://schemas.microsoft.com/office/powerpoint/2010/main" val="3918153528"/>
       </p:ext>
     </p:extLst>
   </p:cSld>
   <p:clrMapOvr>
     <a:masterClrMapping/>
   </p:clrMapOvr>
+  <p:timing>
+    <p:tnLst>
+      <p:par>
+        <p:cTn id="1" dur="indefinite" restart="never" nodeType="tmRoot"/>
+      </p:par>
+    </p:tnLst>
+  </p:timing>
 </p:sld>
 </file>
 
@@ -13387,7 +14278,7 @@
           <a:p>
             <a:r>
               <a:rPr lang="en-US" dirty="0" smtClean="0"/>
-              <a:t>Implementing Persistence</a:t>
+              <a:t>Hook up the Game Object</a:t>
             </a:r>
             <a:endParaRPr lang="en-US" dirty="0"/>
           </a:p>
@@ -13406,40 +14297,37 @@
         <p:spPr/>
         <p:txBody>
           <a:bodyPr>
-            <a:normAutofit fontScale="77500" lnSpcReduction="20000"/>
+            <a:normAutofit fontScale="85000" lnSpcReduction="20000"/>
           </a:bodyPr>
           <a:lstStyle/>
           <a:p>
-            <a:pPr marL="0" indent="0">
-              <a:buNone/>
-            </a:pPr>
-            <a:r>
-              <a:rPr lang="en-US" dirty="0" smtClean="0"/>
-              <a:t>We only need to save state for </a:t>
+            <a:r>
+              <a:rPr lang="en-US" dirty="0" smtClean="0"/>
+              <a:t>In </a:t>
             </a:r>
             <a:r>
               <a:rPr lang="en-US" dirty="0" err="1" smtClean="0"/>
-              <a:t>SecondFragment</a:t>
-            </a:r>
-            <a:r>
-              <a:rPr lang="en-US" dirty="0" smtClean="0"/>
-              <a:t>, but  we’re handling persistence for both fragments in </a:t>
+              <a:t>FirstActivity</a:t>
+            </a:r>
+            <a:r>
+              <a:rPr lang="en-US" dirty="0" smtClean="0"/>
+              <a:t>, add a method named </a:t>
             </a:r>
             <a:r>
               <a:rPr lang="en-US" dirty="0" err="1" smtClean="0"/>
-              <a:t>FirstFrament</a:t>
-            </a:r>
-            <a:r>
-              <a:rPr lang="en-US" dirty="0" smtClean="0"/>
-              <a:t> since there are complications with </a:t>
+              <a:t>makeComputerMove</a:t>
+            </a:r>
+            <a:r>
+              <a:rPr lang="en-US" dirty="0" smtClean="0"/>
+              <a:t> that calls </a:t>
             </a:r>
             <a:r>
               <a:rPr lang="en-US" dirty="0" err="1" smtClean="0"/>
-              <a:t>SecondFragment’s</a:t>
-            </a:r>
-            <a:r>
-              <a:rPr lang="en-US" dirty="0" smtClean="0"/>
-              <a:t> persistence when it is loaded in a single-pane layout.</a:t>
+              <a:t>game.computerMove</a:t>
+            </a:r>
+            <a:r>
+              <a:rPr lang="en-US" dirty="0" smtClean="0"/>
+              <a:t>().</a:t>
             </a:r>
           </a:p>
           <a:p>
@@ -13460,6 +14348,13 @@
             <a:pPr lvl="1"/>
             <a:r>
               <a:rPr lang="en-US" dirty="0" smtClean="0"/>
+              <a:t>Add an instance variable for keeping track of whether the single-pane or two-pane layout is loaded.</a:t>
+            </a:r>
+          </a:p>
+          <a:p>
+            <a:pPr lvl="1"/>
+            <a:r>
+              <a:rPr lang="en-US" dirty="0" smtClean="0"/>
               <a:t>In </a:t>
             </a:r>
             <a:r>
@@ -13468,73 +14363,113 @@
             </a:r>
             <a:r>
               <a:rPr lang="en-US" dirty="0" smtClean="0"/>
-              <a:t>, restore state to the game object from </a:t>
+              <a:t>: Add a line of code to detect which layout </a:t>
+            </a:r>
+            <a:r>
+              <a:rPr lang="en-US" dirty="0"/>
+              <a:t>was loaded</a:t>
+            </a:r>
+            <a:br>
+              <a:rPr lang="en-US" dirty="0"/>
+            </a:br>
+            <a:r>
+              <a:rPr lang="en-US" dirty="0"/>
+              <a:t> </a:t>
+            </a:r>
+            <a:r>
+              <a:rPr lang="en-US" i="1" dirty="0" err="1"/>
+              <a:t>twoPaneLayout</a:t>
+            </a:r>
+            <a:r>
+              <a:rPr lang="en-US" i="1" dirty="0"/>
+              <a:t> = </a:t>
+            </a:r>
+            <a:r>
+              <a:rPr lang="en-US" i="1" dirty="0" err="1"/>
+              <a:t>activity.findViewById</a:t>
+            </a:r>
+            <a:r>
+              <a:rPr lang="en-US" i="1" dirty="0"/>
+              <a:t>(</a:t>
+            </a:r>
+            <a:r>
+              <a:rPr lang="en-US" i="1" dirty="0" err="1"/>
+              <a:t>R.id.second_fragment</a:t>
+            </a:r>
+            <a:r>
+              <a:rPr lang="en-US" i="1" dirty="0"/>
+              <a:t>) != null;</a:t>
+            </a:r>
+          </a:p>
+          <a:p>
+            <a:pPr lvl="1"/>
+            <a:r>
+              <a:rPr lang="en-US" dirty="0" smtClean="0"/>
+              <a:t>In </a:t>
             </a:r>
             <a:r>
               <a:rPr lang="en-US" dirty="0" err="1" smtClean="0"/>
-              <a:t>savedInstanceState</a:t>
-            </a:r>
-            <a:r>
-              <a:rPr lang="en-US" dirty="0" smtClean="0"/>
-              <a:t>, then pass the game object to the host Activity, which will in turn pass it to </a:t>
+              <a:t>FirstFragment</a:t>
+            </a:r>
+            <a:r>
+              <a:rPr lang="en-US" dirty="0" smtClean="0"/>
+              <a:t>, </a:t>
             </a:r>
             <a:r>
               <a:rPr lang="en-US" dirty="0" err="1" smtClean="0"/>
-              <a:t>SecondFragment</a:t>
-            </a:r>
-            <a:r>
-              <a:rPr lang="en-US" dirty="0" smtClean="0"/>
-              <a:t>.</a:t>
-            </a:r>
-          </a:p>
-          <a:p>
-            <a:pPr lvl="1"/>
-            <a:r>
-              <a:rPr lang="en-US" dirty="0" smtClean="0"/>
-              <a:t>In </a:t>
+              <a:t>OnClick</a:t>
+            </a:r>
+            <a:r>
+              <a:rPr lang="en-US" dirty="0" smtClean="0"/>
+              <a:t>:</a:t>
+            </a:r>
+            <a:endParaRPr lang="en-US" dirty="0"/>
+          </a:p>
+          <a:p>
+            <a:pPr lvl="2"/>
+            <a:r>
+              <a:rPr lang="en-US" dirty="0" smtClean="0"/>
+              <a:t>Get input from </a:t>
             </a:r>
             <a:r>
               <a:rPr lang="en-US" dirty="0" err="1" smtClean="0"/>
-              <a:t>OnSaveInstanceState</a:t>
-            </a:r>
-            <a:r>
-              <a:rPr lang="en-US" dirty="0" smtClean="0"/>
-              <a:t>, save the state of the game.</a:t>
-            </a:r>
-          </a:p>
-          <a:p>
-            <a:r>
-              <a:rPr lang="en-US" dirty="0" smtClean="0"/>
-              <a:t>In </a:t>
+              <a:t>rpsEditText</a:t>
+            </a:r>
+            <a:r>
+              <a:rPr lang="en-US" dirty="0" smtClean="0"/>
+              <a:t> and use it to set </a:t>
+            </a:r>
+            <a:r>
+              <a:rPr lang="en-US" dirty="0" err="1" smtClean="0"/>
+              <a:t>humanHand</a:t>
+            </a:r>
+            <a:r>
+              <a:rPr lang="en-US" dirty="0" smtClean="0"/>
+              <a:t> on the game object.</a:t>
+            </a:r>
+          </a:p>
+          <a:p>
+            <a:pPr lvl="2"/>
+            <a:r>
+              <a:rPr lang="en-US" dirty="0" smtClean="0"/>
+              <a:t>Call </a:t>
+            </a:r>
+            <a:r>
+              <a:rPr lang="en-US" i="1" dirty="0" err="1" smtClean="0"/>
+              <a:t>makeComputerMove</a:t>
+            </a:r>
+            <a:r>
+              <a:rPr lang="en-US" dirty="0" smtClean="0"/>
+              <a:t> in the </a:t>
             </a:r>
             <a:r>
               <a:rPr lang="en-US" dirty="0" err="1" smtClean="0"/>
               <a:t>FirstActivity</a:t>
             </a:r>
-            <a:r>
-              <a:rPr lang="en-US" dirty="0" smtClean="0"/>
-              <a:t>, detect whether </a:t>
-            </a:r>
-            <a:r>
-              <a:rPr lang="en-US" dirty="0" err="1" smtClean="0"/>
-              <a:t>SecondFragment</a:t>
-            </a:r>
-            <a:r>
-              <a:rPr lang="en-US" dirty="0" smtClean="0"/>
-              <a:t> is loaded and only call methods on </a:t>
-            </a:r>
-            <a:r>
-              <a:rPr lang="en-US" dirty="0" err="1" smtClean="0"/>
-              <a:t>SecondFragment</a:t>
-            </a:r>
-            <a:r>
-              <a:rPr lang="en-US" dirty="0" smtClean="0"/>
-              <a:t> if </a:t>
-            </a:r>
-            <a:r>
-              <a:rPr lang="en-US" smtClean="0"/>
-              <a:t>it exists.</a:t>
-            </a:r>
+            <a:endParaRPr lang="en-US" dirty="0" smtClean="0"/>
+          </a:p>
+          <a:p>
+            <a:pPr lvl="2"/>
             <a:endParaRPr lang="en-US" dirty="0"/>
           </a:p>
         </p:txBody>
@@ -13542,13 +14477,20 @@
     </p:spTree>
     <p:extLst>
       <p:ext uri="{BB962C8B-B14F-4D97-AF65-F5344CB8AC3E}">
-        <p14:creationId xmlns:p14="http://schemas.microsoft.com/office/powerpoint/2010/main" val="3108105342"/>
+        <p14:creationId xmlns:p14="http://schemas.microsoft.com/office/powerpoint/2010/main" val="3512483413"/>
       </p:ext>
     </p:extLst>
   </p:cSld>
   <p:clrMapOvr>
     <a:masterClrMapping/>
   </p:clrMapOvr>
+  <p:timing>
+    <p:tnLst>
+      <p:par>
+        <p:cTn id="1" dur="indefinite" restart="never" nodeType="tmRoot"/>
+      </p:par>
+    </p:tnLst>
+  </p:timing>
 </p:sld>
 </file>
 
@@ -13759,6 +14701,13 @@
   <p:clrMapOvr>
     <a:masterClrMapping/>
   </p:clrMapOvr>
+  <p:timing>
+    <p:tnLst>
+      <p:par>
+        <p:cTn id="1" dur="indefinite" restart="never" nodeType="tmRoot"/>
+      </p:par>
+    </p:tnLst>
+  </p:timing>
 </p:sld>
 </file>
 
@@ -13895,6 +14844,13 @@
   <p:clrMapOvr>
     <a:masterClrMapping/>
   </p:clrMapOvr>
+  <p:timing>
+    <p:tnLst>
+      <p:par>
+        <p:cTn id="1" dur="indefinite" restart="never" nodeType="tmRoot"/>
+      </p:par>
+    </p:tnLst>
+  </p:timing>
 </p:sld>
 </file>
 
@@ -13939,7 +14895,7 @@
           <a:p>
             <a:r>
               <a:rPr lang="en-US" dirty="0" smtClean="0"/>
-              <a:t>Fragments Embedded in Activities </a:t>
+              <a:t>Fragment Usage</a:t>
             </a:r>
             <a:endParaRPr lang="en-US" dirty="0"/>
           </a:p>
@@ -13963,34 +14919,12 @@
         </p:spPr>
         <p:txBody>
           <a:bodyPr>
-            <a:normAutofit fontScale="62500" lnSpcReduction="20000"/>
+            <a:normAutofit lnSpcReduction="10000"/>
           </a:bodyPr>
           <a:lstStyle/>
           <a:p>
             <a:r>
               <a:rPr lang="en-US" dirty="0" smtClean="0"/>
-              <a:t>You </a:t>
-            </a:r>
-            <a:r>
-              <a:rPr lang="en-US" dirty="0"/>
-              <a:t>can combine multiple fragments in a single activity to build a multi-pane UI </a:t>
-            </a:r>
-            <a:endParaRPr lang="en-US" dirty="0" smtClean="0"/>
-          </a:p>
-          <a:p>
-            <a:r>
-              <a:rPr lang="en-US" dirty="0" smtClean="0"/>
-              <a:t>You can reuse one or more fragments </a:t>
-            </a:r>
-            <a:r>
-              <a:rPr lang="en-US" dirty="0"/>
-              <a:t>in multiple activities. </a:t>
-            </a:r>
-            <a:endParaRPr lang="en-US" dirty="0" smtClean="0"/>
-          </a:p>
-          <a:p>
-            <a:r>
-              <a:rPr lang="en-US" dirty="0" smtClean="0"/>
               <a:t>A fragment:</a:t>
             </a:r>
           </a:p>
@@ -14048,177 +14982,59 @@
               <a:rPr lang="en-US" dirty="0" smtClean="0"/>
               <a:t>running</a:t>
             </a:r>
+          </a:p>
+          <a:p>
+            <a:r>
+              <a:rPr lang="en-US" dirty="0" smtClean="0"/>
+              <a:t>Uses:</a:t>
+            </a:r>
+          </a:p>
+          <a:p>
+            <a:pPr lvl="1"/>
+            <a:r>
+              <a:rPr lang="en-US" dirty="0" smtClean="0"/>
+              <a:t>Multi-pane </a:t>
+            </a:r>
+            <a:r>
+              <a:rPr lang="en-US" dirty="0"/>
+              <a:t>UI: You can combine multiple fragments in a single </a:t>
+            </a:r>
+            <a:r>
+              <a:rPr lang="en-US" dirty="0" smtClean="0"/>
+              <a:t>activity</a:t>
+            </a:r>
             <a:endParaRPr lang="en-US" dirty="0"/>
           </a:p>
           <a:p>
+            <a:pPr lvl="1"/>
             <a:r>
               <a:rPr lang="en-US" dirty="0"/>
-              <a:t>A fragment must always be embedded in an activity </a:t>
+              <a:t>Reuse: You can reuse one or more fragments in multiple activities. </a:t>
             </a:r>
           </a:p>
           <a:p>
             <a:pPr lvl="1"/>
-            <a:r>
-              <a:rPr lang="en-US" dirty="0" smtClean="0"/>
-              <a:t>the </a:t>
-            </a:r>
-            <a:r>
-              <a:rPr lang="en-US" dirty="0"/>
-              <a:t>fragment's lifecycle is directly affected by the host activity's </a:t>
-            </a:r>
-            <a:r>
-              <a:rPr lang="en-US" dirty="0" smtClean="0"/>
-              <a:t>lifecycle</a:t>
-            </a:r>
-          </a:p>
-          <a:p>
-            <a:pPr lvl="2"/>
-            <a:r>
-              <a:rPr lang="en-US" dirty="0" smtClean="0"/>
-              <a:t>when </a:t>
-            </a:r>
-            <a:r>
-              <a:rPr lang="en-US" dirty="0"/>
-              <a:t>the activity is paused, so are all fragments in </a:t>
-            </a:r>
-            <a:r>
-              <a:rPr lang="en-US" dirty="0" smtClean="0"/>
-              <a:t>it</a:t>
-            </a:r>
             <a:endParaRPr lang="en-US" dirty="0"/>
-          </a:p>
-          <a:p>
-            <a:pPr lvl="2"/>
-            <a:r>
-              <a:rPr lang="en-US" dirty="0" smtClean="0"/>
-              <a:t>when </a:t>
-            </a:r>
-            <a:r>
-              <a:rPr lang="en-US" dirty="0"/>
-              <a:t>the activity is destroyed, so are all </a:t>
-            </a:r>
-            <a:r>
-              <a:rPr lang="en-US" dirty="0" smtClean="0"/>
-              <a:t>fragments</a:t>
-            </a:r>
-            <a:endParaRPr lang="en-US" dirty="0"/>
-          </a:p>
-          <a:p>
-            <a:r>
-              <a:rPr lang="en-US" dirty="0" smtClean="0"/>
-              <a:t>The fragment lives </a:t>
-            </a:r>
-            <a:r>
-              <a:rPr lang="en-US" dirty="0"/>
-              <a:t>in a </a:t>
-            </a:r>
-            <a:r>
-              <a:rPr lang="en-US" dirty="0" err="1" smtClean="0"/>
-              <a:t>ViewGroup</a:t>
-            </a:r>
-            <a:r>
-              <a:rPr lang="en-US" dirty="0" smtClean="0"/>
-              <a:t> (layout) </a:t>
-            </a:r>
-            <a:r>
-              <a:rPr lang="en-US" dirty="0"/>
-              <a:t>inside the activity's view </a:t>
-            </a:r>
-            <a:r>
-              <a:rPr lang="en-US" dirty="0" smtClean="0"/>
-              <a:t>hierarchy</a:t>
-            </a:r>
-          </a:p>
-          <a:p>
-            <a:pPr lvl="1"/>
-            <a:r>
-              <a:rPr lang="en-US" dirty="0"/>
-              <a:t>T</a:t>
-            </a:r>
-            <a:r>
-              <a:rPr lang="en-US" dirty="0" smtClean="0"/>
-              <a:t>he </a:t>
-            </a:r>
-            <a:r>
-              <a:rPr lang="en-US" dirty="0"/>
-              <a:t>fragment </a:t>
-            </a:r>
-            <a:r>
-              <a:rPr lang="en-US" dirty="0" smtClean="0"/>
-              <a:t>defines </a:t>
-            </a:r>
-            <a:r>
-              <a:rPr lang="en-US" dirty="0"/>
-              <a:t>its own view </a:t>
-            </a:r>
-            <a:r>
-              <a:rPr lang="en-US" dirty="0" smtClean="0"/>
-              <a:t>layout</a:t>
-            </a:r>
-          </a:p>
-          <a:p>
-            <a:pPr lvl="1"/>
-            <a:r>
-              <a:rPr lang="en-US" dirty="0" smtClean="0"/>
-              <a:t>You </a:t>
-            </a:r>
-            <a:r>
-              <a:rPr lang="en-US" dirty="0"/>
-              <a:t>can insert a fragment into your activity layout </a:t>
-            </a:r>
-            <a:r>
-              <a:rPr lang="en-US" dirty="0" smtClean="0"/>
-              <a:t>by:</a:t>
-            </a:r>
-          </a:p>
-          <a:p>
-            <a:pPr lvl="2"/>
-            <a:r>
-              <a:rPr lang="en-US" dirty="0" smtClean="0"/>
-              <a:t>Declaring </a:t>
-            </a:r>
-            <a:r>
-              <a:rPr lang="en-US" dirty="0"/>
-              <a:t>the fragment in the activity's layout file, as a &lt;fragment&gt; element, </a:t>
-            </a:r>
-            <a:endParaRPr lang="en-US" dirty="0" smtClean="0"/>
-          </a:p>
-          <a:p>
-            <a:pPr lvl="2"/>
-            <a:r>
-              <a:rPr lang="en-US" dirty="0"/>
-              <a:t>O</a:t>
-            </a:r>
-            <a:r>
-              <a:rPr lang="en-US" dirty="0" smtClean="0"/>
-              <a:t>r </a:t>
-            </a:r>
-            <a:r>
-              <a:rPr lang="en-US" dirty="0"/>
-              <a:t>from your application code by adding it to an existing </a:t>
-            </a:r>
-            <a:r>
-              <a:rPr lang="en-US" dirty="0" err="1"/>
-              <a:t>ViewGroup</a:t>
-            </a:r>
-            <a:r>
-              <a:rPr lang="en-US" dirty="0"/>
-              <a:t>. </a:t>
-            </a:r>
-            <a:endParaRPr lang="en-US" dirty="0" smtClean="0"/>
           </a:p>
         </p:txBody>
       </p:sp>
     </p:spTree>
     <p:extLst>
       <p:ext uri="{BB962C8B-B14F-4D97-AF65-F5344CB8AC3E}">
-        <p14:creationId xmlns:p14="http://schemas.microsoft.com/office/powerpoint/2010/main" val="617097744"/>
+        <p14:creationId xmlns:p14="http://schemas.microsoft.com/office/powerpoint/2010/main" val="1179469239"/>
       </p:ext>
     </p:extLst>
   </p:cSld>
   <p:clrMapOvr>
     <a:masterClrMapping/>
   </p:clrMapOvr>
+  <p:timing>
+    <p:tnLst>
+      <p:par>
+        <p:cTn id="1" dur="indefinite" restart="never" nodeType="tmRoot"/>
+      </p:par>
+    </p:tnLst>
+  </p:timing>
 </p:sld>
 </file>
 
@@ -14241,6 +15057,265 @@
       </p:grpSpPr>
       <p:sp>
         <p:nvSpPr>
+          <p:cNvPr id="2" name="Title 1"/>
+          <p:cNvSpPr>
+            <a:spLocks noGrp="1"/>
+          </p:cNvSpPr>
+          <p:nvPr>
+            <p:ph type="title"/>
+          </p:nvPr>
+        </p:nvSpPr>
+        <p:spPr>
+          <a:xfrm>
+            <a:off x="457200" y="274638"/>
+            <a:ext cx="8229600" cy="760177"/>
+          </a:xfrm>
+        </p:spPr>
+        <p:txBody>
+          <a:bodyPr>
+            <a:normAutofit fontScale="90000"/>
+          </a:bodyPr>
+          <a:lstStyle/>
+          <a:p>
+            <a:r>
+              <a:rPr lang="en-US" dirty="0" smtClean="0"/>
+              <a:t>Fragments Embedded in Activities </a:t>
+            </a:r>
+            <a:endParaRPr lang="en-US" dirty="0"/>
+          </a:p>
+        </p:txBody>
+      </p:sp>
+      <p:sp>
+        <p:nvSpPr>
+          <p:cNvPr id="3" name="Content Placeholder 2"/>
+          <p:cNvSpPr>
+            <a:spLocks noGrp="1"/>
+          </p:cNvSpPr>
+          <p:nvPr>
+            <p:ph idx="1"/>
+          </p:nvPr>
+        </p:nvSpPr>
+        <p:spPr>
+          <a:xfrm>
+            <a:off x="457200" y="1288816"/>
+            <a:ext cx="8229600" cy="4837348"/>
+          </a:xfrm>
+        </p:spPr>
+        <p:txBody>
+          <a:bodyPr>
+            <a:normAutofit fontScale="92500" lnSpcReduction="20000"/>
+          </a:bodyPr>
+          <a:lstStyle/>
+          <a:p>
+            <a:r>
+              <a:rPr lang="en-US" dirty="0" smtClean="0"/>
+              <a:t>A </a:t>
+            </a:r>
+            <a:r>
+              <a:rPr lang="en-US" dirty="0"/>
+              <a:t>fragment must always be embedded in an </a:t>
+            </a:r>
+            <a:r>
+              <a:rPr lang="en-US" dirty="0" smtClean="0"/>
+              <a:t>activity. </a:t>
+            </a:r>
+          </a:p>
+          <a:p>
+            <a:pPr lvl="1"/>
+            <a:r>
+              <a:rPr lang="en-US" dirty="0" smtClean="0"/>
+              <a:t>when </a:t>
+            </a:r>
+            <a:r>
+              <a:rPr lang="en-US" dirty="0"/>
+              <a:t>the activity is paused, so are all fragments in </a:t>
+            </a:r>
+            <a:r>
+              <a:rPr lang="en-US" dirty="0" smtClean="0"/>
+              <a:t>it</a:t>
+            </a:r>
+            <a:endParaRPr lang="en-US" dirty="0"/>
+          </a:p>
+          <a:p>
+            <a:pPr lvl="1"/>
+            <a:r>
+              <a:rPr lang="en-US" dirty="0" smtClean="0"/>
+              <a:t>when </a:t>
+            </a:r>
+            <a:r>
+              <a:rPr lang="en-US" dirty="0"/>
+              <a:t>the activity is destroyed, so are </a:t>
+            </a:r>
+            <a:r>
+              <a:rPr lang="en-US" dirty="0" smtClean="0"/>
+              <a:t>the fragments</a:t>
+            </a:r>
+            <a:endParaRPr lang="en-US" dirty="0"/>
+          </a:p>
+          <a:p>
+            <a:r>
+              <a:rPr lang="en-US" dirty="0" smtClean="0"/>
+              <a:t>The fragment lives </a:t>
+            </a:r>
+            <a:r>
+              <a:rPr lang="en-US" dirty="0"/>
+              <a:t>in a </a:t>
+            </a:r>
+            <a:r>
+              <a:rPr lang="en-US" dirty="0" err="1" smtClean="0"/>
+              <a:t>ViewGroup</a:t>
+            </a:r>
+            <a:r>
+              <a:rPr lang="en-US" dirty="0" smtClean="0"/>
+              <a:t> (layout) </a:t>
+            </a:r>
+            <a:r>
+              <a:rPr lang="en-US" dirty="0"/>
+              <a:t>inside the activity's view </a:t>
+            </a:r>
+            <a:r>
+              <a:rPr lang="en-US" dirty="0" smtClean="0"/>
+              <a:t>hierarchy</a:t>
+            </a:r>
+          </a:p>
+          <a:p>
+            <a:pPr lvl="1"/>
+            <a:r>
+              <a:rPr lang="en-US" dirty="0"/>
+              <a:t>T</a:t>
+            </a:r>
+            <a:r>
+              <a:rPr lang="en-US" dirty="0" smtClean="0"/>
+              <a:t>he </a:t>
+            </a:r>
+            <a:r>
+              <a:rPr lang="en-US" dirty="0"/>
+              <a:t>fragment </a:t>
+            </a:r>
+            <a:r>
+              <a:rPr lang="en-US" dirty="0" smtClean="0"/>
+              <a:t>class defines </a:t>
+            </a:r>
+            <a:r>
+              <a:rPr lang="en-US" dirty="0"/>
+              <a:t>its own </a:t>
+            </a:r>
+            <a:r>
+              <a:rPr lang="en-US" dirty="0" smtClean="0"/>
+              <a:t>UI layout in either Java or XML</a:t>
+            </a:r>
+          </a:p>
+          <a:p>
+            <a:pPr lvl="1"/>
+            <a:r>
+              <a:rPr lang="en-US" dirty="0" smtClean="0"/>
+              <a:t>You </a:t>
+            </a:r>
+            <a:r>
+              <a:rPr lang="en-US" dirty="0"/>
+              <a:t>can insert a fragment into your activity layout </a:t>
+            </a:r>
+            <a:r>
+              <a:rPr lang="en-US" dirty="0" smtClean="0"/>
+              <a:t>by:</a:t>
+            </a:r>
+          </a:p>
+          <a:p>
+            <a:pPr lvl="2"/>
+            <a:r>
+              <a:rPr lang="en-US" dirty="0" smtClean="0"/>
+              <a:t>Declaring </a:t>
+            </a:r>
+            <a:r>
+              <a:rPr lang="en-US" dirty="0"/>
+              <a:t>the fragment in the activity's </a:t>
+            </a:r>
+            <a:r>
+              <a:rPr lang="en-US" dirty="0" smtClean="0"/>
+              <a:t>XML layout </a:t>
+            </a:r>
+            <a:r>
+              <a:rPr lang="en-US" dirty="0"/>
+              <a:t>file, as a &lt;fragment&gt; element, </a:t>
+            </a:r>
+            <a:endParaRPr lang="en-US" dirty="0" smtClean="0"/>
+          </a:p>
+          <a:p>
+            <a:pPr lvl="2"/>
+            <a:r>
+              <a:rPr lang="en-US" dirty="0"/>
+              <a:t>O</a:t>
+            </a:r>
+            <a:r>
+              <a:rPr lang="en-US" dirty="0" smtClean="0"/>
+              <a:t>r </a:t>
+            </a:r>
+            <a:r>
+              <a:rPr lang="en-US" dirty="0"/>
+              <a:t>from your </a:t>
+            </a:r>
+            <a:r>
+              <a:rPr lang="en-US" dirty="0" smtClean="0"/>
+              <a:t>Java application </a:t>
+            </a:r>
+            <a:r>
+              <a:rPr lang="en-US" dirty="0"/>
+              <a:t>code by adding it to an existing </a:t>
+            </a:r>
+            <a:r>
+              <a:rPr lang="en-US" dirty="0" err="1" smtClean="0"/>
+              <a:t>ViewGroup</a:t>
+            </a:r>
+            <a:r>
+              <a:rPr lang="en-US" dirty="0"/>
+              <a:t> </a:t>
+            </a:r>
+            <a:r>
+              <a:rPr lang="en-US" dirty="0" smtClean="0"/>
+              <a:t>(layout). </a:t>
+            </a:r>
+          </a:p>
+        </p:txBody>
+      </p:sp>
+    </p:spTree>
+    <p:extLst>
+      <p:ext uri="{BB962C8B-B14F-4D97-AF65-F5344CB8AC3E}">
+        <p14:creationId xmlns:p14="http://schemas.microsoft.com/office/powerpoint/2010/main" val="617097744"/>
+      </p:ext>
+    </p:extLst>
+  </p:cSld>
+  <p:clrMapOvr>
+    <a:masterClrMapping/>
+  </p:clrMapOvr>
+  <p:timing>
+    <p:tnLst>
+      <p:par>
+        <p:cTn id="1" dur="indefinite" restart="never" nodeType="tmRoot"/>
+      </p:par>
+    </p:tnLst>
+  </p:timing>
+</p:sld>
+</file>
+
+<file path=ppt/slides/slide7.xml><?xml version="1.0" encoding="utf-8"?>
+<p:sld xmlns:a="http://schemas.openxmlformats.org/drawingml/2006/main" xmlns:r="http://schemas.openxmlformats.org/officeDocument/2006/relationships" xmlns:p="http://schemas.openxmlformats.org/presentationml/2006/main">
+  <p:cSld>
+    <p:spTree>
+      <p:nvGrpSpPr>
+        <p:cNvPr id="1" name=""/>
+        <p:cNvGrpSpPr/>
+        <p:nvPr/>
+      </p:nvGrpSpPr>
+      <p:grpSpPr>
+        <a:xfrm>
+          <a:off x="0" y="0"/>
+          <a:ext cx="0" cy="0"/>
+          <a:chOff x="0" y="0"/>
+          <a:chExt cx="0" cy="0"/>
+        </a:xfrm>
+      </p:grpSpPr>
+      <p:sp>
+        <p:nvSpPr>
           <p:cNvPr id="4" name="Date Placeholder 1"/>
           <p:cNvSpPr>
             <a:spLocks noGrp="1"/>
@@ -14343,7 +15418,7 @@
               <a:pPr algn="r">
                 <a:defRPr/>
               </a:pPr>
-              <a:t>6</a:t>
+              <a:t>7</a:t>
             </a:fld>
             <a:endParaRPr lang="en-US" sz="900">
               <a:latin typeface="Arial Narrow" pitchFamily="34" charset="0"/>
@@ -14373,7 +15448,7 @@
           <a:graphicData uri="http://schemas.openxmlformats.org/presentationml/2006/ole">
             <mc:AlternateContent xmlns:mc="http://schemas.openxmlformats.org/markup-compatibility/2006">
               <mc:Choice xmlns:v="urn:schemas-microsoft-com:vml" Requires="v">
-                <p:oleObj spid="_x0000_s1026" name="Document" r:id="rId3" imgW="6965729" imgH="444809" progId="Word.Document.12">
+                <p:oleObj spid="_x0000_s1049" name="Document" r:id="rId3" imgW="6965729" imgH="444809" progId="Word.Document.12">
                   <p:embed/>
                 </p:oleObj>
               </mc:Choice>
@@ -14440,7 +15515,7 @@
           </a:ln>
           <a:extLst>
             <a:ext uri="{53640926-AAD7-44d8-BBD7-CCE9431645EC}">
-              <a14:shadowObscured xmlns:a14="http://schemas.microsoft.com/office/drawing/2010/main"/>
+              <a14:shadowObscured xmlns="" xmlns:a14="http://schemas.microsoft.com/office/drawing/2010/main"/>
             </a:ext>
           </a:extLst>
         </p:spPr>
@@ -14455,10 +15530,17 @@
   <p:clrMapOvr>
     <a:masterClrMapping/>
   </p:clrMapOvr>
+  <p:timing>
+    <p:tnLst>
+      <p:par>
+        <p:cTn id="1" dur="indefinite" restart="never" nodeType="tmRoot"/>
+      </p:par>
+    </p:tnLst>
+  </p:timing>
 </p:sld>
 </file>
 
-<file path=ppt/slides/slide7.xml><?xml version="1.0" encoding="utf-8"?>
+<file path=ppt/slides/slide8.xml><?xml version="1.0" encoding="utf-8"?>
 <p:sld xmlns:a="http://schemas.openxmlformats.org/drawingml/2006/main" xmlns:r="http://schemas.openxmlformats.org/officeDocument/2006/relationships" xmlns:p="http://schemas.openxmlformats.org/presentationml/2006/main">
   <p:cSld>
     <p:spTree>
@@ -14687,20 +15769,20 @@
           </a:lstStyle>
           <a:p>
             <a:r>
-              <a:rPr lang="en-US" smtClean="0"/>
-              <a:t>An app will use fragments that are subclasses of Fragment</a:t>
-            </a:r>
-          </a:p>
-          <a:p>
-            <a:r>
-              <a:rPr lang="en-US" smtClean="0"/>
-              <a:t>The Fragment’s UI can be declared in AXML or programmatically</a:t>
-            </a:r>
-          </a:p>
-          <a:p>
-            <a:r>
-              <a:rPr lang="en-US" smtClean="0"/>
-              <a:t>Fragment UIs are declared just like Activity UIs</a:t>
+              <a:rPr lang="en-US" dirty="0" smtClean="0"/>
+              <a:t>Declare fragments as subclasses of Fragment</a:t>
+            </a:r>
+          </a:p>
+          <a:p>
+            <a:r>
+              <a:rPr lang="en-US" dirty="0" smtClean="0"/>
+              <a:t>The Fragment’s UI can be declared in XML or programmatically in Java</a:t>
+            </a:r>
+          </a:p>
+          <a:p>
+            <a:r>
+              <a:rPr lang="en-US" dirty="0" smtClean="0"/>
+              <a:t>Fragment UIs are declared in exactly the same was as Activity UIs</a:t>
             </a:r>
           </a:p>
           <a:p>
@@ -14718,10 +15800,17 @@
   <p:clrMapOvr>
     <a:masterClrMapping/>
   </p:clrMapOvr>
+  <p:timing>
+    <p:tnLst>
+      <p:par>
+        <p:cTn id="1" dur="indefinite" restart="never" nodeType="tmRoot"/>
+      </p:par>
+    </p:tnLst>
+  </p:timing>
 </p:sld>
 </file>
 
-<file path=ppt/slides/slide8.xml><?xml version="1.0" encoding="utf-8"?>
+<file path=ppt/slides/slide9.xml><?xml version="1.0" encoding="utf-8"?>
 <p:sld xmlns:a="http://schemas.openxmlformats.org/drawingml/2006/main" xmlns:r="http://schemas.openxmlformats.org/officeDocument/2006/relationships" xmlns:p="http://schemas.openxmlformats.org/presentationml/2006/main">
   <p:cSld>
     <p:spTree>
@@ -14950,20 +16039,20 @@
           </a:lstStyle>
           <a:p>
             <a:r>
-              <a:rPr lang="en-US" smtClean="0"/>
+              <a:rPr lang="en-US" dirty="0" smtClean="0"/>
               <a:t>Fragments are loaded into an Activity at runtime</a:t>
             </a:r>
           </a:p>
           <a:p>
             <a:r>
-              <a:rPr lang="en-US" smtClean="0"/>
-              <a:t>The Fragment to load can be determined programmatically by the Activity’s C# code</a:t>
-            </a:r>
-          </a:p>
-          <a:p>
-            <a:r>
-              <a:rPr lang="en-US" smtClean="0"/>
-              <a:t>Or the Fragment’s name can be hard-coded into the AXML loaded by the Activity</a:t>
+              <a:rPr lang="en-US" dirty="0" smtClean="0"/>
+              <a:t>The Fragment to be loaded can be determined programmatically by the Activity’s Java code</a:t>
+            </a:r>
+          </a:p>
+          <a:p>
+            <a:r>
+              <a:rPr lang="en-US" dirty="0" smtClean="0"/>
+              <a:t>Or the Fragment’s name can be hard-coded into the XML layout that is loaded by the Activity</a:t>
             </a:r>
             <a:endParaRPr lang="en-US" dirty="0"/>
           </a:p>
@@ -14979,146 +16068,13 @@
   <p:clrMapOvr>
     <a:masterClrMapping/>
   </p:clrMapOvr>
-</p:sld>
-</file>
-
-<file path=ppt/slides/slide9.xml><?xml version="1.0" encoding="utf-8"?>
-<p:sld xmlns:a="http://schemas.openxmlformats.org/drawingml/2006/main" xmlns:r="http://schemas.openxmlformats.org/officeDocument/2006/relationships" xmlns:p="http://schemas.openxmlformats.org/presentationml/2006/main">
-  <p:cSld>
-    <p:spTree>
-      <p:nvGrpSpPr>
-        <p:cNvPr id="1" name=""/>
-        <p:cNvGrpSpPr/>
-        <p:nvPr/>
-      </p:nvGrpSpPr>
-      <p:grpSpPr>
-        <a:xfrm>
-          <a:off x="0" y="0"/>
-          <a:ext cx="0" cy="0"/>
-          <a:chOff x="0" y="0"/>
-          <a:chExt cx="0" cy="0"/>
-        </a:xfrm>
-      </p:grpSpPr>
-      <p:sp>
-        <p:nvSpPr>
-          <p:cNvPr id="2" name="Title 1"/>
-          <p:cNvSpPr txBox="1">
-            <a:spLocks/>
-          </p:cNvSpPr>
-          <p:nvPr/>
-        </p:nvSpPr>
-        <p:spPr>
-          <a:xfrm>
-            <a:off x="457200" y="457200"/>
-            <a:ext cx="8229600" cy="1143000"/>
-          </a:xfrm>
-          <a:prstGeom prst="rect">
-            <a:avLst/>
-          </a:prstGeom>
-        </p:spPr>
-        <p:txBody>
-          <a:bodyPr/>
-          <a:lstStyle>
-            <a:lvl1pPr algn="ctr" defTabSz="457200" rtl="0" eaLnBrk="1" latinLnBrk="0" hangingPunct="1">
-              <a:spcBef>
-                <a:spcPct val="0"/>
-              </a:spcBef>
-              <a:buNone/>
-              <a:defRPr sz="4400" kern="1200">
-                <a:solidFill>
-                  <a:schemeClr val="tx1"/>
-                </a:solidFill>
-                <a:latin typeface="+mj-lt"/>
-                <a:ea typeface="+mj-ea"/>
-                <a:cs typeface="+mj-cs"/>
-              </a:defRPr>
-            </a:lvl1pPr>
-          </a:lstStyle>
-          <a:p>
-            <a:r>
-              <a:rPr lang="en-US" smtClean="0">
-                <a:solidFill>
-                  <a:srgbClr val="0000FF"/>
-                </a:solidFill>
-              </a:rPr>
-              <a:t>Small Screen</a:t>
-            </a:r>
-            <a:endParaRPr lang="en-US" dirty="0">
-              <a:solidFill>
-                <a:srgbClr val="0000FF"/>
-              </a:solidFill>
-            </a:endParaRPr>
-          </a:p>
-        </p:txBody>
-      </p:sp>
-      <p:sp>
-        <p:nvSpPr>
-          <p:cNvPr id="3" name="TextBox 2"/>
-          <p:cNvSpPr txBox="1"/>
-          <p:nvPr/>
-        </p:nvSpPr>
-        <p:spPr>
-          <a:xfrm>
-            <a:off x="1364074" y="1460794"/>
-            <a:ext cx="7322726" cy="523220"/>
-          </a:xfrm>
-          <a:prstGeom prst="rect">
-            <a:avLst/>
-          </a:prstGeom>
-          <a:noFill/>
-        </p:spPr>
-        <p:txBody>
-          <a:bodyPr wrap="square" rtlCol="0">
-            <a:spAutoFit/>
-          </a:bodyPr>
-          <a:lstStyle/>
-          <a:p>
-            <a:r>
-              <a:rPr lang="en-US" sz="2800" dirty="0" smtClean="0"/>
-              <a:t>Each activity loads a single </a:t>
-            </a:r>
-            <a:r>
-              <a:rPr lang="en-US" sz="2800" dirty="0" smtClean="0"/>
-              <a:t>fragment</a:t>
-            </a:r>
-            <a:endParaRPr lang="en-US" sz="2800" dirty="0"/>
-          </a:p>
-        </p:txBody>
-      </p:sp>
-      <p:graphicFrame>
-        <p:nvGraphicFramePr>
-          <p:cNvPr id="4" name="Content Placeholder 3"/>
-          <p:cNvGraphicFramePr>
-            <a:graphicFrameLocks/>
-          </p:cNvGraphicFramePr>
-          <p:nvPr>
-            <p:extLst>
-              <p:ext uri="{D42A27DB-BD31-4B8C-83A1-F6EECF244321}">
-                <p14:modId xmlns:p14="http://schemas.microsoft.com/office/powerpoint/2010/main" val="3051092597"/>
-              </p:ext>
-            </p:extLst>
-          </p:nvPr>
-        </p:nvGraphicFramePr>
-        <p:xfrm>
-          <a:off x="457200" y="2128196"/>
-          <a:ext cx="8229600" cy="4299969"/>
-        </p:xfrm>
-        <a:graphic>
-          <a:graphicData uri="http://schemas.openxmlformats.org/drawingml/2006/diagram">
-            <dgm:relIds xmlns:dgm="http://schemas.openxmlformats.org/drawingml/2006/diagram" xmlns:r="http://schemas.openxmlformats.org/officeDocument/2006/relationships" r:dm="rId2" r:lo="rId3" r:qs="rId4" r:cs="rId5"/>
-          </a:graphicData>
-        </a:graphic>
-      </p:graphicFrame>
-    </p:spTree>
-    <p:extLst>
-      <p:ext uri="{BB962C8B-B14F-4D97-AF65-F5344CB8AC3E}">
-        <p14:creationId xmlns:p14="http://schemas.microsoft.com/office/powerpoint/2010/main" val="998109054"/>
-      </p:ext>
-    </p:extLst>
-  </p:cSld>
-  <p:clrMapOvr>
-    <a:masterClrMapping/>
-  </p:clrMapOvr>
+  <p:timing>
+    <p:tnLst>
+      <p:par>
+        <p:cTn id="1" dur="indefinite" restart="never" nodeType="tmRoot"/>
+      </p:par>
+    </p:tnLst>
+  </p:timing>
 </p:sld>
 </file>
 

--- a/Notes and Slides/CIS399Wk2Day5-Fragments.pptx
+++ b/Notes and Slides/CIS399Wk2Day5-Fragments.pptx
@@ -929,10 +929,9 @@
         <a:lstStyle/>
         <a:p>
           <a:r>
-            <a:rPr lang="en-US" dirty="0" smtClean="0"/>
+            <a:rPr lang="en-US" dirty="0"/>
             <a:t>Activity XML layout: instantiates a Fragment object</a:t>
           </a:r>
-          <a:endParaRPr lang="en-US" dirty="0"/>
         </a:p>
       </dgm:t>
     </dgm:pt>
@@ -972,10 +971,9 @@
         <a:lstStyle/>
         <a:p>
           <a:r>
-            <a:rPr lang="en-US" dirty="0" smtClean="0"/>
+            <a:rPr lang="en-US" dirty="0"/>
             <a:t>Fragment object: inflates fragment XML UI layout</a:t>
           </a:r>
-          <a:endParaRPr lang="en-US" dirty="0"/>
         </a:p>
       </dgm:t>
     </dgm:pt>
@@ -1015,10 +1013,9 @@
         <a:lstStyle/>
         <a:p>
           <a:r>
-            <a:rPr lang="en-US" dirty="0" smtClean="0"/>
+            <a:rPr lang="en-US" dirty="0"/>
             <a:t>Fragment XML UI layout is displayed by the activity</a:t>
           </a:r>
-          <a:endParaRPr lang="en-US" dirty="0"/>
         </a:p>
       </dgm:t>
     </dgm:pt>
@@ -1058,10 +1055,9 @@
         <a:lstStyle/>
         <a:p>
           <a:r>
-            <a:rPr lang="en-US" dirty="0" smtClean="0"/>
+            <a:rPr lang="en-US" dirty="0"/>
             <a:t>Activity: loads an XML layout</a:t>
           </a:r>
-          <a:endParaRPr lang="en-US" dirty="0"/>
         </a:p>
       </dgm:t>
     </dgm:pt>
@@ -1102,35 +1098,14 @@
         </dgm:presLayoutVars>
       </dgm:prSet>
       <dgm:spPr/>
-      <dgm:t>
-        <a:bodyPr/>
-        <a:lstStyle/>
-        <a:p>
-          <a:endParaRPr lang="en-US"/>
-        </a:p>
-      </dgm:t>
     </dgm:pt>
     <dgm:pt modelId="{0F1A5BE7-A71F-8640-BF06-45FF71F56605}" type="pres">
       <dgm:prSet presAssocID="{31D9515E-CD53-DC47-B5F6-7ACA25DC1715}" presName="sibTrans" presStyleLbl="sibTrans2D1" presStyleIdx="0" presStyleCnt="3"/>
       <dgm:spPr/>
-      <dgm:t>
-        <a:bodyPr/>
-        <a:lstStyle/>
-        <a:p>
-          <a:endParaRPr lang="en-US"/>
-        </a:p>
-      </dgm:t>
     </dgm:pt>
     <dgm:pt modelId="{6BEFCE15-DF21-C74F-978D-85F916CB86E5}" type="pres">
       <dgm:prSet presAssocID="{31D9515E-CD53-DC47-B5F6-7ACA25DC1715}" presName="connectorText" presStyleLbl="sibTrans2D1" presStyleIdx="0" presStyleCnt="3"/>
       <dgm:spPr/>
-      <dgm:t>
-        <a:bodyPr/>
-        <a:lstStyle/>
-        <a:p>
-          <a:endParaRPr lang="en-US"/>
-        </a:p>
-      </dgm:t>
     </dgm:pt>
     <dgm:pt modelId="{B1A08DAC-B0FD-414E-A1FD-8679092E8C3B}" type="pres">
       <dgm:prSet presAssocID="{CC67F7D0-3191-B641-BF66-F48DF3519CDF}" presName="node" presStyleLbl="node1" presStyleIdx="1" presStyleCnt="4" custScaleX="462834">
@@ -1139,35 +1114,14 @@
         </dgm:presLayoutVars>
       </dgm:prSet>
       <dgm:spPr/>
-      <dgm:t>
-        <a:bodyPr/>
-        <a:lstStyle/>
-        <a:p>
-          <a:endParaRPr lang="en-US"/>
-        </a:p>
-      </dgm:t>
     </dgm:pt>
     <dgm:pt modelId="{0B3BC8A6-F383-8147-A607-EB2356A6E6D2}" type="pres">
       <dgm:prSet presAssocID="{65E8FAC2-393D-4E47-B85F-03905BCED5B8}" presName="sibTrans" presStyleLbl="sibTrans2D1" presStyleIdx="1" presStyleCnt="3"/>
       <dgm:spPr/>
-      <dgm:t>
-        <a:bodyPr/>
-        <a:lstStyle/>
-        <a:p>
-          <a:endParaRPr lang="en-US"/>
-        </a:p>
-      </dgm:t>
     </dgm:pt>
     <dgm:pt modelId="{BD387960-99B1-F845-A794-2E8D53C13DB7}" type="pres">
       <dgm:prSet presAssocID="{65E8FAC2-393D-4E47-B85F-03905BCED5B8}" presName="connectorText" presStyleLbl="sibTrans2D1" presStyleIdx="1" presStyleCnt="3"/>
       <dgm:spPr/>
-      <dgm:t>
-        <a:bodyPr/>
-        <a:lstStyle/>
-        <a:p>
-          <a:endParaRPr lang="en-US"/>
-        </a:p>
-      </dgm:t>
     </dgm:pt>
     <dgm:pt modelId="{B46F7BD8-C3B8-8045-A05F-4396BDC0253F}" type="pres">
       <dgm:prSet presAssocID="{2171B556-8616-4B42-A3E2-D633C856F111}" presName="node" presStyleLbl="node1" presStyleIdx="2" presStyleCnt="4" custScaleX="462834">
@@ -1176,35 +1130,14 @@
         </dgm:presLayoutVars>
       </dgm:prSet>
       <dgm:spPr/>
-      <dgm:t>
-        <a:bodyPr/>
-        <a:lstStyle/>
-        <a:p>
-          <a:endParaRPr lang="en-US"/>
-        </a:p>
-      </dgm:t>
     </dgm:pt>
     <dgm:pt modelId="{1671C96E-D90D-8148-919F-21F58109AFF3}" type="pres">
       <dgm:prSet presAssocID="{1D202CD0-3C23-B145-B8D0-B5A6B9949A75}" presName="sibTrans" presStyleLbl="sibTrans2D1" presStyleIdx="2" presStyleCnt="3"/>
       <dgm:spPr/>
-      <dgm:t>
-        <a:bodyPr/>
-        <a:lstStyle/>
-        <a:p>
-          <a:endParaRPr lang="en-US"/>
-        </a:p>
-      </dgm:t>
     </dgm:pt>
     <dgm:pt modelId="{E09F8A1B-7DCE-DE4C-984F-F7DD98E5CE1B}" type="pres">
       <dgm:prSet presAssocID="{1D202CD0-3C23-B145-B8D0-B5A6B9949A75}" presName="connectorText" presStyleLbl="sibTrans2D1" presStyleIdx="2" presStyleCnt="3"/>
       <dgm:spPr/>
-      <dgm:t>
-        <a:bodyPr/>
-        <a:lstStyle/>
-        <a:p>
-          <a:endParaRPr lang="en-US"/>
-        </a:p>
-      </dgm:t>
     </dgm:pt>
     <dgm:pt modelId="{0F899AD6-01EA-5F41-84E4-2559C5EFFF02}" type="pres">
       <dgm:prSet presAssocID="{2F497F24-7D62-D243-9D7C-D71FBF849C60}" presName="node" presStyleLbl="node1" presStyleIdx="3" presStyleCnt="4" custScaleX="462834">
@@ -1213,31 +1146,24 @@
         </dgm:presLayoutVars>
       </dgm:prSet>
       <dgm:spPr/>
-      <dgm:t>
-        <a:bodyPr/>
-        <a:lstStyle/>
-        <a:p>
-          <a:endParaRPr lang="en-US"/>
-        </a:p>
-      </dgm:t>
     </dgm:pt>
   </dgm:ptLst>
   <dgm:cxnLst>
+    <dgm:cxn modelId="{0EB5CB2B-095A-614F-886F-99451A2E1408}" type="presOf" srcId="{1D202CD0-3C23-B145-B8D0-B5A6B9949A75}" destId="{E09F8A1B-7DCE-DE4C-984F-F7DD98E5CE1B}" srcOrd="1" destOrd="0" presId="urn:microsoft.com/office/officeart/2005/8/layout/process2"/>
+    <dgm:cxn modelId="{214B172E-00E0-D943-B66E-587C7942E5DA}" type="presOf" srcId="{CC67F7D0-3191-B641-BF66-F48DF3519CDF}" destId="{B1A08DAC-B0FD-414E-A1FD-8679092E8C3B}" srcOrd="0" destOrd="0" presId="urn:microsoft.com/office/officeart/2005/8/layout/process2"/>
+    <dgm:cxn modelId="{4AAB0233-6C34-6C48-826E-19E2CA3337B4}" srcId="{03ECD48F-D3FA-754C-894F-BBE707DCEFCC}" destId="{2F497F24-7D62-D243-9D7C-D71FBF849C60}" srcOrd="3" destOrd="0" parTransId="{43CFE1A4-7A14-A74A-9827-2CB2F44FB460}" sibTransId="{EC5F4209-D87B-8043-95C1-4A552EF0F557}"/>
+    <dgm:cxn modelId="{FAB12F44-ABE4-B74B-8B63-AADE08CA309C}" type="presOf" srcId="{AA1181C7-1C97-1843-B8B0-526235D0A15D}" destId="{6DAC00C0-E92C-9241-8E91-E23BC30A6B6D}" srcOrd="0" destOrd="0" presId="urn:microsoft.com/office/officeart/2005/8/layout/process2"/>
+    <dgm:cxn modelId="{6BD8085B-A093-134F-85B9-A483C6F7E831}" type="presOf" srcId="{03ECD48F-D3FA-754C-894F-BBE707DCEFCC}" destId="{B9AA4314-4148-6D4E-A5FD-4963495833CB}" srcOrd="0" destOrd="0" presId="urn:microsoft.com/office/officeart/2005/8/layout/process2"/>
+    <dgm:cxn modelId="{44C2FD94-CE41-E94B-86D7-2F0755866257}" srcId="{03ECD48F-D3FA-754C-894F-BBE707DCEFCC}" destId="{2171B556-8616-4B42-A3E2-D633C856F111}" srcOrd="2" destOrd="0" parTransId="{7F89F9BF-3A76-1B43-B14F-B06455DBAE31}" sibTransId="{1D202CD0-3C23-B145-B8D0-B5A6B9949A75}"/>
+    <dgm:cxn modelId="{B160AE9A-254D-1F4A-B77F-CE42304FDEB1}" type="presOf" srcId="{65E8FAC2-393D-4E47-B85F-03905BCED5B8}" destId="{0B3BC8A6-F383-8147-A607-EB2356A6E6D2}" srcOrd="0" destOrd="0" presId="urn:microsoft.com/office/officeart/2005/8/layout/process2"/>
     <dgm:cxn modelId="{A4FE509C-670F-D240-A5EC-5BF36C294850}" type="presOf" srcId="{2F497F24-7D62-D243-9D7C-D71FBF849C60}" destId="{0F899AD6-01EA-5F41-84E4-2559C5EFFF02}" srcOrd="0" destOrd="0" presId="urn:microsoft.com/office/officeart/2005/8/layout/process2"/>
+    <dgm:cxn modelId="{034B0CA4-3FE3-974C-B704-A29FB95ACE01}" type="presOf" srcId="{31D9515E-CD53-DC47-B5F6-7ACA25DC1715}" destId="{0F1A5BE7-A71F-8640-BF06-45FF71F56605}" srcOrd="0" destOrd="0" presId="urn:microsoft.com/office/officeart/2005/8/layout/process2"/>
+    <dgm:cxn modelId="{E3E2A7BC-0A1E-514A-84FC-C72310000B7A}" type="presOf" srcId="{2171B556-8616-4B42-A3E2-D633C856F111}" destId="{B46F7BD8-C3B8-8045-A05F-4396BDC0253F}" srcOrd="0" destOrd="0" presId="urn:microsoft.com/office/officeart/2005/8/layout/process2"/>
+    <dgm:cxn modelId="{9B7625CB-3783-DF46-BF63-2F77541BA970}" type="presOf" srcId="{1D202CD0-3C23-B145-B8D0-B5A6B9949A75}" destId="{1671C96E-D90D-8148-919F-21F58109AFF3}" srcOrd="0" destOrd="0" presId="urn:microsoft.com/office/officeart/2005/8/layout/process2"/>
+    <dgm:cxn modelId="{A5FD7CCB-EF6E-B045-8A30-0475E024C893}" srcId="{03ECD48F-D3FA-754C-894F-BBE707DCEFCC}" destId="{CC67F7D0-3191-B641-BF66-F48DF3519CDF}" srcOrd="1" destOrd="0" parTransId="{5F155BCE-71B4-DC46-9F39-B7FD180D8D87}" sibTransId="{65E8FAC2-393D-4E47-B85F-03905BCED5B8}"/>
     <dgm:cxn modelId="{E4AE0BCF-E28F-DB4B-BA1E-DC2121675FAF}" type="presOf" srcId="{65E8FAC2-393D-4E47-B85F-03905BCED5B8}" destId="{BD387960-99B1-F845-A794-2E8D53C13DB7}" srcOrd="1" destOrd="0" presId="urn:microsoft.com/office/officeart/2005/8/layout/process2"/>
-    <dgm:cxn modelId="{44C2FD94-CE41-E94B-86D7-2F0755866257}" srcId="{03ECD48F-D3FA-754C-894F-BBE707DCEFCC}" destId="{2171B556-8616-4B42-A3E2-D633C856F111}" srcOrd="2" destOrd="0" parTransId="{7F89F9BF-3A76-1B43-B14F-B06455DBAE31}" sibTransId="{1D202CD0-3C23-B145-B8D0-B5A6B9949A75}"/>
-    <dgm:cxn modelId="{9B7625CB-3783-DF46-BF63-2F77541BA970}" type="presOf" srcId="{1D202CD0-3C23-B145-B8D0-B5A6B9949A75}" destId="{1671C96E-D90D-8148-919F-21F58109AFF3}" srcOrd="0" destOrd="0" presId="urn:microsoft.com/office/officeart/2005/8/layout/process2"/>
-    <dgm:cxn modelId="{4AAB0233-6C34-6C48-826E-19E2CA3337B4}" srcId="{03ECD48F-D3FA-754C-894F-BBE707DCEFCC}" destId="{2F497F24-7D62-D243-9D7C-D71FBF849C60}" srcOrd="3" destOrd="0" parTransId="{43CFE1A4-7A14-A74A-9827-2CB2F44FB460}" sibTransId="{EC5F4209-D87B-8043-95C1-4A552EF0F557}"/>
+    <dgm:cxn modelId="{56E703F0-BE79-4F44-8A3A-08C3C8407A22}" srcId="{03ECD48F-D3FA-754C-894F-BBE707DCEFCC}" destId="{AA1181C7-1C97-1843-B8B0-526235D0A15D}" srcOrd="0" destOrd="0" parTransId="{30D77C7C-24F2-6140-AE2F-AD132777E756}" sibTransId="{31D9515E-CD53-DC47-B5F6-7ACA25DC1715}"/>
     <dgm:cxn modelId="{D31748F7-8A23-244F-AC6A-A48DFB35DD0B}" type="presOf" srcId="{31D9515E-CD53-DC47-B5F6-7ACA25DC1715}" destId="{6BEFCE15-DF21-C74F-978D-85F916CB86E5}" srcOrd="1" destOrd="0" presId="urn:microsoft.com/office/officeart/2005/8/layout/process2"/>
-    <dgm:cxn modelId="{FAB12F44-ABE4-B74B-8B63-AADE08CA309C}" type="presOf" srcId="{AA1181C7-1C97-1843-B8B0-526235D0A15D}" destId="{6DAC00C0-E92C-9241-8E91-E23BC30A6B6D}" srcOrd="0" destOrd="0" presId="urn:microsoft.com/office/officeart/2005/8/layout/process2"/>
-    <dgm:cxn modelId="{E3E2A7BC-0A1E-514A-84FC-C72310000B7A}" type="presOf" srcId="{2171B556-8616-4B42-A3E2-D633C856F111}" destId="{B46F7BD8-C3B8-8045-A05F-4396BDC0253F}" srcOrd="0" destOrd="0" presId="urn:microsoft.com/office/officeart/2005/8/layout/process2"/>
-    <dgm:cxn modelId="{B160AE9A-254D-1F4A-B77F-CE42304FDEB1}" type="presOf" srcId="{65E8FAC2-393D-4E47-B85F-03905BCED5B8}" destId="{0B3BC8A6-F383-8147-A607-EB2356A6E6D2}" srcOrd="0" destOrd="0" presId="urn:microsoft.com/office/officeart/2005/8/layout/process2"/>
-    <dgm:cxn modelId="{034B0CA4-3FE3-974C-B704-A29FB95ACE01}" type="presOf" srcId="{31D9515E-CD53-DC47-B5F6-7ACA25DC1715}" destId="{0F1A5BE7-A71F-8640-BF06-45FF71F56605}" srcOrd="0" destOrd="0" presId="urn:microsoft.com/office/officeart/2005/8/layout/process2"/>
-    <dgm:cxn modelId="{0EB5CB2B-095A-614F-886F-99451A2E1408}" type="presOf" srcId="{1D202CD0-3C23-B145-B8D0-B5A6B9949A75}" destId="{E09F8A1B-7DCE-DE4C-984F-F7DD98E5CE1B}" srcOrd="1" destOrd="0" presId="urn:microsoft.com/office/officeart/2005/8/layout/process2"/>
-    <dgm:cxn modelId="{A5FD7CCB-EF6E-B045-8A30-0475E024C893}" srcId="{03ECD48F-D3FA-754C-894F-BBE707DCEFCC}" destId="{CC67F7D0-3191-B641-BF66-F48DF3519CDF}" srcOrd="1" destOrd="0" parTransId="{5F155BCE-71B4-DC46-9F39-B7FD180D8D87}" sibTransId="{65E8FAC2-393D-4E47-B85F-03905BCED5B8}"/>
-    <dgm:cxn modelId="{214B172E-00E0-D943-B66E-587C7942E5DA}" type="presOf" srcId="{CC67F7D0-3191-B641-BF66-F48DF3519CDF}" destId="{B1A08DAC-B0FD-414E-A1FD-8679092E8C3B}" srcOrd="0" destOrd="0" presId="urn:microsoft.com/office/officeart/2005/8/layout/process2"/>
-    <dgm:cxn modelId="{56E703F0-BE79-4F44-8A3A-08C3C8407A22}" srcId="{03ECD48F-D3FA-754C-894F-BBE707DCEFCC}" destId="{AA1181C7-1C97-1843-B8B0-526235D0A15D}" srcOrd="0" destOrd="0" parTransId="{30D77C7C-24F2-6140-AE2F-AD132777E756}" sibTransId="{31D9515E-CD53-DC47-B5F6-7ACA25DC1715}"/>
-    <dgm:cxn modelId="{6BD8085B-A093-134F-85B9-A483C6F7E831}" type="presOf" srcId="{03ECD48F-D3FA-754C-894F-BBE707DCEFCC}" destId="{B9AA4314-4148-6D4E-A5FD-4963495833CB}" srcOrd="0" destOrd="0" presId="urn:microsoft.com/office/officeart/2005/8/layout/process2"/>
     <dgm:cxn modelId="{22CDB6F7-25A3-F941-9127-654BD33C8D10}" type="presParOf" srcId="{B9AA4314-4148-6D4E-A5FD-4963495833CB}" destId="{6DAC00C0-E92C-9241-8E91-E23BC30A6B6D}" srcOrd="0" destOrd="0" presId="urn:microsoft.com/office/officeart/2005/8/layout/process2"/>
     <dgm:cxn modelId="{A8DD4093-FD6F-5D4E-BEEA-86F047086B2F}" type="presParOf" srcId="{B9AA4314-4148-6D4E-A5FD-4963495833CB}" destId="{0F1A5BE7-A71F-8640-BF06-45FF71F56605}" srcOrd="1" destOrd="0" presId="urn:microsoft.com/office/officeart/2005/8/layout/process2"/>
     <dgm:cxn modelId="{39B0BFBA-6F6D-AB4A-8EF5-BA4D92AD60D1}" type="presParOf" srcId="{0F1A5BE7-A71F-8640-BF06-45FF71F56605}" destId="{6BEFCE15-DF21-C74F-978D-85F916CB86E5}" srcOrd="0" destOrd="0" presId="urn:microsoft.com/office/officeart/2005/8/layout/process2"/>
@@ -1318,7 +1244,7 @@
         </a:bodyPr>
         <a:lstStyle/>
         <a:p>
-          <a:pPr lvl="0" algn="ctr" defTabSz="800100">
+          <a:pPr marL="0" lvl="0" indent="0" algn="ctr" defTabSz="800100">
             <a:lnSpc>
               <a:spcPct val="90000"/>
             </a:lnSpc>
@@ -1328,12 +1254,12 @@
             <a:spcAft>
               <a:spcPct val="35000"/>
             </a:spcAft>
+            <a:buNone/>
           </a:pPr>
           <a:r>
-            <a:rPr lang="en-US" sz="1800" kern="1200" dirty="0" smtClean="0"/>
+            <a:rPr lang="en-US" sz="1800" kern="1200" dirty="0"/>
             <a:t>Activity: loads an XML layout</a:t>
           </a:r>
-          <a:endParaRPr lang="en-US" sz="1800" kern="1200" dirty="0"/>
         </a:p>
       </dsp:txBody>
       <dsp:txXfrm>
@@ -1417,7 +1343,7 @@
         </a:bodyPr>
         <a:lstStyle/>
         <a:p>
-          <a:pPr lvl="0" algn="ctr" defTabSz="622300">
+          <a:pPr marL="0" lvl="0" indent="0" algn="ctr" defTabSz="622300">
             <a:lnSpc>
               <a:spcPct val="90000"/>
             </a:lnSpc>
@@ -1427,6 +1353,7 @@
             <a:spcAft>
               <a:spcPct val="35000"/>
             </a:spcAft>
+            <a:buNone/>
           </a:pPr>
           <a:endParaRPr lang="en-US" sz="1400" kern="1200" dirty="0"/>
         </a:p>
@@ -1487,7 +1414,7 @@
         </a:bodyPr>
         <a:lstStyle/>
         <a:p>
-          <a:pPr lvl="0" algn="ctr" defTabSz="800100">
+          <a:pPr marL="0" lvl="0" indent="0" algn="ctr" defTabSz="800100">
             <a:lnSpc>
               <a:spcPct val="90000"/>
             </a:lnSpc>
@@ -1497,12 +1424,12 @@
             <a:spcAft>
               <a:spcPct val="35000"/>
             </a:spcAft>
+            <a:buNone/>
           </a:pPr>
           <a:r>
-            <a:rPr lang="en-US" sz="1800" kern="1200" dirty="0" smtClean="0"/>
+            <a:rPr lang="en-US" sz="1800" kern="1200" dirty="0"/>
             <a:t>Activity XML layout: instantiates a Fragment object</a:t>
           </a:r>
-          <a:endParaRPr lang="en-US" sz="1800" kern="1200" dirty="0"/>
         </a:p>
       </dsp:txBody>
       <dsp:txXfrm>
@@ -1586,7 +1513,7 @@
         </a:bodyPr>
         <a:lstStyle/>
         <a:p>
-          <a:pPr lvl="0" algn="ctr" defTabSz="622300">
+          <a:pPr marL="0" lvl="0" indent="0" algn="ctr" defTabSz="622300">
             <a:lnSpc>
               <a:spcPct val="90000"/>
             </a:lnSpc>
@@ -1596,6 +1523,7 @@
             <a:spcAft>
               <a:spcPct val="35000"/>
             </a:spcAft>
+            <a:buNone/>
           </a:pPr>
           <a:endParaRPr lang="en-US" sz="1400" kern="1200" dirty="0"/>
         </a:p>
@@ -1656,7 +1584,7 @@
         </a:bodyPr>
         <a:lstStyle/>
         <a:p>
-          <a:pPr lvl="0" algn="ctr" defTabSz="800100">
+          <a:pPr marL="0" lvl="0" indent="0" algn="ctr" defTabSz="800100">
             <a:lnSpc>
               <a:spcPct val="90000"/>
             </a:lnSpc>
@@ -1666,12 +1594,12 @@
             <a:spcAft>
               <a:spcPct val="35000"/>
             </a:spcAft>
+            <a:buNone/>
           </a:pPr>
           <a:r>
-            <a:rPr lang="en-US" sz="1800" kern="1200" dirty="0" smtClean="0"/>
+            <a:rPr lang="en-US" sz="1800" kern="1200" dirty="0"/>
             <a:t>Fragment object: inflates fragment XML UI layout</a:t>
           </a:r>
-          <a:endParaRPr lang="en-US" sz="1800" kern="1200" dirty="0"/>
         </a:p>
       </dsp:txBody>
       <dsp:txXfrm>
@@ -1755,7 +1683,7 @@
         </a:bodyPr>
         <a:lstStyle/>
         <a:p>
-          <a:pPr lvl="0" algn="ctr" defTabSz="622300">
+          <a:pPr marL="0" lvl="0" indent="0" algn="ctr" defTabSz="622300">
             <a:lnSpc>
               <a:spcPct val="90000"/>
             </a:lnSpc>
@@ -1765,6 +1693,7 @@
             <a:spcAft>
               <a:spcPct val="35000"/>
             </a:spcAft>
+            <a:buNone/>
           </a:pPr>
           <a:endParaRPr lang="en-US" sz="1400" kern="1200" dirty="0"/>
         </a:p>
@@ -1825,7 +1754,7 @@
         </a:bodyPr>
         <a:lstStyle/>
         <a:p>
-          <a:pPr lvl="0" algn="ctr" defTabSz="800100">
+          <a:pPr marL="0" lvl="0" indent="0" algn="ctr" defTabSz="800100">
             <a:lnSpc>
               <a:spcPct val="90000"/>
             </a:lnSpc>
@@ -1835,12 +1764,12 @@
             <a:spcAft>
               <a:spcPct val="35000"/>
             </a:spcAft>
+            <a:buNone/>
           </a:pPr>
           <a:r>
-            <a:rPr lang="en-US" sz="1800" kern="1200" dirty="0" smtClean="0"/>
+            <a:rPr lang="en-US" sz="1800" kern="1200" dirty="0"/>
             <a:t>Fragment XML UI layout is displayed by the activity</a:t>
           </a:r>
-          <a:endParaRPr lang="en-US" sz="1800" kern="1200" dirty="0"/>
         </a:p>
       </dsp:txBody>
       <dsp:txXfrm>
@@ -3117,7 +3046,7 @@
           <a:p>
             <a:fld id="{1FC32AA1-1225-9048-80C3-2B6F58548154}" type="datetimeFigureOut">
               <a:rPr lang="en-US" smtClean="0"/>
-              <a:t>7/10/17</a:t>
+              <a:t>7/5/18</a:t>
             </a:fld>
             <a:endParaRPr lang="en-US"/>
           </a:p>
@@ -3181,38 +3110,37 @@
           <a:p>
             <a:pPr lvl="0"/>
             <a:r>
-              <a:rPr lang="en-US" smtClean="0"/>
+              <a:rPr lang="en-US"/>
               <a:t>Click to edit Master text styles</a:t>
             </a:r>
           </a:p>
           <a:p>
             <a:pPr lvl="1"/>
             <a:r>
-              <a:rPr lang="en-US" smtClean="0"/>
+              <a:rPr lang="en-US"/>
               <a:t>Second level</a:t>
             </a:r>
           </a:p>
           <a:p>
             <a:pPr lvl="2"/>
             <a:r>
-              <a:rPr lang="en-US" smtClean="0"/>
+              <a:rPr lang="en-US"/>
               <a:t>Third level</a:t>
             </a:r>
           </a:p>
           <a:p>
             <a:pPr lvl="3"/>
             <a:r>
-              <a:rPr lang="en-US" smtClean="0"/>
+              <a:rPr lang="en-US"/>
               <a:t>Fourth level</a:t>
             </a:r>
           </a:p>
           <a:p>
             <a:pPr lvl="4"/>
             <a:r>
-              <a:rPr lang="en-US" smtClean="0"/>
+              <a:rPr lang="en-US"/>
               <a:t>Fifth level</a:t>
             </a:r>
-            <a:endParaRPr lang="en-US"/>
           </a:p>
         </p:txBody>
       </p:sp>
@@ -3430,41 +3358,41 @@
           <a:lstStyle/>
           <a:p>
             <a:r>
-              <a:rPr lang="en-US" dirty="0" smtClean="0"/>
+              <a:rPr lang="en-US" dirty="0"/>
               <a:t>https://</a:t>
             </a:r>
             <a:r>
-              <a:rPr lang="en-US" dirty="0" err="1" smtClean="0"/>
+              <a:rPr lang="en-US" dirty="0" err="1"/>
               <a:t>developer.android.com</a:t>
             </a:r>
             <a:r>
-              <a:rPr lang="en-US" dirty="0" smtClean="0"/>
+              <a:rPr lang="en-US" dirty="0"/>
               <a:t>/guide/topics/</a:t>
             </a:r>
             <a:r>
-              <a:rPr lang="en-US" dirty="0" err="1" smtClean="0"/>
+              <a:rPr lang="en-US" dirty="0" err="1"/>
               <a:t>ui</a:t>
             </a:r>
             <a:r>
-              <a:rPr lang="en-US" dirty="0" smtClean="0"/>
+              <a:rPr lang="en-US" dirty="0"/>
               <a:t>/</a:t>
             </a:r>
             <a:r>
-              <a:rPr lang="en-US" dirty="0" err="1" smtClean="0"/>
+              <a:rPr lang="en-US" dirty="0" err="1"/>
               <a:t>menus.html</a:t>
             </a:r>
-            <a:endParaRPr lang="en-US" dirty="0" smtClean="0"/>
-          </a:p>
-          <a:p>
-            <a:r>
-              <a:rPr lang="en-US" dirty="0" smtClean="0"/>
+            <a:endParaRPr lang="en-US" dirty="0"/>
+          </a:p>
+          <a:p>
+            <a:r>
+              <a:rPr lang="en-US" dirty="0"/>
               <a:t>In</a:t>
             </a:r>
             <a:r>
-              <a:rPr lang="en-US" baseline="0" dirty="0" smtClean="0"/>
+              <a:rPr lang="en-US" baseline="0" dirty="0"/>
               <a:t> this presentation, we will only look at the first type, the options menu</a:t>
             </a:r>
-            <a:endParaRPr lang="en-US" dirty="0" smtClean="0"/>
+            <a:endParaRPr lang="en-US" dirty="0"/>
           </a:p>
         </p:txBody>
       </p:sp>
@@ -3549,22 +3477,22 @@
           <a:lstStyle/>
           <a:p>
             <a:r>
-              <a:rPr lang="en-US" dirty="0" smtClean="0"/>
+              <a:rPr lang="en-US" dirty="0"/>
               <a:t>https://</a:t>
             </a:r>
             <a:r>
-              <a:rPr lang="en-US" dirty="0" err="1" smtClean="0"/>
+              <a:rPr lang="en-US" dirty="0" err="1"/>
               <a:t>developer.android.com</a:t>
             </a:r>
             <a:r>
-              <a:rPr lang="en-US" dirty="0" smtClean="0"/>
+              <a:rPr lang="en-US" dirty="0"/>
               <a:t>/guide/components/</a:t>
             </a:r>
             <a:r>
-              <a:rPr lang="en-US" dirty="0" err="1" smtClean="0"/>
+              <a:rPr lang="en-US" dirty="0" err="1"/>
               <a:t>fragments.html</a:t>
             </a:r>
-            <a:endParaRPr lang="en-US" dirty="0" smtClean="0"/>
+            <a:endParaRPr lang="en-US" dirty="0"/>
           </a:p>
           <a:p>
             <a:pPr marL="0" marR="0" lvl="1" indent="0" algn="l" defTabSz="457200" rtl="0" eaLnBrk="1" fontAlgn="auto" latinLnBrk="0" hangingPunct="1">
@@ -3585,7 +3513,7 @@
               <a:defRPr/>
             </a:pPr>
             <a:r>
-              <a:rPr lang="en-US" dirty="0" smtClean="0"/>
+              <a:rPr lang="en-US" dirty="0"/>
               <a:t>Note: a fragment is not required to be a part of the activity layout; you may also use a fragment without its own UI as an invisible worker for the activity.</a:t>
             </a:r>
           </a:p>
@@ -3675,22 +3603,22 @@
           <a:lstStyle/>
           <a:p>
             <a:r>
-              <a:rPr lang="en-US" dirty="0" smtClean="0"/>
+              <a:rPr lang="en-US" dirty="0"/>
               <a:t>https://</a:t>
             </a:r>
             <a:r>
-              <a:rPr lang="en-US" dirty="0" err="1" smtClean="0"/>
+              <a:rPr lang="en-US" dirty="0" err="1"/>
               <a:t>developer.android.com</a:t>
             </a:r>
             <a:r>
-              <a:rPr lang="en-US" dirty="0" smtClean="0"/>
+              <a:rPr lang="en-US" dirty="0"/>
               <a:t>/guide/components/</a:t>
             </a:r>
             <a:r>
-              <a:rPr lang="en-US" dirty="0" err="1" smtClean="0"/>
+              <a:rPr lang="en-US" dirty="0" err="1"/>
               <a:t>fragments.html</a:t>
             </a:r>
-            <a:endParaRPr lang="en-US" dirty="0" smtClean="0"/>
+            <a:endParaRPr lang="en-US" dirty="0"/>
           </a:p>
           <a:p>
             <a:pPr marL="0" marR="0" lvl="1" indent="0" algn="l" defTabSz="457200" rtl="0" eaLnBrk="1" fontAlgn="auto" latinLnBrk="0" hangingPunct="1">
@@ -3711,7 +3639,7 @@
               <a:defRPr/>
             </a:pPr>
             <a:r>
-              <a:rPr lang="en-US" dirty="0" smtClean="0"/>
+              <a:rPr lang="en-US" dirty="0"/>
               <a:t>Note: a fragment is not required to be a part of the activity layout; you may also use a fragment without its own UI as an invisible worker for the activity.</a:t>
             </a:r>
           </a:p>
@@ -3800,64 +3728,22 @@
           <a:bodyPr/>
           <a:lstStyle/>
           <a:p>
-            <a:pPr marL="0" marR="0" indent="0" algn="l" defTabSz="457200" rtl="0" eaLnBrk="1" fontAlgn="auto" latinLnBrk="0" hangingPunct="1">
-              <a:lnSpc>
-                <a:spcPct val="100000"/>
-              </a:lnSpc>
-              <a:spcBef>
-                <a:spcPts val="0"/>
-              </a:spcBef>
-              <a:spcAft>
-                <a:spcPts val="0"/>
-              </a:spcAft>
-              <a:buClrTx/>
-              <a:buSzTx/>
-              <a:buFontTx/>
-              <a:buNone/>
-              <a:tabLst/>
-              <a:defRPr/>
-            </a:pPr>
-            <a:r>
-              <a:rPr lang="en-US" dirty="0" smtClean="0">
-                <a:hlinkClick r:id="rId3"/>
-              </a:rPr>
-              <a:t>https://developer.android.com/guide/practices/screens_support.html#NewQualifiers</a:t>
-            </a:r>
-            <a:endParaRPr lang="en-US" dirty="0" smtClean="0"/>
-          </a:p>
-          <a:p>
-            <a:pPr marL="0" marR="0" indent="0" algn="l" defTabSz="457200" rtl="0" eaLnBrk="1" fontAlgn="auto" latinLnBrk="0" hangingPunct="1">
-              <a:lnSpc>
-                <a:spcPct val="100000"/>
-              </a:lnSpc>
-              <a:spcBef>
-                <a:spcPts val="0"/>
-              </a:spcBef>
-              <a:spcAft>
-                <a:spcPts val="0"/>
-              </a:spcAft>
-              <a:buClrTx/>
-              <a:buSzTx/>
-              <a:buFontTx/>
-              <a:buNone/>
-              <a:tabLst/>
-              <a:defRPr/>
-            </a:pPr>
-            <a:r>
-              <a:rPr lang="en-US" dirty="0" err="1" smtClean="0"/>
-              <a:t>ppi</a:t>
-            </a:r>
-            <a:r>
-              <a:rPr lang="en-US" dirty="0" smtClean="0"/>
-              <a:t> = Pixels</a:t>
-            </a:r>
-            <a:r>
-              <a:rPr lang="en-US" baseline="0" dirty="0" smtClean="0"/>
-              <a:t> Per Inch</a:t>
-            </a:r>
-            <a:endParaRPr lang="en-US" dirty="0" smtClean="0"/>
-          </a:p>
-          <a:p>
+            <a:r>
+              <a:rPr lang="en-US" dirty="0"/>
+              <a:t>https://</a:t>
+            </a:r>
+            <a:r>
+              <a:rPr lang="en-US" dirty="0" err="1"/>
+              <a:t>developer.android.com</a:t>
+            </a:r>
+            <a:r>
+              <a:rPr lang="en-US" dirty="0"/>
+              <a:t>/guide/components/</a:t>
+            </a:r>
+            <a:r>
+              <a:rPr lang="en-US" dirty="0" err="1"/>
+              <a:t>fragments#Lifecycle</a:t>
+            </a:r>
             <a:endParaRPr lang="en-US" dirty="0"/>
           </a:p>
         </p:txBody>
@@ -3879,7 +3765,7 @@
           <a:p>
             <a:fld id="{44EB6C7D-DFD8-944D-93E3-D07F7EBDDEA8}" type="slidenum">
               <a:rPr lang="en-US" smtClean="0"/>
-              <a:t>15</a:t>
+              <a:t>7</a:t>
             </a:fld>
             <a:endParaRPr lang="en-US"/>
           </a:p>
@@ -3888,7 +3774,7 @@
     </p:spTree>
     <p:extLst>
       <p:ext uri="{BB962C8B-B14F-4D97-AF65-F5344CB8AC3E}">
-        <p14:creationId xmlns:p14="http://schemas.microsoft.com/office/powerpoint/2010/main" val="768627639"/>
+        <p14:creationId xmlns:p14="http://schemas.microsoft.com/office/powerpoint/2010/main" val="1699468316"/>
       </p:ext>
     </p:extLst>
   </p:cSld>
@@ -3942,12 +3828,154 @@
           <a:bodyPr/>
           <a:lstStyle/>
           <a:p>
-            <a:r>
-              <a:rPr lang="en-US" dirty="0" smtClean="0"/>
+            <a:pPr marL="0" marR="0" indent="0" algn="l" defTabSz="457200" rtl="0" eaLnBrk="1" fontAlgn="auto" latinLnBrk="0" hangingPunct="1">
+              <a:lnSpc>
+                <a:spcPct val="100000"/>
+              </a:lnSpc>
+              <a:spcBef>
+                <a:spcPts val="0"/>
+              </a:spcBef>
+              <a:spcAft>
+                <a:spcPts val="0"/>
+              </a:spcAft>
+              <a:buClrTx/>
+              <a:buSzTx/>
+              <a:buFontTx/>
+              <a:buNone/>
+              <a:tabLst/>
+              <a:defRPr/>
+            </a:pPr>
+            <a:r>
+              <a:rPr lang="en-US" dirty="0">
+                <a:hlinkClick r:id="rId3"/>
+              </a:rPr>
+              <a:t>https://developer.android.com/guide/practices/screens_support.html#NewQualifiers</a:t>
+            </a:r>
+            <a:endParaRPr lang="en-US" dirty="0"/>
+          </a:p>
+          <a:p>
+            <a:pPr marL="0" marR="0" indent="0" algn="l" defTabSz="457200" rtl="0" eaLnBrk="1" fontAlgn="auto" latinLnBrk="0" hangingPunct="1">
+              <a:lnSpc>
+                <a:spcPct val="100000"/>
+              </a:lnSpc>
+              <a:spcBef>
+                <a:spcPts val="0"/>
+              </a:spcBef>
+              <a:spcAft>
+                <a:spcPts val="0"/>
+              </a:spcAft>
+              <a:buClrTx/>
+              <a:buSzTx/>
+              <a:buFontTx/>
+              <a:buNone/>
+              <a:tabLst/>
+              <a:defRPr/>
+            </a:pPr>
+            <a:r>
+              <a:rPr lang="en-US" dirty="0" err="1"/>
+              <a:t>ppi</a:t>
+            </a:r>
+            <a:r>
+              <a:rPr lang="en-US" dirty="0"/>
+              <a:t> = Pixels</a:t>
+            </a:r>
+            <a:r>
+              <a:rPr lang="en-US" baseline="0" dirty="0"/>
+              <a:t> Per Inch</a:t>
+            </a:r>
+            <a:endParaRPr lang="en-US" dirty="0"/>
+          </a:p>
+          <a:p>
+            <a:endParaRPr lang="en-US" dirty="0"/>
+          </a:p>
+        </p:txBody>
+      </p:sp>
+      <p:sp>
+        <p:nvSpPr>
+          <p:cNvPr id="4" name="Slide Number Placeholder 3"/>
+          <p:cNvSpPr>
+            <a:spLocks noGrp="1"/>
+          </p:cNvSpPr>
+          <p:nvPr>
+            <p:ph type="sldNum" sz="quarter" idx="10"/>
+          </p:nvPr>
+        </p:nvSpPr>
+        <p:spPr/>
+        <p:txBody>
+          <a:bodyPr/>
+          <a:lstStyle/>
+          <a:p>
+            <a:fld id="{44EB6C7D-DFD8-944D-93E3-D07F7EBDDEA8}" type="slidenum">
+              <a:rPr lang="en-US" smtClean="0"/>
+              <a:t>15</a:t>
+            </a:fld>
+            <a:endParaRPr lang="en-US"/>
+          </a:p>
+        </p:txBody>
+      </p:sp>
+    </p:spTree>
+    <p:extLst>
+      <p:ext uri="{BB962C8B-B14F-4D97-AF65-F5344CB8AC3E}">
+        <p14:creationId xmlns:p14="http://schemas.microsoft.com/office/powerpoint/2010/main" val="768627639"/>
+      </p:ext>
+    </p:extLst>
+  </p:cSld>
+  <p:clrMapOvr>
+    <a:masterClrMapping/>
+  </p:clrMapOvr>
+</p:notes>
+</file>
+
+<file path=ppt/notesSlides/notesSlide6.xml><?xml version="1.0" encoding="utf-8"?>
+<p:notes xmlns:a="http://schemas.openxmlformats.org/drawingml/2006/main" xmlns:r="http://schemas.openxmlformats.org/officeDocument/2006/relationships" xmlns:p="http://schemas.openxmlformats.org/presentationml/2006/main">
+  <p:cSld>
+    <p:spTree>
+      <p:nvGrpSpPr>
+        <p:cNvPr id="1" name=""/>
+        <p:cNvGrpSpPr/>
+        <p:nvPr/>
+      </p:nvGrpSpPr>
+      <p:grpSpPr>
+        <a:xfrm>
+          <a:off x="0" y="0"/>
+          <a:ext cx="0" cy="0"/>
+          <a:chOff x="0" y="0"/>
+          <a:chExt cx="0" cy="0"/>
+        </a:xfrm>
+      </p:grpSpPr>
+      <p:sp>
+        <p:nvSpPr>
+          <p:cNvPr id="2" name="Slide Image Placeholder 1"/>
+          <p:cNvSpPr>
+            <a:spLocks noGrp="1" noRot="1" noChangeAspect="1"/>
+          </p:cNvSpPr>
+          <p:nvPr>
+            <p:ph type="sldImg"/>
+          </p:nvPr>
+        </p:nvSpPr>
+        <p:spPr/>
+      </p:sp>
+      <p:sp>
+        <p:nvSpPr>
+          <p:cNvPr id="3" name="Notes Placeholder 2"/>
+          <p:cNvSpPr>
+            <a:spLocks noGrp="1"/>
+          </p:cNvSpPr>
+          <p:nvPr>
+            <p:ph type="body" idx="1"/>
+          </p:nvPr>
+        </p:nvSpPr>
+        <p:spPr/>
+        <p:txBody>
+          <a:bodyPr/>
+          <a:lstStyle/>
+          <a:p>
+            <a:r>
+              <a:rPr lang="en-US" dirty="0"/>
               <a:t>If you create</a:t>
             </a:r>
             <a:r>
-              <a:rPr lang="en-US" baseline="0" dirty="0" smtClean="0"/>
+              <a:rPr lang="en-US" baseline="0" dirty="0"/>
               <a:t> a new activity using the New, Activity menu in Android studio, it will automatically create a layout xml file and add an &lt;Activity&gt; element to the manifest</a:t>
             </a:r>
             <a:endParaRPr lang="en-US" dirty="0"/>
@@ -4028,10 +4056,9 @@
           <a:lstStyle/>
           <a:p>
             <a:r>
-              <a:rPr lang="en-US" smtClean="0"/>
+              <a:rPr lang="en-US"/>
               <a:t>Click to edit Master title style</a:t>
             </a:r>
-            <a:endParaRPr lang="en-US"/>
           </a:p>
         </p:txBody>
       </p:sp>
@@ -4147,10 +4174,9 @@
           </a:lstStyle>
           <a:p>
             <a:r>
-              <a:rPr lang="en-US" smtClean="0"/>
+              <a:rPr lang="en-US"/>
               <a:t>Click to edit Master subtitle style</a:t>
             </a:r>
-            <a:endParaRPr lang="en-US"/>
           </a:p>
         </p:txBody>
       </p:sp>
@@ -4171,7 +4197,7 @@
           <a:p>
             <a:fld id="{12110144-19AD-4D4E-902D-E18AF93089D3}" type="datetimeFigureOut">
               <a:rPr lang="en-US" smtClean="0"/>
-              <a:t>7/10/17</a:t>
+              <a:t>7/5/18</a:t>
             </a:fld>
             <a:endParaRPr lang="en-US"/>
           </a:p>
@@ -4265,10 +4291,9 @@
           <a:lstStyle/>
           <a:p>
             <a:r>
-              <a:rPr lang="en-US" smtClean="0"/>
+              <a:rPr lang="en-US"/>
               <a:t>Click to edit Master title style</a:t>
             </a:r>
-            <a:endParaRPr lang="en-US"/>
           </a:p>
         </p:txBody>
       </p:sp>
@@ -4289,38 +4314,37 @@
           <a:p>
             <a:pPr lvl="0"/>
             <a:r>
-              <a:rPr lang="en-US" smtClean="0"/>
+              <a:rPr lang="en-US"/>
               <a:t>Click to edit Master text styles</a:t>
             </a:r>
           </a:p>
           <a:p>
             <a:pPr lvl="1"/>
             <a:r>
-              <a:rPr lang="en-US" smtClean="0"/>
+              <a:rPr lang="en-US"/>
               <a:t>Second level</a:t>
             </a:r>
           </a:p>
           <a:p>
             <a:pPr lvl="2"/>
             <a:r>
-              <a:rPr lang="en-US" smtClean="0"/>
+              <a:rPr lang="en-US"/>
               <a:t>Third level</a:t>
             </a:r>
           </a:p>
           <a:p>
             <a:pPr lvl="3"/>
             <a:r>
-              <a:rPr lang="en-US" smtClean="0"/>
+              <a:rPr lang="en-US"/>
               <a:t>Fourth level</a:t>
             </a:r>
           </a:p>
           <a:p>
             <a:pPr lvl="4"/>
             <a:r>
-              <a:rPr lang="en-US" smtClean="0"/>
+              <a:rPr lang="en-US"/>
               <a:t>Fifth level</a:t>
             </a:r>
-            <a:endParaRPr lang="en-US"/>
           </a:p>
         </p:txBody>
       </p:sp>
@@ -4341,7 +4365,7 @@
           <a:p>
             <a:fld id="{12110144-19AD-4D4E-902D-E18AF93089D3}" type="datetimeFigureOut">
               <a:rPr lang="en-US" smtClean="0"/>
-              <a:t>7/10/17</a:t>
+              <a:t>7/5/18</a:t>
             </a:fld>
             <a:endParaRPr lang="en-US"/>
           </a:p>
@@ -4440,10 +4464,9 @@
           <a:lstStyle/>
           <a:p>
             <a:r>
-              <a:rPr lang="en-US" smtClean="0"/>
+              <a:rPr lang="en-US"/>
               <a:t>Click to edit Master title style</a:t>
             </a:r>
-            <a:endParaRPr lang="en-US"/>
           </a:p>
         </p:txBody>
       </p:sp>
@@ -4469,38 +4492,37 @@
           <a:p>
             <a:pPr lvl="0"/>
             <a:r>
-              <a:rPr lang="en-US" smtClean="0"/>
+              <a:rPr lang="en-US"/>
               <a:t>Click to edit Master text styles</a:t>
             </a:r>
           </a:p>
           <a:p>
             <a:pPr lvl="1"/>
             <a:r>
-              <a:rPr lang="en-US" smtClean="0"/>
+              <a:rPr lang="en-US"/>
               <a:t>Second level</a:t>
             </a:r>
           </a:p>
           <a:p>
             <a:pPr lvl="2"/>
             <a:r>
-              <a:rPr lang="en-US" smtClean="0"/>
+              <a:rPr lang="en-US"/>
               <a:t>Third level</a:t>
             </a:r>
           </a:p>
           <a:p>
             <a:pPr lvl="3"/>
             <a:r>
-              <a:rPr lang="en-US" smtClean="0"/>
+              <a:rPr lang="en-US"/>
               <a:t>Fourth level</a:t>
             </a:r>
           </a:p>
           <a:p>
             <a:pPr lvl="4"/>
             <a:r>
-              <a:rPr lang="en-US" smtClean="0"/>
+              <a:rPr lang="en-US"/>
               <a:t>Fifth level</a:t>
             </a:r>
-            <a:endParaRPr lang="en-US"/>
           </a:p>
         </p:txBody>
       </p:sp>
@@ -4521,7 +4543,7 @@
           <a:p>
             <a:fld id="{12110144-19AD-4D4E-902D-E18AF93089D3}" type="datetimeFigureOut">
               <a:rPr lang="en-US" smtClean="0"/>
-              <a:t>7/10/17</a:t>
+              <a:t>7/5/18</a:t>
             </a:fld>
             <a:endParaRPr lang="en-US"/>
           </a:p>
@@ -4615,10 +4637,9 @@
           <a:lstStyle/>
           <a:p>
             <a:r>
-              <a:rPr lang="en-US" smtClean="0"/>
+              <a:rPr lang="en-US"/>
               <a:t>Click to edit Master title style</a:t>
             </a:r>
-            <a:endParaRPr lang="en-US"/>
           </a:p>
         </p:txBody>
       </p:sp>
@@ -4639,38 +4660,37 @@
           <a:p>
             <a:pPr lvl="0"/>
             <a:r>
-              <a:rPr lang="en-US" smtClean="0"/>
+              <a:rPr lang="en-US"/>
               <a:t>Click to edit Master text styles</a:t>
             </a:r>
           </a:p>
           <a:p>
             <a:pPr lvl="1"/>
             <a:r>
-              <a:rPr lang="en-US" smtClean="0"/>
+              <a:rPr lang="en-US"/>
               <a:t>Second level</a:t>
             </a:r>
           </a:p>
           <a:p>
             <a:pPr lvl="2"/>
             <a:r>
-              <a:rPr lang="en-US" smtClean="0"/>
+              <a:rPr lang="en-US"/>
               <a:t>Third level</a:t>
             </a:r>
           </a:p>
           <a:p>
             <a:pPr lvl="3"/>
             <a:r>
-              <a:rPr lang="en-US" smtClean="0"/>
+              <a:rPr lang="en-US"/>
               <a:t>Fourth level</a:t>
             </a:r>
           </a:p>
           <a:p>
             <a:pPr lvl="4"/>
             <a:r>
-              <a:rPr lang="en-US" smtClean="0"/>
+              <a:rPr lang="en-US"/>
               <a:t>Fifth level</a:t>
             </a:r>
-            <a:endParaRPr lang="en-US"/>
           </a:p>
         </p:txBody>
       </p:sp>
@@ -4691,7 +4711,7 @@
           <a:p>
             <a:fld id="{12110144-19AD-4D4E-902D-E18AF93089D3}" type="datetimeFigureOut">
               <a:rPr lang="en-US" smtClean="0"/>
-              <a:t>7/10/17</a:t>
+              <a:t>7/5/18</a:t>
             </a:fld>
             <a:endParaRPr lang="en-US"/>
           </a:p>
@@ -4794,10 +4814,9 @@
           </a:lstStyle>
           <a:p>
             <a:r>
-              <a:rPr lang="en-US" smtClean="0"/>
+              <a:rPr lang="en-US"/>
               <a:t>Click to edit Master title style</a:t>
             </a:r>
-            <a:endParaRPr lang="en-US"/>
           </a:p>
         </p:txBody>
       </p:sp>
@@ -4914,7 +4933,7 @@
           <a:p>
             <a:pPr lvl="0"/>
             <a:r>
-              <a:rPr lang="en-US" smtClean="0"/>
+              <a:rPr lang="en-US"/>
               <a:t>Click to edit Master text styles</a:t>
             </a:r>
           </a:p>
@@ -4937,7 +4956,7 @@
           <a:p>
             <a:fld id="{12110144-19AD-4D4E-902D-E18AF93089D3}" type="datetimeFigureOut">
               <a:rPr lang="en-US" smtClean="0"/>
-              <a:t>7/10/17</a:t>
+              <a:t>7/5/18</a:t>
             </a:fld>
             <a:endParaRPr lang="en-US"/>
           </a:p>
@@ -5031,10 +5050,9 @@
           <a:lstStyle/>
           <a:p>
             <a:r>
-              <a:rPr lang="en-US" smtClean="0"/>
+              <a:rPr lang="en-US"/>
               <a:t>Click to edit Master title style</a:t>
             </a:r>
-            <a:endParaRPr lang="en-US"/>
           </a:p>
         </p:txBody>
       </p:sp>
@@ -5088,38 +5106,37 @@
           <a:p>
             <a:pPr lvl="0"/>
             <a:r>
-              <a:rPr lang="en-US" smtClean="0"/>
+              <a:rPr lang="en-US"/>
               <a:t>Click to edit Master text styles</a:t>
             </a:r>
           </a:p>
           <a:p>
             <a:pPr lvl="1"/>
             <a:r>
-              <a:rPr lang="en-US" smtClean="0"/>
+              <a:rPr lang="en-US"/>
               <a:t>Second level</a:t>
             </a:r>
           </a:p>
           <a:p>
             <a:pPr lvl="2"/>
             <a:r>
-              <a:rPr lang="en-US" smtClean="0"/>
+              <a:rPr lang="en-US"/>
               <a:t>Third level</a:t>
             </a:r>
           </a:p>
           <a:p>
             <a:pPr lvl="3"/>
             <a:r>
-              <a:rPr lang="en-US" smtClean="0"/>
+              <a:rPr lang="en-US"/>
               <a:t>Fourth level</a:t>
             </a:r>
           </a:p>
           <a:p>
             <a:pPr lvl="4"/>
             <a:r>
-              <a:rPr lang="en-US" smtClean="0"/>
+              <a:rPr lang="en-US"/>
               <a:t>Fifth level</a:t>
             </a:r>
-            <a:endParaRPr lang="en-US"/>
           </a:p>
         </p:txBody>
       </p:sp>
@@ -5173,38 +5190,37 @@
           <a:p>
             <a:pPr lvl="0"/>
             <a:r>
-              <a:rPr lang="en-US" smtClean="0"/>
+              <a:rPr lang="en-US"/>
               <a:t>Click to edit Master text styles</a:t>
             </a:r>
           </a:p>
           <a:p>
             <a:pPr lvl="1"/>
             <a:r>
-              <a:rPr lang="en-US" smtClean="0"/>
+              <a:rPr lang="en-US"/>
               <a:t>Second level</a:t>
             </a:r>
           </a:p>
           <a:p>
             <a:pPr lvl="2"/>
             <a:r>
-              <a:rPr lang="en-US" smtClean="0"/>
+              <a:rPr lang="en-US"/>
               <a:t>Third level</a:t>
             </a:r>
           </a:p>
           <a:p>
             <a:pPr lvl="3"/>
             <a:r>
-              <a:rPr lang="en-US" smtClean="0"/>
+              <a:rPr lang="en-US"/>
               <a:t>Fourth level</a:t>
             </a:r>
           </a:p>
           <a:p>
             <a:pPr lvl="4"/>
             <a:r>
-              <a:rPr lang="en-US" smtClean="0"/>
+              <a:rPr lang="en-US"/>
               <a:t>Fifth level</a:t>
             </a:r>
-            <a:endParaRPr lang="en-US"/>
           </a:p>
         </p:txBody>
       </p:sp>
@@ -5225,7 +5241,7 @@
           <a:p>
             <a:fld id="{12110144-19AD-4D4E-902D-E18AF93089D3}" type="datetimeFigureOut">
               <a:rPr lang="en-US" smtClean="0"/>
-              <a:t>7/10/17</a:t>
+              <a:t>7/5/18</a:t>
             </a:fld>
             <a:endParaRPr lang="en-US"/>
           </a:p>
@@ -5323,10 +5339,9 @@
           </a:lstStyle>
           <a:p>
             <a:r>
-              <a:rPr lang="en-US" smtClean="0"/>
+              <a:rPr lang="en-US"/>
               <a:t>Click to edit Master title style</a:t>
             </a:r>
-            <a:endParaRPr lang="en-US"/>
           </a:p>
         </p:txBody>
       </p:sp>
@@ -5389,7 +5404,7 @@
           <a:p>
             <a:pPr lvl="0"/>
             <a:r>
-              <a:rPr lang="en-US" smtClean="0"/>
+              <a:rPr lang="en-US"/>
               <a:t>Click to edit Master text styles</a:t>
             </a:r>
           </a:p>
@@ -5445,38 +5460,37 @@
           <a:p>
             <a:pPr lvl="0"/>
             <a:r>
-              <a:rPr lang="en-US" smtClean="0"/>
+              <a:rPr lang="en-US"/>
               <a:t>Click to edit Master text styles</a:t>
             </a:r>
           </a:p>
           <a:p>
             <a:pPr lvl="1"/>
             <a:r>
-              <a:rPr lang="en-US" smtClean="0"/>
+              <a:rPr lang="en-US"/>
               <a:t>Second level</a:t>
             </a:r>
           </a:p>
           <a:p>
             <a:pPr lvl="2"/>
             <a:r>
-              <a:rPr lang="en-US" smtClean="0"/>
+              <a:rPr lang="en-US"/>
               <a:t>Third level</a:t>
             </a:r>
           </a:p>
           <a:p>
             <a:pPr lvl="3"/>
             <a:r>
-              <a:rPr lang="en-US" smtClean="0"/>
+              <a:rPr lang="en-US"/>
               <a:t>Fourth level</a:t>
             </a:r>
           </a:p>
           <a:p>
             <a:pPr lvl="4"/>
             <a:r>
-              <a:rPr lang="en-US" smtClean="0"/>
+              <a:rPr lang="en-US"/>
               <a:t>Fifth level</a:t>
             </a:r>
-            <a:endParaRPr lang="en-US"/>
           </a:p>
         </p:txBody>
       </p:sp>
@@ -5539,7 +5553,7 @@
           <a:p>
             <a:pPr lvl="0"/>
             <a:r>
-              <a:rPr lang="en-US" smtClean="0"/>
+              <a:rPr lang="en-US"/>
               <a:t>Click to edit Master text styles</a:t>
             </a:r>
           </a:p>
@@ -5595,38 +5609,37 @@
           <a:p>
             <a:pPr lvl="0"/>
             <a:r>
-              <a:rPr lang="en-US" smtClean="0"/>
+              <a:rPr lang="en-US"/>
               <a:t>Click to edit Master text styles</a:t>
             </a:r>
           </a:p>
           <a:p>
             <a:pPr lvl="1"/>
             <a:r>
-              <a:rPr lang="en-US" smtClean="0"/>
+              <a:rPr lang="en-US"/>
               <a:t>Second level</a:t>
             </a:r>
           </a:p>
           <a:p>
             <a:pPr lvl="2"/>
             <a:r>
-              <a:rPr lang="en-US" smtClean="0"/>
+              <a:rPr lang="en-US"/>
               <a:t>Third level</a:t>
             </a:r>
           </a:p>
           <a:p>
             <a:pPr lvl="3"/>
             <a:r>
-              <a:rPr lang="en-US" smtClean="0"/>
+              <a:rPr lang="en-US"/>
               <a:t>Fourth level</a:t>
             </a:r>
           </a:p>
           <a:p>
             <a:pPr lvl="4"/>
             <a:r>
-              <a:rPr lang="en-US" smtClean="0"/>
+              <a:rPr lang="en-US"/>
               <a:t>Fifth level</a:t>
             </a:r>
-            <a:endParaRPr lang="en-US"/>
           </a:p>
         </p:txBody>
       </p:sp>
@@ -5647,7 +5660,7 @@
           <a:p>
             <a:fld id="{12110144-19AD-4D4E-902D-E18AF93089D3}" type="datetimeFigureOut">
               <a:rPr lang="en-US" smtClean="0"/>
-              <a:t>7/10/17</a:t>
+              <a:t>7/5/18</a:t>
             </a:fld>
             <a:endParaRPr lang="en-US"/>
           </a:p>
@@ -5741,10 +5754,9 @@
           <a:lstStyle/>
           <a:p>
             <a:r>
-              <a:rPr lang="en-US" smtClean="0"/>
+              <a:rPr lang="en-US"/>
               <a:t>Click to edit Master title style</a:t>
             </a:r>
-            <a:endParaRPr lang="en-US"/>
           </a:p>
         </p:txBody>
       </p:sp>
@@ -5765,7 +5777,7 @@
           <a:p>
             <a:fld id="{12110144-19AD-4D4E-902D-E18AF93089D3}" type="datetimeFigureOut">
               <a:rPr lang="en-US" smtClean="0"/>
-              <a:t>7/10/17</a:t>
+              <a:t>7/5/18</a:t>
             </a:fld>
             <a:endParaRPr lang="en-US"/>
           </a:p>
@@ -5860,7 +5872,7 @@
           <a:p>
             <a:fld id="{12110144-19AD-4D4E-902D-E18AF93089D3}" type="datetimeFigureOut">
               <a:rPr lang="en-US" smtClean="0"/>
-              <a:t>7/10/17</a:t>
+              <a:t>7/5/18</a:t>
             </a:fld>
             <a:endParaRPr lang="en-US"/>
           </a:p>
@@ -5963,10 +5975,9 @@
           </a:lstStyle>
           <a:p>
             <a:r>
-              <a:rPr lang="en-US" smtClean="0"/>
+              <a:rPr lang="en-US"/>
               <a:t>Click to edit Master title style</a:t>
             </a:r>
-            <a:endParaRPr lang="en-US"/>
           </a:p>
         </p:txBody>
       </p:sp>
@@ -6020,38 +6031,37 @@
           <a:p>
             <a:pPr lvl="0"/>
             <a:r>
-              <a:rPr lang="en-US" smtClean="0"/>
+              <a:rPr lang="en-US"/>
               <a:t>Click to edit Master text styles</a:t>
             </a:r>
           </a:p>
           <a:p>
             <a:pPr lvl="1"/>
             <a:r>
-              <a:rPr lang="en-US" smtClean="0"/>
+              <a:rPr lang="en-US"/>
               <a:t>Second level</a:t>
             </a:r>
           </a:p>
           <a:p>
             <a:pPr lvl="2"/>
             <a:r>
-              <a:rPr lang="en-US" smtClean="0"/>
+              <a:rPr lang="en-US"/>
               <a:t>Third level</a:t>
             </a:r>
           </a:p>
           <a:p>
             <a:pPr lvl="3"/>
             <a:r>
-              <a:rPr lang="en-US" smtClean="0"/>
+              <a:rPr lang="en-US"/>
               <a:t>Fourth level</a:t>
             </a:r>
           </a:p>
           <a:p>
             <a:pPr lvl="4"/>
             <a:r>
-              <a:rPr lang="en-US" smtClean="0"/>
+              <a:rPr lang="en-US"/>
               <a:t>Fifth level</a:t>
             </a:r>
-            <a:endParaRPr lang="en-US"/>
           </a:p>
         </p:txBody>
       </p:sp>
@@ -6114,7 +6124,7 @@
           <a:p>
             <a:pPr lvl="0"/>
             <a:r>
-              <a:rPr lang="en-US" smtClean="0"/>
+              <a:rPr lang="en-US"/>
               <a:t>Click to edit Master text styles</a:t>
             </a:r>
           </a:p>
@@ -6137,7 +6147,7 @@
           <a:p>
             <a:fld id="{12110144-19AD-4D4E-902D-E18AF93089D3}" type="datetimeFigureOut">
               <a:rPr lang="en-US" smtClean="0"/>
-              <a:t>7/10/17</a:t>
+              <a:t>7/5/18</a:t>
             </a:fld>
             <a:endParaRPr lang="en-US"/>
           </a:p>
@@ -6240,10 +6250,9 @@
           </a:lstStyle>
           <a:p>
             <a:r>
-              <a:rPr lang="en-US" smtClean="0"/>
+              <a:rPr lang="en-US"/>
               <a:t>Click to edit Master title style</a:t>
             </a:r>
-            <a:endParaRPr lang="en-US"/>
           </a:p>
         </p:txBody>
       </p:sp>
@@ -6367,7 +6376,7 @@
           <a:p>
             <a:pPr lvl="0"/>
             <a:r>
-              <a:rPr lang="en-US" smtClean="0"/>
+              <a:rPr lang="en-US"/>
               <a:t>Click to edit Master text styles</a:t>
             </a:r>
           </a:p>
@@ -6390,7 +6399,7 @@
           <a:p>
             <a:fld id="{12110144-19AD-4D4E-902D-E18AF93089D3}" type="datetimeFigureOut">
               <a:rPr lang="en-US" smtClean="0"/>
-              <a:t>7/10/17</a:t>
+              <a:t>7/5/18</a:t>
             </a:fld>
             <a:endParaRPr lang="en-US"/>
           </a:p>
@@ -6517,10 +6526,9 @@
           <a:lstStyle/>
           <a:p>
             <a:r>
-              <a:rPr lang="en-US" smtClean="0"/>
+              <a:rPr lang="en-US"/>
               <a:t>Click to edit Master title style</a:t>
             </a:r>
-            <a:endParaRPr lang="en-US"/>
           </a:p>
         </p:txBody>
       </p:sp>
@@ -6551,38 +6559,37 @@
           <a:p>
             <a:pPr lvl="0"/>
             <a:r>
-              <a:rPr lang="en-US" smtClean="0"/>
+              <a:rPr lang="en-US"/>
               <a:t>Click to edit Master text styles</a:t>
             </a:r>
           </a:p>
           <a:p>
             <a:pPr lvl="1"/>
             <a:r>
-              <a:rPr lang="en-US" smtClean="0"/>
+              <a:rPr lang="en-US"/>
               <a:t>Second level</a:t>
             </a:r>
           </a:p>
           <a:p>
             <a:pPr lvl="2"/>
             <a:r>
-              <a:rPr lang="en-US" smtClean="0"/>
+              <a:rPr lang="en-US"/>
               <a:t>Third level</a:t>
             </a:r>
           </a:p>
           <a:p>
             <a:pPr lvl="3"/>
             <a:r>
-              <a:rPr lang="en-US" smtClean="0"/>
+              <a:rPr lang="en-US"/>
               <a:t>Fourth level</a:t>
             </a:r>
           </a:p>
           <a:p>
             <a:pPr lvl="4"/>
             <a:r>
-              <a:rPr lang="en-US" smtClean="0"/>
+              <a:rPr lang="en-US"/>
               <a:t>Fifth level</a:t>
             </a:r>
-            <a:endParaRPr lang="en-US"/>
           </a:p>
         </p:txBody>
       </p:sp>
@@ -6621,7 +6628,7 @@
           <a:p>
             <a:fld id="{12110144-19AD-4D4E-902D-E18AF93089D3}" type="datetimeFigureOut">
               <a:rPr lang="en-US" smtClean="0"/>
-              <a:t>7/10/17</a:t>
+              <a:t>7/5/18</a:t>
             </a:fld>
             <a:endParaRPr lang="en-US"/>
           </a:p>
@@ -7037,10 +7044,9 @@
               </a:spcAft>
             </a:pPr>
             <a:r>
-              <a:rPr lang="en-US" sz="8800" b="1" dirty="0" smtClean="0"/>
+              <a:rPr lang="en-US" sz="8800" b="1" dirty="0"/>
               <a:t>Android Fragments</a:t>
             </a:r>
-            <a:endParaRPr lang="en-US" sz="8800" b="1" dirty="0"/>
           </a:p>
         </p:txBody>
       </p:sp>
@@ -7067,18 +7073,13 @@
           <a:lstStyle/>
           <a:p>
             <a:r>
-              <a:rPr lang="en-US" sz="4400" dirty="0" smtClean="0">
+              <a:rPr lang="en-US" sz="4400" dirty="0">
                 <a:solidFill>
                   <a:schemeClr val="tx1"/>
                 </a:solidFill>
               </a:rPr>
               <a:t>CIS 399</a:t>
             </a:r>
-            <a:endParaRPr lang="en-US" sz="4400" dirty="0">
-              <a:solidFill>
-                <a:schemeClr val="tx1"/>
-              </a:solidFill>
-            </a:endParaRPr>
           </a:p>
         </p:txBody>
       </p:sp>
@@ -7092,13 +7093,6 @@
   <p:clrMapOvr>
     <a:masterClrMapping/>
   </p:clrMapOvr>
-  <p:timing>
-    <p:tnLst>
-      <p:par>
-        <p:cTn id="1" dur="indefinite" restart="never" nodeType="tmRoot"/>
-      </p:par>
-    </p:tnLst>
-  </p:timing>
 </p:sld>
 </file>
 
@@ -7156,7 +7150,7 @@
           </a:lstStyle>
           <a:p>
             <a:r>
-              <a:rPr lang="en-US" smtClean="0">
+              <a:rPr lang="en-US">
                 <a:solidFill>
                   <a:srgbClr val="0000FF"/>
                 </a:solidFill>
@@ -7194,10 +7188,9 @@
           <a:lstStyle/>
           <a:p>
             <a:r>
-              <a:rPr lang="en-US" sz="2800" dirty="0" smtClean="0"/>
+              <a:rPr lang="en-US" sz="2800" dirty="0"/>
               <a:t>Each activity loads a single fragment</a:t>
             </a:r>
-            <a:endParaRPr lang="en-US" sz="2800" dirty="0"/>
           </a:p>
         </p:txBody>
       </p:sp>
@@ -7235,13 +7228,6 @@
   <p:clrMapOvr>
     <a:masterClrMapping/>
   </p:clrMapOvr>
-  <p:timing>
-    <p:tnLst>
-      <p:par>
-        <p:cTn id="1" dur="indefinite" restart="never" nodeType="tmRoot"/>
-      </p:par>
-    </p:tnLst>
-  </p:timing>
 </p:sld>
 </file>
 
@@ -7299,18 +7285,13 @@
           </a:lstStyle>
           <a:p>
             <a:r>
-              <a:rPr lang="en-US" dirty="0" smtClean="0">
+              <a:rPr lang="en-US" dirty="0">
                 <a:solidFill>
                   <a:srgbClr val="0000FF"/>
                 </a:solidFill>
               </a:rPr>
               <a:t>Large Screen</a:t>
             </a:r>
-            <a:endParaRPr lang="en-US" dirty="0">
-              <a:solidFill>
-                <a:srgbClr val="0000FF"/>
-              </a:solidFill>
-            </a:endParaRPr>
           </a:p>
         </p:txBody>
       </p:sp>
@@ -7355,15 +7336,7 @@
             <a:pPr lvl="0" algn="ctr"/>
             <a:r>
               <a:rPr lang="en-US" sz="2400" dirty="0"/>
-              <a:t>Activity: loads an </a:t>
-            </a:r>
-            <a:r>
-              <a:rPr lang="en-US" sz="2400" dirty="0" smtClean="0"/>
-              <a:t>XML </a:t>
-            </a:r>
-            <a:r>
-              <a:rPr lang="en-US" sz="2400" dirty="0"/>
-              <a:t>layout</a:t>
+              <a:t>Activity: loads an XML layout</a:t>
             </a:r>
           </a:p>
         </p:txBody>
@@ -7408,26 +7381,9 @@
           <a:p>
             <a:pPr lvl="0" algn="ctr"/>
             <a:r>
-              <a:rPr lang="en-US" sz="2400" dirty="0" smtClean="0"/>
-              <a:t>XML </a:t>
-            </a:r>
-            <a:r>
               <a:rPr lang="en-US" sz="2400" dirty="0"/>
-              <a:t>layout: instantiates </a:t>
-            </a:r>
-            <a:r>
-              <a:rPr lang="en-US" sz="2400" dirty="0" smtClean="0"/>
-              <a:t>two </a:t>
-            </a:r>
-            <a:r>
-              <a:rPr lang="en-US" sz="2400" dirty="0"/>
-              <a:t>Fragment </a:t>
-            </a:r>
-            <a:r>
-              <a:rPr lang="en-US" sz="2400" dirty="0" smtClean="0"/>
-              <a:t>objects</a:t>
-            </a:r>
-            <a:endParaRPr lang="en-US" sz="2400" dirty="0"/>
+              <a:t>XML layout: instantiates two Fragment objects</a:t>
+            </a:r>
           </a:p>
         </p:txBody>
       </p:sp>
@@ -7474,20 +7430,12 @@
               <a:rPr lang="en-US" sz="2400" dirty="0"/>
               <a:t>Fragment object: </a:t>
             </a:r>
-            <a:r>
-              <a:rPr lang="en-US" sz="2400" dirty="0" smtClean="0"/>
-              <a:t/>
-            </a:r>
             <a:br>
-              <a:rPr lang="en-US" sz="2400" dirty="0" smtClean="0"/>
+              <a:rPr lang="en-US" sz="2400" dirty="0"/>
             </a:br>
             <a:r>
-              <a:rPr lang="en-US" sz="2400" dirty="0" smtClean="0"/>
-              <a:t>inflates XML </a:t>
-            </a:r>
-            <a:r>
               <a:rPr lang="en-US" sz="2400" dirty="0"/>
-              <a:t>UI layout</a:t>
+              <a:t>inflates XML UI layout</a:t>
             </a:r>
           </a:p>
         </p:txBody>
@@ -7532,12 +7480,8 @@
           <a:p>
             <a:pPr lvl="0" algn="ctr"/>
             <a:r>
-              <a:rPr lang="en-US" sz="2400" dirty="0" smtClean="0"/>
-              <a:t>XML </a:t>
-            </a:r>
-            <a:r>
               <a:rPr lang="en-US" sz="2400" dirty="0"/>
-              <a:t>UI layout is displayed by the activity</a:t>
+              <a:t>XML UI layout is displayed by the activity</a:t>
             </a:r>
           </a:p>
         </p:txBody>
@@ -7757,20 +7701,12 @@
               <a:rPr lang="en-US" sz="2400" dirty="0"/>
               <a:t>Fragment object: </a:t>
             </a:r>
-            <a:r>
-              <a:rPr lang="en-US" sz="2400" dirty="0" smtClean="0"/>
-              <a:t/>
-            </a:r>
             <a:br>
-              <a:rPr lang="en-US" sz="2400" dirty="0" smtClean="0"/>
+              <a:rPr lang="en-US" sz="2400" dirty="0"/>
             </a:br>
             <a:r>
-              <a:rPr lang="en-US" sz="2400" dirty="0" smtClean="0"/>
-              <a:t>inflates XML </a:t>
-            </a:r>
-            <a:r>
               <a:rPr lang="en-US" sz="2400" dirty="0"/>
-              <a:t>UI layout</a:t>
+              <a:t>inflates XML UI layout</a:t>
             </a:r>
           </a:p>
         </p:txBody>
@@ -7815,12 +7751,8 @@
           <a:p>
             <a:pPr lvl="0" algn="ctr"/>
             <a:r>
-              <a:rPr lang="en-US" sz="2400" dirty="0" smtClean="0"/>
-              <a:t>XML </a:t>
-            </a:r>
-            <a:r>
               <a:rPr lang="en-US" sz="2400" dirty="0"/>
-              <a:t>UI layout is displayed by the activity</a:t>
+              <a:t>XML UI layout is displayed by the activity</a:t>
             </a:r>
           </a:p>
         </p:txBody>
@@ -7878,13 +7810,6 @@
   <p:clrMapOvr>
     <a:masterClrMapping/>
   </p:clrMapOvr>
-  <p:timing>
-    <p:tnLst>
-      <p:par>
-        <p:cTn id="1" dur="indefinite" restart="never" nodeType="tmRoot"/>
-      </p:par>
-    </p:tnLst>
-  </p:timing>
 </p:sld>
 </file>
 
@@ -7944,18 +7869,13 @@
           </a:lstStyle>
           <a:p>
             <a:r>
-              <a:rPr lang="en-US" dirty="0" smtClean="0">
+              <a:rPr lang="en-US" dirty="0">
                 <a:solidFill>
                   <a:srgbClr val="0000FF"/>
                 </a:solidFill>
               </a:rPr>
               <a:t>Large Screen Sequence</a:t>
             </a:r>
-            <a:endParaRPr lang="en-US" dirty="0">
-              <a:solidFill>
-                <a:srgbClr val="0000FF"/>
-              </a:solidFill>
-            </a:endParaRPr>
           </a:p>
         </p:txBody>
       </p:sp>
@@ -7994,13 +7914,6 @@
   <p:clrMapOvr>
     <a:masterClrMapping/>
   </p:clrMapOvr>
-  <p:timing>
-    <p:tnLst>
-      <p:par>
-        <p:cTn id="1" dur="indefinite" restart="never" nodeType="tmRoot"/>
-      </p:par>
-    </p:tnLst>
-  </p:timing>
 </p:sld>
 </file>
 
@@ -8045,10 +7958,9 @@
               <a:defRPr/>
             </a:pPr>
             <a:r>
-              <a:rPr lang="en-US" smtClean="0"/>
+              <a:rPr lang="en-US"/>
               <a:t>Murach's Android Programming, C9</a:t>
             </a:r>
-            <a:endParaRPr lang="en-US"/>
           </a:p>
         </p:txBody>
       </p:sp>
@@ -8076,10 +7988,9 @@
               <a:defRPr/>
             </a:pPr>
             <a:r>
-              <a:rPr lang="en-US" smtClean="0"/>
+              <a:rPr lang="en-US"/>
               <a:t>© 2013, Mike Murach &amp; Associates, Inc.</a:t>
             </a:r>
-            <a:endParaRPr lang="en-US"/>
           </a:p>
         </p:txBody>
       </p:sp>
@@ -8106,14 +8017,14 @@
             <a:pPr>
               <a:defRPr/>
             </a:pPr>
-            <a:endParaRPr lang="en-US" smtClean="0"/>
+            <a:endParaRPr lang="en-US"/>
           </a:p>
           <a:p>
             <a:pPr algn="r">
               <a:defRPr/>
             </a:pPr>
             <a:r>
-              <a:rPr lang="en-US" sz="900" smtClean="0">
+              <a:rPr lang="en-US" sz="900">
                 <a:latin typeface="Arial Narrow" pitchFamily="34" charset="0"/>
               </a:rPr>
               <a:t>Slide </a:t>
@@ -8155,7 +8066,7 @@
           <a:graphicData uri="http://schemas.openxmlformats.org/presentationml/2006/ole">
             <mc:AlternateContent xmlns:mc="http://schemas.openxmlformats.org/markup-compatibility/2006">
               <mc:Choice xmlns:v="urn:schemas-microsoft-com:vml" Requires="v">
-                <p:oleObj spid="_x0000_s2073" name="Document" r:id="rId3" imgW="7235249" imgH="5561017" progId="Word.Document.12">
+                <p:oleObj spid="_x0000_s2076" name="Document" r:id="rId3" imgW="7235249" imgH="5561017" progId="Word.Document.12">
                   <p:embed/>
                 </p:oleObj>
               </mc:Choice>
@@ -8200,13 +8111,6 @@
   <p:clrMapOvr>
     <a:masterClrMapping/>
   </p:clrMapOvr>
-  <p:timing>
-    <p:tnLst>
-      <p:par>
-        <p:cTn id="1" dur="indefinite" restart="never" nodeType="tmRoot"/>
-      </p:par>
-    </p:tnLst>
-  </p:timing>
 </p:sld>
 </file>
 
@@ -8251,10 +8155,9 @@
               <a:defRPr/>
             </a:pPr>
             <a:r>
-              <a:rPr lang="en-US" smtClean="0"/>
+              <a:rPr lang="en-US"/>
               <a:t>Murach's Android Programming, C9</a:t>
             </a:r>
-            <a:endParaRPr lang="en-US"/>
           </a:p>
         </p:txBody>
       </p:sp>
@@ -8282,10 +8185,9 @@
               <a:defRPr/>
             </a:pPr>
             <a:r>
-              <a:rPr lang="en-US" smtClean="0"/>
+              <a:rPr lang="en-US"/>
               <a:t>© 2013, Mike Murach &amp; Associates, Inc.</a:t>
             </a:r>
-            <a:endParaRPr lang="en-US"/>
           </a:p>
         </p:txBody>
       </p:sp>
@@ -8312,14 +8214,14 @@
             <a:pPr>
               <a:defRPr/>
             </a:pPr>
-            <a:endParaRPr lang="en-US" smtClean="0"/>
+            <a:endParaRPr lang="en-US"/>
           </a:p>
           <a:p>
             <a:pPr algn="r">
               <a:defRPr/>
             </a:pPr>
             <a:r>
-              <a:rPr lang="en-US" sz="900" smtClean="0">
+              <a:rPr lang="en-US" sz="900">
                 <a:latin typeface="Arial Narrow" pitchFamily="34" charset="0"/>
               </a:rPr>
               <a:t>Slide </a:t>
@@ -8361,7 +8263,7 @@
           <a:graphicData uri="http://schemas.openxmlformats.org/presentationml/2006/ole">
             <mc:AlternateContent xmlns:mc="http://schemas.openxmlformats.org/markup-compatibility/2006">
               <mc:Choice xmlns:v="urn:schemas-microsoft-com:vml" Requires="v">
-                <p:oleObj spid="_x0000_s3097" name="Document" r:id="rId3" imgW="7359921" imgH="5434032" progId="Word.Document.12">
+                <p:oleObj spid="_x0000_s3100" name="Document" r:id="rId3" imgW="7359921" imgH="5434032" progId="Word.Document.12">
                   <p:embed/>
                 </p:oleObj>
               </mc:Choice>
@@ -8406,13 +8308,6 @@
   <p:clrMapOvr>
     <a:masterClrMapping/>
   </p:clrMapOvr>
-  <p:timing>
-    <p:tnLst>
-      <p:par>
-        <p:cTn id="1" dur="indefinite" restart="never" nodeType="tmRoot"/>
-      </p:par>
-    </p:tnLst>
-  </p:timing>
 </p:sld>
 </file>
 
@@ -8456,10 +8351,9 @@
           <a:lstStyle/>
           <a:p>
             <a:r>
-              <a:rPr lang="en-US" dirty="0" smtClean="0"/>
+              <a:rPr lang="en-US" dirty="0"/>
               <a:t>Calculating Size Qualifiers</a:t>
             </a:r>
-            <a:endParaRPr lang="en-US" dirty="0"/>
           </a:p>
         </p:txBody>
       </p:sp>
@@ -8486,116 +8380,107 @@
           <a:lstStyle/>
           <a:p>
             <a:r>
-              <a:rPr lang="en-US" dirty="0" smtClean="0"/>
+              <a:rPr lang="en-US" dirty="0"/>
               <a:t>Size qualifiers are in </a:t>
             </a:r>
             <a:r>
-              <a:rPr lang="en-US" dirty="0" err="1" smtClean="0"/>
+              <a:rPr lang="en-US" dirty="0" err="1"/>
               <a:t>dp</a:t>
             </a:r>
             <a:r>
-              <a:rPr lang="en-US" dirty="0" smtClean="0"/>
+              <a:rPr lang="en-US" dirty="0"/>
               <a:t> </a:t>
             </a:r>
-            <a:r>
-              <a:rPr lang="en-US" dirty="0" smtClean="0"/>
-              <a:t/>
-            </a:r>
             <a:br>
-              <a:rPr lang="en-US" dirty="0" smtClean="0"/>
+              <a:rPr lang="en-US" dirty="0"/>
             </a:br>
             <a:r>
-              <a:rPr lang="en-US" dirty="0" smtClean="0"/>
+              <a:rPr lang="en-US" dirty="0"/>
               <a:t>(</a:t>
             </a:r>
             <a:r>
-              <a:rPr lang="en-US" dirty="0" err="1" smtClean="0"/>
+              <a:rPr lang="en-US" dirty="0" err="1"/>
               <a:t>dp</a:t>
             </a:r>
             <a:r>
-              <a:rPr lang="en-US" dirty="0" smtClean="0"/>
-              <a:t> = Density-independent </a:t>
-            </a:r>
-            <a:r>
-              <a:rPr lang="en-US" dirty="0" smtClean="0"/>
-              <a:t>Pixels)</a:t>
+              <a:rPr lang="en-US" dirty="0"/>
+              <a:t> = Density-independent Pixels)</a:t>
             </a:r>
           </a:p>
           <a:p>
             <a:pPr lvl="1"/>
             <a:r>
-              <a:rPr lang="en-US" dirty="0" err="1" smtClean="0"/>
+              <a:rPr lang="en-US" dirty="0" err="1"/>
               <a:t>dp</a:t>
             </a:r>
             <a:r>
-              <a:rPr lang="en-US" dirty="0" smtClean="0"/>
+              <a:rPr lang="en-US" dirty="0"/>
               <a:t> = screen </a:t>
             </a:r>
             <a:r>
-              <a:rPr lang="en-US" dirty="0" err="1" smtClean="0"/>
+              <a:rPr lang="en-US" dirty="0" err="1"/>
               <a:t>ppi</a:t>
             </a:r>
             <a:r>
-              <a:rPr lang="en-US" dirty="0" smtClean="0"/>
+              <a:rPr lang="en-US" dirty="0"/>
               <a:t> / 160 </a:t>
             </a:r>
             <a:r>
-              <a:rPr lang="en-US" dirty="0" err="1" smtClean="0"/>
+              <a:rPr lang="en-US" dirty="0" err="1"/>
               <a:t>ppi</a:t>
             </a:r>
             <a:r>
-              <a:rPr lang="en-US" dirty="0" smtClean="0"/>
+              <a:rPr lang="en-US" dirty="0"/>
               <a:t> </a:t>
             </a:r>
           </a:p>
           <a:p>
             <a:pPr lvl="1"/>
             <a:r>
-              <a:rPr lang="en-US" dirty="0" smtClean="0"/>
+              <a:rPr lang="en-US" dirty="0"/>
               <a:t>Example: If the screen density is 320 pixels per inch, then pixels per </a:t>
             </a:r>
             <a:r>
-              <a:rPr lang="en-US" dirty="0" err="1" smtClean="0"/>
+              <a:rPr lang="en-US" dirty="0" err="1"/>
               <a:t>dp</a:t>
             </a:r>
             <a:r>
-              <a:rPr lang="en-US" dirty="0" smtClean="0"/>
+              <a:rPr lang="en-US" dirty="0"/>
               <a:t> = 320 / 160 which is 0.5</a:t>
             </a:r>
           </a:p>
           <a:p>
             <a:r>
-              <a:rPr lang="en-US" dirty="0" smtClean="0"/>
+              <a:rPr lang="en-US" dirty="0"/>
               <a:t>The size qualifier is the width or height in </a:t>
             </a:r>
             <a:r>
-              <a:rPr lang="en-US" dirty="0" err="1" smtClean="0"/>
+              <a:rPr lang="en-US" dirty="0" err="1"/>
               <a:t>dp</a:t>
             </a:r>
             <a:r>
-              <a:rPr lang="en-US" dirty="0" smtClean="0"/>
+              <a:rPr lang="en-US" dirty="0"/>
               <a:t>.</a:t>
             </a:r>
             <a:br>
-              <a:rPr lang="en-US" dirty="0" smtClean="0"/>
+              <a:rPr lang="en-US" dirty="0"/>
             </a:br>
             <a:r>
-              <a:rPr lang="en-US" dirty="0" smtClean="0"/>
+              <a:rPr lang="en-US" dirty="0"/>
               <a:t>Examples:</a:t>
             </a:r>
-            <a:endParaRPr lang="en-US" dirty="0" smtClean="0"/>
           </a:p>
           <a:p>
             <a:pPr lvl="1"/>
             <a:r>
-              <a:rPr lang="en-US" dirty="0" smtClean="0"/>
+              <a:rPr lang="en-US" dirty="0"/>
               <a:t>Nexus 7 (2012): 1200 x 800 pixels, 216 </a:t>
             </a:r>
             <a:r>
-              <a:rPr lang="en-US" dirty="0" err="1" smtClean="0"/>
+              <a:rPr lang="en-US" dirty="0" err="1"/>
               <a:t>ppi</a:t>
             </a:r>
-            <a:endParaRPr lang="en-US" dirty="0" smtClean="0"/>
+            <a:endParaRPr lang="en-US" dirty="0"/>
           </a:p>
           <a:p>
             <a:pPr lvl="2"/>
@@ -8605,143 +8490,119 @@
             </a:r>
             <a:r>
               <a:rPr lang="pl-PL" dirty="0" err="1"/>
-              <a:t>W</a:t>
-            </a:r>
-            <a:r>
-              <a:rPr lang="pl-PL" dirty="0" err="1" smtClean="0"/>
-              <a:t>idth</a:t>
-            </a:r>
-            <a:r>
-              <a:rPr lang="pl-PL" dirty="0" smtClean="0"/>
+              <a:t>Width</a:t>
+            </a:r>
+            <a:r>
+              <a:rPr lang="pl-PL" dirty="0"/>
               <a:t> in </a:t>
             </a:r>
             <a:r>
-              <a:rPr lang="pl-PL" dirty="0" err="1" smtClean="0"/>
+              <a:rPr lang="pl-PL" dirty="0" err="1"/>
               <a:t>dp</a:t>
             </a:r>
             <a:r>
               <a:rPr lang="pl-PL" dirty="0"/>
-              <a:t>:</a:t>
-            </a:r>
-            <a:r>
-              <a:rPr lang="pl-PL" dirty="0" smtClean="0"/>
-              <a:t> 800 * </a:t>
-            </a:r>
-            <a:r>
-              <a:rPr lang="pl-PL" dirty="0" smtClean="0"/>
-              <a:t>160/216</a:t>
-            </a:r>
-            <a:r>
-              <a:rPr lang="pl-PL" dirty="0" smtClean="0"/>
-              <a:t>= 593 </a:t>
-            </a:r>
-            <a:r>
-              <a:rPr lang="pl-PL" dirty="0" err="1" smtClean="0"/>
+              <a:t>: 800 * 160/216= 593 </a:t>
+            </a:r>
+            <a:r>
+              <a:rPr lang="pl-PL" dirty="0" err="1"/>
               <a:t>dp</a:t>
             </a:r>
-            <a:endParaRPr lang="pl-PL" dirty="0" smtClean="0"/>
+            <a:endParaRPr lang="pl-PL" dirty="0"/>
           </a:p>
           <a:p>
             <a:pPr lvl="1"/>
             <a:r>
-              <a:rPr lang="pl-PL" dirty="0" err="1" smtClean="0"/>
+              <a:rPr lang="pl-PL" dirty="0" err="1"/>
               <a:t>Nexus</a:t>
             </a:r>
             <a:r>
-              <a:rPr lang="pl-PL" dirty="0" smtClean="0"/>
+              <a:rPr lang="pl-PL" dirty="0"/>
               <a:t> 7 (2013): 1920 x 1200 </a:t>
             </a:r>
             <a:r>
-              <a:rPr lang="pl-PL" dirty="0" err="1" smtClean="0"/>
+              <a:rPr lang="pl-PL" dirty="0" err="1"/>
               <a:t>pixels</a:t>
             </a:r>
             <a:r>
-              <a:rPr lang="pl-PL" dirty="0" smtClean="0"/>
+              <a:rPr lang="pl-PL" dirty="0"/>
               <a:t>, 323 </a:t>
             </a:r>
             <a:r>
-              <a:rPr lang="pl-PL" dirty="0" err="1" smtClean="0"/>
+              <a:rPr lang="pl-PL" dirty="0" err="1"/>
               <a:t>ppi</a:t>
             </a:r>
-            <a:endParaRPr lang="pl-PL" dirty="0" smtClean="0"/>
+            <a:endParaRPr lang="pl-PL" dirty="0"/>
           </a:p>
           <a:p>
             <a:pPr lvl="2"/>
             <a:r>
-              <a:rPr lang="pl-PL" dirty="0" err="1" smtClean="0"/>
+              <a:rPr lang="pl-PL" dirty="0" err="1"/>
               <a:t>Width</a:t>
             </a:r>
             <a:r>
-              <a:rPr lang="pl-PL" dirty="0" smtClean="0"/>
+              <a:rPr lang="pl-PL" dirty="0"/>
               <a:t> in </a:t>
             </a:r>
             <a:r>
-              <a:rPr lang="pl-PL" dirty="0" err="1" smtClean="0"/>
+              <a:rPr lang="pl-PL" dirty="0" err="1"/>
               <a:t>dp</a:t>
             </a:r>
             <a:r>
-              <a:rPr lang="pl-PL" dirty="0" smtClean="0"/>
-              <a:t>: 1200 * </a:t>
-            </a:r>
-            <a:r>
-              <a:rPr lang="pl-PL" dirty="0" smtClean="0"/>
-              <a:t>160/323</a:t>
-            </a:r>
-            <a:r>
-              <a:rPr lang="pl-PL" dirty="0" smtClean="0"/>
-              <a:t>= 594 </a:t>
-            </a:r>
-            <a:r>
-              <a:rPr lang="pl-PL" dirty="0" err="1" smtClean="0"/>
+              <a:rPr lang="pl-PL" dirty="0"/>
+              <a:t>: 1200 * 160/323= 594 </a:t>
+            </a:r>
+            <a:r>
+              <a:rPr lang="pl-PL" dirty="0" err="1"/>
               <a:t>dp</a:t>
             </a:r>
-            <a:endParaRPr lang="pl-PL" dirty="0" smtClean="0"/>
+            <a:endParaRPr lang="pl-PL" dirty="0"/>
           </a:p>
           <a:p>
             <a:pPr lvl="1"/>
             <a:r>
-              <a:rPr lang="pl-PL" dirty="0" err="1" smtClean="0"/>
+              <a:rPr lang="pl-PL" dirty="0" err="1"/>
               <a:t>Nexus</a:t>
             </a:r>
             <a:r>
-              <a:rPr lang="pl-PL" dirty="0" smtClean="0"/>
+              <a:rPr lang="pl-PL" dirty="0"/>
               <a:t> 5X: 1920 x 1080, 423 </a:t>
             </a:r>
             <a:r>
-              <a:rPr lang="pl-PL" dirty="0" err="1" smtClean="0"/>
+              <a:rPr lang="pl-PL" dirty="0" err="1"/>
               <a:t>ppi</a:t>
             </a:r>
-            <a:endParaRPr lang="pl-PL" dirty="0" smtClean="0"/>
+            <a:endParaRPr lang="pl-PL" dirty="0"/>
           </a:p>
           <a:p>
             <a:pPr lvl="2"/>
             <a:r>
-              <a:rPr lang="pl-PL" dirty="0" err="1" smtClean="0"/>
+              <a:rPr lang="pl-PL" dirty="0" err="1"/>
               <a:t>Width</a:t>
             </a:r>
             <a:r>
-              <a:rPr lang="pl-PL" dirty="0" smtClean="0"/>
+              <a:rPr lang="pl-PL" dirty="0"/>
               <a:t> i </a:t>
             </a:r>
             <a:r>
-              <a:rPr lang="pl-PL" dirty="0" err="1" smtClean="0"/>
+              <a:rPr lang="pl-PL" dirty="0" err="1"/>
               <a:t>dp</a:t>
             </a:r>
             <a:r>
-              <a:rPr lang="pl-PL" dirty="0" smtClean="0"/>
+              <a:rPr lang="pl-PL" dirty="0"/>
               <a:t>: 1080 * 160/423 = 409 </a:t>
             </a:r>
             <a:r>
-              <a:rPr lang="pl-PL" dirty="0" err="1" smtClean="0"/>
+              <a:rPr lang="pl-PL" dirty="0" err="1"/>
               <a:t>dp</a:t>
             </a:r>
-            <a:endParaRPr lang="en-US" dirty="0" smtClean="0"/>
+            <a:endParaRPr lang="en-US" dirty="0"/>
           </a:p>
           <a:p>
             <a:pPr marL="0" indent="0">
               <a:buNone/>
             </a:pPr>
-            <a:endParaRPr lang="en-US" dirty="0" smtClean="0"/>
+            <a:endParaRPr lang="en-US" dirty="0"/>
           </a:p>
         </p:txBody>
       </p:sp>
@@ -8755,21 +8616,6 @@
   <p:clrMapOvr>
     <a:masterClrMapping/>
   </p:clrMapOvr>
-  <mc:AlternateContent xmlns:mc="http://schemas.openxmlformats.org/markup-compatibility/2006" xmlns:p14="http://schemas.microsoft.com/office/powerpoint/2010/main">
-    <mc:Choice Requires="p14">
-      <p:transition spd="slow" p14:dur="2000"/>
-    </mc:Choice>
-    <mc:Fallback xmlns="">
-      <p:transition spd="slow"/>
-    </mc:Fallback>
-  </mc:AlternateContent>
-  <p:timing>
-    <p:tnLst>
-      <p:par>
-        <p:cTn id="1" dur="indefinite" restart="never" nodeType="tmRoot"/>
-      </p:par>
-    </p:tnLst>
-  </p:timing>
 </p:sld>
 </file>
 
@@ -8836,61 +8682,24 @@
           <a:p>
             <a:pPr algn="ctr"/>
             <a:r>
-              <a:rPr lang="en-US" sz="6600" dirty="0" smtClean="0">
-                <a:solidFill>
-                  <a:srgbClr val="2D2DB9"/>
-                </a:solidFill>
-              </a:rPr>
-              <a:t>Fragment</a:t>
-            </a:r>
-            <a:r>
               <a:rPr lang="en-US" sz="6600" dirty="0">
                 <a:solidFill>
                   <a:srgbClr val="2D2DB9"/>
                 </a:solidFill>
               </a:rPr>
-              <a:t> </a:t>
-            </a:r>
-            <a:r>
-              <a:rPr lang="en-US" sz="6600" dirty="0" smtClean="0">
+              <a:t>Fragment Example</a:t>
+            </a:r>
+          </a:p>
+          <a:p>
+            <a:pPr algn="ctr"/>
+            <a:r>
+              <a:rPr lang="en-US" sz="4400" dirty="0">
                 <a:solidFill>
                   <a:srgbClr val="2D2DB9"/>
                 </a:solidFill>
               </a:rPr>
-              <a:t>Example</a:t>
-            </a:r>
-          </a:p>
-          <a:p>
-            <a:pPr algn="ctr"/>
-            <a:r>
-              <a:rPr lang="en-US" sz="4400" dirty="0" smtClean="0">
-                <a:solidFill>
-                  <a:srgbClr val="2D2DB9"/>
-                </a:solidFill>
-              </a:rPr>
-              <a:t>Refactoring</a:t>
-            </a:r>
-            <a:r>
-              <a:rPr lang="en-US" sz="4400" dirty="0" smtClean="0">
-                <a:solidFill>
-                  <a:srgbClr val="2D2DB9"/>
-                </a:solidFill>
-              </a:rPr>
-              <a:t> </a:t>
-            </a:r>
-            <a:r>
-              <a:rPr lang="en-US" sz="4400" dirty="0" smtClean="0">
-                <a:solidFill>
-                  <a:srgbClr val="2D2DB9"/>
-                </a:solidFill>
-              </a:rPr>
-              <a:t>the Rock, Paper, Scissors Game</a:t>
-            </a:r>
-            <a:endParaRPr lang="en-US" sz="4400" dirty="0">
-              <a:solidFill>
-                <a:srgbClr val="2D2DB9"/>
-              </a:solidFill>
-            </a:endParaRPr>
+              <a:t>Refactoring the Rock, Paper, Scissors Game</a:t>
+            </a:r>
           </a:p>
         </p:txBody>
       </p:sp>
@@ -8994,13 +8803,6 @@
   <p:clrMapOvr>
     <a:masterClrMapping/>
   </p:clrMapOvr>
-  <p:timing>
-    <p:tnLst>
-      <p:par>
-        <p:cTn id="1" dur="indefinite" restart="never" nodeType="tmRoot"/>
-      </p:par>
-    </p:tnLst>
-  </p:timing>
 </p:sld>
 </file>
 
@@ -9037,10 +8839,9 @@
           <a:lstStyle/>
           <a:p>
             <a:r>
-              <a:rPr lang="en-US" dirty="0" smtClean="0"/>
+              <a:rPr lang="en-US" dirty="0"/>
               <a:t>Non-Fragment RPS Game UI</a:t>
             </a:r>
-            <a:endParaRPr lang="en-US" dirty="0"/>
           </a:p>
         </p:txBody>
       </p:sp>
@@ -9113,13 +8914,6 @@
   <p:clrMapOvr>
     <a:masterClrMapping/>
   </p:clrMapOvr>
-  <p:timing>
-    <p:tnLst>
-      <p:par>
-        <p:cTn id="1" dur="indefinite" restart="never" nodeType="tmRoot"/>
-      </p:par>
-    </p:tnLst>
-  </p:timing>
 </p:sld>
 </file>
 
@@ -9158,10 +8952,9 @@
           <a:lstStyle/>
           <a:p>
             <a:r>
-              <a:rPr lang="en-US" dirty="0" smtClean="0"/>
+              <a:rPr lang="en-US" dirty="0"/>
               <a:t>Files in the Non-Fragment RPS Game Example</a:t>
             </a:r>
-            <a:endParaRPr lang="en-US" dirty="0"/>
           </a:p>
         </p:txBody>
       </p:sp>
@@ -9189,25 +8982,25 @@
               <a:buNone/>
             </a:pPr>
             <a:r>
-              <a:rPr lang="en-US" dirty="0" smtClean="0"/>
+              <a:rPr lang="en-US" dirty="0"/>
               <a:t>The files we are interested in are the ones that will be modified when we refactor our app to use fragments:</a:t>
             </a:r>
           </a:p>
           <a:p>
             <a:r>
-              <a:rPr lang="en-US" dirty="0" smtClean="0"/>
+              <a:rPr lang="en-US" dirty="0"/>
               <a:t>MainActivity.java</a:t>
             </a:r>
           </a:p>
           <a:p>
             <a:r>
-              <a:rPr lang="en-US" dirty="0" smtClean="0"/>
+              <a:rPr lang="en-US" dirty="0"/>
               <a:t>activity_main.xml</a:t>
             </a:r>
           </a:p>
           <a:p>
             <a:r>
-              <a:rPr lang="en-US" dirty="0" smtClean="0"/>
+              <a:rPr lang="en-US" dirty="0"/>
               <a:t>activity_main.xml (land)</a:t>
             </a:r>
           </a:p>
@@ -9223,13 +9016,6 @@
   <p:clrMapOvr>
     <a:masterClrMapping/>
   </p:clrMapOvr>
-  <p:timing>
-    <p:tnLst>
-      <p:par>
-        <p:cTn id="1" dur="indefinite" restart="never" nodeType="tmRoot"/>
-      </p:par>
-    </p:tnLst>
-  </p:timing>
 </p:sld>
 </file>
 
@@ -9273,10 +9059,9 @@
           <a:lstStyle/>
           <a:p>
             <a:r>
-              <a:rPr lang="en-US" dirty="0" smtClean="0"/>
+              <a:rPr lang="en-US" dirty="0"/>
               <a:t>Planned Layout: Small Screen with Fragments</a:t>
             </a:r>
-            <a:endParaRPr lang="en-US" dirty="0"/>
           </a:p>
         </p:txBody>
       </p:sp>
@@ -9362,10 +9147,9 @@
           <a:lstStyle/>
           <a:p>
             <a:r>
-              <a:rPr lang="en-US" sz="2400" dirty="0" smtClean="0"/>
+              <a:rPr lang="en-US" sz="2400" dirty="0"/>
               <a:t>First Screen</a:t>
             </a:r>
-            <a:endParaRPr lang="en-US" sz="2400" dirty="0"/>
           </a:p>
         </p:txBody>
       </p:sp>
@@ -9392,10 +9176,9 @@
           <a:lstStyle/>
           <a:p>
             <a:r>
-              <a:rPr lang="en-US" sz="2400" dirty="0" smtClean="0"/>
+              <a:rPr lang="en-US" sz="2400" dirty="0"/>
               <a:t>Second Screen</a:t>
             </a:r>
-            <a:endParaRPr lang="en-US" sz="2400" dirty="0"/>
           </a:p>
         </p:txBody>
       </p:sp>
@@ -9409,13 +9192,6 @@
   <p:clrMapOvr>
     <a:masterClrMapping/>
   </p:clrMapOvr>
-  <p:timing>
-    <p:tnLst>
-      <p:par>
-        <p:cTn id="1" dur="indefinite" restart="never" nodeType="tmRoot"/>
-      </p:par>
-    </p:tnLst>
-  </p:timing>
 </p:sld>
 </file>
 
@@ -9452,18 +9228,13 @@
           <a:lstStyle/>
           <a:p>
             <a:r>
-              <a:rPr lang="en-US" dirty="0" smtClean="0">
+              <a:rPr lang="en-US" dirty="0">
                 <a:solidFill>
                   <a:srgbClr val="2D2DB9"/>
                 </a:solidFill>
               </a:rPr>
               <a:t>Course Overview</a:t>
             </a:r>
-            <a:endParaRPr lang="en-US" dirty="0">
-              <a:solidFill>
-                <a:srgbClr val="2D2DB9"/>
-              </a:solidFill>
-            </a:endParaRPr>
           </a:p>
         </p:txBody>
       </p:sp>
@@ -9493,8 +9264,20 @@
                 <a:tableStyleId>{5C22544A-7EE6-4342-B048-85BDC9FD1C3A}</a:tableStyleId>
               </a:tblPr>
               <a:tblGrid>
-                <a:gridCol w="511701"/>
-                <a:gridCol w="3299499"/>
+                <a:gridCol w="511701">
+                  <a:extLst>
+                    <a:ext uri="{9D8B030D-6E8A-4147-A177-3AD203B41FA5}">
+                      <a16:colId xmlns:a16="http://schemas.microsoft.com/office/drawing/2014/main" val="20000"/>
+                    </a:ext>
+                  </a:extLst>
+                </a:gridCol>
+                <a:gridCol w="3299499">
+                  <a:extLst>
+                    <a:ext uri="{9D8B030D-6E8A-4147-A177-3AD203B41FA5}">
+                      <a16:colId xmlns:a16="http://schemas.microsoft.com/office/drawing/2014/main" val="20001"/>
+                    </a:ext>
+                  </a:extLst>
+                </a:gridCol>
               </a:tblGrid>
               <a:tr h="428284">
                 <a:tc>
@@ -9503,10 +9286,9 @@
                     <a:lstStyle/>
                     <a:p>
                       <a:r>
-                        <a:rPr lang="en-US" dirty="0" smtClean="0"/>
+                        <a:rPr lang="en-US" dirty="0"/>
                         <a:t>Wk</a:t>
                       </a:r>
-                      <a:endParaRPr lang="en-US" dirty="0"/>
                     </a:p>
                   </a:txBody>
                   <a:tcPr/>
@@ -9517,14 +9299,18 @@
                     <a:lstStyle/>
                     <a:p>
                       <a:r>
-                        <a:rPr lang="en-US" dirty="0" smtClean="0"/>
+                        <a:rPr lang="en-US" dirty="0"/>
                         <a:t>Topic</a:t>
                       </a:r>
-                      <a:endParaRPr lang="en-US" dirty="0"/>
                     </a:p>
                   </a:txBody>
                   <a:tcPr/>
                 </a:tc>
+                <a:extLst>
+                  <a:ext uri="{0D108BD9-81ED-4DB2-BD59-A6C34878D82A}">
+                    <a16:rowId xmlns:a16="http://schemas.microsoft.com/office/drawing/2014/main" val="10000"/>
+                  </a:ext>
+                </a:extLst>
               </a:tr>
               <a:tr h="428284">
                 <a:tc>
@@ -9533,10 +9319,9 @@
                     <a:lstStyle/>
                     <a:p>
                       <a:r>
-                        <a:rPr lang="en-US" sz="2800" dirty="0" smtClean="0"/>
+                        <a:rPr lang="en-US" sz="2800" dirty="0"/>
                         <a:t>1</a:t>
                       </a:r>
-                      <a:endParaRPr lang="en-US" sz="2800" dirty="0"/>
                     </a:p>
                   </a:txBody>
                   <a:tcPr/>
@@ -9564,28 +9349,33 @@
                         <a:defRPr/>
                       </a:pPr>
                       <a:r>
-                        <a:rPr lang="en-US" sz="2800" dirty="0" smtClean="0"/>
+                        <a:rPr lang="en-US" sz="2800" dirty="0"/>
                         <a:t>Intro</a:t>
                       </a:r>
                       <a:r>
-                        <a:rPr lang="en-US" sz="2800" baseline="0" dirty="0" smtClean="0"/>
+                        <a:rPr lang="en-US" sz="2800" baseline="0" dirty="0"/>
                         <a:t>,</a:t>
                       </a:r>
                       <a:r>
-                        <a:rPr lang="en-US" sz="2800" dirty="0" smtClean="0"/>
+                        <a:rPr lang="en-US" sz="2800" dirty="0"/>
                         <a:t> </a:t>
                       </a:r>
                       <a:br>
-                        <a:rPr lang="en-US" sz="2800" dirty="0" smtClean="0"/>
+                        <a:rPr lang="en-US" sz="2800" dirty="0"/>
                       </a:br>
                       <a:r>
-                        <a:rPr lang="en-US" sz="2800" dirty="0" smtClean="0"/>
+                        <a:rPr lang="en-US" sz="2800" dirty="0"/>
                         <a:t>single-screen apps</a:t>
                       </a:r>
                     </a:p>
                   </a:txBody>
                   <a:tcPr/>
                 </a:tc>
+                <a:extLst>
+                  <a:ext uri="{0D108BD9-81ED-4DB2-BD59-A6C34878D82A}">
+                    <a16:rowId xmlns:a16="http://schemas.microsoft.com/office/drawing/2014/main" val="10001"/>
+                  </a:ext>
+                </a:extLst>
               </a:tr>
               <a:tr h="428284">
                 <a:tc>
@@ -9594,10 +9384,9 @@
                     <a:lstStyle/>
                     <a:p>
                       <a:r>
-                        <a:rPr lang="en-US" sz="2800" dirty="0" smtClean="0"/>
+                        <a:rPr lang="en-US" sz="2800" dirty="0"/>
                         <a:t>1</a:t>
                       </a:r>
-                      <a:endParaRPr lang="en-US" sz="2800" dirty="0"/>
                     </a:p>
                   </a:txBody>
                   <a:tcPr/>
@@ -9625,18 +9414,23 @@
                         <a:defRPr/>
                       </a:pPr>
                       <a:r>
-                        <a:rPr lang="en-US" sz="2800" dirty="0" smtClean="0"/>
+                        <a:rPr lang="en-US" sz="2800" dirty="0"/>
                         <a:t>Activity Lifecycle, saving</a:t>
                       </a:r>
                       <a:r>
-                        <a:rPr lang="en-US" sz="2800" baseline="0" dirty="0" smtClean="0"/>
+                        <a:rPr lang="en-US" sz="2800" baseline="0" dirty="0"/>
                         <a:t> activity state</a:t>
                       </a:r>
-                      <a:endParaRPr lang="en-US" sz="2800" dirty="0" smtClean="0"/>
+                      <a:endParaRPr lang="en-US" sz="2800" dirty="0"/>
                     </a:p>
                   </a:txBody>
                   <a:tcPr/>
                 </a:tc>
+                <a:extLst>
+                  <a:ext uri="{0D108BD9-81ED-4DB2-BD59-A6C34878D82A}">
+                    <a16:rowId xmlns:a16="http://schemas.microsoft.com/office/drawing/2014/main" val="10002"/>
+                  </a:ext>
+                </a:extLst>
               </a:tr>
               <a:tr h="428284">
                 <a:tc>
@@ -9645,10 +9439,9 @@
                     <a:lstStyle/>
                     <a:p>
                       <a:r>
-                        <a:rPr lang="en-US" sz="2800" dirty="0" smtClean="0"/>
+                        <a:rPr lang="en-US" sz="2800" dirty="0"/>
                         <a:t>2</a:t>
                       </a:r>
-                      <a:endParaRPr lang="en-US" sz="2800" dirty="0"/>
                     </a:p>
                   </a:txBody>
                   <a:tcPr/>
@@ -9676,11 +9469,11 @@
                         <a:defRPr/>
                       </a:pPr>
                       <a:r>
-                        <a:rPr lang="en-US" sz="2800" dirty="0" smtClean="0"/>
+                        <a:rPr lang="en-US" sz="2800" dirty="0"/>
                         <a:t>Layouts</a:t>
                       </a:r>
                       <a:r>
-                        <a:rPr lang="en-US" sz="2800" baseline="0" dirty="0" smtClean="0"/>
+                        <a:rPr lang="en-US" sz="2800" baseline="0" dirty="0"/>
                         <a:t> + widgets,</a:t>
                       </a:r>
                     </a:p>
@@ -9703,14 +9496,19 @@
                         <a:defRPr/>
                       </a:pPr>
                       <a:r>
-                        <a:rPr lang="en-US" sz="2800" baseline="0" dirty="0" smtClean="0"/>
+                        <a:rPr lang="en-US" sz="2800" baseline="0" dirty="0"/>
                         <a:t>Event Handlers</a:t>
                       </a:r>
-                      <a:endParaRPr lang="en-US" sz="2800" dirty="0" smtClean="0"/>
+                      <a:endParaRPr lang="en-US" sz="2800" dirty="0"/>
                     </a:p>
                   </a:txBody>
                   <a:tcPr/>
                 </a:tc>
+                <a:extLst>
+                  <a:ext uri="{0D108BD9-81ED-4DB2-BD59-A6C34878D82A}">
+                    <a16:rowId xmlns:a16="http://schemas.microsoft.com/office/drawing/2014/main" val="10003"/>
+                  </a:ext>
+                </a:extLst>
               </a:tr>
               <a:tr h="428284">
                 <a:tc>
@@ -9719,10 +9517,9 @@
                     <a:lstStyle/>
                     <a:p>
                       <a:r>
-                        <a:rPr lang="en-US" sz="2800" dirty="0" smtClean="0"/>
+                        <a:rPr lang="en-US" sz="2800" dirty="0"/>
                         <a:t>2</a:t>
                       </a:r>
-                      <a:endParaRPr lang="en-US" sz="2800" dirty="0"/>
                     </a:p>
                   </a:txBody>
                   <a:tcPr>
@@ -9756,7 +9553,7 @@
                         <a:defRPr/>
                       </a:pPr>
                       <a:r>
-                        <a:rPr lang="en-US" sz="2800" u="none" baseline="0" dirty="0" smtClean="0"/>
+                        <a:rPr lang="en-US" sz="2800" u="none" baseline="0" dirty="0"/>
                         <a:t>Themes + styles,</a:t>
                       </a:r>
                     </a:p>
@@ -9779,10 +9576,10 @@
                         <a:defRPr/>
                       </a:pPr>
                       <a:r>
-                        <a:rPr lang="en-US" sz="2800" u="none" baseline="0" dirty="0" smtClean="0"/>
+                        <a:rPr lang="en-US" sz="2800" u="none" baseline="0" dirty="0"/>
                         <a:t>Menu + settings</a:t>
                       </a:r>
-                      <a:endParaRPr lang="en-US" sz="2800" u="none" dirty="0" smtClean="0"/>
+                      <a:endParaRPr lang="en-US" sz="2800" u="none" dirty="0"/>
                     </a:p>
                   </a:txBody>
                   <a:tcPr>
@@ -9793,6 +9590,11 @@
                     </a:solidFill>
                   </a:tcPr>
                 </a:tc>
+                <a:extLst>
+                  <a:ext uri="{0D108BD9-81ED-4DB2-BD59-A6C34878D82A}">
+                    <a16:rowId xmlns:a16="http://schemas.microsoft.com/office/drawing/2014/main" val="10004"/>
+                  </a:ext>
+                </a:extLst>
               </a:tr>
               <a:tr h="428284">
                 <a:tc>
@@ -9801,10 +9603,9 @@
                     <a:lstStyle/>
                     <a:p>
                       <a:r>
-                        <a:rPr lang="en-US" sz="2800" dirty="0" smtClean="0"/>
+                        <a:rPr lang="en-US" sz="2800" dirty="0"/>
                         <a:t>2</a:t>
                       </a:r>
-                      <a:endParaRPr lang="en-US" sz="2800" dirty="0"/>
                     </a:p>
                   </a:txBody>
                   <a:tcPr>
@@ -9839,14 +9640,14 @@
                         <a:defRPr/>
                       </a:pPr>
                       <a:r>
-                        <a:rPr lang="en-US" sz="2800" dirty="0" smtClean="0"/>
+                        <a:rPr lang="en-US" sz="2800" dirty="0"/>
                         <a:t>Multi-screen</a:t>
                       </a:r>
                       <a:r>
-                        <a:rPr lang="en-US" sz="2800" baseline="0" dirty="0" smtClean="0"/>
+                        <a:rPr lang="en-US" sz="2800" baseline="0" dirty="0"/>
                         <a:t> apps</a:t>
                       </a:r>
-                      <a:endParaRPr lang="en-US" sz="2800" u="sng" dirty="0" smtClean="0">
+                      <a:endParaRPr lang="en-US" sz="2800" u="sng" dirty="0">
                         <a:solidFill>
                           <a:schemeClr val="tx1"/>
                         </a:solidFill>
@@ -9862,6 +9663,11 @@
                     </a:solidFill>
                   </a:tcPr>
                 </a:tc>
+                <a:extLst>
+                  <a:ext uri="{0D108BD9-81ED-4DB2-BD59-A6C34878D82A}">
+                    <a16:rowId xmlns:a16="http://schemas.microsoft.com/office/drawing/2014/main" val="10005"/>
+                  </a:ext>
+                </a:extLst>
               </a:tr>
             </a:tbl>
           </a:graphicData>
@@ -9893,8 +9699,20 @@
                 <a:tableStyleId>{5C22544A-7EE6-4342-B048-85BDC9FD1C3A}</a:tableStyleId>
               </a:tblPr>
               <a:tblGrid>
-                <a:gridCol w="589196"/>
-                <a:gridCol w="3685178"/>
+                <a:gridCol w="589196">
+                  <a:extLst>
+                    <a:ext uri="{9D8B030D-6E8A-4147-A177-3AD203B41FA5}">
+                      <a16:colId xmlns:a16="http://schemas.microsoft.com/office/drawing/2014/main" val="20000"/>
+                    </a:ext>
+                  </a:extLst>
+                </a:gridCol>
+                <a:gridCol w="3685178">
+                  <a:extLst>
+                    <a:ext uri="{9D8B030D-6E8A-4147-A177-3AD203B41FA5}">
+                      <a16:colId xmlns:a16="http://schemas.microsoft.com/office/drawing/2014/main" val="20001"/>
+                    </a:ext>
+                  </a:extLst>
+                </a:gridCol>
               </a:tblGrid>
               <a:tr h="349095">
                 <a:tc>
@@ -9903,10 +9721,9 @@
                     <a:lstStyle/>
                     <a:p>
                       <a:r>
-                        <a:rPr lang="en-US" dirty="0" smtClean="0"/>
+                        <a:rPr lang="en-US" dirty="0"/>
                         <a:t>Wk</a:t>
                       </a:r>
-                      <a:endParaRPr lang="en-US" dirty="0"/>
                     </a:p>
                   </a:txBody>
                   <a:tcPr/>
@@ -9917,14 +9734,18 @@
                     <a:lstStyle/>
                     <a:p>
                       <a:r>
-                        <a:rPr lang="en-US" dirty="0" smtClean="0"/>
+                        <a:rPr lang="en-US" dirty="0"/>
                         <a:t>Topic</a:t>
                       </a:r>
-                      <a:endParaRPr lang="en-US" dirty="0"/>
                     </a:p>
                   </a:txBody>
                   <a:tcPr/>
                 </a:tc>
+                <a:extLst>
+                  <a:ext uri="{0D108BD9-81ED-4DB2-BD59-A6C34878D82A}">
+                    <a16:rowId xmlns:a16="http://schemas.microsoft.com/office/drawing/2014/main" val="10000"/>
+                  </a:ext>
+                </a:extLst>
               </a:tr>
               <a:tr h="494552">
                 <a:tc>
@@ -9933,10 +9754,9 @@
                     <a:lstStyle/>
                     <a:p>
                       <a:r>
-                        <a:rPr lang="en-US" sz="2800" dirty="0" smtClean="0"/>
+                        <a:rPr lang="en-US" sz="2800" dirty="0"/>
                         <a:t>3</a:t>
                       </a:r>
-                      <a:endParaRPr lang="en-US" sz="2800" dirty="0"/>
                     </a:p>
                   </a:txBody>
                   <a:tcPr>
@@ -9968,7 +9788,7 @@
                         <a:defRPr/>
                       </a:pPr>
                       <a:r>
-                        <a:rPr lang="en-US" sz="2800" dirty="0" smtClean="0"/>
+                        <a:rPr lang="en-US" sz="2800" dirty="0"/>
                         <a:t>Fragments</a:t>
                       </a:r>
                     </a:p>
@@ -9979,6 +9799,11 @@
                     </a:solidFill>
                   </a:tcPr>
                 </a:tc>
+                <a:extLst>
+                  <a:ext uri="{0D108BD9-81ED-4DB2-BD59-A6C34878D82A}">
+                    <a16:rowId xmlns:a16="http://schemas.microsoft.com/office/drawing/2014/main" val="10001"/>
+                  </a:ext>
+                </a:extLst>
               </a:tr>
               <a:tr h="1151965">
                 <a:tc>
@@ -9987,10 +9812,9 @@
                     <a:lstStyle/>
                     <a:p>
                       <a:r>
-                        <a:rPr lang="en-US" sz="2800" dirty="0" smtClean="0"/>
+                        <a:rPr lang="en-US" sz="2800" dirty="0"/>
                         <a:t>3</a:t>
                       </a:r>
-                      <a:endParaRPr lang="en-US" sz="2800" dirty="0"/>
                     </a:p>
                   </a:txBody>
                   <a:tcPr/>
@@ -10018,7 +9842,7 @@
                         <a:defRPr/>
                       </a:pPr>
                       <a:r>
-                        <a:rPr lang="en-US" sz="2800" baseline="0" dirty="0" smtClean="0"/>
+                        <a:rPr lang="en-US" sz="2800" baseline="0" dirty="0"/>
                         <a:t>Reading XML files,</a:t>
                       </a:r>
                     </a:p>
@@ -10041,14 +9865,19 @@
                         <a:defRPr/>
                       </a:pPr>
                       <a:r>
-                        <a:rPr lang="en-US" sz="2800" baseline="0" dirty="0" smtClean="0"/>
+                        <a:rPr lang="en-US" sz="2800" baseline="0" dirty="0"/>
                         <a:t>Asynch Tasks</a:t>
                       </a:r>
-                      <a:endParaRPr lang="en-US" sz="2800" dirty="0" smtClean="0"/>
+                      <a:endParaRPr lang="en-US" sz="2800" dirty="0"/>
                     </a:p>
                   </a:txBody>
                   <a:tcPr/>
                 </a:tc>
+                <a:extLst>
+                  <a:ext uri="{0D108BD9-81ED-4DB2-BD59-A6C34878D82A}">
+                    <a16:rowId xmlns:a16="http://schemas.microsoft.com/office/drawing/2014/main" val="10002"/>
+                  </a:ext>
+                </a:extLst>
               </a:tr>
               <a:tr h="641268">
                 <a:tc>
@@ -10057,10 +9886,9 @@
                     <a:lstStyle/>
                     <a:p>
                       <a:r>
-                        <a:rPr lang="en-US" sz="2800" dirty="0" smtClean="0"/>
+                        <a:rPr lang="en-US" sz="2800" dirty="0"/>
                         <a:t>3</a:t>
                       </a:r>
-                      <a:endParaRPr lang="en-US" sz="2800" dirty="0"/>
                     </a:p>
                   </a:txBody>
                   <a:tcPr/>
@@ -10088,18 +9916,23 @@
                         <a:defRPr/>
                       </a:pPr>
                       <a:r>
-                        <a:rPr lang="en-US" sz="2800" dirty="0" smtClean="0"/>
+                        <a:rPr lang="en-US" sz="2800" dirty="0"/>
                         <a:t>SQLite</a:t>
                       </a:r>
                       <a:r>
-                        <a:rPr lang="en-US" sz="2800" baseline="0" dirty="0" smtClean="0"/>
+                        <a:rPr lang="en-US" sz="2800" baseline="0" dirty="0"/>
                         <a:t> Database</a:t>
                       </a:r>
-                      <a:endParaRPr lang="en-US" sz="2800" dirty="0" smtClean="0"/>
+                      <a:endParaRPr lang="en-US" sz="2800" dirty="0"/>
                     </a:p>
                   </a:txBody>
                   <a:tcPr/>
                 </a:tc>
+                <a:extLst>
+                  <a:ext uri="{0D108BD9-81ED-4DB2-BD59-A6C34878D82A}">
+                    <a16:rowId xmlns:a16="http://schemas.microsoft.com/office/drawing/2014/main" val="10003"/>
+                  </a:ext>
+                </a:extLst>
               </a:tr>
               <a:tr h="1015409">
                 <a:tc>
@@ -10108,10 +9941,9 @@
                     <a:lstStyle/>
                     <a:p>
                       <a:r>
-                        <a:rPr lang="en-US" sz="2800" dirty="0" smtClean="0"/>
+                        <a:rPr lang="en-US" sz="2800" dirty="0"/>
                         <a:t>4</a:t>
                       </a:r>
-                      <a:endParaRPr lang="en-US" sz="2800" dirty="0"/>
                     </a:p>
                   </a:txBody>
                   <a:tcPr/>
@@ -10139,13 +9971,18 @@
                         <a:defRPr/>
                       </a:pPr>
                       <a:r>
-                        <a:rPr lang="en-US" sz="2800" dirty="0" smtClean="0"/>
+                        <a:rPr lang="en-US" sz="2800" dirty="0"/>
                         <a:t>Consuming a web service</a:t>
                       </a:r>
                     </a:p>
                   </a:txBody>
                   <a:tcPr/>
                 </a:tc>
+                <a:extLst>
+                  <a:ext uri="{0D108BD9-81ED-4DB2-BD59-A6C34878D82A}">
+                    <a16:rowId xmlns:a16="http://schemas.microsoft.com/office/drawing/2014/main" val="10004"/>
+                  </a:ext>
+                </a:extLst>
               </a:tr>
               <a:tr h="986022">
                 <a:tc>
@@ -10154,10 +9991,9 @@
                     <a:lstStyle/>
                     <a:p>
                       <a:r>
-                        <a:rPr lang="en-US" sz="2800" dirty="0" smtClean="0"/>
+                        <a:rPr lang="en-US" sz="2800" dirty="0"/>
                         <a:t>4</a:t>
                       </a:r>
-                      <a:endParaRPr lang="en-US" sz="2800" dirty="0"/>
                     </a:p>
                   </a:txBody>
                   <a:tcPr/>
@@ -10185,13 +10021,18 @@
                         <a:defRPr/>
                       </a:pPr>
                       <a:r>
-                        <a:rPr lang="en-US" sz="2800" dirty="0" smtClean="0"/>
+                        <a:rPr lang="en-US" sz="2800" dirty="0"/>
                         <a:t>Geolocation</a:t>
                       </a:r>
                     </a:p>
                   </a:txBody>
                   <a:tcPr/>
                 </a:tc>
+                <a:extLst>
+                  <a:ext uri="{0D108BD9-81ED-4DB2-BD59-A6C34878D82A}">
+                    <a16:rowId xmlns:a16="http://schemas.microsoft.com/office/drawing/2014/main" val="10005"/>
+                  </a:ext>
+                </a:extLst>
               </a:tr>
             </a:tbl>
           </a:graphicData>
@@ -10207,13 +10048,6 @@
   <p:clrMapOvr>
     <a:masterClrMapping/>
   </p:clrMapOvr>
-  <p:timing>
-    <p:tnLst>
-      <p:par>
-        <p:cTn id="1" dur="indefinite" restart="never" nodeType="tmRoot"/>
-      </p:par>
-    </p:tnLst>
-  </p:timing>
 </p:sld>
 </file>
 
@@ -10252,10 +10086,9 @@
           <a:lstStyle/>
           <a:p>
             <a:r>
-              <a:rPr lang="en-US" dirty="0" smtClean="0"/>
+              <a:rPr lang="en-US" dirty="0"/>
               <a:t>Planned Layout: Large Screen with fragments</a:t>
             </a:r>
-            <a:endParaRPr lang="en-US" dirty="0"/>
           </a:p>
         </p:txBody>
       </p:sp>
@@ -10311,10 +10144,9 @@
           <a:lstStyle/>
           <a:p>
             <a:r>
-              <a:rPr lang="en-US" sz="2400" dirty="0" smtClean="0"/>
+              <a:rPr lang="en-US" sz="2400" dirty="0"/>
               <a:t>Landscape</a:t>
             </a:r>
-            <a:endParaRPr lang="en-US" sz="2400" dirty="0"/>
           </a:p>
         </p:txBody>
       </p:sp>
@@ -10341,10 +10173,9 @@
           <a:lstStyle/>
           <a:p>
             <a:r>
-              <a:rPr lang="en-US" sz="2400" dirty="0" smtClean="0"/>
+              <a:rPr lang="en-US" sz="2400" dirty="0"/>
               <a:t>Portrait</a:t>
             </a:r>
-            <a:endParaRPr lang="en-US" sz="2400" dirty="0"/>
           </a:p>
         </p:txBody>
       </p:sp>
@@ -10388,13 +10219,6 @@
   <p:clrMapOvr>
     <a:masterClrMapping/>
   </p:clrMapOvr>
-  <p:timing>
-    <p:tnLst>
-      <p:par>
-        <p:cTn id="1" dur="indefinite" restart="never" nodeType="tmRoot"/>
-      </p:par>
-    </p:tnLst>
-  </p:timing>
 </p:sld>
 </file>
 
@@ -10438,10 +10262,9 @@
           <a:lstStyle/>
           <a:p>
             <a:r>
-              <a:rPr lang="en-US" dirty="0" smtClean="0"/>
+              <a:rPr lang="en-US" dirty="0"/>
               <a:t>Files for the Fragment Version</a:t>
             </a:r>
-            <a:endParaRPr lang="en-US" dirty="0"/>
           </a:p>
         </p:txBody>
       </p:sp>
@@ -10471,7 +10294,7 @@
               <a:buNone/>
             </a:pPr>
             <a:r>
-              <a:rPr lang="en-US" dirty="0" smtClean="0"/>
+              <a:rPr lang="en-US" dirty="0"/>
               <a:t>These are the files for the game UI that will be used in the fragment version of the project.</a:t>
             </a:r>
           </a:p>
@@ -10479,7 +10302,7 @@
             <a:pPr marL="0" indent="0">
               <a:buNone/>
             </a:pPr>
-            <a:endParaRPr lang="en-US" dirty="0" smtClean="0"/>
+            <a:endParaRPr lang="en-US" dirty="0"/>
           </a:p>
         </p:txBody>
       </p:sp>
@@ -10508,8 +10331,20 @@
                 <a:tableStyleId>{073A0DAA-6AF3-43AB-8588-CEC1D06C72B9}</a:tableStyleId>
               </a:tblPr>
               <a:tblGrid>
-                <a:gridCol w="3603431"/>
-                <a:gridCol w="4626169"/>
+                <a:gridCol w="3603431">
+                  <a:extLst>
+                    <a:ext uri="{9D8B030D-6E8A-4147-A177-3AD203B41FA5}">
+                      <a16:colId xmlns:a16="http://schemas.microsoft.com/office/drawing/2014/main" val="20000"/>
+                    </a:ext>
+                  </a:extLst>
+                </a:gridCol>
+                <a:gridCol w="4626169">
+                  <a:extLst>
+                    <a:ext uri="{9D8B030D-6E8A-4147-A177-3AD203B41FA5}">
+                      <a16:colId xmlns:a16="http://schemas.microsoft.com/office/drawing/2014/main" val="20001"/>
+                    </a:ext>
+                  </a:extLst>
+                </a:gridCol>
               </a:tblGrid>
               <a:tr h="3417910">
                 <a:tc>
@@ -10518,7 +10353,7 @@
                     <a:lstStyle/>
                     <a:p>
                       <a:r>
-                        <a:rPr lang="en-US" sz="2800" dirty="0" smtClean="0"/>
+                        <a:rPr lang="en-US" sz="2800" dirty="0"/>
                         <a:t>Java classes: </a:t>
                       </a:r>
                     </a:p>
@@ -10528,10 +10363,10 @@
                         <a:buChar char="•"/>
                       </a:pPr>
                       <a:r>
-                        <a:rPr lang="en-US" sz="2800" dirty="0" err="1" smtClean="0"/>
+                        <a:rPr lang="en-US" sz="2800" dirty="0" err="1"/>
                         <a:t>FirstActivity</a:t>
                       </a:r>
-                      <a:endParaRPr lang="en-US" sz="2800" dirty="0" smtClean="0"/>
+                      <a:endParaRPr lang="en-US" sz="2800" dirty="0"/>
                     </a:p>
                     <a:p>
                       <a:pPr marL="800100" marR="0" lvl="1" indent="-342900" algn="l" defTabSz="457200" rtl="0" eaLnBrk="1" fontAlgn="auto" latinLnBrk="0" hangingPunct="1">
@@ -10552,10 +10387,10 @@
                         <a:defRPr/>
                       </a:pPr>
                       <a:r>
-                        <a:rPr lang="en-US" sz="2800" dirty="0" err="1" smtClean="0"/>
+                        <a:rPr lang="en-US" sz="2800" dirty="0" err="1"/>
                         <a:t>FirstFragment</a:t>
                       </a:r>
-                      <a:endParaRPr lang="en-US" sz="2800" dirty="0" smtClean="0"/>
+                      <a:endParaRPr lang="en-US" sz="2800" dirty="0"/>
                     </a:p>
                     <a:p>
                       <a:pPr marL="800100" lvl="1" indent="-342900">
@@ -10563,10 +10398,10 @@
                         <a:buChar char="•"/>
                       </a:pPr>
                       <a:r>
-                        <a:rPr lang="en-US" sz="2800" dirty="0" err="1" smtClean="0"/>
+                        <a:rPr lang="en-US" sz="2800" dirty="0" err="1"/>
                         <a:t>SecondActivity</a:t>
                       </a:r>
-                      <a:endParaRPr lang="en-US" sz="2800" dirty="0" smtClean="0"/>
+                      <a:endParaRPr lang="en-US" sz="2800" dirty="0"/>
                     </a:p>
                     <a:p>
                       <a:pPr marL="800100" lvl="1" indent="-342900">
@@ -10574,10 +10409,10 @@
                         <a:buChar char="•"/>
                       </a:pPr>
                       <a:r>
-                        <a:rPr lang="en-US" sz="2800" dirty="0" err="1" smtClean="0"/>
+                        <a:rPr lang="en-US" sz="2800" dirty="0" err="1"/>
                         <a:t>SecondFragment</a:t>
                       </a:r>
-                      <a:endParaRPr lang="en-US" sz="2800" dirty="0" smtClean="0"/>
+                      <a:endParaRPr lang="en-US" sz="2800" dirty="0"/>
                     </a:p>
                     <a:p>
                       <a:endParaRPr lang="en-US" dirty="0"/>
@@ -10591,7 +10426,7 @@
                     <a:lstStyle/>
                     <a:p>
                       <a:r>
-                        <a:rPr lang="en-US" sz="2400" dirty="0" smtClean="0"/>
+                        <a:rPr lang="en-US" sz="2400" dirty="0"/>
                         <a:t>XML Layout Files:</a:t>
                       </a:r>
                     </a:p>
@@ -10601,7 +10436,7 @@
                         <a:buChar char="•"/>
                       </a:pPr>
                       <a:r>
-                        <a:rPr lang="en-US" sz="2800" dirty="0" smtClean="0"/>
+                        <a:rPr lang="en-US" sz="2800" dirty="0"/>
                         <a:t>first_activity</a:t>
                       </a:r>
                     </a:p>
@@ -10611,11 +10446,11 @@
                         <a:buChar char="•"/>
                       </a:pPr>
                       <a:r>
-                        <a:rPr lang="en-US" sz="2800" dirty="0" err="1" smtClean="0"/>
+                        <a:rPr lang="en-US" sz="2800" dirty="0" err="1"/>
                         <a:t>first_activity</a:t>
                       </a:r>
                       <a:r>
-                        <a:rPr lang="en-US" sz="2800" dirty="0" smtClean="0"/>
+                        <a:rPr lang="en-US" sz="2800" dirty="0"/>
                         <a:t> (sw600dp-port)</a:t>
                       </a:r>
                     </a:p>
@@ -10625,11 +10460,11 @@
                         <a:buChar char="•"/>
                       </a:pPr>
                       <a:r>
-                        <a:rPr lang="en-US" sz="2800" dirty="0" err="1" smtClean="0"/>
+                        <a:rPr lang="en-US" sz="2800" dirty="0" err="1"/>
                         <a:t>first_activity</a:t>
                       </a:r>
                       <a:r>
-                        <a:rPr lang="en-US" sz="2800" dirty="0" smtClean="0"/>
+                        <a:rPr lang="en-US" sz="2800" dirty="0"/>
                         <a:t> (sw600dp-land)</a:t>
                       </a:r>
                     </a:p>
@@ -10639,10 +10474,10 @@
                         <a:buChar char="•"/>
                       </a:pPr>
                       <a:r>
-                        <a:rPr lang="en-US" sz="2800" dirty="0" err="1" smtClean="0"/>
+                        <a:rPr lang="en-US" sz="2800" dirty="0" err="1"/>
                         <a:t>first_fragment</a:t>
                       </a:r>
-                      <a:endParaRPr lang="en-US" sz="2800" dirty="0" smtClean="0"/>
+                      <a:endParaRPr lang="en-US" sz="2800" dirty="0"/>
                     </a:p>
                     <a:p>
                       <a:pPr marL="342900" marR="0" indent="-342900" algn="l" defTabSz="457200" rtl="0" eaLnBrk="1" fontAlgn="auto" latinLnBrk="0" hangingPunct="1">
@@ -10663,10 +10498,10 @@
                         <a:defRPr/>
                       </a:pPr>
                       <a:r>
-                        <a:rPr lang="en-US" sz="2800" dirty="0" err="1" smtClean="0"/>
+                        <a:rPr lang="en-US" sz="2800" dirty="0" err="1"/>
                         <a:t>second_activity</a:t>
                       </a:r>
-                      <a:endParaRPr lang="en-US" sz="2800" dirty="0" smtClean="0"/>
+                      <a:endParaRPr lang="en-US" sz="2800" dirty="0"/>
                     </a:p>
                     <a:p>
                       <a:pPr marL="342900" indent="-342900">
@@ -10674,7 +10509,7 @@
                         <a:buChar char="•"/>
                       </a:pPr>
                       <a:r>
-                        <a:rPr lang="en-US" sz="2800" dirty="0" err="1" smtClean="0"/>
+                        <a:rPr lang="en-US" sz="2800" dirty="0" err="1"/>
                         <a:t>second_fragment</a:t>
                       </a:r>
                       <a:endParaRPr lang="en-US" sz="2800" dirty="0"/>
@@ -10682,6 +10517,11 @@
                   </a:txBody>
                   <a:tcPr marL="68580" marR="68580"/>
                 </a:tc>
+                <a:extLst>
+                  <a:ext uri="{0D108BD9-81ED-4DB2-BD59-A6C34878D82A}">
+                    <a16:rowId xmlns:a16="http://schemas.microsoft.com/office/drawing/2014/main" val="10000"/>
+                  </a:ext>
+                </a:extLst>
               </a:tr>
             </a:tbl>
           </a:graphicData>
@@ -10697,13 +10537,6 @@
   <p:clrMapOvr>
     <a:masterClrMapping/>
   </p:clrMapOvr>
-  <p:timing>
-    <p:tnLst>
-      <p:par>
-        <p:cTn id="1" dur="indefinite" restart="never" nodeType="tmRoot"/>
-      </p:par>
-    </p:tnLst>
-  </p:timing>
 </p:sld>
 </file>
 
@@ -10753,10 +10586,9 @@
           <a:lstStyle/>
           <a:p>
             <a:r>
-              <a:rPr lang="en-US" dirty="0" smtClean="0"/>
+              <a:rPr lang="en-US" dirty="0"/>
               <a:t>Step 1: Implement Activities &amp; Fragments for Small Screens</a:t>
             </a:r>
-            <a:endParaRPr lang="en-US" dirty="0"/>
           </a:p>
         </p:txBody>
       </p:sp>
@@ -10781,7 +10613,7 @@
               <a:buNone/>
             </a:pPr>
             <a:r>
-              <a:rPr lang="en-US" dirty="0" smtClean="0"/>
+              <a:rPr lang="en-US" dirty="0"/>
               <a:t>Our goals for this step are:</a:t>
             </a:r>
           </a:p>
@@ -10793,59 +10625,59 @@
           </a:p>
           <a:p>
             <a:r>
-              <a:rPr lang="en-US" dirty="0" smtClean="0"/>
+              <a:rPr lang="en-US" dirty="0"/>
               <a:t>The </a:t>
             </a:r>
             <a:r>
-              <a:rPr lang="en-US" dirty="0" err="1" smtClean="0"/>
+              <a:rPr lang="en-US" dirty="0" err="1"/>
               <a:t>FirstFragment</a:t>
             </a:r>
             <a:r>
-              <a:rPr lang="en-US" dirty="0" smtClean="0"/>
+              <a:rPr lang="en-US" dirty="0"/>
               <a:t> is displayed in the </a:t>
             </a:r>
             <a:r>
-              <a:rPr lang="en-US" dirty="0" err="1" smtClean="0"/>
+              <a:rPr lang="en-US" dirty="0" err="1"/>
               <a:t>FirstActivity</a:t>
             </a:r>
             <a:r>
-              <a:rPr lang="en-US" dirty="0" smtClean="0"/>
+              <a:rPr lang="en-US" dirty="0"/>
               <a:t> when the app loads</a:t>
             </a:r>
           </a:p>
           <a:p>
             <a:r>
-              <a:rPr lang="en-US" dirty="0" smtClean="0"/>
+              <a:rPr lang="en-US" dirty="0"/>
               <a:t>The </a:t>
             </a:r>
             <a:r>
-              <a:rPr lang="en-US" dirty="0" err="1" smtClean="0"/>
+              <a:rPr lang="en-US" dirty="0" err="1"/>
               <a:t>SecondFragment</a:t>
             </a:r>
             <a:r>
-              <a:rPr lang="en-US" dirty="0" smtClean="0"/>
+              <a:rPr lang="en-US" dirty="0"/>
               <a:t> is displayed in the </a:t>
             </a:r>
             <a:r>
-              <a:rPr lang="en-US" dirty="0" err="1" smtClean="0"/>
+              <a:rPr lang="en-US" dirty="0" err="1"/>
               <a:t>SecondActivity</a:t>
             </a:r>
             <a:r>
-              <a:rPr lang="en-US" dirty="0" smtClean="0"/>
+              <a:rPr lang="en-US" dirty="0"/>
               <a:t> when a user clicks the “Play” button.</a:t>
             </a:r>
           </a:p>
           <a:p>
             <a:r>
-              <a:rPr lang="en-US" dirty="0" smtClean="0"/>
+              <a:rPr lang="en-US" dirty="0"/>
               <a:t>The </a:t>
             </a:r>
             <a:r>
-              <a:rPr lang="en-US" dirty="0" err="1" smtClean="0"/>
+              <a:rPr lang="en-US" dirty="0" err="1"/>
               <a:t>FirstFragment</a:t>
             </a:r>
             <a:r>
-              <a:rPr lang="en-US" dirty="0" smtClean="0"/>
+              <a:rPr lang="en-US" dirty="0"/>
               <a:t> is displayed again when a user clicks the “New Game” button.</a:t>
             </a:r>
           </a:p>
@@ -10867,13 +10699,6 @@
   <p:clrMapOvr>
     <a:masterClrMapping/>
   </p:clrMapOvr>
-  <p:timing>
-    <p:tnLst>
-      <p:par>
-        <p:cTn id="1" dur="indefinite" restart="never" nodeType="tmRoot"/>
-      </p:par>
-    </p:tnLst>
-  </p:timing>
 </p:sld>
 </file>
 
@@ -10912,10 +10737,9 @@
           <a:lstStyle/>
           <a:p>
             <a:r>
-              <a:rPr lang="en-US" dirty="0" smtClean="0"/>
+              <a:rPr lang="en-US" dirty="0"/>
               <a:t>Modify the Manifest for the New Activities</a:t>
             </a:r>
-            <a:endParaRPr lang="en-US" dirty="0"/>
           </a:p>
         </p:txBody>
       </p:sp>
@@ -10937,115 +10761,114 @@
           <a:lstStyle/>
           <a:p>
             <a:r>
-              <a:rPr lang="en-US" dirty="0" smtClean="0"/>
+              <a:rPr lang="en-US" dirty="0"/>
               <a:t>Change the name of the main activity (the one that is launched when the app starts):</a:t>
             </a:r>
             <a:br>
-              <a:rPr lang="en-US" dirty="0" smtClean="0"/>
+              <a:rPr lang="en-US" dirty="0"/>
             </a:br>
             <a:r>
-              <a:rPr lang="en-US" sz="2400" i="1" dirty="0" smtClean="0"/>
+              <a:rPr lang="en-US" sz="2400" i="1" dirty="0"/>
               <a:t>&lt;activity </a:t>
             </a:r>
             <a:r>
-              <a:rPr lang="en-US" sz="2400" i="1" dirty="0" err="1" smtClean="0"/>
+              <a:rPr lang="en-US" sz="2400" i="1" dirty="0" err="1"/>
               <a:t>android:name</a:t>
             </a:r>
             <a:r>
-              <a:rPr lang="en-US" sz="2400" i="1" dirty="0" smtClean="0"/>
+              <a:rPr lang="en-US" sz="2400" i="1" dirty="0"/>
               <a:t>=".</a:t>
             </a:r>
             <a:r>
-              <a:rPr lang="en-US" sz="2400" i="1" dirty="0" err="1" smtClean="0"/>
+              <a:rPr lang="en-US" sz="2400" i="1" dirty="0" err="1"/>
               <a:t>FirstActivity</a:t>
             </a:r>
             <a:r>
-              <a:rPr lang="en-US" sz="2400" i="1" dirty="0" smtClean="0"/>
+              <a:rPr lang="en-US" sz="2400" i="1" dirty="0"/>
               <a:t>“ </a:t>
             </a:r>
             <a:br>
-              <a:rPr lang="en-US" sz="2400" i="1" dirty="0" smtClean="0"/>
+              <a:rPr lang="en-US" sz="2400" i="1" dirty="0"/>
             </a:br>
             <a:r>
-              <a:rPr lang="en-US" dirty="0" smtClean="0"/>
+              <a:rPr lang="en-US" dirty="0"/>
               <a:t>Add the second activity:</a:t>
             </a:r>
             <a:br>
-              <a:rPr lang="en-US" dirty="0" smtClean="0"/>
+              <a:rPr lang="en-US" dirty="0"/>
             </a:br>
             <a:r>
-              <a:rPr lang="en-US" sz="2400" i="1" dirty="0" smtClean="0"/>
+              <a:rPr lang="en-US" sz="2400" i="1" dirty="0"/>
               <a:t> &lt;activity </a:t>
             </a:r>
             <a:br>
-              <a:rPr lang="en-US" sz="2400" i="1" dirty="0" smtClean="0"/>
+              <a:rPr lang="en-US" sz="2400" i="1" dirty="0"/>
             </a:br>
             <a:r>
-              <a:rPr lang="en-US" sz="2400" i="1" dirty="0" smtClean="0"/>
+              <a:rPr lang="en-US" sz="2400" i="1" dirty="0"/>
               <a:t>	</a:t>
             </a:r>
             <a:r>
-              <a:rPr lang="en-US" sz="2400" i="1" dirty="0" err="1" smtClean="0"/>
+              <a:rPr lang="en-US" sz="2400" i="1" dirty="0" err="1"/>
               <a:t>android:name</a:t>
             </a:r>
             <a:r>
-              <a:rPr lang="en-US" sz="2400" i="1" dirty="0" smtClean="0"/>
+              <a:rPr lang="en-US" sz="2400" i="1" dirty="0"/>
               <a:t>=".</a:t>
             </a:r>
             <a:r>
-              <a:rPr lang="en-US" sz="2400" i="1" dirty="0" err="1" smtClean="0"/>
+              <a:rPr lang="en-US" sz="2400" i="1" dirty="0" err="1"/>
               <a:t>SecondActivity</a:t>
             </a:r>
             <a:r>
-              <a:rPr lang="en-US" sz="2400" i="1" dirty="0" smtClean="0"/>
+              <a:rPr lang="en-US" sz="2400" i="1" dirty="0"/>
               <a:t>“</a:t>
             </a:r>
             <a:br>
-              <a:rPr lang="en-US" sz="2400" i="1" dirty="0" smtClean="0"/>
+              <a:rPr lang="en-US" sz="2400" i="1" dirty="0"/>
             </a:br>
             <a:r>
-              <a:rPr lang="en-US" sz="2400" i="1" dirty="0" smtClean="0"/>
+              <a:rPr lang="en-US" sz="2400" i="1" dirty="0"/>
               <a:t>	</a:t>
             </a:r>
             <a:r>
-              <a:rPr lang="en-US" sz="2400" i="1" dirty="0" err="1" smtClean="0"/>
+              <a:rPr lang="en-US" sz="2400" i="1" dirty="0" err="1"/>
               <a:t>android:label</a:t>
             </a:r>
             <a:r>
-              <a:rPr lang="en-US" sz="2400" i="1" dirty="0" smtClean="0"/>
+              <a:rPr lang="en-US" sz="2400" i="1" dirty="0"/>
               <a:t>=“Computer Move“</a:t>
             </a:r>
             <a:br>
-              <a:rPr lang="en-US" sz="2400" i="1" dirty="0" smtClean="0"/>
+              <a:rPr lang="en-US" sz="2400" i="1" dirty="0"/>
             </a:br>
             <a:r>
-              <a:rPr lang="en-US" sz="2400" i="1" dirty="0" smtClean="0"/>
+              <a:rPr lang="en-US" sz="2400" i="1" dirty="0"/>
               <a:t>	</a:t>
             </a:r>
             <a:r>
-              <a:rPr lang="en-US" sz="2400" i="1" dirty="0" err="1" smtClean="0"/>
+              <a:rPr lang="en-US" sz="2400" i="1" dirty="0" err="1"/>
               <a:t>android:parentActivityName</a:t>
             </a:r>
             <a:r>
-              <a:rPr lang="en-US" sz="2400" i="1" dirty="0" smtClean="0"/>
+              <a:rPr lang="en-US" sz="2400" i="1" dirty="0"/>
               <a:t>=".</a:t>
             </a:r>
             <a:r>
-              <a:rPr lang="en-US" sz="2400" i="1" dirty="0" err="1" smtClean="0"/>
+              <a:rPr lang="en-US" sz="2400" i="1" dirty="0" err="1"/>
               <a:t>FirstActivity</a:t>
             </a:r>
             <a:r>
-              <a:rPr lang="en-US" sz="2400" i="1" dirty="0" smtClean="0"/>
+              <a:rPr lang="en-US" sz="2400" i="1" dirty="0"/>
               <a:t>" &gt;</a:t>
             </a:r>
             <a:br>
-              <a:rPr lang="en-US" sz="2400" i="1" dirty="0" smtClean="0"/>
+              <a:rPr lang="en-US" sz="2400" i="1" dirty="0"/>
             </a:br>
             <a:r>
-              <a:rPr lang="en-US" sz="2400" i="1" dirty="0" smtClean="0"/>
+              <a:rPr lang="en-US" sz="2400" i="1" dirty="0"/>
               <a:t>&lt;/activity&gt;</a:t>
             </a:r>
-            <a:endParaRPr lang="en-US" sz="2400" i="1" dirty="0"/>
           </a:p>
         </p:txBody>
       </p:sp>
@@ -11059,13 +10882,6 @@
   <p:clrMapOvr>
     <a:masterClrMapping/>
   </p:clrMapOvr>
-  <p:timing>
-    <p:tnLst>
-      <p:par>
-        <p:cTn id="1" dur="indefinite" restart="never" nodeType="tmRoot"/>
-      </p:par>
-    </p:tnLst>
-  </p:timing>
 </p:sld>
 </file>
 
@@ -11103,13 +10919,8 @@
           <a:p>
             <a:r>
               <a:rPr lang="en-US" dirty="0"/>
-              <a:t>L</a:t>
-            </a:r>
-            <a:r>
-              <a:rPr lang="en-US" dirty="0" smtClean="0"/>
-              <a:t>oading sequence- small screen</a:t>
-            </a:r>
-            <a:endParaRPr lang="en-US" dirty="0"/>
+              <a:t>Loading sequence- small screen</a:t>
+            </a:r>
           </a:p>
         </p:txBody>
       </p:sp>
@@ -11135,38 +10946,38 @@
               <a:buAutoNum type="arabicPeriod"/>
             </a:pPr>
             <a:r>
-              <a:rPr lang="en-US" dirty="0" err="1" smtClean="0"/>
+              <a:rPr lang="en-US" dirty="0" err="1"/>
               <a:t>FirstActivity</a:t>
             </a:r>
             <a:r>
-              <a:rPr lang="en-US" dirty="0" smtClean="0"/>
+              <a:rPr lang="en-US" dirty="0"/>
               <a:t>, </a:t>
             </a:r>
             <a:r>
-              <a:rPr lang="en-US" dirty="0" err="1" smtClean="0"/>
+              <a:rPr lang="en-US" dirty="0" err="1"/>
               <a:t>onCreate</a:t>
             </a:r>
             <a:r>
-              <a:rPr lang="en-US" dirty="0" smtClean="0"/>
+              <a:rPr lang="en-US" dirty="0"/>
               <a:t>, loads first_activity.xml (single pane layout)</a:t>
             </a:r>
             <a:br>
-              <a:rPr lang="en-US" dirty="0" smtClean="0"/>
+              <a:rPr lang="en-US" dirty="0"/>
             </a:br>
             <a:r>
-              <a:rPr lang="en-US" sz="2400" i="1" dirty="0" err="1" smtClean="0"/>
+              <a:rPr lang="en-US" sz="2400" i="1" dirty="0" err="1"/>
               <a:t>setContentView</a:t>
             </a:r>
             <a:r>
-              <a:rPr lang="en-US" sz="2400" i="1" dirty="0" smtClean="0"/>
+              <a:rPr lang="en-US" sz="2400" i="1" dirty="0"/>
               <a:t>(</a:t>
             </a:r>
             <a:r>
-              <a:rPr lang="en-US" sz="2400" i="1" dirty="0" err="1" smtClean="0"/>
+              <a:rPr lang="en-US" sz="2400" i="1" dirty="0" err="1"/>
               <a:t>R.layout.first_activity</a:t>
             </a:r>
             <a:r>
-              <a:rPr lang="en-US" sz="2400" i="1" dirty="0" smtClean="0"/>
+              <a:rPr lang="en-US" sz="2400" i="1" dirty="0"/>
               <a:t>);</a:t>
             </a:r>
           </a:p>
@@ -11176,41 +10987,40 @@
               <a:buAutoNum type="arabicPeriod"/>
             </a:pPr>
             <a:r>
-              <a:rPr lang="en-US" dirty="0" smtClean="0"/>
+              <a:rPr lang="en-US" dirty="0"/>
               <a:t>first_activity, triggers automatic calls to </a:t>
             </a:r>
             <a:r>
-              <a:rPr lang="en-US" dirty="0" err="1" smtClean="0"/>
+              <a:rPr lang="en-US" dirty="0" err="1"/>
               <a:t>FirstFragment</a:t>
             </a:r>
             <a:r>
-              <a:rPr lang="en-US" dirty="0" smtClean="0"/>
+              <a:rPr lang="en-US" dirty="0"/>
               <a:t> methods</a:t>
             </a:r>
             <a:br>
-              <a:rPr lang="en-US" dirty="0" smtClean="0"/>
+              <a:rPr lang="en-US" dirty="0"/>
             </a:br>
             <a:r>
-              <a:rPr lang="en-US" sz="2400" i="1" dirty="0" smtClean="0"/>
+              <a:rPr lang="en-US" sz="2400" i="1" dirty="0"/>
               <a:t>&lt;fragment </a:t>
             </a:r>
             <a:r>
-              <a:rPr lang="en-US" sz="2400" i="1" dirty="0" err="1" smtClean="0"/>
+              <a:rPr lang="en-US" sz="2400" i="1" dirty="0" err="1"/>
               <a:t>android:name</a:t>
             </a:r>
             <a:r>
-              <a:rPr lang="en-US" sz="2400" i="1" dirty="0" smtClean="0"/>
+              <a:rPr lang="en-US" sz="2400" i="1" dirty="0"/>
               <a:t>=".</a:t>
             </a:r>
             <a:r>
-              <a:rPr lang="en-US" sz="2400" i="1" dirty="0" err="1" smtClean="0"/>
+              <a:rPr lang="en-US" sz="2400" i="1" dirty="0" err="1"/>
               <a:t>FirstFragment</a:t>
             </a:r>
             <a:r>
-              <a:rPr lang="en-US" sz="2400" i="1" dirty="0" smtClean="0"/>
+              <a:rPr lang="en-US" sz="2400" i="1" dirty="0"/>
               <a:t>"</a:t>
             </a:r>
-            <a:endParaRPr lang="en-US" sz="2400" i="1" dirty="0"/>
           </a:p>
           <a:p>
             <a:pPr marL="514350" indent="-514350">
@@ -11218,42 +11028,42 @@
               <a:buAutoNum type="arabicPeriod"/>
             </a:pPr>
             <a:r>
-              <a:rPr lang="en-US" dirty="0" err="1" smtClean="0"/>
+              <a:rPr lang="en-US" dirty="0" err="1"/>
               <a:t>FirstFragment</a:t>
             </a:r>
             <a:r>
-              <a:rPr lang="en-US" dirty="0" smtClean="0"/>
+              <a:rPr lang="en-US" dirty="0"/>
               <a:t>, </a:t>
             </a:r>
             <a:r>
-              <a:rPr lang="en-US" dirty="0" err="1" smtClean="0"/>
+              <a:rPr lang="en-US" dirty="0" err="1"/>
               <a:t>onCreateView</a:t>
             </a:r>
             <a:r>
-              <a:rPr lang="en-US" dirty="0" smtClean="0"/>
+              <a:rPr lang="en-US" dirty="0"/>
               <a:t>, loads first_fragment.xml</a:t>
             </a:r>
             <a:br>
-              <a:rPr lang="en-US" dirty="0" smtClean="0"/>
+              <a:rPr lang="en-US" dirty="0"/>
             </a:br>
             <a:r>
-              <a:rPr lang="en-US" sz="2400" i="1" dirty="0" smtClean="0"/>
+              <a:rPr lang="en-US" sz="2400" i="1" dirty="0"/>
               <a:t>View view = </a:t>
             </a:r>
             <a:r>
-              <a:rPr lang="en-US" sz="2400" i="1" dirty="0" err="1" smtClean="0"/>
+              <a:rPr lang="en-US" sz="2400" i="1" dirty="0" err="1"/>
               <a:t>inflater.inflate</a:t>
             </a:r>
             <a:r>
-              <a:rPr lang="en-US" sz="2400" i="1" dirty="0" smtClean="0"/>
+              <a:rPr lang="en-US" sz="2400" i="1" dirty="0"/>
               <a:t>(</a:t>
             </a:r>
             <a:r>
-              <a:rPr lang="en-US" sz="2400" i="1" dirty="0" err="1" smtClean="0"/>
+              <a:rPr lang="en-US" sz="2400" i="1" dirty="0" err="1"/>
               <a:t>R.layout.first_fragment</a:t>
             </a:r>
             <a:r>
-              <a:rPr lang="en-US" sz="2400" i="1" dirty="0" smtClean="0"/>
+              <a:rPr lang="en-US" sz="2400" i="1" dirty="0"/>
               <a:t>, container, false);</a:t>
             </a:r>
           </a:p>
@@ -11262,20 +11072,20 @@
               <a:buFont typeface="+mj-lt"/>
               <a:buAutoNum type="arabicPeriod"/>
             </a:pPr>
-            <a:endParaRPr lang="en-US" i="1" dirty="0" smtClean="0"/>
+            <a:endParaRPr lang="en-US" i="1" dirty="0"/>
           </a:p>
           <a:p>
             <a:pPr marL="457200" lvl="1" indent="0">
               <a:buNone/>
             </a:pPr>
-            <a:endParaRPr lang="en-US" dirty="0" smtClean="0"/>
+            <a:endParaRPr lang="en-US" dirty="0"/>
           </a:p>
           <a:p>
             <a:pPr marL="514350" indent="-514350">
               <a:buFont typeface="+mj-lt"/>
               <a:buAutoNum type="arabicPeriod"/>
             </a:pPr>
-            <a:endParaRPr lang="en-US" dirty="0" smtClean="0"/>
+            <a:endParaRPr lang="en-US" dirty="0"/>
           </a:p>
           <a:p>
             <a:endParaRPr lang="en-US" dirty="0"/>
@@ -11292,13 +11102,6 @@
   <p:clrMapOvr>
     <a:masterClrMapping/>
   </p:clrMapOvr>
-  <p:timing>
-    <p:tnLst>
-      <p:par>
-        <p:cTn id="1" dur="indefinite" restart="never" nodeType="tmRoot"/>
-      </p:par>
-    </p:tnLst>
-  </p:timing>
 </p:sld>
 </file>
 
@@ -11335,10 +11138,9 @@
           <a:lstStyle/>
           <a:p>
             <a:r>
-              <a:rPr lang="en-US" dirty="0" smtClean="0"/>
+              <a:rPr lang="en-US" dirty="0"/>
               <a:t>Test it!</a:t>
             </a:r>
-            <a:endParaRPr lang="en-US" dirty="0"/>
           </a:p>
         </p:txBody>
       </p:sp>
@@ -11358,11 +11160,11 @@
           <a:lstStyle/>
           <a:p>
             <a:r>
-              <a:rPr lang="en-US" dirty="0" smtClean="0"/>
+              <a:rPr lang="en-US" dirty="0"/>
               <a:t>Run the app. You should see the first fragment displayed on the opening screen:</a:t>
             </a:r>
             <a:br>
-              <a:rPr lang="en-US" dirty="0" smtClean="0"/>
+              <a:rPr lang="en-US" dirty="0"/>
             </a:br>
             <a:endParaRPr lang="en-US" dirty="0"/>
           </a:p>
@@ -11402,13 +11204,6 @@
   <p:clrMapOvr>
     <a:masterClrMapping/>
   </p:clrMapOvr>
-  <p:timing>
-    <p:tnLst>
-      <p:par>
-        <p:cTn id="1" dur="indefinite" restart="never" nodeType="tmRoot"/>
-      </p:par>
-    </p:tnLst>
-  </p:timing>
 </p:sld>
 </file>
 
@@ -11447,10 +11242,9 @@
           <a:lstStyle/>
           <a:p>
             <a:r>
-              <a:rPr lang="en-US" dirty="0" smtClean="0"/>
+              <a:rPr lang="en-US" dirty="0"/>
               <a:t>Launching the Second Activity- Small Screen</a:t>
             </a:r>
-            <a:endParaRPr lang="en-US" dirty="0"/>
           </a:p>
         </p:txBody>
       </p:sp>
@@ -11481,49 +11275,45 @@
               <a:buAutoNum type="arabicPeriod"/>
             </a:pPr>
             <a:r>
-              <a:rPr lang="en-US" dirty="0" smtClean="0"/>
+              <a:rPr lang="en-US" dirty="0"/>
               <a:t>Clicking the Play button starts the </a:t>
             </a:r>
             <a:r>
-              <a:rPr lang="en-US" dirty="0" err="1" smtClean="0"/>
+              <a:rPr lang="en-US" dirty="0" err="1"/>
               <a:t>SecondActivity</a:t>
             </a:r>
-            <a:r>
-              <a:rPr lang="en-US" dirty="0" smtClean="0"/>
-              <a:t/>
-            </a:r>
             <a:br>
-              <a:rPr lang="en-US" dirty="0" smtClean="0"/>
+              <a:rPr lang="en-US" dirty="0"/>
             </a:br>
             <a:r>
-              <a:rPr lang="en-US" dirty="0" smtClean="0"/>
+              <a:rPr lang="en-US" dirty="0"/>
               <a:t> </a:t>
             </a:r>
             <a:r>
-              <a:rPr lang="en-US" sz="2400" i="1" dirty="0" err="1" smtClean="0"/>
+              <a:rPr lang="en-US" sz="2400" i="1" dirty="0" err="1"/>
               <a:t>startActivity</a:t>
             </a:r>
             <a:r>
-              <a:rPr lang="en-US" sz="2400" i="1" dirty="0" smtClean="0"/>
+              <a:rPr lang="en-US" sz="2400" i="1" dirty="0"/>
               <a:t>(new Intent(</a:t>
             </a:r>
             <a:r>
-              <a:rPr lang="en-US" sz="2400" i="1" dirty="0" err="1" smtClean="0"/>
+              <a:rPr lang="en-US" sz="2400" i="1" dirty="0" err="1"/>
               <a:t>getActivity</a:t>
             </a:r>
             <a:r>
-              <a:rPr lang="en-US" sz="2400" i="1" dirty="0" smtClean="0"/>
+              <a:rPr lang="en-US" sz="2400" i="1" dirty="0"/>
               <a:t>(), </a:t>
             </a:r>
             <a:r>
-              <a:rPr lang="en-US" sz="2400" i="1" dirty="0" err="1" smtClean="0"/>
+              <a:rPr lang="en-US" sz="2400" i="1" dirty="0" err="1"/>
               <a:t>SecondActivity.class</a:t>
             </a:r>
             <a:r>
-              <a:rPr lang="en-US" sz="2400" i="1" dirty="0" smtClean="0"/>
+              <a:rPr lang="en-US" sz="2400" i="1" dirty="0"/>
               <a:t>));</a:t>
             </a:r>
-            <a:endParaRPr lang="en-US" sz="2400" dirty="0" smtClean="0"/>
+            <a:endParaRPr lang="en-US" sz="2400" dirty="0"/>
           </a:p>
           <a:p>
             <a:pPr marL="514350" lvl="0" indent="-514350">
@@ -11531,7 +11321,7 @@
               <a:buAutoNum type="arabicPeriod"/>
             </a:pPr>
             <a:r>
-              <a:rPr lang="en-US" dirty="0" err="1" smtClean="0">
+              <a:rPr lang="en-US" dirty="0" err="1">
                 <a:solidFill>
                   <a:prstClr val="black"/>
                 </a:solidFill>
@@ -11560,23 +11350,7 @@
                   <a:prstClr val="black"/>
                 </a:solidFill>
               </a:rPr>
-              <a:t>, loads </a:t>
-            </a:r>
-            <a:r>
-              <a:rPr lang="en-US" dirty="0" smtClean="0">
-                <a:solidFill>
-                  <a:prstClr val="black"/>
-                </a:solidFill>
-              </a:rPr>
-              <a:t>second_activity.xml (</a:t>
-            </a:r>
-            <a:r>
-              <a:rPr lang="en-US" dirty="0">
-                <a:solidFill>
-                  <a:prstClr val="black"/>
-                </a:solidFill>
-              </a:rPr>
-              <a:t>single pane layout)</a:t>
+              <a:t>, loads second_activity.xml (single pane layout)</a:t>
             </a:r>
             <a:br>
               <a:rPr lang="en-US" dirty="0">
@@ -11586,7 +11360,7 @@
               </a:rPr>
             </a:br>
             <a:r>
-              <a:rPr lang="en-US" sz="2400" i="1" dirty="0" err="1" smtClean="0">
+              <a:rPr lang="en-US" sz="2400" i="1" dirty="0" err="1">
                 <a:solidFill>
                   <a:prstClr val="black"/>
                 </a:solidFill>
@@ -11594,7 +11368,7 @@
               <a:t>setContentView</a:t>
             </a:r>
             <a:r>
-              <a:rPr lang="en-US" sz="2400" i="1" dirty="0" smtClean="0">
+              <a:rPr lang="en-US" sz="2400" i="1" dirty="0">
                 <a:solidFill>
                   <a:prstClr val="black"/>
                 </a:solidFill>
@@ -11602,7 +11376,7 @@
               <a:t>(</a:t>
             </a:r>
             <a:r>
-              <a:rPr lang="en-US" sz="2400" i="1" dirty="0" err="1" smtClean="0">
+              <a:rPr lang="en-US" sz="2400" i="1" dirty="0" err="1">
                 <a:solidFill>
                   <a:prstClr val="black"/>
                 </a:solidFill>
@@ -11610,7 +11384,7 @@
               <a:t>R.layout.second_activity</a:t>
             </a:r>
             <a:r>
-              <a:rPr lang="en-US" sz="2400" i="1" dirty="0" smtClean="0">
+              <a:rPr lang="en-US" sz="2400" i="1" dirty="0">
                 <a:solidFill>
                   <a:prstClr val="black"/>
                 </a:solidFill>
@@ -11624,46 +11398,42 @@
               <a:buAutoNum type="arabicPeriod"/>
             </a:pPr>
             <a:r>
-              <a:rPr lang="en-US" dirty="0" err="1" smtClean="0"/>
+              <a:rPr lang="en-US" dirty="0" err="1"/>
               <a:t>second_activity</a:t>
             </a:r>
             <a:r>
-              <a:rPr lang="en-US" dirty="0" smtClean="0"/>
+              <a:rPr lang="en-US" dirty="0"/>
               <a:t>, triggers automatic calls to </a:t>
             </a:r>
             <a:r>
-              <a:rPr lang="en-US" dirty="0" err="1" smtClean="0"/>
+              <a:rPr lang="en-US" dirty="0" err="1"/>
               <a:t>SecondFragment</a:t>
             </a:r>
             <a:r>
-              <a:rPr lang="en-US" dirty="0" smtClean="0"/>
+              <a:rPr lang="en-US" dirty="0"/>
               <a:t> methods</a:t>
             </a:r>
-            <a:r>
-              <a:rPr lang="en-US" sz="2400" dirty="0" smtClean="0"/>
-              <a:t/>
-            </a:r>
             <a:br>
-              <a:rPr lang="en-US" sz="2400" dirty="0" smtClean="0"/>
+              <a:rPr lang="en-US" sz="2400" dirty="0"/>
             </a:br>
             <a:r>
-              <a:rPr lang="en-US" sz="2400" i="1" dirty="0" smtClean="0"/>
+              <a:rPr lang="en-US" sz="2400" i="1" dirty="0"/>
               <a:t>&lt;fragment </a:t>
             </a:r>
             <a:r>
-              <a:rPr lang="en-US" sz="2400" i="1" dirty="0" err="1" smtClean="0"/>
+              <a:rPr lang="en-US" sz="2400" i="1" dirty="0" err="1"/>
               <a:t>android:name</a:t>
             </a:r>
             <a:r>
-              <a:rPr lang="en-US" sz="2400" i="1" dirty="0" smtClean="0"/>
+              <a:rPr lang="en-US" sz="2400" i="1" dirty="0"/>
               <a:t>=".</a:t>
             </a:r>
             <a:r>
-              <a:rPr lang="en-US" sz="2400" i="1" dirty="0" err="1" smtClean="0"/>
+              <a:rPr lang="en-US" sz="2400" i="1" dirty="0" err="1"/>
               <a:t>SecondFragment</a:t>
             </a:r>
             <a:r>
-              <a:rPr lang="en-US" sz="2400" i="1" dirty="0" smtClean="0"/>
+              <a:rPr lang="en-US" sz="2400" i="1" dirty="0"/>
               <a:t>"</a:t>
             </a:r>
           </a:p>
@@ -11673,50 +11443,50 @@
               <a:buAutoNum type="arabicPeriod"/>
             </a:pPr>
             <a:r>
-              <a:rPr lang="en-US" dirty="0" err="1" smtClean="0"/>
+              <a:rPr lang="en-US" dirty="0" err="1"/>
               <a:t>SecondFragment</a:t>
             </a:r>
             <a:r>
-              <a:rPr lang="en-US" dirty="0" smtClean="0"/>
+              <a:rPr lang="en-US" dirty="0"/>
               <a:t>, </a:t>
             </a:r>
             <a:r>
-              <a:rPr lang="en-US" dirty="0" err="1" smtClean="0"/>
+              <a:rPr lang="en-US" dirty="0" err="1"/>
               <a:t>onCreateView</a:t>
             </a:r>
             <a:r>
-              <a:rPr lang="en-US" dirty="0" smtClean="0"/>
+              <a:rPr lang="en-US" dirty="0"/>
               <a:t>, loads second_fragment.xml</a:t>
             </a:r>
             <a:br>
-              <a:rPr lang="en-US" dirty="0" smtClean="0"/>
+              <a:rPr lang="en-US" dirty="0"/>
             </a:br>
             <a:r>
-              <a:rPr lang="en-US" sz="2400" i="1" dirty="0" smtClean="0"/>
+              <a:rPr lang="en-US" sz="2400" i="1" dirty="0"/>
               <a:t>View </a:t>
             </a:r>
             <a:r>
-              <a:rPr lang="en-US" sz="2400" i="1" dirty="0" err="1" smtClean="0"/>
+              <a:rPr lang="en-US" sz="2400" i="1" dirty="0" err="1"/>
               <a:t>view</a:t>
             </a:r>
             <a:r>
-              <a:rPr lang="en-US" sz="2400" i="1" dirty="0" smtClean="0"/>
+              <a:rPr lang="en-US" sz="2400" i="1" dirty="0"/>
               <a:t> = </a:t>
             </a:r>
             <a:r>
-              <a:rPr lang="en-US" sz="2400" i="1" dirty="0" err="1" smtClean="0"/>
+              <a:rPr lang="en-US" sz="2400" i="1" dirty="0" err="1"/>
               <a:t>inflater.inflate</a:t>
             </a:r>
             <a:r>
-              <a:rPr lang="en-US" sz="2400" i="1" dirty="0" smtClean="0"/>
+              <a:rPr lang="en-US" sz="2400" i="1" dirty="0"/>
               <a:t>(</a:t>
             </a:r>
             <a:r>
-              <a:rPr lang="en-US" sz="2400" i="1" dirty="0" err="1" smtClean="0"/>
+              <a:rPr lang="en-US" sz="2400" i="1" dirty="0" err="1"/>
               <a:t>R.layout.second_fragment</a:t>
             </a:r>
             <a:r>
-              <a:rPr lang="en-US" sz="2400" i="1" dirty="0" smtClean="0"/>
+              <a:rPr lang="en-US" sz="2400" i="1" dirty="0"/>
               <a:t>, container, false);</a:t>
             </a:r>
           </a:p>
@@ -11743,13 +11513,6 @@
   <p:clrMapOvr>
     <a:masterClrMapping/>
   </p:clrMapOvr>
-  <p:timing>
-    <p:tnLst>
-      <p:par>
-        <p:cTn id="1" dur="indefinite" restart="never" nodeType="tmRoot"/>
-      </p:par>
-    </p:tnLst>
-  </p:timing>
 </p:sld>
 </file>
 
@@ -11793,10 +11556,9 @@
           <a:lstStyle/>
           <a:p>
             <a:r>
-              <a:rPr lang="en-US" dirty="0" smtClean="0"/>
+              <a:rPr lang="en-US" dirty="0"/>
               <a:t>Event Handler for the Play Button</a:t>
             </a:r>
-            <a:endParaRPr lang="en-US" dirty="0"/>
           </a:p>
         </p:txBody>
       </p:sp>
@@ -11826,15 +11588,15 @@
               <a:buNone/>
             </a:pPr>
             <a:r>
-              <a:rPr lang="en-US" sz="1800" b="1" dirty="0" smtClean="0"/>
+              <a:rPr lang="en-US" sz="1800" b="1" dirty="0"/>
               <a:t>In the </a:t>
             </a:r>
             <a:r>
-              <a:rPr lang="en-US" sz="1800" b="1" dirty="0" err="1" smtClean="0"/>
+              <a:rPr lang="en-US" sz="1800" b="1" dirty="0" err="1"/>
               <a:t>FirstFragment</a:t>
             </a:r>
             <a:r>
-              <a:rPr lang="en-US" sz="1800" b="1" dirty="0" smtClean="0"/>
+              <a:rPr lang="en-US" sz="1800" b="1" dirty="0"/>
               <a:t> class:</a:t>
             </a:r>
           </a:p>
@@ -11846,183 +11608,175 @@
               <a:buNone/>
             </a:pPr>
             <a:r>
-              <a:rPr lang="en-US" sz="1600" i="1" dirty="0" smtClean="0"/>
+              <a:rPr lang="en-US" sz="1600" i="1" dirty="0"/>
               <a:t>@Override</a:t>
             </a:r>
             <a:br>
-              <a:rPr lang="en-US" sz="1600" i="1" dirty="0" smtClean="0"/>
+              <a:rPr lang="en-US" sz="1600" i="1" dirty="0"/>
             </a:br>
             <a:r>
-              <a:rPr lang="en-US" sz="1600" i="1" dirty="0" smtClean="0"/>
+              <a:rPr lang="en-US" sz="1600" i="1" dirty="0"/>
               <a:t>public View </a:t>
             </a:r>
             <a:r>
-              <a:rPr lang="en-US" sz="1600" i="1" dirty="0" err="1" smtClean="0"/>
+              <a:rPr lang="en-US" sz="1600" i="1" dirty="0" err="1"/>
               <a:t>onCreateView</a:t>
             </a:r>
             <a:r>
-              <a:rPr lang="en-US" sz="1600" i="1" dirty="0" smtClean="0"/>
+              <a:rPr lang="en-US" sz="1600" i="1" dirty="0"/>
               <a:t>(</a:t>
             </a:r>
             <a:r>
-              <a:rPr lang="en-US" sz="1600" i="1" dirty="0" err="1" smtClean="0"/>
+              <a:rPr lang="en-US" sz="1600" i="1" dirty="0" err="1"/>
               <a:t>LayoutInflater</a:t>
             </a:r>
             <a:r>
-              <a:rPr lang="en-US" sz="1600" i="1" dirty="0" smtClean="0"/>
+              <a:rPr lang="en-US" sz="1600" i="1" dirty="0"/>
               <a:t> </a:t>
             </a:r>
             <a:r>
-              <a:rPr lang="en-US" sz="1600" i="1" dirty="0" err="1" smtClean="0"/>
+              <a:rPr lang="en-US" sz="1600" i="1" dirty="0" err="1"/>
               <a:t>inflater</a:t>
             </a:r>
             <a:r>
-              <a:rPr lang="en-US" sz="1600" i="1" dirty="0" smtClean="0"/>
+              <a:rPr lang="en-US" sz="1600" i="1" dirty="0"/>
               <a:t>, </a:t>
             </a:r>
             <a:r>
-              <a:rPr lang="en-US" sz="1600" i="1" dirty="0" err="1" smtClean="0"/>
+              <a:rPr lang="en-US" sz="1600" i="1" dirty="0" err="1"/>
               <a:t>ViewGroup</a:t>
             </a:r>
             <a:r>
-              <a:rPr lang="en-US" sz="1600" i="1" dirty="0" smtClean="0"/>
+              <a:rPr lang="en-US" sz="1600" i="1" dirty="0"/>
               <a:t> container, Bundle </a:t>
             </a:r>
             <a:r>
-              <a:rPr lang="en-US" sz="1600" i="1" dirty="0" err="1" smtClean="0"/>
+              <a:rPr lang="en-US" sz="1600" i="1" dirty="0" err="1"/>
               <a:t>savedInstanceState</a:t>
             </a:r>
             <a:r>
-              <a:rPr lang="en-US" sz="1600" i="1" dirty="0" smtClean="0"/>
+              <a:rPr lang="en-US" sz="1600" i="1" dirty="0"/>
               <a:t>)  {</a:t>
             </a:r>
             <a:br>
-              <a:rPr lang="en-US" sz="1600" i="1" dirty="0" smtClean="0"/>
+              <a:rPr lang="en-US" sz="1600" i="1" dirty="0"/>
             </a:br>
             <a:r>
-              <a:rPr lang="en-US" sz="1600" i="1" dirty="0" smtClean="0"/>
+              <a:rPr lang="en-US" sz="1600" i="1" dirty="0"/>
               <a:t>     View view = </a:t>
             </a:r>
             <a:r>
-              <a:rPr lang="en-US" sz="1600" i="1" dirty="0" err="1" smtClean="0"/>
+              <a:rPr lang="en-US" sz="1600" i="1" dirty="0" err="1"/>
               <a:t>inflater.inflate</a:t>
             </a:r>
             <a:r>
-              <a:rPr lang="en-US" sz="1600" i="1" dirty="0" smtClean="0"/>
+              <a:rPr lang="en-US" sz="1600" i="1" dirty="0"/>
               <a:t>(</a:t>
             </a:r>
             <a:r>
-              <a:rPr lang="en-US" sz="1600" i="1" dirty="0" err="1" smtClean="0"/>
+              <a:rPr lang="en-US" sz="1600" i="1" dirty="0" err="1"/>
               <a:t>R.layout.first_fragment</a:t>
             </a:r>
             <a:r>
-              <a:rPr lang="en-US" sz="1600" i="1" dirty="0" smtClean="0"/>
+              <a:rPr lang="en-US" sz="1600" i="1" dirty="0"/>
               <a:t>, container, false);</a:t>
             </a:r>
             <a:br>
-              <a:rPr lang="en-US" sz="1600" i="1" dirty="0" smtClean="0"/>
+              <a:rPr lang="en-US" sz="1600" i="1" dirty="0"/>
             </a:br>
-            <a:r>
-              <a:rPr lang="en-US" sz="1600" i="1" dirty="0" smtClean="0"/>
-              <a:t/>
-            </a:r>
             <a:br>
-              <a:rPr lang="en-US" sz="1600" i="1" dirty="0" smtClean="0"/>
+              <a:rPr lang="en-US" sz="1600" i="1" dirty="0"/>
             </a:br>
             <a:r>
-              <a:rPr lang="en-US" sz="1600" i="1" dirty="0" smtClean="0"/>
+              <a:rPr lang="en-US" sz="1600" i="1" dirty="0"/>
               <a:t>     // Set this fragment to listen for the Play button's click event</a:t>
             </a:r>
             <a:br>
-              <a:rPr lang="en-US" sz="1600" i="1" dirty="0" smtClean="0"/>
+              <a:rPr lang="en-US" sz="1600" i="1" dirty="0"/>
             </a:br>
             <a:r>
-              <a:rPr lang="en-US" sz="1600" i="1" dirty="0" smtClean="0"/>
+              <a:rPr lang="en-US" sz="1600" i="1" dirty="0"/>
               <a:t>     Button b = (Button) </a:t>
             </a:r>
             <a:r>
-              <a:rPr lang="en-US" sz="1600" i="1" dirty="0" err="1" smtClean="0"/>
+              <a:rPr lang="en-US" sz="1600" i="1" dirty="0" err="1"/>
               <a:t>view.findViewById</a:t>
             </a:r>
             <a:r>
-              <a:rPr lang="en-US" sz="1600" i="1" dirty="0" smtClean="0"/>
+              <a:rPr lang="en-US" sz="1600" i="1" dirty="0"/>
               <a:t>(</a:t>
             </a:r>
             <a:r>
-              <a:rPr lang="en-US" sz="1600" i="1" dirty="0" err="1" smtClean="0"/>
+              <a:rPr lang="en-US" sz="1600" i="1" dirty="0" err="1"/>
               <a:t>R.id.playButton</a:t>
             </a:r>
             <a:r>
-              <a:rPr lang="en-US" sz="1600" i="1" dirty="0" smtClean="0"/>
+              <a:rPr lang="en-US" sz="1600" i="1" dirty="0"/>
               <a:t>);</a:t>
             </a:r>
             <a:br>
-              <a:rPr lang="en-US" sz="1600" i="1" dirty="0" smtClean="0"/>
+              <a:rPr lang="en-US" sz="1600" i="1" dirty="0"/>
             </a:br>
             <a:r>
-              <a:rPr lang="en-US" sz="1600" i="1" dirty="0" smtClean="0"/>
+              <a:rPr lang="en-US" sz="1600" i="1" dirty="0"/>
               <a:t>      </a:t>
             </a:r>
             <a:r>
-              <a:rPr lang="en-US" sz="1600" i="1" dirty="0" err="1" smtClean="0"/>
+              <a:rPr lang="en-US" sz="1600" i="1" dirty="0" err="1"/>
               <a:t>b.setOnClickListener</a:t>
             </a:r>
             <a:r>
-              <a:rPr lang="en-US" sz="1600" i="1" dirty="0" smtClean="0"/>
+              <a:rPr lang="en-US" sz="1600" i="1" dirty="0"/>
               <a:t>(this);</a:t>
             </a:r>
             <a:br>
-              <a:rPr lang="en-US" sz="1600" i="1" dirty="0" smtClean="0"/>
+              <a:rPr lang="en-US" sz="1600" i="1" dirty="0"/>
             </a:br>
             <a:r>
-              <a:rPr lang="en-US" sz="1600" i="1" dirty="0" smtClean="0"/>
+              <a:rPr lang="en-US" sz="1600" i="1" dirty="0"/>
               <a:t>      return view;</a:t>
             </a:r>
             <a:br>
-              <a:rPr lang="en-US" sz="1600" i="1" dirty="0" smtClean="0"/>
+              <a:rPr lang="en-US" sz="1600" i="1" dirty="0"/>
             </a:br>
             <a:r>
-              <a:rPr lang="en-US" sz="1600" i="1" dirty="0" smtClean="0"/>
+              <a:rPr lang="en-US" sz="1600" i="1" dirty="0"/>
               <a:t>}</a:t>
             </a:r>
             <a:br>
-              <a:rPr lang="en-US" sz="1600" i="1" dirty="0" smtClean="0"/>
+              <a:rPr lang="en-US" sz="1600" i="1" dirty="0"/>
             </a:br>
-            <a:r>
-              <a:rPr lang="en-US" sz="1600" i="1" dirty="0" smtClean="0"/>
-              <a:t/>
-            </a:r>
             <a:br>
-              <a:rPr lang="en-US" sz="1600" i="1" dirty="0" smtClean="0"/>
+              <a:rPr lang="en-US" sz="1600" i="1" dirty="0"/>
             </a:br>
             <a:r>
-              <a:rPr lang="en-US" sz="2000" i="1" dirty="0" smtClean="0"/>
+              <a:rPr lang="en-US" sz="2000" i="1" dirty="0"/>
               <a:t>@Override</a:t>
             </a:r>
             <a:br>
-              <a:rPr lang="en-US" sz="2000" i="1" dirty="0" smtClean="0"/>
+              <a:rPr lang="en-US" sz="2000" i="1" dirty="0"/>
             </a:br>
             <a:r>
-              <a:rPr lang="en-US" sz="2000" i="1" dirty="0" smtClean="0"/>
+              <a:rPr lang="en-US" sz="2000" i="1" dirty="0"/>
               <a:t>public void </a:t>
             </a:r>
             <a:r>
-              <a:rPr lang="en-US" sz="2000" i="1" dirty="0" err="1" smtClean="0"/>
+              <a:rPr lang="en-US" sz="2000" i="1" dirty="0" err="1"/>
               <a:t>onClick</a:t>
             </a:r>
             <a:r>
-              <a:rPr lang="en-US" sz="2000" i="1" dirty="0" smtClean="0"/>
+              <a:rPr lang="en-US" sz="2000" i="1" dirty="0"/>
               <a:t>(View v) {</a:t>
             </a:r>
             <a:br>
-              <a:rPr lang="en-US" sz="2000" i="1" dirty="0" smtClean="0"/>
+              <a:rPr lang="en-US" sz="2000" i="1" dirty="0"/>
             </a:br>
             <a:r>
-              <a:rPr lang="en-US" sz="2000" i="1" dirty="0" smtClean="0"/>
+              <a:rPr lang="en-US" sz="2000" i="1" dirty="0"/>
               <a:t>     </a:t>
             </a:r>
             <a:r>
-              <a:rPr lang="en-US" sz="2000" i="1" dirty="0" err="1" smtClean="0">
+              <a:rPr lang="en-US" sz="2000" i="1" dirty="0" err="1">
                 <a:effectLst>
                   <a:glow rad="127000">
                     <a:srgbClr val="FFFF00"/>
@@ -12032,7 +11786,7 @@
               <a:t>startActivity</a:t>
             </a:r>
             <a:r>
-              <a:rPr lang="en-US" sz="2000" i="1" dirty="0" smtClean="0">
+              <a:rPr lang="en-US" sz="2000" i="1" dirty="0">
                 <a:effectLst>
                   <a:glow rad="127000">
                     <a:srgbClr val="FFFF00"/>
@@ -12042,7 +11796,7 @@
               <a:t>(new Intent(</a:t>
             </a:r>
             <a:r>
-              <a:rPr lang="en-US" sz="2000" i="1" dirty="0" err="1" smtClean="0">
+              <a:rPr lang="en-US" sz="2000" i="1" dirty="0" err="1">
                 <a:effectLst>
                   <a:glow rad="127000">
                     <a:srgbClr val="FFFF00"/>
@@ -12052,7 +11806,7 @@
               <a:t>getActivity</a:t>
             </a:r>
             <a:r>
-              <a:rPr lang="en-US" sz="2000" i="1" dirty="0" smtClean="0">
+              <a:rPr lang="en-US" sz="2000" i="1" dirty="0">
                 <a:effectLst>
                   <a:glow rad="127000">
                     <a:srgbClr val="FFFF00"/>
@@ -12062,7 +11816,7 @@
               <a:t>(), </a:t>
             </a:r>
             <a:r>
-              <a:rPr lang="en-US" sz="2000" i="1" dirty="0" err="1" smtClean="0">
+              <a:rPr lang="en-US" sz="2000" i="1" dirty="0" err="1">
                 <a:effectLst>
                   <a:glow rad="127000">
                     <a:srgbClr val="FFFF00"/>
@@ -12072,7 +11826,7 @@
               <a:t>SecondActivity.class</a:t>
             </a:r>
             <a:r>
-              <a:rPr lang="en-US" sz="2000" i="1" dirty="0" smtClean="0">
+              <a:rPr lang="en-US" sz="2000" i="1" dirty="0">
                 <a:effectLst>
                   <a:glow rad="127000">
                     <a:srgbClr val="FFFF00"/>
@@ -12090,7 +11844,7 @@
               <a:buNone/>
             </a:pPr>
             <a:r>
-              <a:rPr lang="en-US" sz="2000" i="1" dirty="0" smtClean="0"/>
+              <a:rPr lang="en-US" sz="2000" i="1" dirty="0"/>
               <a:t>}</a:t>
             </a:r>
           </a:p>
@@ -12106,13 +11860,6 @@
   <p:clrMapOvr>
     <a:masterClrMapping/>
   </p:clrMapOvr>
-  <p:timing>
-    <p:tnLst>
-      <p:par>
-        <p:cTn id="1" dur="indefinite" restart="never" nodeType="tmRoot"/>
-      </p:par>
-    </p:tnLst>
-  </p:timing>
 </p:sld>
 </file>
 
@@ -12149,10 +11896,9 @@
           <a:lstStyle/>
           <a:p>
             <a:r>
-              <a:rPr lang="en-US" dirty="0" smtClean="0"/>
+              <a:rPr lang="en-US" dirty="0"/>
               <a:t>Test it!</a:t>
             </a:r>
-            <a:endParaRPr lang="en-US" dirty="0"/>
           </a:p>
         </p:txBody>
       </p:sp>
@@ -12179,31 +11925,27 @@
           <a:lstStyle/>
           <a:p>
             <a:r>
-              <a:rPr lang="en-US" dirty="0" smtClean="0"/>
+              <a:rPr lang="en-US" dirty="0"/>
               <a:t>Run the app. Click the “Play” button. You should see the second fragment displayed.</a:t>
             </a:r>
             <a:br>
-              <a:rPr lang="en-US" dirty="0" smtClean="0"/>
+              <a:rPr lang="en-US" dirty="0"/>
             </a:br>
-            <a:r>
-              <a:rPr lang="en-US" dirty="0" smtClean="0"/>
-              <a:t/>
-            </a:r>
             <a:br>
-              <a:rPr lang="en-US" dirty="0" smtClean="0"/>
+              <a:rPr lang="en-US" dirty="0"/>
             </a:br>
-            <a:endParaRPr lang="en-US" dirty="0" smtClean="0"/>
-          </a:p>
-          <a:p>
-            <a:endParaRPr lang="en-US" dirty="0" smtClean="0"/>
-          </a:p>
-          <a:p>
-            <a:r>
-              <a:rPr lang="en-US" dirty="0" smtClean="0"/>
+            <a:endParaRPr lang="en-US" dirty="0"/>
+          </a:p>
+          <a:p>
+            <a:endParaRPr lang="en-US" dirty="0"/>
+          </a:p>
+          <a:p>
+            <a:r>
+              <a:rPr lang="en-US" dirty="0"/>
               <a:t>Click the “New Game” button. You should see the first fragment again.</a:t>
             </a:r>
             <a:br>
-              <a:rPr lang="en-US" dirty="0" smtClean="0"/>
+              <a:rPr lang="en-US" dirty="0"/>
             </a:br>
             <a:endParaRPr lang="en-US" dirty="0"/>
           </a:p>
@@ -12267,13 +12009,6 @@
   <p:clrMapOvr>
     <a:masterClrMapping/>
   </p:clrMapOvr>
-  <p:timing>
-    <p:tnLst>
-      <p:par>
-        <p:cTn id="1" dur="indefinite" restart="never" nodeType="tmRoot"/>
-      </p:par>
-    </p:tnLst>
-  </p:timing>
 </p:sld>
 </file>
 
@@ -12323,10 +12058,9 @@
           <a:lstStyle/>
           <a:p>
             <a:r>
-              <a:rPr lang="en-US" dirty="0" smtClean="0"/>
+              <a:rPr lang="en-US" dirty="0"/>
               <a:t>Step 2: Instantiate a Game object and connect it for use with a Small Screen.</a:t>
             </a:r>
-            <a:endParaRPr lang="en-US" dirty="0"/>
           </a:p>
         </p:txBody>
       </p:sp>
@@ -12351,30 +12085,25 @@
               <a:buNone/>
             </a:pPr>
             <a:r>
-              <a:rPr lang="en-US" dirty="0" smtClean="0"/>
-              <a:t>Our goal for this step is to implement the game-play logic</a:t>
-            </a:r>
-            <a:r>
-              <a:rPr lang="en-US" dirty="0" smtClean="0"/>
-              <a:t>:</a:t>
-            </a:r>
-            <a:endParaRPr lang="en-US" dirty="0"/>
-          </a:p>
-          <a:p>
-            <a:r>
-              <a:rPr lang="en-US" dirty="0" smtClean="0"/>
+              <a:rPr lang="en-US" dirty="0"/>
+              <a:t>Our goal for this step is to implement the game-play logic:</a:t>
+            </a:r>
+          </a:p>
+          <a:p>
+            <a:r>
+              <a:rPr lang="en-US" dirty="0"/>
               <a:t>The user can enter their choice (rock, paper, or scissors) on the first screen.</a:t>
             </a:r>
           </a:p>
           <a:p>
             <a:r>
-              <a:rPr lang="en-US" dirty="0" smtClean="0"/>
+              <a:rPr lang="en-US" dirty="0"/>
               <a:t>When the user clicks the “Play” button the second screen is shown where the computer’s choice and the winner are displayed.</a:t>
             </a:r>
           </a:p>
           <a:p>
             <a:r>
-              <a:rPr lang="en-US" dirty="0" smtClean="0"/>
+              <a:rPr lang="en-US" dirty="0"/>
               <a:t>When the user clicks the “New Game” button the first screen is displayed again.</a:t>
             </a:r>
           </a:p>
@@ -12383,15 +12112,15 @@
               <a:buNone/>
             </a:pPr>
             <a:r>
-              <a:rPr lang="en-US" dirty="0" smtClean="0"/>
+              <a:rPr lang="en-US" dirty="0"/>
               <a:t>Note: on a device with a small screen, the Game class will be instantiated in the 2</a:t>
             </a:r>
             <a:r>
-              <a:rPr lang="en-US" baseline="30000" dirty="0" smtClean="0"/>
+              <a:rPr lang="en-US" baseline="30000" dirty="0"/>
               <a:t>nd</a:t>
             </a:r>
             <a:r>
-              <a:rPr lang="en-US" dirty="0" smtClean="0"/>
+              <a:rPr lang="en-US" dirty="0"/>
               <a:t> Activity.</a:t>
             </a:r>
           </a:p>
@@ -12413,13 +12142,6 @@
   <p:clrMapOvr>
     <a:masterClrMapping/>
   </p:clrMapOvr>
-  <p:timing>
-    <p:tnLst>
-      <p:par>
-        <p:cTn id="1" dur="indefinite" restart="never" nodeType="tmRoot"/>
-      </p:par>
-    </p:tnLst>
-  </p:timing>
 </p:sld>
 </file>
 
@@ -12486,18 +12208,13 @@
           <a:p>
             <a:pPr algn="ctr"/>
             <a:r>
-              <a:rPr lang="en-US" sz="6600" dirty="0" smtClean="0">
+              <a:rPr lang="en-US" sz="6600" dirty="0">
                 <a:solidFill>
                   <a:srgbClr val="2D2DB9"/>
                 </a:solidFill>
               </a:rPr>
               <a:t>Fragment Concepts</a:t>
             </a:r>
-            <a:endParaRPr lang="en-US" sz="6600" dirty="0">
-              <a:solidFill>
-                <a:srgbClr val="2D2DB9"/>
-              </a:solidFill>
-            </a:endParaRPr>
           </a:p>
         </p:txBody>
       </p:sp>
@@ -12535,13 +12252,6 @@
   <p:clrMapOvr>
     <a:masterClrMapping/>
   </p:clrMapOvr>
-  <p:timing>
-    <p:tnLst>
-      <p:par>
-        <p:cTn id="1" dur="indefinite" restart="never" nodeType="tmRoot"/>
-      </p:par>
-    </p:tnLst>
-  </p:timing>
 </p:sld>
 </file>
 
@@ -12591,10 +12301,9 @@
           <a:lstStyle/>
           <a:p>
             <a:r>
-              <a:rPr lang="en-US" dirty="0" smtClean="0"/>
+              <a:rPr lang="en-US" dirty="0"/>
               <a:t>Creating and Accessing the Game Object with a Small Screen</a:t>
             </a:r>
-            <a:endParaRPr lang="en-US" dirty="0"/>
           </a:p>
         </p:txBody>
       </p:sp>
@@ -12751,7 +12460,7 @@
               </a:spcAft>
             </a:pPr>
             <a:r>
-              <a:rPr lang="en-US" sz="2800" kern="1200" dirty="0" err="1" smtClean="0"/>
+              <a:rPr lang="en-US" sz="2800" kern="1200" dirty="0" err="1"/>
               <a:t>FirstFragment</a:t>
             </a:r>
             <a:endParaRPr lang="en-US" sz="2800" kern="1200" dirty="0"/>
@@ -12770,10 +12479,9 @@
               <a:buChar char="••"/>
             </a:pPr>
             <a:r>
-              <a:rPr lang="en-US" sz="2000" kern="1200" dirty="0" smtClean="0"/>
+              <a:rPr lang="en-US" sz="2000" kern="1200" dirty="0"/>
               <a:t>Creates the game object</a:t>
             </a:r>
-            <a:endParaRPr lang="en-US" sz="2000" kern="1200" dirty="0"/>
           </a:p>
           <a:p>
             <a:pPr marL="171450" lvl="1" indent="-171450" defTabSz="800100">
@@ -12789,10 +12497,9 @@
               <a:buChar char="••"/>
             </a:pPr>
             <a:r>
-              <a:rPr lang="en-US" sz="2000" kern="1200" dirty="0" smtClean="0"/>
+              <a:rPr lang="en-US" sz="2000" kern="1200" dirty="0"/>
               <a:t>Passes it to the host Activity</a:t>
             </a:r>
-            <a:endParaRPr lang="en-US" sz="2000" kern="1200" dirty="0"/>
           </a:p>
         </p:txBody>
       </p:sp>
@@ -12949,10 +12656,10 @@
               </a:spcAft>
             </a:pPr>
             <a:r>
-              <a:rPr lang="en-US" sz="2800" kern="1200" dirty="0" err="1" smtClean="0"/>
+              <a:rPr lang="en-US" sz="2800" kern="1200" dirty="0" err="1"/>
               <a:t>FirstActivity</a:t>
             </a:r>
-            <a:endParaRPr lang="en-US" sz="2000" kern="1200" dirty="0" smtClean="0"/>
+            <a:endParaRPr lang="en-US" sz="2000" kern="1200" dirty="0"/>
           </a:p>
           <a:p>
             <a:pPr marL="171450" lvl="0" indent="-171450" defTabSz="311150">
@@ -12969,7 +12676,7 @@
               <a:buChar char="•"/>
             </a:pPr>
             <a:r>
-              <a:rPr lang="en-US" sz="2000" dirty="0" smtClean="0"/>
+              <a:rPr lang="en-US" sz="2000" dirty="0"/>
               <a:t>Holds the game object</a:t>
             </a:r>
           </a:p>
@@ -12988,18 +12695,18 @@
               <a:buChar char="•"/>
             </a:pPr>
             <a:r>
-              <a:rPr lang="en-US" sz="2000" kern="1200" dirty="0" smtClean="0"/>
+              <a:rPr lang="en-US" sz="2000" kern="1200" dirty="0"/>
               <a:t>Sends it to the </a:t>
             </a:r>
             <a:r>
-              <a:rPr lang="en-US" sz="2000" kern="1200" dirty="0" err="1" smtClean="0"/>
+              <a:rPr lang="en-US" sz="2000" kern="1200" dirty="0" err="1"/>
               <a:t>SecondActivity</a:t>
             </a:r>
             <a:r>
-              <a:rPr lang="en-US" sz="700" dirty="0" smtClean="0"/>
+              <a:rPr lang="en-US" sz="700" dirty="0"/>
               <a:t> in an intent</a:t>
             </a:r>
-            <a:endParaRPr lang="en-US" sz="2000" kern="1200" dirty="0" smtClean="0"/>
+            <a:endParaRPr lang="en-US" sz="2000" kern="1200" dirty="0"/>
           </a:p>
         </p:txBody>
       </p:sp>
@@ -13232,14 +12939,14 @@
               </a:spcAft>
             </a:pPr>
             <a:r>
-              <a:rPr lang="en-US" sz="2800" dirty="0" err="1" smtClean="0"/>
+              <a:rPr lang="en-US" sz="2800" dirty="0" err="1"/>
               <a:t>Second</a:t>
             </a:r>
             <a:r>
-              <a:rPr lang="en-US" sz="2800" kern="1200" dirty="0" err="1" smtClean="0"/>
+              <a:rPr lang="en-US" sz="2800" kern="1200" dirty="0" err="1"/>
               <a:t>Activity</a:t>
             </a:r>
-            <a:endParaRPr lang="en-US" sz="2000" kern="1200" dirty="0" smtClean="0"/>
+            <a:endParaRPr lang="en-US" sz="2000" kern="1200" dirty="0"/>
           </a:p>
           <a:p>
             <a:pPr marL="171450" lvl="0" indent="-171450" algn="ctr" defTabSz="311150">
@@ -13256,7 +12963,7 @@
               <a:buChar char="•"/>
             </a:pPr>
             <a:r>
-              <a:rPr lang="en-US" sz="2000" dirty="0" smtClean="0"/>
+              <a:rPr lang="en-US" sz="2000" dirty="0"/>
               <a:t>Holds the game object</a:t>
             </a:r>
             <a:endParaRPr lang="en-US" sz="700" kern="1200" dirty="0"/>
@@ -13416,10 +13123,10 @@
               </a:spcAft>
             </a:pPr>
             <a:r>
-              <a:rPr lang="en-US" sz="2800" dirty="0" err="1" smtClean="0"/>
+              <a:rPr lang="en-US" sz="2800" dirty="0" err="1"/>
               <a:t>SecondFragment</a:t>
             </a:r>
-            <a:endParaRPr lang="en-US" sz="2000" kern="1200" dirty="0" smtClean="0"/>
+            <a:endParaRPr lang="en-US" sz="2000" kern="1200" dirty="0"/>
           </a:p>
           <a:p>
             <a:pPr marL="171450" lvl="0" indent="-171450" algn="ctr" defTabSz="311150">
@@ -13436,7 +13143,7 @@
               <a:buChar char="•"/>
             </a:pPr>
             <a:r>
-              <a:rPr lang="en-US" sz="2000" dirty="0" smtClean="0"/>
+              <a:rPr lang="en-US" sz="2000" dirty="0"/>
               <a:t>Holds the game object</a:t>
             </a:r>
             <a:endParaRPr lang="en-US" sz="700" kern="1200" dirty="0"/>
@@ -13453,13 +13160,6 @@
   <p:clrMapOvr>
     <a:masterClrMapping/>
   </p:clrMapOvr>
-  <p:timing>
-    <p:tnLst>
-      <p:par>
-        <p:cTn id="1" dur="indefinite" restart="never" nodeType="tmRoot"/>
-      </p:par>
-    </p:tnLst>
-  </p:timing>
 </p:sld>
 </file>
 
@@ -13498,17 +13198,16 @@
           <a:lstStyle/>
           <a:p>
             <a:r>
-              <a:rPr lang="en-US" dirty="0" smtClean="0"/>
+              <a:rPr lang="en-US" dirty="0"/>
               <a:t>Overview of New Code Required</a:t>
             </a:r>
             <a:br>
-              <a:rPr lang="en-US" dirty="0" smtClean="0"/>
+              <a:rPr lang="en-US" dirty="0"/>
             </a:br>
             <a:r>
-              <a:rPr lang="en-US" sz="3100" dirty="0" smtClean="0"/>
+              <a:rPr lang="en-US" sz="3100" dirty="0"/>
               <a:t>(Much of it isn’t “new”, we can copy it from the non-fragment version)</a:t>
             </a:r>
-            <a:endParaRPr lang="en-US" sz="3100" dirty="0"/>
           </a:p>
         </p:txBody>
       </p:sp>
@@ -13535,29 +13234,29 @@
           <a:lstStyle/>
           <a:p>
             <a:r>
-              <a:rPr lang="en-US" dirty="0" err="1" smtClean="0"/>
+              <a:rPr lang="en-US" dirty="0" err="1"/>
               <a:t>FirstActivity</a:t>
             </a:r>
             <a:r>
-              <a:rPr lang="en-US" dirty="0" smtClean="0"/>
+              <a:rPr lang="en-US" dirty="0"/>
               <a:t>: nothing new</a:t>
             </a:r>
           </a:p>
           <a:p>
             <a:r>
-              <a:rPr lang="en-US" dirty="0" err="1" smtClean="0"/>
+              <a:rPr lang="en-US" dirty="0" err="1"/>
               <a:t>FirstFragment</a:t>
             </a:r>
             <a:r>
-              <a:rPr lang="en-US" dirty="0" smtClean="0"/>
+              <a:rPr lang="en-US" dirty="0"/>
               <a:t>, in </a:t>
             </a:r>
             <a:r>
-              <a:rPr lang="en-US" dirty="0" err="1" smtClean="0"/>
+              <a:rPr lang="en-US" dirty="0" err="1"/>
               <a:t>onClick</a:t>
             </a:r>
             <a:r>
-              <a:rPr lang="en-US" dirty="0" smtClean="0"/>
+              <a:rPr lang="en-US" dirty="0"/>
               <a:t> for the “Play” button: </a:t>
             </a:r>
           </a:p>
@@ -13565,102 +13264,90 @@
             <a:pPr lvl="1"/>
             <a:r>
               <a:rPr lang="en-US" dirty="0"/>
-              <a:t>G</a:t>
-            </a:r>
-            <a:r>
-              <a:rPr lang="en-US" dirty="0" smtClean="0"/>
-              <a:t>et the player’s choice (rock, paper, or scissors) from </a:t>
-            </a:r>
-            <a:r>
-              <a:rPr lang="en-US" dirty="0" err="1" smtClean="0"/>
+              <a:t>Get the player’s choice (rock, paper, or scissors) from </a:t>
+            </a:r>
+            <a:r>
+              <a:rPr lang="en-US" dirty="0" err="1"/>
               <a:t>rpsEditText</a:t>
             </a:r>
             <a:r>
-              <a:rPr lang="en-US" dirty="0" smtClean="0"/>
+              <a:rPr lang="en-US" dirty="0"/>
               <a:t>, add it to the intent that will be sent to the </a:t>
             </a:r>
             <a:r>
-              <a:rPr lang="en-US" dirty="0" err="1" smtClean="0"/>
+              <a:rPr lang="en-US" dirty="0" err="1"/>
               <a:t>SecondActivity</a:t>
             </a:r>
             <a:r>
-              <a:rPr lang="en-US" dirty="0" smtClean="0"/>
+              <a:rPr lang="en-US" dirty="0"/>
               <a:t>.</a:t>
             </a:r>
           </a:p>
           <a:p>
             <a:r>
-              <a:rPr lang="en-US" dirty="0" err="1" smtClean="0"/>
+              <a:rPr lang="en-US" dirty="0" err="1"/>
               <a:t>SecondActivity</a:t>
             </a:r>
-            <a:endParaRPr lang="en-US" dirty="0" smtClean="0"/>
+            <a:endParaRPr lang="en-US" dirty="0"/>
           </a:p>
           <a:p>
             <a:pPr lvl="1"/>
             <a:r>
-              <a:rPr lang="en-US" dirty="0" err="1" smtClean="0"/>
+              <a:rPr lang="en-US" dirty="0" err="1"/>
               <a:t>onCreate</a:t>
             </a:r>
             <a:r>
-              <a:rPr lang="en-US" dirty="0" smtClean="0"/>
+              <a:rPr lang="en-US" dirty="0"/>
               <a:t>: get the player’s choice out of the intent, put it in a </a:t>
             </a:r>
             <a:r>
-              <a:rPr lang="en-US" dirty="0" err="1" smtClean="0"/>
+              <a:rPr lang="en-US" dirty="0" err="1"/>
               <a:t>RpsGame</a:t>
             </a:r>
             <a:r>
-              <a:rPr lang="en-US" dirty="0" smtClean="0"/>
+              <a:rPr lang="en-US" dirty="0"/>
               <a:t> object, and pass it to the </a:t>
             </a:r>
             <a:r>
-              <a:rPr lang="en-US" dirty="0" err="1" smtClean="0"/>
+              <a:rPr lang="en-US" dirty="0" err="1"/>
               <a:t>SecondFragment</a:t>
             </a:r>
             <a:r>
-              <a:rPr lang="en-US" dirty="0" smtClean="0"/>
+              <a:rPr lang="en-US" dirty="0"/>
               <a:t> by calling </a:t>
             </a:r>
             <a:r>
               <a:rPr lang="en-US" i="1" dirty="0" err="1"/>
-              <a:t>c</a:t>
-            </a:r>
-            <a:r>
-              <a:rPr lang="en-US" i="1" dirty="0" err="1" smtClean="0"/>
-              <a:t>omputerMove</a:t>
-            </a:r>
-            <a:r>
-              <a:rPr lang="en-US" i="1" dirty="0" smtClean="0"/>
+              <a:t>computerMove</a:t>
+            </a:r>
+            <a:r>
+              <a:rPr lang="en-US" i="1" dirty="0"/>
               <a:t>(game).</a:t>
             </a:r>
           </a:p>
           <a:p>
             <a:r>
-              <a:rPr lang="en-US" dirty="0" err="1" smtClean="0"/>
+              <a:rPr lang="en-US" dirty="0" err="1"/>
               <a:t>SecondFragment</a:t>
             </a:r>
-            <a:endParaRPr lang="en-US" dirty="0" smtClean="0"/>
+            <a:endParaRPr lang="en-US" dirty="0"/>
           </a:p>
           <a:p>
             <a:pPr lvl="1"/>
             <a:r>
               <a:rPr lang="en-US" i="1" dirty="0" err="1"/>
-              <a:t>c</a:t>
-            </a:r>
-            <a:r>
-              <a:rPr lang="en-US" i="1" dirty="0" err="1" smtClean="0"/>
-              <a:t>omputerMove</a:t>
-            </a:r>
-            <a:r>
-              <a:rPr lang="en-US" dirty="0" smtClean="0"/>
+              <a:t>computerMove</a:t>
+            </a:r>
+            <a:r>
+              <a:rPr lang="en-US" dirty="0"/>
               <a:t>: This new method contains essentially the same code that was in the </a:t>
             </a:r>
             <a:r>
-              <a:rPr lang="en-US" i="1" dirty="0" smtClean="0"/>
+              <a:rPr lang="en-US" i="1" dirty="0"/>
               <a:t>play</a:t>
             </a:r>
             <a:r>
-              <a:rPr lang="en-US" dirty="0" smtClean="0"/>
+              <a:rPr lang="en-US" dirty="0"/>
               <a:t> method of the single activity version of the game.</a:t>
             </a:r>
           </a:p>
@@ -13679,13 +13366,6 @@
   <p:clrMapOvr>
     <a:masterClrMapping/>
   </p:clrMapOvr>
-  <p:timing>
-    <p:tnLst>
-      <p:par>
-        <p:cTn id="1" dur="indefinite" restart="never" nodeType="tmRoot"/>
-      </p:par>
-    </p:tnLst>
-  </p:timing>
 </p:sld>
 </file>
 
@@ -13735,22 +13415,9 @@
           <a:lstStyle/>
           <a:p>
             <a:r>
-              <a:rPr lang="en-US" dirty="0" smtClean="0"/>
-              <a:t>Step </a:t>
-            </a:r>
-            <a:r>
-              <a:rPr lang="en-US" dirty="0"/>
-              <a:t>3</a:t>
-            </a:r>
-            <a:r>
-              <a:rPr lang="en-US" dirty="0" smtClean="0"/>
-              <a:t>: </a:t>
-            </a:r>
-            <a:r>
-              <a:rPr lang="en-US" dirty="0" smtClean="0"/>
-              <a:t>Implement Activities &amp; Fragments for Large Screens</a:t>
-            </a:r>
-            <a:endParaRPr lang="en-US" dirty="0"/>
+              <a:rPr lang="en-US" dirty="0"/>
+              <a:t>Step 3: Implement Activities &amp; Fragments for Large Screens</a:t>
+            </a:r>
           </a:p>
         </p:txBody>
       </p:sp>
@@ -13775,56 +13442,34 @@
               <a:buNone/>
             </a:pPr>
             <a:r>
-              <a:rPr lang="en-US" dirty="0" smtClean="0"/>
+              <a:rPr lang="en-US" dirty="0"/>
               <a:t>Our goals for this step are:</a:t>
             </a:r>
-            <a:endParaRPr lang="en-US" dirty="0"/>
-          </a:p>
-          <a:p>
-            <a:r>
-              <a:rPr lang="en-US" dirty="0" smtClean="0"/>
+          </a:p>
+          <a:p>
+            <a:r>
+              <a:rPr lang="en-US" dirty="0"/>
               <a:t>In portrait orientation, both the first and second fragments will be displayed one above the other.</a:t>
             </a:r>
           </a:p>
           <a:p>
             <a:r>
               <a:rPr lang="en-US" dirty="0"/>
-              <a:t>In </a:t>
-            </a:r>
-            <a:r>
-              <a:rPr lang="en-US" dirty="0" smtClean="0"/>
-              <a:t>landscape orientation</a:t>
-            </a:r>
-            <a:r>
-              <a:rPr lang="en-US" dirty="0"/>
-              <a:t>, both the first and second fragments </a:t>
-            </a:r>
-            <a:r>
-              <a:rPr lang="en-US" dirty="0" smtClean="0"/>
-              <a:t>will be displayed side-by-side.</a:t>
-            </a:r>
-            <a:endParaRPr lang="en-US" dirty="0"/>
-          </a:p>
-          <a:p>
-            <a:r>
-              <a:rPr lang="en-US" dirty="0" smtClean="0"/>
+              <a:t>In landscape orientation, both the first and second fragments will be displayed side-by-side.</a:t>
+            </a:r>
+          </a:p>
+          <a:p>
+            <a:r>
+              <a:rPr lang="en-US" dirty="0"/>
               <a:t>An instance of the Game class will be instantiated in the </a:t>
             </a:r>
             <a:r>
-              <a:rPr lang="en-US" dirty="0" err="1" smtClean="0"/>
+              <a:rPr lang="en-US" dirty="0" err="1"/>
               <a:t>FirstActivity</a:t>
             </a:r>
             <a:r>
-              <a:rPr lang="en-US" dirty="0" smtClean="0"/>
-              <a:t> and </a:t>
-            </a:r>
-            <a:r>
-              <a:rPr lang="en-US" dirty="0"/>
-              <a:t>g</a:t>
-            </a:r>
-            <a:r>
-              <a:rPr lang="en-US" dirty="0" smtClean="0"/>
-              <a:t>ameplay logic is “hooked up” so the game can be played</a:t>
+              <a:rPr lang="en-US" dirty="0"/>
+              <a:t> and gameplay logic is “hooked up” so the game can be played</a:t>
             </a:r>
           </a:p>
           <a:p>
@@ -13845,13 +13490,6 @@
   <p:clrMapOvr>
     <a:masterClrMapping/>
   </p:clrMapOvr>
-  <p:timing>
-    <p:tnLst>
-      <p:par>
-        <p:cTn id="1" dur="indefinite" restart="never" nodeType="tmRoot"/>
-      </p:par>
-    </p:tnLst>
-  </p:timing>
 </p:sld>
 </file>
 
@@ -13888,10 +13526,9 @@
           <a:lstStyle/>
           <a:p>
             <a:r>
-              <a:rPr lang="en-US" dirty="0" smtClean="0"/>
+              <a:rPr lang="en-US" dirty="0"/>
               <a:t>Loading the fragments</a:t>
             </a:r>
-            <a:endParaRPr lang="en-US" dirty="0"/>
           </a:p>
         </p:txBody>
       </p:sp>
@@ -13913,15 +13550,15 @@
           <a:lstStyle/>
           <a:p>
             <a:r>
-              <a:rPr lang="en-US" dirty="0" smtClean="0"/>
+              <a:rPr lang="en-US" dirty="0"/>
               <a:t>In </a:t>
             </a:r>
             <a:r>
-              <a:rPr lang="en-US" dirty="0" err="1" smtClean="0"/>
+              <a:rPr lang="en-US" dirty="0" err="1"/>
               <a:t>first_activity.xml</a:t>
             </a:r>
             <a:r>
-              <a:rPr lang="en-US" dirty="0" smtClean="0"/>
+              <a:rPr lang="en-US" dirty="0"/>
               <a:t> (sw600dp-port):</a:t>
             </a:r>
           </a:p>
@@ -13931,14 +13568,14 @@
               <a:buAutoNum type="arabicPeriod"/>
             </a:pPr>
             <a:r>
-              <a:rPr lang="en-US" dirty="0" smtClean="0"/>
+              <a:rPr lang="en-US" dirty="0"/>
               <a:t>Add a vertical linear layout that contains two fragment elements with the names:</a:t>
             </a:r>
           </a:p>
           <a:p>
             <a:pPr lvl="2"/>
             <a:r>
-              <a:rPr lang="en-US" dirty="0" err="1" smtClean="0"/>
+              <a:rPr lang="en-US" dirty="0" err="1"/>
               <a:t>FirstFragment</a:t>
             </a:r>
             <a:endParaRPr lang="en-US" dirty="0"/>
@@ -13946,10 +13583,10 @@
           <a:p>
             <a:pPr lvl="2"/>
             <a:r>
-              <a:rPr lang="en-US" dirty="0" err="1" smtClean="0"/>
+              <a:rPr lang="en-US" dirty="0" err="1"/>
               <a:t>SecondFragment</a:t>
             </a:r>
-            <a:endParaRPr lang="en-US" dirty="0" smtClean="0"/>
+            <a:endParaRPr lang="en-US" dirty="0"/>
           </a:p>
           <a:p>
             <a:pPr marL="914400" lvl="1" indent="-457200">
@@ -13957,29 +13594,29 @@
               <a:buAutoNum type="arabicPeriod"/>
             </a:pPr>
             <a:r>
-              <a:rPr lang="en-US" dirty="0" smtClean="0"/>
+              <a:rPr lang="en-US" dirty="0"/>
               <a:t>Give each fragment a weight=“1”, width=“0dp”, and height=“</a:t>
             </a:r>
             <a:r>
-              <a:rPr lang="en-US" dirty="0" err="1" smtClean="0"/>
+              <a:rPr lang="en-US" dirty="0" err="1"/>
               <a:t>match_parent</a:t>
             </a:r>
             <a:r>
-              <a:rPr lang="en-US" dirty="0" smtClean="0"/>
+              <a:rPr lang="en-US" dirty="0"/>
               <a:t>”</a:t>
             </a:r>
           </a:p>
           <a:p>
             <a:r>
-              <a:rPr lang="en-US" dirty="0" smtClean="0"/>
+              <a:rPr lang="en-US" dirty="0"/>
               <a:t>In </a:t>
             </a:r>
             <a:r>
-              <a:rPr lang="en-US" dirty="0" err="1" smtClean="0"/>
+              <a:rPr lang="en-US" dirty="0" err="1"/>
               <a:t>second_activity.xml</a:t>
             </a:r>
             <a:r>
-              <a:rPr lang="en-US" dirty="0" smtClean="0"/>
+              <a:rPr lang="en-US" dirty="0"/>
               <a:t> (sw600dp-land):</a:t>
             </a:r>
           </a:p>
@@ -13989,10 +13626,9 @@
               <a:buAutoNum type="arabicPeriod"/>
             </a:pPr>
             <a:r>
-              <a:rPr lang="en-US" dirty="0" smtClean="0"/>
+              <a:rPr lang="en-US" dirty="0"/>
               <a:t>Add a horizontal linear layout that contains two fragment elements with the same names as the one’s above.</a:t>
             </a:r>
-            <a:endParaRPr lang="en-US" dirty="0"/>
           </a:p>
           <a:p>
             <a:pPr marL="914400" lvl="1" indent="-457200">
@@ -14001,36 +13637,23 @@
             </a:pPr>
             <a:r>
               <a:rPr lang="en-US" dirty="0"/>
-              <a:t>Give each fragment a weight=“1”, width</a:t>
-            </a:r>
-            <a:r>
-              <a:rPr lang="en-US" dirty="0" smtClean="0"/>
-              <a:t>=“</a:t>
+              <a:t>Give each fragment a weight=“1”, width=“</a:t>
             </a:r>
             <a:r>
               <a:rPr lang="en-US" dirty="0" err="1"/>
               <a:t>match_parent</a:t>
             </a:r>
             <a:r>
-              <a:rPr lang="en-US" dirty="0" smtClean="0"/>
-              <a:t>”, </a:t>
-            </a:r>
-            <a:r>
-              <a:rPr lang="en-US" dirty="0"/>
-              <a:t>and height</a:t>
-            </a:r>
-            <a:r>
-              <a:rPr lang="en-US" dirty="0" smtClean="0"/>
-              <a:t>=“0dp”</a:t>
-            </a:r>
-            <a:endParaRPr lang="en-US" dirty="0"/>
+              <a:rPr lang="en-US" dirty="0"/>
+              <a:t>”, and height=“0dp”</a:t>
+            </a:r>
           </a:p>
           <a:p>
             <a:pPr marL="971550" lvl="1" indent="-514350">
               <a:buFont typeface="+mj-lt"/>
               <a:buAutoNum type="arabicPeriod"/>
             </a:pPr>
-            <a:endParaRPr lang="en-US" dirty="0" smtClean="0"/>
+            <a:endParaRPr lang="en-US" dirty="0"/>
           </a:p>
           <a:p>
             <a:pPr marL="971550" lvl="1" indent="-514350">
@@ -14051,13 +13674,6 @@
   <p:clrMapOvr>
     <a:masterClrMapping/>
   </p:clrMapOvr>
-  <p:timing>
-    <p:tnLst>
-      <p:par>
-        <p:cTn id="1" dur="indefinite" restart="never" nodeType="tmRoot"/>
-      </p:par>
-    </p:tnLst>
-  </p:timing>
 </p:sld>
 </file>
 
@@ -14096,10 +13712,9 @@
           <a:lstStyle/>
           <a:p>
             <a:r>
-              <a:rPr lang="en-US" dirty="0" smtClean="0"/>
+              <a:rPr lang="en-US" dirty="0"/>
               <a:t>Instantiate a Game Object</a:t>
             </a:r>
-            <a:endParaRPr lang="en-US" dirty="0"/>
           </a:p>
         </p:txBody>
       </p:sp>
@@ -14121,22 +13736,22 @@
           <a:lstStyle/>
           <a:p>
             <a:r>
-              <a:rPr lang="en-US" sz="3100" dirty="0" smtClean="0"/>
+              <a:rPr lang="en-US" sz="3100" dirty="0"/>
               <a:t>In </a:t>
             </a:r>
             <a:r>
-              <a:rPr lang="en-US" sz="3100" dirty="0" err="1" smtClean="0"/>
+              <a:rPr lang="en-US" sz="3100" dirty="0" err="1"/>
               <a:t>FirstActivity</a:t>
             </a:r>
             <a:r>
-              <a:rPr lang="en-US" sz="3100" dirty="0" smtClean="0"/>
+              <a:rPr lang="en-US" sz="3100" dirty="0"/>
               <a:t>:</a:t>
             </a:r>
           </a:p>
           <a:p>
             <a:pPr lvl="1"/>
             <a:r>
-              <a:rPr lang="en-US" sz="3100" dirty="0" smtClean="0"/>
+              <a:rPr lang="en-US" sz="3100" dirty="0"/>
               <a:t>Add an instance variable to hold a reference to a game object.</a:t>
             </a:r>
           </a:p>
@@ -14144,32 +13759,28 @@
             <a:pPr lvl="1"/>
             <a:r>
               <a:rPr lang="en-US" sz="3100" dirty="0"/>
-              <a:t>W</a:t>
-            </a:r>
-            <a:r>
-              <a:rPr lang="en-US" sz="3100" dirty="0" smtClean="0"/>
-              <a:t>rite a setter for it. The setter will pass the game object to the </a:t>
-            </a:r>
-            <a:r>
-              <a:rPr lang="en-US" sz="3100" dirty="0" err="1" smtClean="0"/>
+              <a:t>Write a setter for it. The setter will pass the game object to the </a:t>
+            </a:r>
+            <a:r>
+              <a:rPr lang="en-US" sz="3100" dirty="0" err="1"/>
               <a:t>SecondFragment</a:t>
             </a:r>
             <a:r>
-              <a:rPr lang="en-US" sz="3100" dirty="0" smtClean="0"/>
+              <a:rPr lang="en-US" sz="3100" dirty="0"/>
               <a:t>.</a:t>
             </a:r>
           </a:p>
           <a:p>
             <a:r>
-              <a:rPr lang="en-US" sz="3100" dirty="0" smtClean="0"/>
+              <a:rPr lang="en-US" sz="3100" dirty="0"/>
               <a:t>In </a:t>
             </a:r>
             <a:r>
-              <a:rPr lang="en-US" sz="3100" dirty="0" err="1" smtClean="0"/>
+              <a:rPr lang="en-US" sz="3100" dirty="0" err="1"/>
               <a:t>FirstFragment</a:t>
             </a:r>
             <a:r>
-              <a:rPr lang="en-US" sz="3100" dirty="0" smtClean="0"/>
+              <a:rPr lang="en-US" sz="3100" dirty="0"/>
               <a:t>:</a:t>
             </a:r>
           </a:p>
@@ -14204,15 +13815,15 @@
               <a:buAutoNum type="arabicPeriod"/>
             </a:pPr>
             <a:r>
-              <a:rPr lang="en-US" sz="3100" dirty="0" smtClean="0"/>
+              <a:rPr lang="en-US" sz="3100" dirty="0"/>
               <a:t>Call the setter on </a:t>
             </a:r>
             <a:r>
-              <a:rPr lang="en-US" sz="3100" dirty="0" err="1" smtClean="0"/>
+              <a:rPr lang="en-US" sz="3100" dirty="0" err="1"/>
               <a:t>FirstActivity</a:t>
             </a:r>
             <a:r>
-              <a:rPr lang="en-US" sz="3100" dirty="0" smtClean="0"/>
+              <a:rPr lang="en-US" sz="3100" dirty="0"/>
               <a:t> to pass it a reference to the game object.</a:t>
             </a:r>
           </a:p>
@@ -14220,7 +13831,7 @@
             <a:pPr marL="0" indent="0">
               <a:buNone/>
             </a:pPr>
-            <a:endParaRPr lang="en-US" dirty="0" smtClean="0"/>
+            <a:endParaRPr lang="en-US" dirty="0"/>
           </a:p>
         </p:txBody>
       </p:sp>
@@ -14234,13 +13845,6 @@
   <p:clrMapOvr>
     <a:masterClrMapping/>
   </p:clrMapOvr>
-  <p:timing>
-    <p:tnLst>
-      <p:par>
-        <p:cTn id="1" dur="indefinite" restart="never" nodeType="tmRoot"/>
-      </p:par>
-    </p:tnLst>
-  </p:timing>
 </p:sld>
 </file>
 
@@ -14277,10 +13881,9 @@
           <a:lstStyle/>
           <a:p>
             <a:r>
-              <a:rPr lang="en-US" dirty="0" smtClean="0"/>
+              <a:rPr lang="en-US" dirty="0"/>
               <a:t>Hook up the Game Object</a:t>
             </a:r>
-            <a:endParaRPr lang="en-US" dirty="0"/>
           </a:p>
         </p:txBody>
       </p:sp>
@@ -14302,72 +13905,68 @@
           <a:lstStyle/>
           <a:p>
             <a:r>
-              <a:rPr lang="en-US" dirty="0" smtClean="0"/>
+              <a:rPr lang="en-US" dirty="0"/>
               <a:t>In </a:t>
             </a:r>
             <a:r>
-              <a:rPr lang="en-US" dirty="0" err="1" smtClean="0"/>
+              <a:rPr lang="en-US" dirty="0" err="1"/>
               <a:t>FirstActivity</a:t>
             </a:r>
             <a:r>
-              <a:rPr lang="en-US" dirty="0" smtClean="0"/>
+              <a:rPr lang="en-US" dirty="0"/>
               <a:t>, add a method named </a:t>
             </a:r>
             <a:r>
-              <a:rPr lang="en-US" dirty="0" err="1" smtClean="0"/>
+              <a:rPr lang="en-US" dirty="0" err="1"/>
               <a:t>makeComputerMove</a:t>
             </a:r>
             <a:r>
-              <a:rPr lang="en-US" dirty="0" smtClean="0"/>
+              <a:rPr lang="en-US" dirty="0"/>
               <a:t> that calls </a:t>
             </a:r>
             <a:r>
-              <a:rPr lang="en-US" dirty="0" err="1" smtClean="0"/>
+              <a:rPr lang="en-US" dirty="0" err="1"/>
               <a:t>game.computerMove</a:t>
             </a:r>
             <a:r>
-              <a:rPr lang="en-US" dirty="0" smtClean="0"/>
+              <a:rPr lang="en-US" dirty="0"/>
               <a:t>().</a:t>
             </a:r>
           </a:p>
           <a:p>
             <a:r>
-              <a:rPr lang="en-US" dirty="0" smtClean="0"/>
+              <a:rPr lang="en-US" dirty="0"/>
               <a:t>In </a:t>
             </a:r>
             <a:r>
-              <a:rPr lang="en-US" dirty="0" err="1" smtClean="0"/>
+              <a:rPr lang="en-US" dirty="0" err="1"/>
               <a:t>FirstFragment</a:t>
             </a:r>
             <a:r>
-              <a:rPr lang="en-US" dirty="0" smtClean="0"/>
+              <a:rPr lang="en-US" dirty="0"/>
               <a:t>:</a:t>
             </a:r>
           </a:p>
           <a:p>
             <a:pPr lvl="1"/>
             <a:r>
-              <a:rPr lang="en-US" dirty="0" smtClean="0"/>
+              <a:rPr lang="en-US" dirty="0"/>
               <a:t>Add an instance variable for keeping track of whether the single-pane or two-pane layout is loaded.</a:t>
             </a:r>
           </a:p>
           <a:p>
             <a:pPr lvl="1"/>
             <a:r>
-              <a:rPr lang="en-US" dirty="0" smtClean="0"/>
+              <a:rPr lang="en-US" dirty="0"/>
               <a:t>In </a:t>
             </a:r>
             <a:r>
-              <a:rPr lang="en-US" dirty="0" err="1" smtClean="0"/>
+              <a:rPr lang="en-US" dirty="0" err="1"/>
               <a:t>OnActivityCreated</a:t>
             </a:r>
             <a:r>
-              <a:rPr lang="en-US" dirty="0" smtClean="0"/>
-              <a:t>: Add a line of code to detect which layout </a:t>
-            </a:r>
-            <a:r>
-              <a:rPr lang="en-US" dirty="0"/>
-              <a:t>was loaded</a:t>
+              <a:rPr lang="en-US" dirty="0"/>
+              <a:t>: Add a line of code to detect which layout was loaded</a:t>
             </a:r>
             <a:br>
               <a:rPr lang="en-US" dirty="0"/>
@@ -14404,69 +14003,68 @@
           <a:p>
             <a:pPr lvl="1"/>
             <a:r>
-              <a:rPr lang="en-US" dirty="0" smtClean="0"/>
+              <a:rPr lang="en-US" dirty="0"/>
               <a:t>In </a:t>
             </a:r>
             <a:r>
-              <a:rPr lang="en-US" dirty="0" err="1" smtClean="0"/>
+              <a:rPr lang="en-US" dirty="0" err="1"/>
               <a:t>FirstFragment</a:t>
             </a:r>
             <a:r>
-              <a:rPr lang="en-US" dirty="0" smtClean="0"/>
+              <a:rPr lang="en-US" dirty="0"/>
               <a:t>, </a:t>
             </a:r>
             <a:r>
-              <a:rPr lang="en-US" dirty="0" err="1" smtClean="0"/>
+              <a:rPr lang="en-US" dirty="0" err="1"/>
               <a:t>OnClick</a:t>
             </a:r>
             <a:r>
-              <a:rPr lang="en-US" dirty="0" smtClean="0"/>
+              <a:rPr lang="en-US" dirty="0"/>
               <a:t>:</a:t>
             </a:r>
+          </a:p>
+          <a:p>
+            <a:pPr lvl="2"/>
+            <a:r>
+              <a:rPr lang="en-US" dirty="0"/>
+              <a:t>Get input from </a:t>
+            </a:r>
+            <a:r>
+              <a:rPr lang="en-US" dirty="0" err="1"/>
+              <a:t>rpsEditText</a:t>
+            </a:r>
+            <a:r>
+              <a:rPr lang="en-US" dirty="0"/>
+              <a:t> and use it to set </a:t>
+            </a:r>
+            <a:r>
+              <a:rPr lang="en-US" dirty="0" err="1"/>
+              <a:t>humanHand</a:t>
+            </a:r>
+            <a:r>
+              <a:rPr lang="en-US" dirty="0"/>
+              <a:t> on the game object.</a:t>
+            </a:r>
+          </a:p>
+          <a:p>
+            <a:pPr lvl="2"/>
+            <a:r>
+              <a:rPr lang="en-US" dirty="0"/>
+              <a:t>Call </a:t>
+            </a:r>
+            <a:r>
+              <a:rPr lang="en-US" i="1" dirty="0" err="1"/>
+              <a:t>makeComputerMove</a:t>
+            </a:r>
+            <a:r>
+              <a:rPr lang="en-US" dirty="0"/>
+              <a:t> in the </a:t>
+            </a:r>
+            <a:r>
+              <a:rPr lang="en-US" dirty="0" err="1"/>
+              <a:t>FirstActivity</a:t>
+            </a:r>
             <a:endParaRPr lang="en-US" dirty="0"/>
-          </a:p>
-          <a:p>
-            <a:pPr lvl="2"/>
-            <a:r>
-              <a:rPr lang="en-US" dirty="0" smtClean="0"/>
-              <a:t>Get input from </a:t>
-            </a:r>
-            <a:r>
-              <a:rPr lang="en-US" dirty="0" err="1" smtClean="0"/>
-              <a:t>rpsEditText</a:t>
-            </a:r>
-            <a:r>
-              <a:rPr lang="en-US" dirty="0" smtClean="0"/>
-              <a:t> and use it to set </a:t>
-            </a:r>
-            <a:r>
-              <a:rPr lang="en-US" dirty="0" err="1" smtClean="0"/>
-              <a:t>humanHand</a:t>
-            </a:r>
-            <a:r>
-              <a:rPr lang="en-US" dirty="0" smtClean="0"/>
-              <a:t> on the game object.</a:t>
-            </a:r>
-          </a:p>
-          <a:p>
-            <a:pPr lvl="2"/>
-            <a:r>
-              <a:rPr lang="en-US" dirty="0" smtClean="0"/>
-              <a:t>Call </a:t>
-            </a:r>
-            <a:r>
-              <a:rPr lang="en-US" i="1" dirty="0" err="1" smtClean="0"/>
-              <a:t>makeComputerMove</a:t>
-            </a:r>
-            <a:r>
-              <a:rPr lang="en-US" dirty="0" smtClean="0"/>
-              <a:t> in the </a:t>
-            </a:r>
-            <a:r>
-              <a:rPr lang="en-US" dirty="0" err="1" smtClean="0"/>
-              <a:t>FirstActivity</a:t>
-            </a:r>
-            <a:endParaRPr lang="en-US" dirty="0" smtClean="0"/>
           </a:p>
           <a:p>
             <a:pPr lvl="2"/>
@@ -14484,13 +14082,6 @@
   <p:clrMapOvr>
     <a:masterClrMapping/>
   </p:clrMapOvr>
-  <p:timing>
-    <p:tnLst>
-      <p:par>
-        <p:cTn id="1" dur="indefinite" restart="never" nodeType="tmRoot"/>
-      </p:par>
-    </p:tnLst>
-  </p:timing>
 </p:sld>
 </file>
 
@@ -14527,10 +14118,9 @@
           <a:lstStyle/>
           <a:p>
             <a:r>
-              <a:rPr lang="en-US" dirty="0" smtClean="0"/>
+              <a:rPr lang="en-US" dirty="0"/>
               <a:t>References</a:t>
             </a:r>
-            <a:endParaRPr lang="en-US" dirty="0"/>
           </a:p>
         </p:txBody>
       </p:sp>
@@ -14560,33 +14150,25 @@
               <a:buNone/>
             </a:pPr>
             <a:r>
-              <a:rPr lang="en-US" sz="3200" u="sng" dirty="0" smtClean="0"/>
+              <a:rPr lang="en-US" sz="3200" u="sng" dirty="0"/>
               <a:t>Documentation from </a:t>
             </a:r>
             <a:r>
-              <a:rPr lang="en-US" sz="3200" u="sng" dirty="0" smtClean="0">
+              <a:rPr lang="en-US" sz="3200" u="sng" dirty="0">
                 <a:hlinkClick r:id="rId2"/>
               </a:rPr>
               <a:t>Android Developers</a:t>
             </a:r>
-            <a:endParaRPr lang="en-US" sz="3200" u="sng" dirty="0" smtClean="0"/>
-          </a:p>
-          <a:p>
-            <a:r>
-              <a:rPr lang="en-US" dirty="0" smtClean="0"/>
-              <a:t>API Guide</a:t>
-            </a:r>
-            <a:r>
-              <a:rPr lang="en-US" dirty="0"/>
-              <a:t>: </a:t>
-            </a:r>
-            <a:r>
-              <a:rPr lang="en-US" b="1" dirty="0" smtClean="0"/>
+            <a:endParaRPr lang="en-US" sz="3200" u="sng" dirty="0"/>
+          </a:p>
+          <a:p>
+            <a:r>
+              <a:rPr lang="en-US" dirty="0"/>
+              <a:t>API Guide: </a:t>
+            </a:r>
+            <a:r>
+              <a:rPr lang="en-US" b="1" dirty="0"/>
               <a:t>Fragments</a:t>
-            </a:r>
-            <a:r>
-              <a:rPr lang="en-US" dirty="0"/>
-              <a:t/>
             </a:r>
             <a:br>
               <a:rPr lang="en-US" dirty="0"/>
@@ -14595,28 +14177,18 @@
               <a:rPr lang="en-US" dirty="0">
                 <a:hlinkClick r:id="rId3"/>
               </a:rPr>
-              <a:t>http://</a:t>
-            </a:r>
-            <a:r>
-              <a:rPr lang="en-US" dirty="0" smtClean="0">
-                <a:hlinkClick r:id="rId3"/>
-              </a:rPr>
-              <a:t>developer.android.com/guide/components/fragments.html</a:t>
-            </a:r>
-            <a:endParaRPr lang="en-US" dirty="0" smtClean="0"/>
-          </a:p>
-          <a:p>
-            <a:r>
-              <a:rPr lang="en-US" dirty="0" smtClean="0"/>
+              <a:t>http://developer.android.com/guide/components/fragments.html</a:t>
+            </a:r>
+            <a:endParaRPr lang="en-US" dirty="0"/>
+          </a:p>
+          <a:p>
+            <a:r>
+              <a:rPr lang="en-US" dirty="0"/>
               <a:t>API Guide: </a:t>
             </a:r>
             <a:r>
-              <a:rPr lang="en-US" b="1" dirty="0" smtClean="0"/>
+              <a:rPr lang="en-US" b="1" dirty="0"/>
               <a:t>Supporting Multiple Screens</a:t>
-            </a:r>
-            <a:r>
-              <a:rPr lang="en-US" dirty="0"/>
-              <a:t/>
             </a:r>
             <a:br>
               <a:rPr lang="en-US" dirty="0"/>
@@ -14625,32 +14197,18 @@
               <a:rPr lang="en-US" dirty="0">
                 <a:hlinkClick r:id="rId4"/>
               </a:rPr>
-              <a:t>http://</a:t>
-            </a:r>
-            <a:r>
-              <a:rPr lang="en-US" dirty="0" smtClean="0">
-                <a:hlinkClick r:id="rId4"/>
-              </a:rPr>
-              <a:t>developer.android.com/guide/practices/screens_support.html</a:t>
+              <a:t>http://developer.android.com/guide/practices/screens_support.html</a:t>
             </a:r>
             <a:endParaRPr lang="en-US" dirty="0"/>
           </a:p>
           <a:p>
             <a:r>
-              <a:rPr lang="en-US" dirty="0" smtClean="0"/>
-              <a:t>Reference</a:t>
-            </a:r>
-            <a:r>
-              <a:rPr lang="en-US" dirty="0"/>
-              <a:t>: </a:t>
+              <a:rPr lang="en-US" dirty="0"/>
+              <a:t>Reference: </a:t>
             </a:r>
             <a:r>
               <a:rPr lang="en-US" b="1" dirty="0"/>
               <a:t>Activity</a:t>
-            </a:r>
-            <a:r>
-              <a:rPr lang="en-US" dirty="0"/>
-              <a:t/>
             </a:r>
             <a:br>
               <a:rPr lang="en-US" dirty="0"/>
@@ -14659,19 +14217,13 @@
               <a:rPr lang="en-US" dirty="0">
                 <a:hlinkClick r:id="rId5"/>
               </a:rPr>
-              <a:t>http://</a:t>
-            </a:r>
-            <a:r>
-              <a:rPr lang="en-US" dirty="0" smtClean="0">
-                <a:hlinkClick r:id="rId5"/>
-              </a:rPr>
-              <a:t>developer.android.com/reference/android/app/Activity.html</a:t>
-            </a:r>
-            <a:endParaRPr lang="en-US" dirty="0" smtClean="0"/>
-          </a:p>
-          <a:p>
-            <a:r>
-              <a:rPr lang="en-US" dirty="0" smtClean="0"/>
+              <a:t>http://developer.android.com/reference/android/app/Activity.html</a:t>
+            </a:r>
+            <a:endParaRPr lang="en-US" dirty="0"/>
+          </a:p>
+          <a:p>
+            <a:r>
+              <a:rPr lang="en-US" dirty="0"/>
               <a:t>Reference: </a:t>
             </a:r>
             <a:r>
@@ -14687,7 +14239,7 @@
               </a:rPr>
               <a:t>http://developer.android.com/reference/android/content/Intent.html</a:t>
             </a:r>
-            <a:endParaRPr lang="en-US" dirty="0" smtClean="0"/>
+            <a:endParaRPr lang="en-US" dirty="0"/>
           </a:p>
         </p:txBody>
       </p:sp>
@@ -14701,13 +14253,6 @@
   <p:clrMapOvr>
     <a:masterClrMapping/>
   </p:clrMapOvr>
-  <p:timing>
-    <p:tnLst>
-      <p:par>
-        <p:cTn id="1" dur="indefinite" restart="never" nodeType="tmRoot"/>
-      </p:par>
-    </p:tnLst>
-  </p:timing>
 </p:sld>
 </file>
 
@@ -14751,18 +14296,13 @@
           <a:lstStyle/>
           <a:p>
             <a:r>
-              <a:rPr lang="en-US" dirty="0" smtClean="0">
+              <a:rPr lang="en-US" dirty="0">
                 <a:solidFill>
                   <a:srgbClr val="2D2DB9"/>
                 </a:solidFill>
               </a:rPr>
               <a:t>Fragments for Adaptive UIs</a:t>
             </a:r>
-            <a:endParaRPr lang="en-US" dirty="0">
-              <a:solidFill>
-                <a:srgbClr val="2D2DB9"/>
-              </a:solidFill>
-            </a:endParaRPr>
           </a:p>
         </p:txBody>
       </p:sp>
@@ -14817,7 +14357,7 @@
               <a:buChar char="•"/>
             </a:pPr>
             <a:r>
-              <a:rPr lang="en-US" sz="2000" dirty="0" smtClean="0"/>
+              <a:rPr lang="en-US" sz="2000" dirty="0"/>
               <a:t>Large screen: Fragments can be loaded side-by-side in one activity</a:t>
             </a:r>
           </a:p>
@@ -14827,10 +14367,9 @@
               <a:buChar char="•"/>
             </a:pPr>
             <a:r>
-              <a:rPr lang="en-US" sz="2000" dirty="0" smtClean="0"/>
+              <a:rPr lang="en-US" sz="2000" dirty="0"/>
               <a:t>Small screen: Fragments can be loaded one at a time in separate activities</a:t>
             </a:r>
-            <a:endParaRPr lang="en-US" sz="2000" dirty="0"/>
           </a:p>
         </p:txBody>
       </p:sp>
@@ -14844,13 +14383,6 @@
   <p:clrMapOvr>
     <a:masterClrMapping/>
   </p:clrMapOvr>
-  <p:timing>
-    <p:tnLst>
-      <p:par>
-        <p:cTn id="1" dur="indefinite" restart="never" nodeType="tmRoot"/>
-      </p:par>
-    </p:tnLst>
-  </p:timing>
 </p:sld>
 </file>
 
@@ -14894,10 +14426,9 @@
           <a:lstStyle/>
           <a:p>
             <a:r>
-              <a:rPr lang="en-US" dirty="0" smtClean="0"/>
+              <a:rPr lang="en-US" dirty="0"/>
               <a:t>Fragment Usage</a:t>
             </a:r>
-            <a:endParaRPr lang="en-US" dirty="0"/>
           </a:p>
         </p:txBody>
       </p:sp>
@@ -14924,86 +14455,43 @@
           <a:lstStyle/>
           <a:p>
             <a:r>
-              <a:rPr lang="en-US" dirty="0" smtClean="0"/>
+              <a:rPr lang="en-US" dirty="0"/>
               <a:t>A fragment:</a:t>
             </a:r>
           </a:p>
           <a:p>
             <a:pPr lvl="1"/>
             <a:r>
-              <a:rPr lang="en-US" dirty="0" smtClean="0"/>
-              <a:t>has </a:t>
-            </a:r>
-            <a:r>
-              <a:rPr lang="en-US" dirty="0"/>
-              <a:t>its own </a:t>
-            </a:r>
-            <a:r>
-              <a:rPr lang="en-US" dirty="0" smtClean="0"/>
-              <a:t>lifecycle</a:t>
-            </a:r>
-            <a:endParaRPr lang="en-US" dirty="0"/>
+              <a:rPr lang="en-US" dirty="0"/>
+              <a:t>has its own lifecycle</a:t>
+            </a:r>
           </a:p>
           <a:p>
             <a:pPr lvl="1"/>
             <a:r>
-              <a:rPr lang="en-US" dirty="0" smtClean="0"/>
-              <a:t>receives </a:t>
-            </a:r>
-            <a:r>
-              <a:rPr lang="en-US" dirty="0"/>
-              <a:t>its own input </a:t>
-            </a:r>
-            <a:r>
-              <a:rPr lang="en-US" dirty="0" smtClean="0"/>
-              <a:t>events</a:t>
-            </a:r>
-            <a:endParaRPr lang="en-US" dirty="0"/>
+              <a:rPr lang="en-US" dirty="0"/>
+              <a:t>receives its own input events</a:t>
+            </a:r>
           </a:p>
           <a:p>
             <a:pPr lvl="1"/>
             <a:r>
-              <a:rPr lang="en-US" dirty="0" smtClean="0"/>
-              <a:t>can be added </a:t>
-            </a:r>
-            <a:r>
-              <a:rPr lang="en-US" dirty="0"/>
-              <a:t>or </a:t>
-            </a:r>
-            <a:r>
-              <a:rPr lang="en-US" dirty="0" smtClean="0"/>
-              <a:t>removed </a:t>
-            </a:r>
-            <a:r>
-              <a:rPr lang="en-US" dirty="0"/>
-              <a:t>while the activity is </a:t>
-            </a:r>
-            <a:r>
-              <a:rPr lang="en-US" dirty="0" smtClean="0"/>
-              <a:t>running</a:t>
-            </a:r>
-          </a:p>
-          <a:p>
-            <a:r>
-              <a:rPr lang="en-US" dirty="0" smtClean="0"/>
+              <a:rPr lang="en-US" dirty="0"/>
+              <a:t>can be added or removed while the activity is running</a:t>
+            </a:r>
+          </a:p>
+          <a:p>
+            <a:r>
+              <a:rPr lang="en-US" dirty="0"/>
               <a:t>Uses:</a:t>
             </a:r>
           </a:p>
           <a:p>
             <a:pPr lvl="1"/>
             <a:r>
-              <a:rPr lang="en-US" dirty="0" smtClean="0"/>
-              <a:t>Multi-pane </a:t>
-            </a:r>
-            <a:r>
-              <a:rPr lang="en-US" dirty="0"/>
-              <a:t>UI: You can combine multiple fragments in a single </a:t>
-            </a:r>
-            <a:r>
-              <a:rPr lang="en-US" dirty="0" smtClean="0"/>
-              <a:t>activity</a:t>
-            </a:r>
-            <a:endParaRPr lang="en-US" dirty="0"/>
+              <a:rPr lang="en-US" dirty="0"/>
+              <a:t>Multi-pane UI: You can combine multiple fragments in a single activity</a:t>
+            </a:r>
           </a:p>
           <a:p>
             <a:pPr lvl="1"/>
@@ -15028,13 +14516,6 @@
   <p:clrMapOvr>
     <a:masterClrMapping/>
   </p:clrMapOvr>
-  <p:timing>
-    <p:tnLst>
-      <p:par>
-        <p:cTn id="1" dur="indefinite" restart="never" nodeType="tmRoot"/>
-      </p:par>
-    </p:tnLst>
-  </p:timing>
 </p:sld>
 </file>
 
@@ -15078,10 +14559,9 @@
           <a:lstStyle/>
           <a:p>
             <a:r>
-              <a:rPr lang="en-US" dirty="0" smtClean="0"/>
+              <a:rPr lang="en-US" dirty="0"/>
               <a:t>Fragments Embedded in Activities </a:t>
             </a:r>
-            <a:endParaRPr lang="en-US" dirty="0"/>
           </a:p>
         </p:txBody>
       </p:sp>
@@ -15108,171 +14588,72 @@
           <a:lstStyle/>
           <a:p>
             <a:r>
-              <a:rPr lang="en-US" dirty="0" smtClean="0"/>
-              <a:t>A </a:t>
-            </a:r>
-            <a:r>
-              <a:rPr lang="en-US" dirty="0"/>
-              <a:t>fragment must always be embedded in an </a:t>
-            </a:r>
-            <a:r>
-              <a:rPr lang="en-US" dirty="0" smtClean="0"/>
-              <a:t>activity. </a:t>
+              <a:rPr lang="en-US" dirty="0"/>
+              <a:t>A fragment must always be embedded in an activity. </a:t>
             </a:r>
           </a:p>
           <a:p>
             <a:pPr lvl="1"/>
             <a:r>
-              <a:rPr lang="en-US" dirty="0" smtClean="0"/>
-              <a:t>when </a:t>
-            </a:r>
-            <a:r>
-              <a:rPr lang="en-US" dirty="0"/>
-              <a:t>the activity is paused, so are all fragments in </a:t>
-            </a:r>
-            <a:r>
-              <a:rPr lang="en-US" dirty="0" smtClean="0"/>
-              <a:t>it</a:t>
-            </a:r>
-            <a:endParaRPr lang="en-US" dirty="0"/>
+              <a:rPr lang="en-US" dirty="0"/>
+              <a:t>when the activity is paused, so are all fragments in it</a:t>
+            </a:r>
           </a:p>
           <a:p>
             <a:pPr lvl="1"/>
             <a:r>
-              <a:rPr lang="en-US" dirty="0" smtClean="0"/>
-              <a:t>when </a:t>
-            </a:r>
-            <a:r>
-              <a:rPr lang="en-US" dirty="0"/>
-              <a:t>the activity is destroyed, so are </a:t>
-            </a:r>
-            <a:r>
-              <a:rPr lang="en-US" dirty="0" smtClean="0"/>
-              <a:t>the fragments</a:t>
-            </a:r>
-            <a:endParaRPr lang="en-US" dirty="0"/>
-          </a:p>
-          <a:p>
-            <a:r>
-              <a:rPr lang="en-US" dirty="0" smtClean="0"/>
-              <a:t>The fragment lives </a:t>
-            </a:r>
-            <a:r>
-              <a:rPr lang="en-US" dirty="0"/>
-              <a:t>in a </a:t>
-            </a:r>
-            <a:r>
-              <a:rPr lang="en-US" dirty="0" err="1" smtClean="0"/>
+              <a:rPr lang="en-US" dirty="0"/>
+              <a:t>when the activity is destroyed, so are the fragments</a:t>
+            </a:r>
+          </a:p>
+          <a:p>
+            <a:r>
+              <a:rPr lang="en-US" dirty="0"/>
+              <a:t>The fragment lives in a </a:t>
+            </a:r>
+            <a:r>
+              <a:rPr lang="en-US" dirty="0" err="1"/>
               <a:t>ViewGroup</a:t>
             </a:r>
             <a:r>
-              <a:rPr lang="en-US" dirty="0" smtClean="0"/>
-              <a:t> (layout) </a:t>
-            </a:r>
-            <a:r>
-              <a:rPr lang="en-US" dirty="0"/>
-              <a:t>inside the activity's view </a:t>
-            </a:r>
-            <a:r>
-              <a:rPr lang="en-US" dirty="0" smtClean="0"/>
-              <a:t>hierarchy</a:t>
+              <a:rPr lang="en-US" dirty="0"/>
+              <a:t> (layout) inside the activity's view hierarchy</a:t>
             </a:r>
           </a:p>
           <a:p>
             <a:pPr lvl="1"/>
             <a:r>
               <a:rPr lang="en-US" dirty="0"/>
-              <a:t>T</a:t>
-            </a:r>
-            <a:r>
-              <a:rPr lang="en-US" dirty="0" smtClean="0"/>
-              <a:t>he </a:t>
-            </a:r>
-            <a:r>
-              <a:rPr lang="en-US" dirty="0"/>
-              <a:t>fragment </a:t>
-            </a:r>
-            <a:r>
-              <a:rPr lang="en-US" dirty="0" smtClean="0"/>
-              <a:t>class defines </a:t>
-            </a:r>
-            <a:r>
-              <a:rPr lang="en-US" dirty="0"/>
-              <a:t>its own </a:t>
-            </a:r>
-            <a:r>
-              <a:rPr lang="en-US" dirty="0" smtClean="0"/>
-              <a:t>UI layout in either Java or XML</a:t>
+              <a:t>The fragment class defines its own UI layout in either Java or XML</a:t>
             </a:r>
           </a:p>
           <a:p>
             <a:pPr lvl="1"/>
             <a:r>
-              <a:rPr lang="en-US" dirty="0" smtClean="0"/>
-              <a:t>You </a:t>
-            </a:r>
-            <a:r>
-              <a:rPr lang="en-US" dirty="0"/>
-              <a:t>can insert a fragment into your activity layout </a:t>
-            </a:r>
-            <a:r>
-              <a:rPr lang="en-US" dirty="0" smtClean="0"/>
-              <a:t>by:</a:t>
+              <a:rPr lang="en-US" dirty="0"/>
+              <a:t>You can insert a fragment into your activity layout by:</a:t>
             </a:r>
           </a:p>
           <a:p>
             <a:pPr lvl="2"/>
             <a:r>
-              <a:rPr lang="en-US" dirty="0" smtClean="0"/>
-              <a:t>Declaring </a:t>
-            </a:r>
-            <a:r>
-              <a:rPr lang="en-US" dirty="0"/>
-              <a:t>the fragment in the activity's </a:t>
-            </a:r>
-            <a:r>
-              <a:rPr lang="en-US" dirty="0" smtClean="0"/>
-              <a:t>XML layout </a:t>
-            </a:r>
-            <a:r>
-              <a:rPr lang="en-US" dirty="0"/>
-              <a:t>file, as a &lt;fragment&gt; element, </a:t>
-            </a:r>
-            <a:endParaRPr lang="en-US" dirty="0" smtClean="0"/>
+              <a:rPr lang="en-US" dirty="0"/>
+              <a:t>Declaring the fragment in the activity's XML layout file, as a &lt;fragment&gt; element, </a:t>
+            </a:r>
           </a:p>
           <a:p>
             <a:pPr lvl="2"/>
             <a:r>
               <a:rPr lang="en-US" dirty="0"/>
-              <a:t>O</a:t>
-            </a:r>
-            <a:r>
-              <a:rPr lang="en-US" dirty="0" smtClean="0"/>
-              <a:t>r </a:t>
-            </a:r>
-            <a:r>
-              <a:rPr lang="en-US" dirty="0"/>
-              <a:t>from your </a:t>
-            </a:r>
-            <a:r>
-              <a:rPr lang="en-US" dirty="0" smtClean="0"/>
-              <a:t>Java application </a:t>
-            </a:r>
-            <a:r>
-              <a:rPr lang="en-US" dirty="0"/>
-              <a:t>code by adding it to an existing </a:t>
-            </a:r>
-            <a:r>
-              <a:rPr lang="en-US" dirty="0" err="1" smtClean="0"/>
+              <a:t>Or from your Java application code by adding it to an existing </a:t>
+            </a:r>
+            <a:r>
+              <a:rPr lang="en-US" dirty="0" err="1"/>
               <a:t>ViewGroup</a:t>
             </a:r>
             <a:r>
               <a:rPr lang="en-US" dirty="0"/>
-              <a:t> </a:t>
-            </a:r>
-            <a:r>
-              <a:rPr lang="en-US" dirty="0" smtClean="0"/>
-              <a:t>(layout). </a:t>
+              <a:t> (layout). </a:t>
             </a:r>
           </a:p>
         </p:txBody>
@@ -15287,13 +14668,6 @@
   <p:clrMapOvr>
     <a:masterClrMapping/>
   </p:clrMapOvr>
-  <p:timing>
-    <p:tnLst>
-      <p:par>
-        <p:cTn id="1" dur="indefinite" restart="never" nodeType="tmRoot"/>
-      </p:par>
-    </p:tnLst>
-  </p:timing>
 </p:sld>
 </file>
 
@@ -15316,210 +14690,168 @@
       </p:grpSpPr>
       <p:sp>
         <p:nvSpPr>
-          <p:cNvPr id="4" name="Date Placeholder 1"/>
+          <p:cNvPr id="2" name="Title 1">
+            <a:extLst>
+              <a:ext uri="{FF2B5EF4-FFF2-40B4-BE49-F238E27FC236}">
+                <a16:creationId xmlns:a16="http://schemas.microsoft.com/office/drawing/2014/main" id="{2B19B7C1-AAD7-7E42-925A-DCE07F321730}"/>
+              </a:ext>
+            </a:extLst>
+          </p:cNvPr>
           <p:cNvSpPr>
             <a:spLocks noGrp="1"/>
           </p:cNvSpPr>
           <p:nvPr>
-            <p:ph type="dt" sz="half" idx="10"/>
+            <p:ph type="title"/>
           </p:nvPr>
         </p:nvSpPr>
         <p:spPr>
           <a:xfrm>
-            <a:off x="762000" y="6248400"/>
-            <a:ext cx="1981200" cy="457200"/>
+            <a:off x="457200" y="274638"/>
+            <a:ext cx="8229600" cy="692771"/>
           </a:xfrm>
         </p:spPr>
         <p:txBody>
-          <a:bodyPr/>
+          <a:bodyPr>
+            <a:normAutofit fontScale="90000"/>
+          </a:bodyPr>
           <a:lstStyle/>
           <a:p>
-            <a:pPr>
-              <a:defRPr/>
-            </a:pPr>
-            <a:r>
-              <a:rPr lang="en-US" smtClean="0"/>
-              <a:t>Murach's Android Programming, C9</a:t>
-            </a:r>
-            <a:endParaRPr lang="en-US"/>
-          </a:p>
-        </p:txBody>
-      </p:sp>
-      <p:sp>
-        <p:nvSpPr>
-          <p:cNvPr id="5" name="Footer Placeholder 2"/>
-          <p:cNvSpPr>
-            <a:spLocks noGrp="1"/>
-          </p:cNvSpPr>
-          <p:nvPr>
-            <p:ph type="ftr" sz="quarter" idx="11"/>
-          </p:nvPr>
-        </p:nvSpPr>
-        <p:spPr>
-          <a:xfrm>
-            <a:off x="2895600" y="6248400"/>
-            <a:ext cx="3352800" cy="457200"/>
-          </a:xfrm>
-        </p:spPr>
-        <p:txBody>
-          <a:bodyPr/>
-          <a:lstStyle/>
-          <a:p>
-            <a:pPr>
-              <a:defRPr/>
-            </a:pPr>
-            <a:r>
-              <a:rPr lang="en-US" smtClean="0"/>
-              <a:t>© 2013, Mike Murach &amp; Associates, Inc.</a:t>
-            </a:r>
-            <a:endParaRPr lang="en-US"/>
-          </a:p>
-        </p:txBody>
-      </p:sp>
-      <p:sp>
-        <p:nvSpPr>
-          <p:cNvPr id="6" name="Slide Number Placeholder 3"/>
-          <p:cNvSpPr>
-            <a:spLocks noGrp="1"/>
-          </p:cNvSpPr>
-          <p:nvPr>
-            <p:ph type="sldNum" sz="quarter" idx="12"/>
-          </p:nvPr>
-        </p:nvSpPr>
-        <p:spPr>
-          <a:xfrm>
-            <a:off x="6553200" y="6248400"/>
-            <a:ext cx="1905000" cy="457200"/>
-          </a:xfrm>
-        </p:spPr>
-        <p:txBody>
-          <a:bodyPr/>
-          <a:lstStyle/>
-          <a:p>
-            <a:pPr>
-              <a:defRPr/>
-            </a:pPr>
-            <a:endParaRPr lang="en-US" smtClean="0"/>
-          </a:p>
-          <a:p>
-            <a:pPr algn="r">
-              <a:defRPr/>
-            </a:pPr>
-            <a:r>
-              <a:rPr lang="en-US" sz="900" smtClean="0">
-                <a:latin typeface="Arial Narrow" pitchFamily="34" charset="0"/>
+            <a:r>
+              <a:rPr lang="en-US" b="1" dirty="0">
+                <a:solidFill>
+                  <a:srgbClr val="100DFF"/>
+                </a:solidFill>
               </a:rPr>
-              <a:t>Slide </a:t>
-            </a:r>
-            <a:fld id="{5ECE9829-65B2-40C6-AEFF-7C648FF56A9C}" type="slidenum">
-              <a:rPr lang="en-US" sz="900" smtClean="0">
-                <a:latin typeface="Arial Narrow" pitchFamily="34" charset="0"/>
-              </a:rPr>
-              <a:pPr algn="r">
-                <a:defRPr/>
-              </a:pPr>
-              <a:t>7</a:t>
-            </a:fld>
-            <a:endParaRPr lang="en-US" sz="900">
-              <a:latin typeface="Arial Narrow" pitchFamily="34" charset="0"/>
+              <a:t>Activity and Fragment Lifecycles</a:t>
+            </a:r>
+            <a:endParaRPr lang="en-US" dirty="0">
+              <a:solidFill>
+                <a:srgbClr val="100DFF"/>
+              </a:solidFill>
             </a:endParaRPr>
           </a:p>
         </p:txBody>
       </p:sp>
-      <p:graphicFrame>
-        <p:nvGraphicFramePr>
-          <p:cNvPr id="7" name="Object 6"/>
-          <p:cNvGraphicFramePr>
-            <a:graphicFrameLocks noChangeAspect="1"/>
-          </p:cNvGraphicFramePr>
-          <p:nvPr>
-            <p:extLst>
-              <p:ext uri="{D42A27DB-BD31-4B8C-83A1-F6EECF244321}">
-                <p14:modId xmlns:p14="http://schemas.microsoft.com/office/powerpoint/2010/main" val="513677901"/>
-              </p:ext>
-            </p:extLst>
-          </p:nvPr>
-        </p:nvGraphicFramePr>
-        <p:xfrm>
-          <a:off x="1295400" y="463395"/>
-          <a:ext cx="6965729" cy="444809"/>
-        </p:xfrm>
-        <a:graphic>
-          <a:graphicData uri="http://schemas.openxmlformats.org/presentationml/2006/ole">
-            <mc:AlternateContent xmlns:mc="http://schemas.openxmlformats.org/markup-compatibility/2006">
-              <mc:Choice xmlns:v="urn:schemas-microsoft-com:vml" Requires="v">
-                <p:oleObj spid="_x0000_s1049" name="Document" r:id="rId3" imgW="6965729" imgH="444809" progId="Word.Document.12">
-                  <p:embed/>
-                </p:oleObj>
-              </mc:Choice>
-              <mc:Fallback>
-                <p:oleObj name="Document" r:id="rId3" imgW="6965729" imgH="444809" progId="Word.Document.12">
-                  <p:embed/>
-                  <p:pic>
-                    <p:nvPicPr>
-                      <p:cNvPr id="0" name=""/>
-                      <p:cNvPicPr/>
-                      <p:nvPr/>
-                    </p:nvPicPr>
-                    <p:blipFill>
-                      <a:blip r:embed="rId4"/>
-                      <a:stretch>
-                        <a:fillRect/>
-                      </a:stretch>
-                    </p:blipFill>
-                    <p:spPr>
-                      <a:xfrm>
-                        <a:off x="1295400" y="463395"/>
-                        <a:ext cx="6965729" cy="444809"/>
-                      </a:xfrm>
-                      <a:prstGeom prst="rect">
-                        <a:avLst/>
-                      </a:prstGeom>
-                    </p:spPr>
-                  </p:pic>
-                </p:oleObj>
-              </mc:Fallback>
-            </mc:AlternateContent>
-          </a:graphicData>
-        </a:graphic>
-      </p:graphicFrame>
       <p:pic>
         <p:nvPicPr>
-          <p:cNvPr id="8" name="Picture 7"/>
+          <p:cNvPr id="13" name="Picture 12">
+            <a:extLst>
+              <a:ext uri="{FF2B5EF4-FFF2-40B4-BE49-F238E27FC236}">
+                <a16:creationId xmlns:a16="http://schemas.microsoft.com/office/drawing/2014/main" id="{068E57C8-B927-A94B-97B9-56CBDC399ADF}"/>
+              </a:ext>
+            </a:extLst>
+          </p:cNvPr>
           <p:cNvPicPr>
             <a:picLocks noChangeAspect="1"/>
           </p:cNvPicPr>
           <p:nvPr/>
         </p:nvPicPr>
-        <p:blipFill rotWithShape="1">
-          <a:blip r:embed="rId5" cstate="print">
-            <a:extLst>
-              <a:ext uri="{28A0092B-C50C-407E-A947-70E740481C1C}">
-                <a14:useLocalDpi xmlns:a14="http://schemas.microsoft.com/office/drawing/2010/main" val="0"/>
-              </a:ext>
-            </a:extLst>
-          </a:blip>
-          <a:srcRect r="24849"/>
-          <a:stretch/>
+        <p:blipFill>
+          <a:blip r:embed="rId3"/>
+          <a:stretch>
+            <a:fillRect/>
+          </a:stretch>
         </p:blipFill>
-        <p:spPr bwMode="auto">
+        <p:spPr>
           <a:xfrm>
-            <a:off x="1295400" y="1175309"/>
-            <a:ext cx="6489734" cy="5073091"/>
+            <a:off x="957486" y="1230242"/>
+            <a:ext cx="3771120" cy="4015134"/>
           </a:xfrm>
           <a:prstGeom prst="rect">
             <a:avLst/>
           </a:prstGeom>
-          <a:ln>
-            <a:noFill/>
-          </a:ln>
-          <a:extLst>
-            <a:ext uri="{53640926-AAD7-44d8-BBD7-CCE9431645EC}">
-              <a14:shadowObscured xmlns="" xmlns:a14="http://schemas.microsoft.com/office/drawing/2010/main"/>
-            </a:ext>
-          </a:extLst>
         </p:spPr>
       </p:pic>
+      <p:pic>
+        <p:nvPicPr>
+          <p:cNvPr id="17" name="Picture 16">
+            <a:extLst>
+              <a:ext uri="{FF2B5EF4-FFF2-40B4-BE49-F238E27FC236}">
+                <a16:creationId xmlns:a16="http://schemas.microsoft.com/office/drawing/2014/main" id="{D7F657F6-7290-F84A-B8E3-2F7B795C4784}"/>
+              </a:ext>
+            </a:extLst>
+          </p:cNvPr>
+          <p:cNvPicPr>
+            <a:picLocks noChangeAspect="1"/>
+          </p:cNvPicPr>
+          <p:nvPr/>
+        </p:nvPicPr>
+        <p:blipFill>
+          <a:blip r:embed="rId4"/>
+          <a:stretch>
+            <a:fillRect/>
+          </a:stretch>
+        </p:blipFill>
+        <p:spPr>
+          <a:xfrm>
+            <a:off x="4969288" y="1230242"/>
+            <a:ext cx="3717511" cy="4363067"/>
+          </a:xfrm>
+          <a:prstGeom prst="rect">
+            <a:avLst/>
+          </a:prstGeom>
+        </p:spPr>
+      </p:pic>
+      <p:sp>
+        <p:nvSpPr>
+          <p:cNvPr id="18" name="TextBox 17">
+            <a:extLst>
+              <a:ext uri="{FF2B5EF4-FFF2-40B4-BE49-F238E27FC236}">
+                <a16:creationId xmlns:a16="http://schemas.microsoft.com/office/drawing/2014/main" id="{CCBE520F-4ED2-944B-9364-A609087EF3E9}"/>
+              </a:ext>
+            </a:extLst>
+          </p:cNvPr>
+          <p:cNvSpPr txBox="1"/>
+          <p:nvPr/>
+        </p:nvSpPr>
+        <p:spPr>
+          <a:xfrm>
+            <a:off x="1470991" y="5857461"/>
+            <a:ext cx="7215808" cy="646331"/>
+          </a:xfrm>
+          <a:prstGeom prst="rect">
+            <a:avLst/>
+          </a:prstGeom>
+          <a:noFill/>
+        </p:spPr>
+        <p:txBody>
+          <a:bodyPr wrap="square" rtlCol="0">
+            <a:spAutoFit/>
+          </a:bodyPr>
+          <a:lstStyle/>
+          <a:p>
+            <a:r>
+              <a:rPr lang="en-US" dirty="0"/>
+              <a:t>Diagram from: </a:t>
+            </a:r>
+            <a:r>
+              <a:rPr lang="en-US" dirty="0">
+                <a:hlinkClick r:id="rId5"/>
+              </a:rPr>
+              <a:t>https://</a:t>
+            </a:r>
+            <a:r>
+              <a:rPr lang="en-US" dirty="0" err="1">
+                <a:hlinkClick r:id="rId5"/>
+              </a:rPr>
+              <a:t>developer.android.com</a:t>
+            </a:r>
+            <a:r>
+              <a:rPr lang="en-US" dirty="0">
+                <a:hlinkClick r:id="rId5"/>
+              </a:rPr>
+              <a:t>/guide/components/</a:t>
+            </a:r>
+            <a:r>
+              <a:rPr lang="en-US" dirty="0" err="1">
+                <a:hlinkClick r:id="rId5"/>
+              </a:rPr>
+              <a:t>fragments#Lifecycle</a:t>
+            </a:r>
+            <a:endParaRPr lang="en-US" dirty="0"/>
+          </a:p>
+        </p:txBody>
+      </p:sp>
     </p:spTree>
     <p:extLst>
       <p:ext uri="{BB962C8B-B14F-4D97-AF65-F5344CB8AC3E}">
@@ -15530,13 +14862,6 @@
   <p:clrMapOvr>
     <a:masterClrMapping/>
   </p:clrMapOvr>
-  <p:timing>
-    <p:tnLst>
-      <p:par>
-        <p:cTn id="1" dur="indefinite" restart="never" nodeType="tmRoot"/>
-      </p:par>
-    </p:tnLst>
-  </p:timing>
 </p:sld>
 </file>
 
@@ -15594,18 +14919,13 @@
           </a:lstStyle>
           <a:p>
             <a:r>
-              <a:rPr lang="en-US" dirty="0" smtClean="0">
+              <a:rPr lang="en-US" dirty="0">
                 <a:solidFill>
                   <a:srgbClr val="0000FF"/>
                 </a:solidFill>
               </a:rPr>
               <a:t>Declaring a Fragment</a:t>
             </a:r>
-            <a:endParaRPr lang="en-US" dirty="0">
-              <a:solidFill>
-                <a:srgbClr val="0000FF"/>
-              </a:solidFill>
-            </a:endParaRPr>
           </a:p>
         </p:txBody>
       </p:sp>
@@ -15769,19 +15089,19 @@
           </a:lstStyle>
           <a:p>
             <a:r>
-              <a:rPr lang="en-US" dirty="0" smtClean="0"/>
+              <a:rPr lang="en-US" dirty="0"/>
               <a:t>Declare fragments as subclasses of Fragment</a:t>
             </a:r>
           </a:p>
           <a:p>
             <a:r>
-              <a:rPr lang="en-US" dirty="0" smtClean="0"/>
+              <a:rPr lang="en-US" dirty="0"/>
               <a:t>The Fragment’s UI can be declared in XML or programmatically in Java</a:t>
             </a:r>
           </a:p>
           <a:p>
             <a:r>
-              <a:rPr lang="en-US" dirty="0" smtClean="0"/>
+              <a:rPr lang="en-US" dirty="0"/>
               <a:t>Fragment UIs are declared in exactly the same was as Activity UIs</a:t>
             </a:r>
           </a:p>
@@ -15800,13 +15120,6 @@
   <p:clrMapOvr>
     <a:masterClrMapping/>
   </p:clrMapOvr>
-  <p:timing>
-    <p:tnLst>
-      <p:par>
-        <p:cTn id="1" dur="indefinite" restart="never" nodeType="tmRoot"/>
-      </p:par>
-    </p:tnLst>
-  </p:timing>
 </p:sld>
 </file>
 
@@ -15864,18 +15177,13 @@
           </a:lstStyle>
           <a:p>
             <a:r>
-              <a:rPr lang="en-US" dirty="0" smtClean="0">
+              <a:rPr lang="en-US" dirty="0">
                 <a:solidFill>
                   <a:srgbClr val="0000FF"/>
                 </a:solidFill>
               </a:rPr>
               <a:t>Loading a Fragment</a:t>
             </a:r>
-            <a:endParaRPr lang="en-US" dirty="0">
-              <a:solidFill>
-                <a:srgbClr val="0000FF"/>
-              </a:solidFill>
-            </a:endParaRPr>
           </a:p>
         </p:txBody>
       </p:sp>
@@ -16039,22 +15347,21 @@
           </a:lstStyle>
           <a:p>
             <a:r>
-              <a:rPr lang="en-US" dirty="0" smtClean="0"/>
+              <a:rPr lang="en-US" dirty="0"/>
               <a:t>Fragments are loaded into an Activity at runtime</a:t>
             </a:r>
           </a:p>
           <a:p>
             <a:r>
-              <a:rPr lang="en-US" dirty="0" smtClean="0"/>
+              <a:rPr lang="en-US" dirty="0"/>
               <a:t>The Fragment to be loaded can be determined programmatically by the Activity’s Java code</a:t>
             </a:r>
           </a:p>
           <a:p>
             <a:r>
-              <a:rPr lang="en-US" dirty="0" smtClean="0"/>
+              <a:rPr lang="en-US" dirty="0"/>
               <a:t>Or the Fragment’s name can be hard-coded into the XML layout that is loaded by the Activity</a:t>
             </a:r>
-            <a:endParaRPr lang="en-US" dirty="0"/>
           </a:p>
         </p:txBody>
       </p:sp>
@@ -16068,13 +15375,6 @@
   <p:clrMapOvr>
     <a:masterClrMapping/>
   </p:clrMapOvr>
-  <p:timing>
-    <p:tnLst>
-      <p:par>
-        <p:cTn id="1" dur="indefinite" restart="never" nodeType="tmRoot"/>
-      </p:par>
-    </p:tnLst>
-  </p:timing>
 </p:sld>
 </file>
 

--- a/Notes and Slides/CIS399Wk2Day5-Fragments.pptx
+++ b/Notes and Slides/CIS399Wk2Day5-Fragments.pptx
@@ -930,7 +930,7 @@
         <a:p>
           <a:r>
             <a:rPr lang="en-US" dirty="0"/>
-            <a:t>Activity XML layout: instantiates a Fragment object</a:t>
+            <a:t>Activity XML layout: specifies a Fragment class</a:t>
           </a:r>
         </a:p>
       </dgm:t>
@@ -1428,7 +1428,7 @@
           </a:pPr>
           <a:r>
             <a:rPr lang="en-US" sz="1800" kern="1200" dirty="0"/>
-            <a:t>Activity XML layout: instantiates a Fragment object</a:t>
+            <a:t>Activity XML layout: specifies a Fragment class</a:t>
           </a:r>
         </a:p>
       </dsp:txBody>
@@ -3046,7 +3046,7 @@
           <a:p>
             <a:fld id="{1FC32AA1-1225-9048-80C3-2B6F58548154}" type="datetimeFigureOut">
               <a:rPr lang="en-US" smtClean="0"/>
-              <a:t>7/5/18</a:t>
+              <a:t>7/9/18</a:t>
             </a:fld>
             <a:endParaRPr lang="en-US"/>
           </a:p>
@@ -4197,7 +4197,7 @@
           <a:p>
             <a:fld id="{12110144-19AD-4D4E-902D-E18AF93089D3}" type="datetimeFigureOut">
               <a:rPr lang="en-US" smtClean="0"/>
-              <a:t>7/5/18</a:t>
+              <a:t>7/9/18</a:t>
             </a:fld>
             <a:endParaRPr lang="en-US"/>
           </a:p>
@@ -4365,7 +4365,7 @@
           <a:p>
             <a:fld id="{12110144-19AD-4D4E-902D-E18AF93089D3}" type="datetimeFigureOut">
               <a:rPr lang="en-US" smtClean="0"/>
-              <a:t>7/5/18</a:t>
+              <a:t>7/9/18</a:t>
             </a:fld>
             <a:endParaRPr lang="en-US"/>
           </a:p>
@@ -4543,7 +4543,7 @@
           <a:p>
             <a:fld id="{12110144-19AD-4D4E-902D-E18AF93089D3}" type="datetimeFigureOut">
               <a:rPr lang="en-US" smtClean="0"/>
-              <a:t>7/5/18</a:t>
+              <a:t>7/9/18</a:t>
             </a:fld>
             <a:endParaRPr lang="en-US"/>
           </a:p>
@@ -4711,7 +4711,7 @@
           <a:p>
             <a:fld id="{12110144-19AD-4D4E-902D-E18AF93089D3}" type="datetimeFigureOut">
               <a:rPr lang="en-US" smtClean="0"/>
-              <a:t>7/5/18</a:t>
+              <a:t>7/9/18</a:t>
             </a:fld>
             <a:endParaRPr lang="en-US"/>
           </a:p>
@@ -4956,7 +4956,7 @@
           <a:p>
             <a:fld id="{12110144-19AD-4D4E-902D-E18AF93089D3}" type="datetimeFigureOut">
               <a:rPr lang="en-US" smtClean="0"/>
-              <a:t>7/5/18</a:t>
+              <a:t>7/9/18</a:t>
             </a:fld>
             <a:endParaRPr lang="en-US"/>
           </a:p>
@@ -5241,7 +5241,7 @@
           <a:p>
             <a:fld id="{12110144-19AD-4D4E-902D-E18AF93089D3}" type="datetimeFigureOut">
               <a:rPr lang="en-US" smtClean="0"/>
-              <a:t>7/5/18</a:t>
+              <a:t>7/9/18</a:t>
             </a:fld>
             <a:endParaRPr lang="en-US"/>
           </a:p>
@@ -5660,7 +5660,7 @@
           <a:p>
             <a:fld id="{12110144-19AD-4D4E-902D-E18AF93089D3}" type="datetimeFigureOut">
               <a:rPr lang="en-US" smtClean="0"/>
-              <a:t>7/5/18</a:t>
+              <a:t>7/9/18</a:t>
             </a:fld>
             <a:endParaRPr lang="en-US"/>
           </a:p>
@@ -5777,7 +5777,7 @@
           <a:p>
             <a:fld id="{12110144-19AD-4D4E-902D-E18AF93089D3}" type="datetimeFigureOut">
               <a:rPr lang="en-US" smtClean="0"/>
-              <a:t>7/5/18</a:t>
+              <a:t>7/9/18</a:t>
             </a:fld>
             <a:endParaRPr lang="en-US"/>
           </a:p>
@@ -5872,7 +5872,7 @@
           <a:p>
             <a:fld id="{12110144-19AD-4D4E-902D-E18AF93089D3}" type="datetimeFigureOut">
               <a:rPr lang="en-US" smtClean="0"/>
-              <a:t>7/5/18</a:t>
+              <a:t>7/9/18</a:t>
             </a:fld>
             <a:endParaRPr lang="en-US"/>
           </a:p>
@@ -6147,7 +6147,7 @@
           <a:p>
             <a:fld id="{12110144-19AD-4D4E-902D-E18AF93089D3}" type="datetimeFigureOut">
               <a:rPr lang="en-US" smtClean="0"/>
-              <a:t>7/5/18</a:t>
+              <a:t>7/9/18</a:t>
             </a:fld>
             <a:endParaRPr lang="en-US"/>
           </a:p>
@@ -6399,7 +6399,7 @@
           <a:p>
             <a:fld id="{12110144-19AD-4D4E-902D-E18AF93089D3}" type="datetimeFigureOut">
               <a:rPr lang="en-US" smtClean="0"/>
-              <a:t>7/5/18</a:t>
+              <a:t>7/9/18</a:t>
             </a:fld>
             <a:endParaRPr lang="en-US"/>
           </a:p>
@@ -6628,7 +6628,7 @@
           <a:p>
             <a:fld id="{12110144-19AD-4D4E-902D-E18AF93089D3}" type="datetimeFigureOut">
               <a:rPr lang="en-US" smtClean="0"/>
-              <a:t>7/5/18</a:t>
+              <a:t>7/9/18</a:t>
             </a:fld>
             <a:endParaRPr lang="en-US"/>
           </a:p>
@@ -7203,7 +7203,7 @@
           <p:nvPr>
             <p:extLst>
               <p:ext uri="{D42A27DB-BD31-4B8C-83A1-F6EECF244321}">
-                <p14:modId xmlns:p14="http://schemas.microsoft.com/office/powerpoint/2010/main" val="459738608"/>
+                <p14:modId xmlns:p14="http://schemas.microsoft.com/office/powerpoint/2010/main" val="3288317585"/>
               </p:ext>
             </p:extLst>
           </p:nvPr>
@@ -8066,7 +8066,7 @@
           <a:graphicData uri="http://schemas.openxmlformats.org/presentationml/2006/ole">
             <mc:AlternateContent xmlns:mc="http://schemas.openxmlformats.org/markup-compatibility/2006">
               <mc:Choice xmlns:v="urn:schemas-microsoft-com:vml" Requires="v">
-                <p:oleObj spid="_x0000_s2076" name="Document" r:id="rId3" imgW="7235249" imgH="5561017" progId="Word.Document.12">
+                <p:oleObj spid="_x0000_s2078" name="Document" r:id="rId3" imgW="7235249" imgH="5561017" progId="Word.Document.12">
                   <p:embed/>
                 </p:oleObj>
               </mc:Choice>
@@ -8263,7 +8263,7 @@
           <a:graphicData uri="http://schemas.openxmlformats.org/presentationml/2006/ole">
             <mc:AlternateContent xmlns:mc="http://schemas.openxmlformats.org/markup-compatibility/2006">
               <mc:Choice xmlns:v="urn:schemas-microsoft-com:vml" Requires="v">
-                <p:oleObj spid="_x0000_s3100" name="Document" r:id="rId3" imgW="7359921" imgH="5434032" progId="Word.Document.12">
+                <p:oleObj spid="_x0000_s3102" name="Document" r:id="rId3" imgW="7359921" imgH="5434032" progId="Word.Document.12">
                   <p:embed/>
                 </p:oleObj>
               </mc:Choice>
